--- a/satrday-r-power-bi.pptx
+++ b/satrday-r-power-bi.pptx
@@ -5,23 +5,24 @@
     <p:sldMasterId id="2147483648" r:id="rId1"/>
   </p:sldMasterIdLst>
   <p:notesMasterIdLst>
-    <p:notesMasterId r:id="rId16"/>
+    <p:notesMasterId r:id="rId17"/>
   </p:notesMasterIdLst>
   <p:sldIdLst>
     <p:sldId id="256" r:id="rId2"/>
     <p:sldId id="436" r:id="rId3"/>
     <p:sldId id="441" r:id="rId4"/>
-    <p:sldId id="442" r:id="rId5"/>
-    <p:sldId id="446" r:id="rId6"/>
-    <p:sldId id="445" r:id="rId7"/>
-    <p:sldId id="444" r:id="rId8"/>
-    <p:sldId id="426" r:id="rId9"/>
-    <p:sldId id="431" r:id="rId10"/>
-    <p:sldId id="440" r:id="rId11"/>
-    <p:sldId id="433" r:id="rId12"/>
-    <p:sldId id="336" r:id="rId13"/>
-    <p:sldId id="434" r:id="rId14"/>
-    <p:sldId id="432" r:id="rId15"/>
+    <p:sldId id="447" r:id="rId5"/>
+    <p:sldId id="442" r:id="rId6"/>
+    <p:sldId id="446" r:id="rId7"/>
+    <p:sldId id="445" r:id="rId8"/>
+    <p:sldId id="444" r:id="rId9"/>
+    <p:sldId id="426" r:id="rId10"/>
+    <p:sldId id="431" r:id="rId11"/>
+    <p:sldId id="440" r:id="rId12"/>
+    <p:sldId id="433" r:id="rId13"/>
+    <p:sldId id="336" r:id="rId14"/>
+    <p:sldId id="434" r:id="rId15"/>
+    <p:sldId id="432" r:id="rId16"/>
   </p:sldIdLst>
   <p:sldSz cx="12192000" cy="6858000"/>
   <p:notesSz cx="6858000" cy="9144000"/>
@@ -1840,7 +1841,7 @@
           <a:p>
             <a:fld id="{503F064B-41F2-4661-BDF0-BFD135E9A557}" type="datetimeFigureOut">
               <a:rPr lang="en-US" smtClean="0"/>
-              <a:t>8/23/2021</a:t>
+              <a:t>9/12/2021</a:t>
             </a:fld>
             <a:endParaRPr lang="en-US"/>
           </a:p>
@@ -2175,7 +2176,7 @@
           <a:p>
             <a:fld id="{3BB66621-ADCC-4EF8-8003-B9D3E881DCD2}" type="slidenum">
               <a:rPr lang="en-US" smtClean="0"/>
-              <a:t>6</a:t>
+              <a:t>7</a:t>
             </a:fld>
             <a:endParaRPr lang="en-US"/>
           </a:p>
@@ -2291,7 +2292,7 @@
           <a:p>
             <a:fld id="{3BB66621-ADCC-4EF8-8003-B9D3E881DCD2}" type="slidenum">
               <a:rPr lang="en-US" smtClean="0"/>
-              <a:t>11</a:t>
+              <a:t>12</a:t>
             </a:fld>
             <a:endParaRPr lang="en-US"/>
           </a:p>
@@ -2439,7 +2440,7 @@
           <a:p>
             <a:fld id="{0138B082-EFC2-46C1-B47C-51736C670379}" type="datetimeFigureOut">
               <a:rPr lang="en-US" smtClean="0"/>
-              <a:t>8/23/2021</a:t>
+              <a:t>9/12/2021</a:t>
             </a:fld>
             <a:endParaRPr lang="en-US"/>
           </a:p>
@@ -2607,7 +2608,7 @@
           <a:p>
             <a:fld id="{0138B082-EFC2-46C1-B47C-51736C670379}" type="datetimeFigureOut">
               <a:rPr lang="en-US" smtClean="0"/>
-              <a:t>8/23/2021</a:t>
+              <a:t>9/12/2021</a:t>
             </a:fld>
             <a:endParaRPr lang="en-US"/>
           </a:p>
@@ -2785,7 +2786,7 @@
           <a:p>
             <a:fld id="{0138B082-EFC2-46C1-B47C-51736C670379}" type="datetimeFigureOut">
               <a:rPr lang="en-US" smtClean="0"/>
-              <a:t>8/23/2021</a:t>
+              <a:t>9/12/2021</a:t>
             </a:fld>
             <a:endParaRPr lang="en-US"/>
           </a:p>
@@ -2953,7 +2954,7 @@
           <a:p>
             <a:fld id="{0138B082-EFC2-46C1-B47C-51736C670379}" type="datetimeFigureOut">
               <a:rPr lang="en-US" smtClean="0"/>
-              <a:t>8/23/2021</a:t>
+              <a:t>9/12/2021</a:t>
             </a:fld>
             <a:endParaRPr lang="en-US"/>
           </a:p>
@@ -3198,7 +3199,7 @@
           <a:p>
             <a:fld id="{0138B082-EFC2-46C1-B47C-51736C670379}" type="datetimeFigureOut">
               <a:rPr lang="en-US" smtClean="0"/>
-              <a:t>8/23/2021</a:t>
+              <a:t>9/12/2021</a:t>
             </a:fld>
             <a:endParaRPr lang="en-US"/>
           </a:p>
@@ -3427,7 +3428,7 @@
           <a:p>
             <a:fld id="{0138B082-EFC2-46C1-B47C-51736C670379}" type="datetimeFigureOut">
               <a:rPr lang="en-US" smtClean="0"/>
-              <a:t>8/23/2021</a:t>
+              <a:t>9/12/2021</a:t>
             </a:fld>
             <a:endParaRPr lang="en-US"/>
           </a:p>
@@ -3791,7 +3792,7 @@
           <a:p>
             <a:fld id="{0138B082-EFC2-46C1-B47C-51736C670379}" type="datetimeFigureOut">
               <a:rPr lang="en-US" smtClean="0"/>
-              <a:t>8/23/2021</a:t>
+              <a:t>9/12/2021</a:t>
             </a:fld>
             <a:endParaRPr lang="en-US"/>
           </a:p>
@@ -3908,7 +3909,7 @@
           <a:p>
             <a:fld id="{0138B082-EFC2-46C1-B47C-51736C670379}" type="datetimeFigureOut">
               <a:rPr lang="en-US" smtClean="0"/>
-              <a:t>8/23/2021</a:t>
+              <a:t>9/12/2021</a:t>
             </a:fld>
             <a:endParaRPr lang="en-US"/>
           </a:p>
@@ -4003,7 +4004,7 @@
           <a:p>
             <a:fld id="{0138B082-EFC2-46C1-B47C-51736C670379}" type="datetimeFigureOut">
               <a:rPr lang="en-US" smtClean="0"/>
-              <a:t>8/23/2021</a:t>
+              <a:t>9/12/2021</a:t>
             </a:fld>
             <a:endParaRPr lang="en-US"/>
           </a:p>
@@ -4278,7 +4279,7 @@
           <a:p>
             <a:fld id="{0138B082-EFC2-46C1-B47C-51736C670379}" type="datetimeFigureOut">
               <a:rPr lang="en-US" smtClean="0"/>
-              <a:t>8/23/2021</a:t>
+              <a:t>9/12/2021</a:t>
             </a:fld>
             <a:endParaRPr lang="en-US"/>
           </a:p>
@@ -4530,7 +4531,7 @@
           <a:p>
             <a:fld id="{0138B082-EFC2-46C1-B47C-51736C670379}" type="datetimeFigureOut">
               <a:rPr lang="en-US" smtClean="0"/>
-              <a:t>8/23/2021</a:t>
+              <a:t>9/12/2021</a:t>
             </a:fld>
             <a:endParaRPr lang="en-US"/>
           </a:p>
@@ -4741,7 +4742,7 @@
           <a:p>
             <a:fld id="{0138B082-EFC2-46C1-B47C-51736C670379}" type="datetimeFigureOut">
               <a:rPr lang="en-US" smtClean="0"/>
-              <a:t>8/23/2021</a:t>
+              <a:t>9/12/2021</a:t>
             </a:fld>
             <a:endParaRPr lang="en-US"/>
           </a:p>
@@ -5336,6 +5337,145 @@
         <p:spPr>
           <a:xfrm>
             <a:off x="520861" y="393539"/>
+            <a:ext cx="10324617" cy="4154984"/>
+          </a:xfrm>
+          <a:prstGeom prst="rect">
+            <a:avLst/>
+          </a:prstGeom>
+          <a:noFill/>
+        </p:spPr>
+        <p:txBody>
+          <a:bodyPr wrap="square" rtlCol="0">
+            <a:spAutoFit/>
+          </a:bodyPr>
+          <a:lstStyle/>
+          <a:p>
+            <a:r>
+              <a:rPr lang="en-US" sz="6600" b="1" dirty="0">
+                <a:solidFill>
+                  <a:schemeClr val="bg1"/>
+                </a:solidFill>
+                <a:latin typeface="Pragmatica" pitchFamily="2" charset="0"/>
+              </a:rPr>
+              <a:t>Have you downloaded the Analysis ToolPak?</a:t>
+            </a:r>
+          </a:p>
+          <a:p>
+            <a:endParaRPr lang="en-US" sz="6600" b="1" dirty="0">
+              <a:solidFill>
+                <a:schemeClr val="bg1"/>
+              </a:solidFill>
+              <a:latin typeface="Pragmatica" pitchFamily="2" charset="0"/>
+            </a:endParaRPr>
+          </a:p>
+          <a:p>
+            <a:r>
+              <a:rPr lang="en-US" sz="6600" b="1" dirty="0">
+                <a:solidFill>
+                  <a:schemeClr val="bg1"/>
+                </a:solidFill>
+                <a:latin typeface="Pragmatica" pitchFamily="2" charset="0"/>
+                <a:hlinkClick r:id="rId2">
+                  <a:extLst>
+                    <a:ext uri="{A12FA001-AC4F-418D-AE19-62706E023703}">
+                      <ahyp:hlinkClr xmlns:ahyp="http://schemas.microsoft.com/office/drawing/2018/hyperlinkcolor" val="tx"/>
+                    </a:ext>
+                  </a:extLst>
+                </a:hlinkClick>
+              </a:rPr>
+              <a:t>https://bit.ly/3jZaw9X</a:t>
+            </a:r>
+            <a:endParaRPr lang="en-US" sz="6600" b="1" dirty="0">
+              <a:solidFill>
+                <a:schemeClr val="bg1"/>
+              </a:solidFill>
+              <a:latin typeface="Pragmatica" pitchFamily="2" charset="0"/>
+            </a:endParaRPr>
+          </a:p>
+        </p:txBody>
+      </p:sp>
+    </p:spTree>
+    <p:extLst>
+      <p:ext uri="{BB962C8B-B14F-4D97-AF65-F5344CB8AC3E}">
+        <p14:creationId xmlns:p14="http://schemas.microsoft.com/office/powerpoint/2010/main" val="1922980201"/>
+      </p:ext>
+    </p:extLst>
+  </p:cSld>
+  <p:clrMapOvr>
+    <a:masterClrMapping/>
+  </p:clrMapOvr>
+</p:sld>
+</file>
+
+<file path=ppt/slides/slide11.xml><?xml version="1.0" encoding="utf-8"?>
+<p:sld xmlns:a="http://schemas.openxmlformats.org/drawingml/2006/main" xmlns:r="http://schemas.openxmlformats.org/officeDocument/2006/relationships" xmlns:p="http://schemas.openxmlformats.org/presentationml/2006/main">
+  <p:cSld>
+    <p:spTree>
+      <p:nvGrpSpPr>
+        <p:cNvPr id="1" name=""/>
+        <p:cNvGrpSpPr/>
+        <p:nvPr/>
+      </p:nvGrpSpPr>
+      <p:grpSpPr>
+        <a:xfrm>
+          <a:off x="0" y="0"/>
+          <a:ext cx="0" cy="0"/>
+          <a:chOff x="0" y="0"/>
+          <a:chExt cx="0" cy="0"/>
+        </a:xfrm>
+      </p:grpSpPr>
+      <p:sp>
+        <p:nvSpPr>
+          <p:cNvPr id="4" name="Rectangle 3"/>
+          <p:cNvSpPr/>
+          <p:nvPr/>
+        </p:nvSpPr>
+        <p:spPr>
+          <a:xfrm>
+            <a:off x="0" y="0"/>
+            <a:ext cx="12192000" cy="6858000"/>
+          </a:xfrm>
+          <a:prstGeom prst="rect">
+            <a:avLst/>
+          </a:prstGeom>
+          <a:solidFill>
+            <a:srgbClr val="CF3338"/>
+          </a:solidFill>
+        </p:spPr>
+        <p:style>
+          <a:lnRef idx="2">
+            <a:schemeClr val="accent1">
+              <a:shade val="50000"/>
+            </a:schemeClr>
+          </a:lnRef>
+          <a:fillRef idx="1">
+            <a:schemeClr val="accent1"/>
+          </a:fillRef>
+          <a:effectRef idx="0">
+            <a:schemeClr val="accent1"/>
+          </a:effectRef>
+          <a:fontRef idx="minor">
+            <a:schemeClr val="lt1"/>
+          </a:fontRef>
+        </p:style>
+        <p:txBody>
+          <a:bodyPr rtlCol="0" anchor="ctr"/>
+          <a:lstStyle/>
+          <a:p>
+            <a:pPr algn="ctr"/>
+            <a:endParaRPr lang="en-US"/>
+          </a:p>
+        </p:txBody>
+      </p:sp>
+      <p:sp>
+        <p:nvSpPr>
+          <p:cNvPr id="5" name="TextBox 4"/>
+          <p:cNvSpPr txBox="1"/>
+          <p:nvPr/>
+        </p:nvSpPr>
+        <p:spPr>
+          <a:xfrm>
+            <a:off x="520861" y="393539"/>
             <a:ext cx="10324617" cy="1107996"/>
           </a:xfrm>
           <a:prstGeom prst="rect">
@@ -5374,7 +5514,7 @@
 </p:sld>
 </file>
 
-<file path=ppt/slides/slide11.xml><?xml version="1.0" encoding="utf-8"?>
+<file path=ppt/slides/slide12.xml><?xml version="1.0" encoding="utf-8"?>
 <p:sld xmlns:a="http://schemas.openxmlformats.org/drawingml/2006/main" xmlns:r="http://schemas.openxmlformats.org/officeDocument/2006/relationships" xmlns:p="http://schemas.openxmlformats.org/presentationml/2006/main">
   <p:cSld>
     <p:spTree>
@@ -5568,153 +5708,6 @@
     <p:extLst>
       <p:ext uri="{BB962C8B-B14F-4D97-AF65-F5344CB8AC3E}">
         <p14:creationId xmlns:p14="http://schemas.microsoft.com/office/powerpoint/2010/main" val="1574051232"/>
-      </p:ext>
-    </p:extLst>
-  </p:cSld>
-  <p:clrMapOvr>
-    <a:masterClrMapping/>
-  </p:clrMapOvr>
-</p:sld>
-</file>
-
-<file path=ppt/slides/slide12.xml><?xml version="1.0" encoding="utf-8"?>
-<p:sld xmlns:a="http://schemas.openxmlformats.org/drawingml/2006/main" xmlns:r="http://schemas.openxmlformats.org/officeDocument/2006/relationships" xmlns:p="http://schemas.openxmlformats.org/presentationml/2006/main">
-  <p:cSld>
-    <p:spTree>
-      <p:nvGrpSpPr>
-        <p:cNvPr id="1" name=""/>
-        <p:cNvGrpSpPr/>
-        <p:nvPr/>
-      </p:nvGrpSpPr>
-      <p:grpSpPr>
-        <a:xfrm>
-          <a:off x="0" y="0"/>
-          <a:ext cx="0" cy="0"/>
-          <a:chOff x="0" y="0"/>
-          <a:chExt cx="0" cy="0"/>
-        </a:xfrm>
-      </p:grpSpPr>
-      <p:pic>
-        <p:nvPicPr>
-          <p:cNvPr id="10" name="Picture 9"/>
-          <p:cNvPicPr>
-            <a:picLocks noChangeAspect="1"/>
-          </p:cNvPicPr>
-          <p:nvPr/>
-        </p:nvPicPr>
-        <p:blipFill rotWithShape="1">
-          <a:blip r:embed="rId2">
-            <a:extLst>
-              <a:ext uri="{28A0092B-C50C-407E-A947-70E740481C1C}">
-                <a14:useLocalDpi xmlns:a14="http://schemas.microsoft.com/office/drawing/2010/main" val="0"/>
-              </a:ext>
-            </a:extLst>
-          </a:blip>
-          <a:srcRect l="50728" t="56371"/>
-          <a:stretch/>
-        </p:blipFill>
-        <p:spPr>
-          <a:xfrm>
-            <a:off x="8136460" y="2210765"/>
-            <a:ext cx="4055539" cy="4647236"/>
-          </a:xfrm>
-          <a:prstGeom prst="rect">
-            <a:avLst/>
-          </a:prstGeom>
-        </p:spPr>
-      </p:pic>
-      <p:pic>
-        <p:nvPicPr>
-          <p:cNvPr id="4" name="Picture 3"/>
-          <p:cNvPicPr>
-            <a:picLocks noChangeAspect="1"/>
-          </p:cNvPicPr>
-          <p:nvPr/>
-        </p:nvPicPr>
-        <p:blipFill>
-          <a:blip r:embed="rId3">
-            <a:extLst>
-              <a:ext uri="{28A0092B-C50C-407E-A947-70E740481C1C}">
-                <a14:useLocalDpi xmlns:a14="http://schemas.microsoft.com/office/drawing/2010/main" val="0"/>
-              </a:ext>
-            </a:extLst>
-          </a:blip>
-          <a:stretch>
-            <a:fillRect/>
-          </a:stretch>
-        </p:blipFill>
-        <p:spPr>
-          <a:xfrm>
-            <a:off x="-538496" y="-2482770"/>
-            <a:ext cx="10171472" cy="7459883"/>
-          </a:xfrm>
-          <a:prstGeom prst="rect">
-            <a:avLst/>
-          </a:prstGeom>
-        </p:spPr>
-      </p:pic>
-      <p:sp>
-        <p:nvSpPr>
-          <p:cNvPr id="11" name="TextBox 10"/>
-          <p:cNvSpPr txBox="1"/>
-          <p:nvPr/>
-        </p:nvSpPr>
-        <p:spPr>
-          <a:xfrm>
-            <a:off x="324091" y="1687545"/>
-            <a:ext cx="7986531" cy="1384995"/>
-          </a:xfrm>
-          <a:prstGeom prst="rect">
-            <a:avLst/>
-          </a:prstGeom>
-          <a:noFill/>
-        </p:spPr>
-        <p:txBody>
-          <a:bodyPr wrap="square" rtlCol="0">
-            <a:spAutoFit/>
-          </a:bodyPr>
-          <a:lstStyle/>
-          <a:p>
-            <a:r>
-              <a:rPr lang="en-US" sz="2800" b="1" dirty="0">
-                <a:solidFill>
-                  <a:srgbClr val="707070"/>
-                </a:solidFill>
-                <a:latin typeface="Pragmatica" panose="020B0403040502020204" pitchFamily="34" charset="0"/>
-              </a:rPr>
-              <a:t>Event survey: </a:t>
-            </a:r>
-            <a:r>
-              <a:rPr lang="en-US" sz="2800" b="1" dirty="0">
-                <a:solidFill>
-                  <a:srgbClr val="707070"/>
-                </a:solidFill>
-                <a:latin typeface="Pragmatica" panose="020B0403040502020204" pitchFamily="34" charset="0"/>
-                <a:hlinkClick r:id="rId4"/>
-              </a:rPr>
-              <a:t>https://forms.office.com/r/0ZnD0LxpZy</a:t>
-            </a:r>
-            <a:endParaRPr lang="en-US" sz="2800" b="1" dirty="0">
-              <a:solidFill>
-                <a:srgbClr val="707070"/>
-              </a:solidFill>
-              <a:latin typeface="Pragmatica" panose="020B0403040502020204" pitchFamily="34" charset="0"/>
-            </a:endParaRPr>
-          </a:p>
-          <a:p>
-            <a:endParaRPr lang="en-US" sz="2800" b="1" dirty="0">
-              <a:solidFill>
-                <a:srgbClr val="707070"/>
-              </a:solidFill>
-              <a:latin typeface="Pragmatica" panose="020B0403040502020204" pitchFamily="34" charset="0"/>
-            </a:endParaRPr>
-          </a:p>
-        </p:txBody>
-      </p:sp>
-    </p:spTree>
-    <p:extLst>
-      <p:ext uri="{BB962C8B-B14F-4D97-AF65-F5344CB8AC3E}">
-        <p14:creationId xmlns:p14="http://schemas.microsoft.com/office/powerpoint/2010/main" val="2312071835"/>
       </p:ext>
     </p:extLst>
   </p:cSld>
@@ -5809,7 +5802,7 @@
         <p:spPr>
           <a:xfrm>
             <a:off x="324091" y="1687545"/>
-            <a:ext cx="7986531" cy="1077218"/>
+            <a:ext cx="7986531" cy="1384995"/>
           </a:xfrm>
           <a:prstGeom prst="rect">
             <a:avLst/>
@@ -5823,29 +5816,45 @@
           <a:lstStyle/>
           <a:p>
             <a:r>
-              <a:rPr lang="en-US" sz="4400" b="1" dirty="0">
+              <a:rPr lang="en-US" sz="2800" b="1" dirty="0">
                 <a:solidFill>
                   <a:srgbClr val="707070"/>
                 </a:solidFill>
                 <a:latin typeface="Pragmatica" panose="020B0403040502020204" pitchFamily="34" charset="0"/>
               </a:rPr>
-              <a:t>Questions?</a:t>
-            </a:r>
-          </a:p>
-          <a:p>
-            <a:endParaRPr lang="en-US" sz="2000" b="1" i="1" dirty="0">
+              <a:t>Event survey: </a:t>
+            </a:r>
+            <a:r>
+              <a:rPr lang="en-US" sz="2800" b="1" dirty="0">
+                <a:solidFill>
+                  <a:srgbClr val="707070"/>
+                </a:solidFill>
+                <a:latin typeface="Pragmatica" panose="020B0403040502020204" pitchFamily="34" charset="0"/>
+                <a:hlinkClick r:id="rId4"/>
+              </a:rPr>
+              <a:t>https://forms.office.com/r/0ZnD0LxpZy</a:t>
+            </a:r>
+            <a:endParaRPr lang="en-US" sz="2800" b="1" dirty="0">
               <a:solidFill>
                 <a:srgbClr val="707070"/>
               </a:solidFill>
               <a:latin typeface="Pragmatica" panose="020B0403040502020204" pitchFamily="34" charset="0"/>
             </a:endParaRPr>
           </a:p>
+          <a:p>
+            <a:endParaRPr lang="en-US" sz="2800" b="1" dirty="0">
+              <a:solidFill>
+                <a:srgbClr val="707070"/>
+              </a:solidFill>
+              <a:latin typeface="Pragmatica" panose="020B0403040502020204" pitchFamily="34" charset="0"/>
+            </a:endParaRPr>
+          </a:p>
         </p:txBody>
       </p:sp>
     </p:spTree>
     <p:extLst>
       <p:ext uri="{BB962C8B-B14F-4D97-AF65-F5344CB8AC3E}">
-        <p14:creationId xmlns:p14="http://schemas.microsoft.com/office/powerpoint/2010/main" val="2792158884"/>
+        <p14:creationId xmlns:p14="http://schemas.microsoft.com/office/powerpoint/2010/main" val="2312071835"/>
       </p:ext>
     </p:extLst>
   </p:cSld>
@@ -5940,7 +5949,7 @@
         <p:spPr>
           <a:xfrm>
             <a:off x="324091" y="1687545"/>
-            <a:ext cx="7986531" cy="2369880"/>
+            <a:ext cx="7986531" cy="1077218"/>
           </a:xfrm>
           <a:prstGeom prst="rect">
             <a:avLst/>
@@ -5954,83 +5963,29 @@
           <a:lstStyle/>
           <a:p>
             <a:r>
-              <a:rPr lang="en-US" sz="3600" b="1" dirty="0">
+              <a:rPr lang="en-US" sz="4400" b="1" dirty="0">
                 <a:solidFill>
                   <a:srgbClr val="707070"/>
                 </a:solidFill>
                 <a:latin typeface="Pragmatica" panose="020B0403040502020204" pitchFamily="34" charset="0"/>
               </a:rPr>
-              <a:t>THANK YOU</a:t>
-            </a:r>
-          </a:p>
-          <a:p>
-            <a:endParaRPr lang="en-US" sz="2800" b="1" dirty="0">
+              <a:t>Questions?</a:t>
+            </a:r>
+          </a:p>
+          <a:p>
+            <a:endParaRPr lang="en-US" sz="2000" b="1" i="1" dirty="0">
               <a:solidFill>
                 <a:srgbClr val="707070"/>
               </a:solidFill>
               <a:latin typeface="Pragmatica" panose="020B0403040502020204" pitchFamily="34" charset="0"/>
             </a:endParaRPr>
           </a:p>
-          <a:p>
-            <a:r>
-              <a:rPr lang="en-US" sz="2800" b="1" dirty="0">
-                <a:solidFill>
-                  <a:srgbClr val="707070"/>
-                </a:solidFill>
-                <a:latin typeface="Pragmatica" panose="020B0403040502020204" pitchFamily="34" charset="0"/>
-                <a:hlinkClick r:id="rId4"/>
-              </a:rPr>
-              <a:t>george@stringfestanalytics.com</a:t>
-            </a:r>
-            <a:endParaRPr lang="en-US" sz="2800" b="1" dirty="0">
-              <a:solidFill>
-                <a:srgbClr val="707070"/>
-              </a:solidFill>
-              <a:latin typeface="Pragmatica" panose="020B0403040502020204" pitchFamily="34" charset="0"/>
-            </a:endParaRPr>
-          </a:p>
-          <a:p>
-            <a:r>
-              <a:rPr lang="en-US" sz="2800" b="1" dirty="0">
-                <a:solidFill>
-                  <a:srgbClr val="707070"/>
-                </a:solidFill>
-                <a:latin typeface="Pragmatica" panose="020B0403040502020204" pitchFamily="34" charset="0"/>
-                <a:hlinkClick r:id="rId5"/>
-              </a:rPr>
-              <a:t>linkedin.com/in/gjmount</a:t>
-            </a:r>
-            <a:endParaRPr lang="en-US" sz="2800" b="1" dirty="0">
-              <a:solidFill>
-                <a:srgbClr val="707070"/>
-              </a:solidFill>
-              <a:latin typeface="Pragmatica" panose="020B0403040502020204" pitchFamily="34" charset="0"/>
-            </a:endParaRPr>
-          </a:p>
-          <a:p>
-            <a:r>
-              <a:rPr lang="en-US" sz="2800" b="1" dirty="0">
-                <a:solidFill>
-                  <a:srgbClr val="707070"/>
-                </a:solidFill>
-                <a:latin typeface="Pragmatica" panose="020B0403040502020204" pitchFamily="34" charset="0"/>
-                <a:hlinkClick r:id="rId6"/>
-              </a:rPr>
-              <a:t>stringfestanalytics.com/contact  </a:t>
-            </a:r>
-            <a:endParaRPr lang="en-US" sz="2800" b="1" dirty="0">
-              <a:solidFill>
-                <a:srgbClr val="707070"/>
-              </a:solidFill>
-              <a:latin typeface="Pragmatica" panose="020B0403040502020204" pitchFamily="34" charset="0"/>
-            </a:endParaRPr>
-          </a:p>
         </p:txBody>
       </p:sp>
     </p:spTree>
     <p:extLst>
       <p:ext uri="{BB962C8B-B14F-4D97-AF65-F5344CB8AC3E}">
-        <p14:creationId xmlns:p14="http://schemas.microsoft.com/office/powerpoint/2010/main" val="3712320391"/>
+        <p14:creationId xmlns:p14="http://schemas.microsoft.com/office/powerpoint/2010/main" val="2792158884"/>
       </p:ext>
     </p:extLst>
   </p:cSld>
@@ -6040,671 +5995,7 @@
 </p:sld>
 </file>
 
-<file path=ppt/slides/slide2.xml><?xml version="1.0" encoding="utf-8"?>
-<p:sld xmlns:a="http://schemas.openxmlformats.org/drawingml/2006/main" xmlns:r="http://schemas.openxmlformats.org/officeDocument/2006/relationships" xmlns:p="http://schemas.openxmlformats.org/presentationml/2006/main">
-  <p:cSld>
-    <p:spTree>
-      <p:nvGrpSpPr>
-        <p:cNvPr id="1" name=""/>
-        <p:cNvGrpSpPr/>
-        <p:nvPr/>
-      </p:nvGrpSpPr>
-      <p:grpSpPr>
-        <a:xfrm>
-          <a:off x="0" y="0"/>
-          <a:ext cx="0" cy="0"/>
-          <a:chOff x="0" y="0"/>
-          <a:chExt cx="0" cy="0"/>
-        </a:xfrm>
-      </p:grpSpPr>
-      <p:pic>
-        <p:nvPicPr>
-          <p:cNvPr id="10" name="Picture 9"/>
-          <p:cNvPicPr>
-            <a:picLocks noChangeAspect="1"/>
-          </p:cNvPicPr>
-          <p:nvPr/>
-        </p:nvPicPr>
-        <p:blipFill rotWithShape="1">
-          <a:blip r:embed="rId2">
-            <a:extLst>
-              <a:ext uri="{28A0092B-C50C-407E-A947-70E740481C1C}">
-                <a14:useLocalDpi xmlns:a14="http://schemas.microsoft.com/office/drawing/2010/main" val="0"/>
-              </a:ext>
-            </a:extLst>
-          </a:blip>
-          <a:srcRect l="50728" t="56371"/>
-          <a:stretch/>
-        </p:blipFill>
-        <p:spPr>
-          <a:xfrm>
-            <a:off x="10894024" y="5370653"/>
-            <a:ext cx="1297975" cy="1487348"/>
-          </a:xfrm>
-          <a:prstGeom prst="rect">
-            <a:avLst/>
-          </a:prstGeom>
-        </p:spPr>
-      </p:pic>
-      <p:sp>
-        <p:nvSpPr>
-          <p:cNvPr id="11" name="TextBox 10"/>
-          <p:cNvSpPr txBox="1"/>
-          <p:nvPr/>
-        </p:nvSpPr>
-        <p:spPr>
-          <a:xfrm>
-            <a:off x="347240" y="113388"/>
-            <a:ext cx="9799937" cy="1015663"/>
-          </a:xfrm>
-          <a:prstGeom prst="rect">
-            <a:avLst/>
-          </a:prstGeom>
-          <a:noFill/>
-        </p:spPr>
-        <p:txBody>
-          <a:bodyPr wrap="square" rtlCol="0">
-            <a:spAutoFit/>
-          </a:bodyPr>
-          <a:lstStyle/>
-          <a:p>
-            <a:r>
-              <a:rPr lang="en-US" sz="6000" dirty="0">
-                <a:latin typeface="Aliens &amp; cows" panose="00000500000000000000" pitchFamily="2" charset="0"/>
-              </a:rPr>
-              <a:t>Learning objectives</a:t>
-            </a:r>
-          </a:p>
-        </p:txBody>
-      </p:sp>
-      <p:sp>
-        <p:nvSpPr>
-          <p:cNvPr id="3" name="TextBox 2"/>
-          <p:cNvSpPr txBox="1"/>
-          <p:nvPr/>
-        </p:nvSpPr>
-        <p:spPr>
-          <a:xfrm>
-            <a:off x="462987" y="1365813"/>
-            <a:ext cx="9595413" cy="3539430"/>
-          </a:xfrm>
-          <a:prstGeom prst="rect">
-            <a:avLst/>
-          </a:prstGeom>
-          <a:noFill/>
-        </p:spPr>
-        <p:txBody>
-          <a:bodyPr wrap="square" rtlCol="0">
-            <a:spAutoFit/>
-          </a:bodyPr>
-          <a:lstStyle/>
-          <a:p>
-            <a:pPr marL="285750" indent="-285750">
-              <a:buFont typeface="Arial" panose="020B0604020202020204" pitchFamily="34" charset="0"/>
-              <a:buChar char="•"/>
-            </a:pPr>
-            <a:r>
-              <a:rPr lang="en-US" sz="2800" dirty="0">
-                <a:solidFill>
-                  <a:srgbClr val="707070"/>
-                </a:solidFill>
-                <a:latin typeface="Pragmatica" panose="020B0403040502020204" pitchFamily="34" charset="0"/>
-              </a:rPr>
-              <a:t>R in Power BI: when and why? </a:t>
-            </a:r>
-          </a:p>
-          <a:p>
-            <a:pPr marL="285750" indent="-285750">
-              <a:buFont typeface="Arial" panose="020B0604020202020204" pitchFamily="34" charset="0"/>
-              <a:buChar char="•"/>
-            </a:pPr>
-            <a:r>
-              <a:rPr lang="en-US" sz="2800" dirty="0">
-                <a:solidFill>
-                  <a:srgbClr val="707070"/>
-                </a:solidFill>
-                <a:latin typeface="Pragmatica" panose="020B0403040502020204" pitchFamily="34" charset="0"/>
-              </a:rPr>
-              <a:t>Setup</a:t>
-            </a:r>
-          </a:p>
-          <a:p>
-            <a:pPr marL="285750" indent="-285750">
-              <a:buFont typeface="Arial" panose="020B0604020202020204" pitchFamily="34" charset="0"/>
-              <a:buChar char="•"/>
-            </a:pPr>
-            <a:r>
-              <a:rPr lang="en-US" sz="2800" dirty="0">
-                <a:solidFill>
-                  <a:srgbClr val="707070"/>
-                </a:solidFill>
-                <a:latin typeface="Pragmatica" panose="020B0403040502020204" pitchFamily="34" charset="0"/>
-              </a:rPr>
-              <a:t>Use cases</a:t>
-            </a:r>
-          </a:p>
-          <a:p>
-            <a:pPr marL="285750" indent="-285750">
-              <a:buFont typeface="Arial" panose="020B0604020202020204" pitchFamily="34" charset="0"/>
-              <a:buChar char="•"/>
-            </a:pPr>
-            <a:endParaRPr lang="en-US" sz="2800" dirty="0">
-              <a:solidFill>
-                <a:srgbClr val="707070"/>
-              </a:solidFill>
-              <a:latin typeface="Pragmatica" panose="020B0403040502020204" pitchFamily="34" charset="0"/>
-            </a:endParaRPr>
-          </a:p>
-          <a:p>
-            <a:pPr marL="285750" indent="-285750">
-              <a:buFont typeface="Arial" panose="020B0604020202020204" pitchFamily="34" charset="0"/>
-              <a:buChar char="•"/>
-            </a:pPr>
-            <a:r>
-              <a:rPr lang="en-US" sz="2800" dirty="0">
-                <a:solidFill>
-                  <a:srgbClr val="707070"/>
-                </a:solidFill>
-                <a:latin typeface="Pragmatica" panose="020B0403040502020204" pitchFamily="34" charset="0"/>
-              </a:rPr>
-              <a:t>Follow along: </a:t>
-            </a:r>
-            <a:r>
-              <a:rPr lang="en-US" sz="2800" dirty="0">
-                <a:solidFill>
-                  <a:srgbClr val="707070"/>
-                </a:solidFill>
-                <a:latin typeface="Pragmatica" panose="020B0403040502020204" pitchFamily="34" charset="0"/>
-                <a:hlinkClick r:id="rId3"/>
-              </a:rPr>
-              <a:t>https://github.com/stringfestdata/satrday-r-power-bi</a:t>
-            </a:r>
-            <a:r>
-              <a:rPr lang="en-US" sz="2800" dirty="0">
-                <a:solidFill>
-                  <a:srgbClr val="707070"/>
-                </a:solidFill>
-                <a:latin typeface="Pragmatica" panose="020B0403040502020204" pitchFamily="34" charset="0"/>
-              </a:rPr>
-              <a:t>  </a:t>
-            </a:r>
-          </a:p>
-          <a:p>
-            <a:pPr marL="285750" indent="-285750">
-              <a:buFont typeface="Arial" panose="020B0604020202020204" pitchFamily="34" charset="0"/>
-              <a:buChar char="•"/>
-            </a:pPr>
-            <a:endParaRPr lang="en-US" sz="2800" dirty="0">
-              <a:solidFill>
-                <a:srgbClr val="707070"/>
-              </a:solidFill>
-              <a:latin typeface="Pragmatica" panose="020B0403040502020204" pitchFamily="34" charset="0"/>
-            </a:endParaRPr>
-          </a:p>
-          <a:p>
-            <a:endParaRPr lang="en-US" sz="2800" dirty="0">
-              <a:solidFill>
-                <a:srgbClr val="707070"/>
-              </a:solidFill>
-              <a:latin typeface="Pragmatica" panose="020B0403040502020204" pitchFamily="34" charset="0"/>
-            </a:endParaRPr>
-          </a:p>
-        </p:txBody>
-      </p:sp>
-    </p:spTree>
-    <p:extLst>
-      <p:ext uri="{BB962C8B-B14F-4D97-AF65-F5344CB8AC3E}">
-        <p14:creationId xmlns:p14="http://schemas.microsoft.com/office/powerpoint/2010/main" val="2948647643"/>
-      </p:ext>
-    </p:extLst>
-  </p:cSld>
-  <p:clrMapOvr>
-    <a:masterClrMapping/>
-  </p:clrMapOvr>
-</p:sld>
-</file>
-
-<file path=ppt/slides/slide3.xml><?xml version="1.0" encoding="utf-8"?>
-<p:sld xmlns:a="http://schemas.openxmlformats.org/drawingml/2006/main" xmlns:r="http://schemas.openxmlformats.org/officeDocument/2006/relationships" xmlns:p="http://schemas.openxmlformats.org/presentationml/2006/main">
-  <p:cSld>
-    <p:spTree>
-      <p:nvGrpSpPr>
-        <p:cNvPr id="1" name=""/>
-        <p:cNvGrpSpPr/>
-        <p:nvPr/>
-      </p:nvGrpSpPr>
-      <p:grpSpPr>
-        <a:xfrm>
-          <a:off x="0" y="0"/>
-          <a:ext cx="0" cy="0"/>
-          <a:chOff x="0" y="0"/>
-          <a:chExt cx="0" cy="0"/>
-        </a:xfrm>
-      </p:grpSpPr>
-      <p:pic>
-        <p:nvPicPr>
-          <p:cNvPr id="10" name="Picture 9"/>
-          <p:cNvPicPr>
-            <a:picLocks noChangeAspect="1"/>
-          </p:cNvPicPr>
-          <p:nvPr/>
-        </p:nvPicPr>
-        <p:blipFill rotWithShape="1">
-          <a:blip r:embed="rId2">
-            <a:extLst>
-              <a:ext uri="{28A0092B-C50C-407E-A947-70E740481C1C}">
-                <a14:useLocalDpi xmlns:a14="http://schemas.microsoft.com/office/drawing/2010/main" val="0"/>
-              </a:ext>
-            </a:extLst>
-          </a:blip>
-          <a:srcRect l="50728" t="56371"/>
-          <a:stretch/>
-        </p:blipFill>
-        <p:spPr>
-          <a:xfrm>
-            <a:off x="10894024" y="5370653"/>
-            <a:ext cx="1297975" cy="1487348"/>
-          </a:xfrm>
-          <a:prstGeom prst="rect">
-            <a:avLst/>
-          </a:prstGeom>
-        </p:spPr>
-      </p:pic>
-      <p:sp>
-        <p:nvSpPr>
-          <p:cNvPr id="11" name="TextBox 10"/>
-          <p:cNvSpPr txBox="1"/>
-          <p:nvPr/>
-        </p:nvSpPr>
-        <p:spPr>
-          <a:xfrm>
-            <a:off x="347240" y="113388"/>
-            <a:ext cx="9799937" cy="1015663"/>
-          </a:xfrm>
-          <a:prstGeom prst="rect">
-            <a:avLst/>
-          </a:prstGeom>
-          <a:noFill/>
-        </p:spPr>
-        <p:txBody>
-          <a:bodyPr wrap="square" rtlCol="0">
-            <a:spAutoFit/>
-          </a:bodyPr>
-          <a:lstStyle/>
-          <a:p>
-            <a:r>
-              <a:rPr lang="en-US" sz="6000" dirty="0">
-                <a:latin typeface="Aliens &amp; cows" panose="00000500000000000000" pitchFamily="2" charset="0"/>
-              </a:rPr>
-              <a:t>Set up</a:t>
-            </a:r>
-          </a:p>
-        </p:txBody>
-      </p:sp>
-      <p:sp>
-        <p:nvSpPr>
-          <p:cNvPr id="13" name="TextBox 12">
-            <a:extLst>
-              <a:ext uri="{FF2B5EF4-FFF2-40B4-BE49-F238E27FC236}">
-                <a16:creationId xmlns:a16="http://schemas.microsoft.com/office/drawing/2014/main" id="{BAD4CFA0-F6EE-4D9E-AA4F-AABFDE2E3205}"/>
-              </a:ext>
-            </a:extLst>
-          </p:cNvPr>
-          <p:cNvSpPr txBox="1"/>
-          <p:nvPr/>
-        </p:nvSpPr>
-        <p:spPr>
-          <a:xfrm>
-            <a:off x="462987" y="1365813"/>
-            <a:ext cx="5511093" cy="1384995"/>
-          </a:xfrm>
-          <a:prstGeom prst="rect">
-            <a:avLst/>
-          </a:prstGeom>
-          <a:noFill/>
-        </p:spPr>
-        <p:txBody>
-          <a:bodyPr wrap="square" rtlCol="0">
-            <a:spAutoFit/>
-          </a:bodyPr>
-          <a:lstStyle/>
-          <a:p>
-            <a:pPr marL="285750" indent="-285750">
-              <a:buFont typeface="Arial" panose="020B0604020202020204" pitchFamily="34" charset="0"/>
-              <a:buChar char="•"/>
-            </a:pPr>
-            <a:r>
-              <a:rPr lang="en-US" sz="2800" dirty="0">
-                <a:solidFill>
-                  <a:srgbClr val="707070"/>
-                </a:solidFill>
-                <a:latin typeface="Pragmatica" panose="020B0403040502020204" pitchFamily="34" charset="0"/>
-              </a:rPr>
-              <a:t>Freemium, Windows only</a:t>
-            </a:r>
-          </a:p>
-          <a:p>
-            <a:pPr marL="285750" indent="-285750">
-              <a:buFont typeface="Arial" panose="020B0604020202020204" pitchFamily="34" charset="0"/>
-              <a:buChar char="•"/>
-            </a:pPr>
-            <a:r>
-              <a:rPr lang="en-US" sz="2800" dirty="0">
-                <a:solidFill>
-                  <a:srgbClr val="707070"/>
-                </a:solidFill>
-                <a:latin typeface="Pragmatica" panose="020B0403040502020204" pitchFamily="34" charset="0"/>
-              </a:rPr>
-              <a:t>File &gt; Options &amp; settings &gt; Options &gt; R scripting</a:t>
-            </a:r>
-          </a:p>
-        </p:txBody>
-      </p:sp>
-      <p:pic>
-        <p:nvPicPr>
-          <p:cNvPr id="3" name="Picture 2">
-            <a:extLst>
-              <a:ext uri="{FF2B5EF4-FFF2-40B4-BE49-F238E27FC236}">
-                <a16:creationId xmlns:a16="http://schemas.microsoft.com/office/drawing/2014/main" id="{81BD8738-D3E2-472F-B98B-1A7B3A2E062F}"/>
-              </a:ext>
-            </a:extLst>
-          </p:cNvPr>
-          <p:cNvPicPr>
-            <a:picLocks noChangeAspect="1"/>
-          </p:cNvPicPr>
-          <p:nvPr/>
-        </p:nvPicPr>
-        <p:blipFill>
-          <a:blip r:embed="rId3"/>
-          <a:stretch>
-            <a:fillRect/>
-          </a:stretch>
-        </p:blipFill>
-        <p:spPr>
-          <a:xfrm>
-            <a:off x="6020490" y="915088"/>
-            <a:ext cx="5779659" cy="5566303"/>
-          </a:xfrm>
-          <a:prstGeom prst="rect">
-            <a:avLst/>
-          </a:prstGeom>
-        </p:spPr>
-      </p:pic>
-    </p:spTree>
-    <p:extLst>
-      <p:ext uri="{BB962C8B-B14F-4D97-AF65-F5344CB8AC3E}">
-        <p14:creationId xmlns:p14="http://schemas.microsoft.com/office/powerpoint/2010/main" val="904060236"/>
-      </p:ext>
-    </p:extLst>
-  </p:cSld>
-  <p:clrMapOvr>
-    <a:masterClrMapping/>
-  </p:clrMapOvr>
-</p:sld>
-</file>
-
-<file path=ppt/slides/slide4.xml><?xml version="1.0" encoding="utf-8"?>
-<p:sld xmlns:a="http://schemas.openxmlformats.org/drawingml/2006/main" xmlns:r="http://schemas.openxmlformats.org/officeDocument/2006/relationships" xmlns:p="http://schemas.openxmlformats.org/presentationml/2006/main">
-  <p:cSld>
-    <p:spTree>
-      <p:nvGrpSpPr>
-        <p:cNvPr id="1" name=""/>
-        <p:cNvGrpSpPr/>
-        <p:nvPr/>
-      </p:nvGrpSpPr>
-      <p:grpSpPr>
-        <a:xfrm>
-          <a:off x="0" y="0"/>
-          <a:ext cx="0" cy="0"/>
-          <a:chOff x="0" y="0"/>
-          <a:chExt cx="0" cy="0"/>
-        </a:xfrm>
-      </p:grpSpPr>
-      <p:pic>
-        <p:nvPicPr>
-          <p:cNvPr id="10" name="Picture 9"/>
-          <p:cNvPicPr>
-            <a:picLocks noChangeAspect="1"/>
-          </p:cNvPicPr>
-          <p:nvPr/>
-        </p:nvPicPr>
-        <p:blipFill rotWithShape="1">
-          <a:blip r:embed="rId2">
-            <a:extLst>
-              <a:ext uri="{28A0092B-C50C-407E-A947-70E740481C1C}">
-                <a14:useLocalDpi xmlns:a14="http://schemas.microsoft.com/office/drawing/2010/main" val="0"/>
-              </a:ext>
-            </a:extLst>
-          </a:blip>
-          <a:srcRect l="50728" t="56371"/>
-          <a:stretch/>
-        </p:blipFill>
-        <p:spPr>
-          <a:xfrm>
-            <a:off x="10894024" y="5370653"/>
-            <a:ext cx="1297975" cy="1487348"/>
-          </a:xfrm>
-          <a:prstGeom prst="rect">
-            <a:avLst/>
-          </a:prstGeom>
-        </p:spPr>
-      </p:pic>
-      <p:sp>
-        <p:nvSpPr>
-          <p:cNvPr id="11" name="TextBox 10"/>
-          <p:cNvSpPr txBox="1"/>
-          <p:nvPr/>
-        </p:nvSpPr>
-        <p:spPr>
-          <a:xfrm>
-            <a:off x="347240" y="113388"/>
-            <a:ext cx="9799937" cy="1015663"/>
-          </a:xfrm>
-          <a:prstGeom prst="rect">
-            <a:avLst/>
-          </a:prstGeom>
-          <a:noFill/>
-        </p:spPr>
-        <p:txBody>
-          <a:bodyPr wrap="square" rtlCol="0">
-            <a:spAutoFit/>
-          </a:bodyPr>
-          <a:lstStyle/>
-          <a:p>
-            <a:r>
-              <a:rPr lang="en-US" sz="6000" dirty="0">
-                <a:latin typeface="Aliens &amp; cows" panose="00000500000000000000" pitchFamily="2" charset="0"/>
-              </a:rPr>
-              <a:t>When and why</a:t>
-            </a:r>
-          </a:p>
-        </p:txBody>
-      </p:sp>
-      <p:sp>
-        <p:nvSpPr>
-          <p:cNvPr id="8" name="TextBox 7">
-            <a:extLst>
-              <a:ext uri="{FF2B5EF4-FFF2-40B4-BE49-F238E27FC236}">
-                <a16:creationId xmlns:a16="http://schemas.microsoft.com/office/drawing/2014/main" id="{42A7C85F-0A10-4F88-8567-526BD39FA98C}"/>
-              </a:ext>
-            </a:extLst>
-          </p:cNvPr>
-          <p:cNvSpPr txBox="1"/>
-          <p:nvPr/>
-        </p:nvSpPr>
-        <p:spPr>
-          <a:xfrm>
-            <a:off x="462987" y="1365813"/>
-            <a:ext cx="5511093" cy="2677656"/>
-          </a:xfrm>
-          <a:prstGeom prst="rect">
-            <a:avLst/>
-          </a:prstGeom>
-          <a:noFill/>
-        </p:spPr>
-        <p:txBody>
-          <a:bodyPr wrap="square" rtlCol="0">
-            <a:spAutoFit/>
-          </a:bodyPr>
-          <a:lstStyle/>
-          <a:p>
-            <a:pPr marL="285750" indent="-285750">
-              <a:buFont typeface="Arial" panose="020B0604020202020204" pitchFamily="34" charset="0"/>
-              <a:buChar char="•"/>
-            </a:pPr>
-            <a:r>
-              <a:rPr lang="en-US" sz="2800" dirty="0">
-                <a:solidFill>
-                  <a:srgbClr val="707070"/>
-                </a:solidFill>
-                <a:latin typeface="Pragmatica" panose="020B0403040502020204" pitchFamily="34" charset="0"/>
-              </a:rPr>
-              <a:t>Remote or unstructured data sources</a:t>
-            </a:r>
-          </a:p>
-          <a:p>
-            <a:pPr marL="285750" indent="-285750">
-              <a:buFont typeface="Arial" panose="020B0604020202020204" pitchFamily="34" charset="0"/>
-              <a:buChar char="•"/>
-            </a:pPr>
-            <a:r>
-              <a:rPr lang="en-US" sz="2800" dirty="0">
-                <a:solidFill>
-                  <a:srgbClr val="707070"/>
-                </a:solidFill>
-                <a:latin typeface="Pragmatica" panose="020B0403040502020204" pitchFamily="34" charset="0"/>
-              </a:rPr>
-              <a:t>Feature engineering (missing values, PCA)</a:t>
-            </a:r>
-          </a:p>
-          <a:p>
-            <a:pPr marL="285750" indent="-285750">
-              <a:buFont typeface="Arial" panose="020B0604020202020204" pitchFamily="34" charset="0"/>
-              <a:buChar char="•"/>
-            </a:pPr>
-            <a:r>
-              <a:rPr lang="en-US" sz="2800" dirty="0">
-                <a:solidFill>
-                  <a:srgbClr val="707070"/>
-                </a:solidFill>
-                <a:latin typeface="Pragmatica" panose="020B0403040502020204" pitchFamily="34" charset="0"/>
-              </a:rPr>
-              <a:t>Regular expressions</a:t>
-            </a:r>
-          </a:p>
-          <a:p>
-            <a:pPr marL="285750" indent="-285750">
-              <a:buFont typeface="Arial" panose="020B0604020202020204" pitchFamily="34" charset="0"/>
-              <a:buChar char="•"/>
-            </a:pPr>
-            <a:r>
-              <a:rPr lang="en-US" sz="2800" dirty="0">
-                <a:solidFill>
-                  <a:srgbClr val="707070"/>
-                </a:solidFill>
-                <a:latin typeface="Pragmatica" panose="020B0403040502020204" pitchFamily="34" charset="0"/>
-              </a:rPr>
-              <a:t>Visualizations</a:t>
-            </a:r>
-          </a:p>
-        </p:txBody>
-      </p:sp>
-      <p:sp>
-        <p:nvSpPr>
-          <p:cNvPr id="12" name="TextBox 11">
-            <a:extLst>
-              <a:ext uri="{FF2B5EF4-FFF2-40B4-BE49-F238E27FC236}">
-                <a16:creationId xmlns:a16="http://schemas.microsoft.com/office/drawing/2014/main" id="{6DD6493B-1F9B-4D5B-BF8B-B1367EE5DCCA}"/>
-              </a:ext>
-            </a:extLst>
-          </p:cNvPr>
-          <p:cNvSpPr txBox="1"/>
-          <p:nvPr/>
-        </p:nvSpPr>
-        <p:spPr>
-          <a:xfrm>
-            <a:off x="119067" y="6488668"/>
-            <a:ext cx="10028110" cy="369332"/>
-          </a:xfrm>
-          <a:prstGeom prst="rect">
-            <a:avLst/>
-          </a:prstGeom>
-          <a:noFill/>
-        </p:spPr>
-        <p:txBody>
-          <a:bodyPr wrap="square">
-            <a:spAutoFit/>
-          </a:bodyPr>
-          <a:lstStyle/>
-          <a:p>
-            <a:r>
-              <a:rPr lang="en-US" dirty="0"/>
-              <a:t>https://www.windowsblogitalia.com/2019/02/microsoft-migliore-futuro-inner-source/</a:t>
-            </a:r>
-          </a:p>
-        </p:txBody>
-      </p:sp>
-      <p:pic>
-        <p:nvPicPr>
-          <p:cNvPr id="1026" name="Picture 2" descr="Microsoft loves Open Source">
-            <a:extLst>
-              <a:ext uri="{FF2B5EF4-FFF2-40B4-BE49-F238E27FC236}">
-                <a16:creationId xmlns:a16="http://schemas.microsoft.com/office/drawing/2014/main" id="{FEA8D45A-D5EA-477A-A7E1-CB8D265DDFC3}"/>
-              </a:ext>
-            </a:extLst>
-          </p:cNvPr>
-          <p:cNvPicPr>
-            <a:picLocks noChangeAspect="1" noChangeArrowheads="1"/>
-          </p:cNvPicPr>
-          <p:nvPr/>
-        </p:nvPicPr>
-        <p:blipFill>
-          <a:blip r:embed="rId3">
-            <a:extLst>
-              <a:ext uri="{28A0092B-C50C-407E-A947-70E740481C1C}">
-                <a14:useLocalDpi xmlns:a14="http://schemas.microsoft.com/office/drawing/2010/main" val="0"/>
-              </a:ext>
-            </a:extLst>
-          </a:blip>
-          <a:srcRect/>
-          <a:stretch>
-            <a:fillRect/>
-          </a:stretch>
-        </p:blipFill>
-        <p:spPr bwMode="auto">
-          <a:xfrm>
-            <a:off x="5773856" y="1192418"/>
-            <a:ext cx="5678104" cy="3783202"/>
-          </a:xfrm>
-          <a:prstGeom prst="rect">
-            <a:avLst/>
-          </a:prstGeom>
-          <a:noFill/>
-          <a:extLst>
-            <a:ext uri="{909E8E84-426E-40DD-AFC4-6F175D3DCCD1}">
-              <a14:hiddenFill xmlns:a14="http://schemas.microsoft.com/office/drawing/2010/main">
-                <a:solidFill>
-                  <a:srgbClr val="FFFFFF"/>
-                </a:solidFill>
-              </a14:hiddenFill>
-            </a:ext>
-          </a:extLst>
-        </p:spPr>
-      </p:pic>
-    </p:spTree>
-    <p:extLst>
-      <p:ext uri="{BB962C8B-B14F-4D97-AF65-F5344CB8AC3E}">
-        <p14:creationId xmlns:p14="http://schemas.microsoft.com/office/powerpoint/2010/main" val="2480351462"/>
-      </p:ext>
-    </p:extLst>
-  </p:cSld>
-  <p:clrMapOvr>
-    <a:masterClrMapping/>
-  </p:clrMapOvr>
-</p:sld>
-</file>
-
-<file path=ppt/slides/slide5.xml><?xml version="1.0" encoding="utf-8"?>
+<file path=ppt/slides/slide15.xml><?xml version="1.0" encoding="utf-8"?>
 <p:sld xmlns:a="http://schemas.openxmlformats.org/drawingml/2006/main" xmlns:r="http://schemas.openxmlformats.org/officeDocument/2006/relationships" xmlns:p="http://schemas.openxmlformats.org/presentationml/2006/main">
   <p:cSld>
     <p:spTree>
@@ -6789,7 +6080,7 @@
         <p:spPr>
           <a:xfrm>
             <a:off x="324091" y="1687545"/>
-            <a:ext cx="4998639" cy="2554545"/>
+            <a:ext cx="7986531" cy="2369880"/>
           </a:xfrm>
           <a:prstGeom prst="rect">
             <a:avLst/>
@@ -6803,17 +6094,17 @@
           <a:lstStyle/>
           <a:p>
             <a:r>
-              <a:rPr lang="en-US" sz="4400" b="1" dirty="0">
+              <a:rPr lang="en-US" sz="3600" b="1" dirty="0">
                 <a:solidFill>
                   <a:srgbClr val="707070"/>
                 </a:solidFill>
                 <a:latin typeface="Pragmatica" panose="020B0403040502020204" pitchFamily="34" charset="0"/>
               </a:rPr>
-              <a:t>Questions?</a:t>
-            </a:r>
-          </a:p>
-          <a:p>
-            <a:endParaRPr lang="en-US" sz="4400" b="1" dirty="0">
+              <a:t>THANK YOU</a:t>
+            </a:r>
+          </a:p>
+          <a:p>
+            <a:endParaRPr lang="en-US" sz="2800" b="1" dirty="0">
               <a:solidFill>
                 <a:srgbClr val="707070"/>
               </a:solidFill>
@@ -6822,68 +6113,64 @@
           </a:p>
           <a:p>
             <a:r>
-              <a:rPr lang="en-US" sz="3600" b="1" i="1" dirty="0">
+              <a:rPr lang="en-US" sz="2800" b="1" dirty="0">
                 <a:solidFill>
                   <a:srgbClr val="707070"/>
                 </a:solidFill>
                 <a:latin typeface="Pragmatica" panose="020B0403040502020204" pitchFamily="34" charset="0"/>
+                <a:hlinkClick r:id="rId4"/>
               </a:rPr>
-              <a:t>Who wants to win a book?</a:t>
-            </a:r>
-          </a:p>
-        </p:txBody>
-      </p:sp>
-      <p:pic>
-        <p:nvPicPr>
-          <p:cNvPr id="2050" name="Picture 2" descr="Advancing into Analytics Cover Image">
-            <a:extLst>
-              <a:ext uri="{FF2B5EF4-FFF2-40B4-BE49-F238E27FC236}">
-                <a16:creationId xmlns:a16="http://schemas.microsoft.com/office/drawing/2014/main" id="{8C41F0CF-29B5-4421-A059-AD896D8CDFD9}"/>
-              </a:ext>
-            </a:extLst>
-          </p:cNvPr>
-          <p:cNvPicPr>
-            <a:picLocks noChangeAspect="1" noChangeArrowheads="1"/>
-          </p:cNvPicPr>
-          <p:nvPr/>
-        </p:nvPicPr>
-        <p:blipFill>
-          <a:blip r:embed="rId4" cstate="print">
-            <a:extLst>
-              <a:ext uri="{28A0092B-C50C-407E-A947-70E740481C1C}">
-                <a14:useLocalDpi xmlns:a14="http://schemas.microsoft.com/office/drawing/2010/main" val="0"/>
-              </a:ext>
-            </a:extLst>
-          </a:blip>
-          <a:srcRect/>
-          <a:stretch>
-            <a:fillRect/>
-          </a:stretch>
-        </p:blipFill>
-        <p:spPr bwMode="auto">
-          <a:xfrm>
-            <a:off x="5322730" y="1846780"/>
-            <a:ext cx="2895014" cy="3780671"/>
-          </a:xfrm>
-          <a:prstGeom prst="rect">
-            <a:avLst/>
-          </a:prstGeom>
-          <a:noFill/>
-          <a:extLst>
-            <a:ext uri="{909E8E84-426E-40DD-AFC4-6F175D3DCCD1}">
-              <a14:hiddenFill xmlns:a14="http://schemas.microsoft.com/office/drawing/2010/main">
+              <a:t>george@stringfestanalytics.com</a:t>
+            </a:r>
+            <a:endParaRPr lang="en-US" sz="2800" b="1" dirty="0">
+              <a:solidFill>
+                <a:srgbClr val="707070"/>
+              </a:solidFill>
+              <a:latin typeface="Pragmatica" panose="020B0403040502020204" pitchFamily="34" charset="0"/>
+            </a:endParaRPr>
+          </a:p>
+          <a:p>
+            <a:r>
+              <a:rPr lang="en-US" sz="2800" b="1" dirty="0">
                 <a:solidFill>
-                  <a:srgbClr val="FFFFFF"/>
+                  <a:srgbClr val="707070"/>
                 </a:solidFill>
-              </a14:hiddenFill>
-            </a:ext>
-          </a:extLst>
-        </p:spPr>
-      </p:pic>
+                <a:latin typeface="Pragmatica" panose="020B0403040502020204" pitchFamily="34" charset="0"/>
+                <a:hlinkClick r:id="rId5"/>
+              </a:rPr>
+              <a:t>linkedin.com/in/gjmount</a:t>
+            </a:r>
+            <a:endParaRPr lang="en-US" sz="2800" b="1" dirty="0">
+              <a:solidFill>
+                <a:srgbClr val="707070"/>
+              </a:solidFill>
+              <a:latin typeface="Pragmatica" panose="020B0403040502020204" pitchFamily="34" charset="0"/>
+            </a:endParaRPr>
+          </a:p>
+          <a:p>
+            <a:r>
+              <a:rPr lang="en-US" sz="2800" b="1" dirty="0">
+                <a:solidFill>
+                  <a:srgbClr val="707070"/>
+                </a:solidFill>
+                <a:latin typeface="Pragmatica" panose="020B0403040502020204" pitchFamily="34" charset="0"/>
+                <a:hlinkClick r:id="rId6"/>
+              </a:rPr>
+              <a:t>stringfestanalytics.com/contact  </a:t>
+            </a:r>
+            <a:endParaRPr lang="en-US" sz="2800" b="1" dirty="0">
+              <a:solidFill>
+                <a:srgbClr val="707070"/>
+              </a:solidFill>
+              <a:latin typeface="Pragmatica" panose="020B0403040502020204" pitchFamily="34" charset="0"/>
+            </a:endParaRPr>
+          </a:p>
+        </p:txBody>
+      </p:sp>
     </p:spTree>
     <p:extLst>
       <p:ext uri="{BB962C8B-B14F-4D97-AF65-F5344CB8AC3E}">
-        <p14:creationId xmlns:p14="http://schemas.microsoft.com/office/powerpoint/2010/main" val="1010532607"/>
+        <p14:creationId xmlns:p14="http://schemas.microsoft.com/office/powerpoint/2010/main" val="3712320391"/>
       </p:ext>
     </p:extLst>
   </p:cSld>
@@ -6893,329 +6180,7 @@
 </p:sld>
 </file>
 
-<file path=ppt/slides/slide6.xml><?xml version="1.0" encoding="utf-8"?>
-<p:sld xmlns:a="http://schemas.openxmlformats.org/drawingml/2006/main" xmlns:r="http://schemas.openxmlformats.org/officeDocument/2006/relationships" xmlns:p="http://schemas.openxmlformats.org/presentationml/2006/main">
-  <p:cSld>
-    <p:spTree>
-      <p:nvGrpSpPr>
-        <p:cNvPr id="1" name=""/>
-        <p:cNvGrpSpPr/>
-        <p:nvPr/>
-      </p:nvGrpSpPr>
-      <p:grpSpPr>
-        <a:xfrm>
-          <a:off x="0" y="0"/>
-          <a:ext cx="0" cy="0"/>
-          <a:chOff x="0" y="0"/>
-          <a:chExt cx="0" cy="0"/>
-        </a:xfrm>
-      </p:grpSpPr>
-      <p:sp>
-        <p:nvSpPr>
-          <p:cNvPr id="4" name="Rectangle 3"/>
-          <p:cNvSpPr/>
-          <p:nvPr/>
-        </p:nvSpPr>
-        <p:spPr>
-          <a:xfrm>
-            <a:off x="6574420" y="0"/>
-            <a:ext cx="5617580" cy="6858000"/>
-          </a:xfrm>
-          <a:prstGeom prst="rect">
-            <a:avLst/>
-          </a:prstGeom>
-          <a:solidFill>
-            <a:srgbClr val="CF3338"/>
-          </a:solidFill>
-        </p:spPr>
-        <p:style>
-          <a:lnRef idx="2">
-            <a:schemeClr val="accent1">
-              <a:shade val="50000"/>
-            </a:schemeClr>
-          </a:lnRef>
-          <a:fillRef idx="1">
-            <a:schemeClr val="accent1"/>
-          </a:fillRef>
-          <a:effectRef idx="0">
-            <a:schemeClr val="accent1"/>
-          </a:effectRef>
-          <a:fontRef idx="minor">
-            <a:schemeClr val="lt1"/>
-          </a:fontRef>
-        </p:style>
-        <p:txBody>
-          <a:bodyPr rtlCol="0" anchor="ctr"/>
-          <a:lstStyle/>
-          <a:p>
-            <a:pPr algn="ctr"/>
-            <a:endParaRPr lang="en-US"/>
-          </a:p>
-        </p:txBody>
-      </p:sp>
-      <p:sp>
-        <p:nvSpPr>
-          <p:cNvPr id="5" name="TextBox 4"/>
-          <p:cNvSpPr txBox="1"/>
-          <p:nvPr/>
-        </p:nvSpPr>
-        <p:spPr>
-          <a:xfrm>
-            <a:off x="6817489" y="0"/>
-            <a:ext cx="4120587" cy="1446550"/>
-          </a:xfrm>
-          <a:prstGeom prst="rect">
-            <a:avLst/>
-          </a:prstGeom>
-          <a:noFill/>
-        </p:spPr>
-        <p:txBody>
-          <a:bodyPr wrap="square" rtlCol="0">
-            <a:spAutoFit/>
-          </a:bodyPr>
-          <a:lstStyle/>
-          <a:p>
-            <a:r>
-              <a:rPr lang="en-US" sz="8800" dirty="0">
-                <a:solidFill>
-                  <a:schemeClr val="bg1"/>
-                </a:solidFill>
-                <a:latin typeface="Aliens &amp; cows" panose="00000500000000000000" pitchFamily="2" charset="0"/>
-              </a:rPr>
-              <a:t>Demo</a:t>
-            </a:r>
-          </a:p>
-        </p:txBody>
-      </p:sp>
-      <p:pic>
-        <p:nvPicPr>
-          <p:cNvPr id="2" name="Picture 1"/>
-          <p:cNvPicPr>
-            <a:picLocks noChangeAspect="1"/>
-          </p:cNvPicPr>
-          <p:nvPr/>
-        </p:nvPicPr>
-        <p:blipFill rotWithShape="1">
-          <a:blip r:embed="rId3">
-            <a:extLst>
-              <a:ext uri="{28A0092B-C50C-407E-A947-70E740481C1C}">
-                <a14:useLocalDpi xmlns:a14="http://schemas.microsoft.com/office/drawing/2010/main" val="0"/>
-              </a:ext>
-            </a:extLst>
-          </a:blip>
-          <a:srcRect l="69227" t="33418" r="20112" b="50548"/>
-          <a:stretch/>
-        </p:blipFill>
-        <p:spPr>
-          <a:xfrm>
-            <a:off x="10386349" y="5029795"/>
-            <a:ext cx="1805651" cy="1991719"/>
-          </a:xfrm>
-          <a:prstGeom prst="rect">
-            <a:avLst/>
-          </a:prstGeom>
-        </p:spPr>
-      </p:pic>
-      <p:sp>
-        <p:nvSpPr>
-          <p:cNvPr id="3" name="TextBox 2"/>
-          <p:cNvSpPr txBox="1"/>
-          <p:nvPr/>
-        </p:nvSpPr>
-        <p:spPr>
-          <a:xfrm>
-            <a:off x="173620" y="219919"/>
-            <a:ext cx="5937813" cy="5693866"/>
-          </a:xfrm>
-          <a:prstGeom prst="rect">
-            <a:avLst/>
-          </a:prstGeom>
-          <a:noFill/>
-        </p:spPr>
-        <p:txBody>
-          <a:bodyPr wrap="square" rtlCol="0">
-            <a:spAutoFit/>
-          </a:bodyPr>
-          <a:lstStyle/>
-          <a:p>
-            <a:r>
-              <a:rPr lang="en-US" sz="2800" b="1" dirty="0">
-                <a:solidFill>
-                  <a:srgbClr val="CF3338"/>
-                </a:solidFill>
-                <a:latin typeface="Pragmatica" pitchFamily="2" charset="0"/>
-              </a:rPr>
-              <a:t>Dataset: </a:t>
-            </a:r>
-            <a:r>
-              <a:rPr lang="en-US" sz="2800" b="1" dirty="0">
-                <a:solidFill>
-                  <a:srgbClr val="CF3338"/>
-                </a:solidFill>
-                <a:latin typeface="Consolas" panose="020B0609020204030204" pitchFamily="49" charset="0"/>
-              </a:rPr>
-              <a:t>contestants.csv</a:t>
-            </a:r>
-          </a:p>
-          <a:p>
-            <a:endParaRPr lang="en-US" sz="2800" b="1" dirty="0">
-              <a:solidFill>
-                <a:srgbClr val="CF3338"/>
-              </a:solidFill>
-              <a:latin typeface="Pragmatica" pitchFamily="2" charset="0"/>
-            </a:endParaRPr>
-          </a:p>
-          <a:p>
-            <a:r>
-              <a:rPr lang="en-US" sz="2800" b="1" dirty="0">
-                <a:solidFill>
-                  <a:srgbClr val="CF3338"/>
-                </a:solidFill>
-                <a:latin typeface="Pragmatica" pitchFamily="2" charset="0"/>
-              </a:rPr>
-              <a:t>Elvish </a:t>
-            </a:r>
-            <a:r>
-              <a:rPr lang="en-US" sz="2800" b="1" dirty="0" err="1">
-                <a:solidFill>
-                  <a:srgbClr val="CF3338"/>
-                </a:solidFill>
-                <a:latin typeface="Pragmatica" pitchFamily="2" charset="0"/>
-              </a:rPr>
-              <a:t>Prestley</a:t>
-            </a:r>
-            <a:r>
-              <a:rPr lang="en-US" sz="2800" b="1" dirty="0">
-                <a:solidFill>
-                  <a:srgbClr val="CF3338"/>
-                </a:solidFill>
-                <a:latin typeface="Pragmatica" pitchFamily="2" charset="0"/>
-              </a:rPr>
-              <a:t> auditions: style and technique scores of contestants who did and didn’t participate </a:t>
-            </a:r>
-          </a:p>
-          <a:p>
-            <a:endParaRPr lang="en-US" sz="2800" b="1" dirty="0">
-              <a:solidFill>
-                <a:srgbClr val="CF3338"/>
-              </a:solidFill>
-              <a:latin typeface="Pragmatica" pitchFamily="2" charset="0"/>
-            </a:endParaRPr>
-          </a:p>
-          <a:p>
-            <a:endParaRPr lang="en-US" sz="2800" b="1" dirty="0">
-              <a:solidFill>
-                <a:srgbClr val="CF3338"/>
-              </a:solidFill>
-              <a:latin typeface="Pragmatica" pitchFamily="2" charset="0"/>
-            </a:endParaRPr>
-          </a:p>
-          <a:p>
-            <a:pPr marL="514350" indent="-514350">
-              <a:buFont typeface="Arial" panose="020B0604020202020204" pitchFamily="34" charset="0"/>
-              <a:buChar char="•"/>
-            </a:pPr>
-            <a:r>
-              <a:rPr lang="en-US" sz="2800" b="1" dirty="0">
-                <a:solidFill>
-                  <a:srgbClr val="CF3338"/>
-                </a:solidFill>
-                <a:latin typeface="Pragmatica" pitchFamily="2" charset="0"/>
-              </a:rPr>
-              <a:t>How many email addresses are invalid?</a:t>
-            </a:r>
-          </a:p>
-          <a:p>
-            <a:pPr marL="514350" indent="-514350">
-              <a:buFont typeface="Arial" panose="020B0604020202020204" pitchFamily="34" charset="0"/>
-              <a:buChar char="•"/>
-            </a:pPr>
-            <a:r>
-              <a:rPr lang="en-US" sz="2800" b="1" dirty="0">
-                <a:solidFill>
-                  <a:srgbClr val="CF3338"/>
-                </a:solidFill>
-                <a:latin typeface="Pragmatica" pitchFamily="2" charset="0"/>
-              </a:rPr>
-              <a:t>What should we do with the missing values? </a:t>
-            </a:r>
-          </a:p>
-          <a:p>
-            <a:pPr marL="514350" indent="-514350">
-              <a:buFont typeface="Arial" panose="020B0604020202020204" pitchFamily="34" charset="0"/>
-              <a:buChar char="•"/>
-            </a:pPr>
-            <a:r>
-              <a:rPr lang="en-US" sz="2800" b="1" dirty="0">
-                <a:solidFill>
-                  <a:srgbClr val="CF3338"/>
-                </a:solidFill>
-                <a:latin typeface="Pragmatica" pitchFamily="2" charset="0"/>
-              </a:rPr>
-              <a:t>What is the relationship between style and technique scores? </a:t>
-            </a:r>
-            <a:endParaRPr lang="en-US" sz="2800" b="1" dirty="0">
-              <a:solidFill>
-                <a:srgbClr val="CF3338"/>
-              </a:solidFill>
-              <a:latin typeface="Consolas" panose="020B0609020204030204" pitchFamily="49" charset="0"/>
-            </a:endParaRPr>
-          </a:p>
-        </p:txBody>
-      </p:sp>
-      <p:pic>
-        <p:nvPicPr>
-          <p:cNvPr id="11" name="Graphic 10" descr="Microphone with solid fill">
-            <a:extLst>
-              <a:ext uri="{FF2B5EF4-FFF2-40B4-BE49-F238E27FC236}">
-                <a16:creationId xmlns:a16="http://schemas.microsoft.com/office/drawing/2014/main" id="{B5FC4E04-397E-4989-AC34-16A495301450}"/>
-              </a:ext>
-            </a:extLst>
-          </p:cNvPr>
-          <p:cNvPicPr>
-            <a:picLocks noChangeAspect="1"/>
-          </p:cNvPicPr>
-          <p:nvPr/>
-        </p:nvPicPr>
-        <p:blipFill>
-          <a:blip r:embed="rId4">
-            <a:extLst>
-              <a:ext uri="{28A0092B-C50C-407E-A947-70E740481C1C}">
-                <a14:useLocalDpi xmlns:a14="http://schemas.microsoft.com/office/drawing/2010/main" val="0"/>
-              </a:ext>
-              <a:ext uri="{96DAC541-7B7A-43D3-8B79-37D633B846F1}">
-                <asvg:svgBlip xmlns:asvg="http://schemas.microsoft.com/office/drawing/2016/SVG/main" r:embed="rId5"/>
-              </a:ext>
-            </a:extLst>
-          </a:blip>
-          <a:stretch>
-            <a:fillRect/>
-          </a:stretch>
-        </p:blipFill>
-        <p:spPr>
-          <a:xfrm>
-            <a:off x="6774371" y="2446261"/>
-            <a:ext cx="3412027" cy="3412027"/>
-          </a:xfrm>
-          <a:prstGeom prst="rect">
-            <a:avLst/>
-          </a:prstGeom>
-        </p:spPr>
-      </p:pic>
-    </p:spTree>
-    <p:extLst>
-      <p:ext uri="{BB962C8B-B14F-4D97-AF65-F5344CB8AC3E}">
-        <p14:creationId xmlns:p14="http://schemas.microsoft.com/office/powerpoint/2010/main" val="167227427"/>
-      </p:ext>
-    </p:extLst>
-  </p:cSld>
-  <p:clrMapOvr>
-    <a:masterClrMapping/>
-  </p:clrMapOvr>
-</p:sld>
-</file>
-
-<file path=ppt/slides/slide7.xml><?xml version="1.0" encoding="utf-8"?>
+<file path=ppt/slides/slide2.xml><?xml version="1.0" encoding="utf-8"?>
 <p:sld xmlns:a="http://schemas.openxmlformats.org/drawingml/2006/main" xmlns:r="http://schemas.openxmlformats.org/officeDocument/2006/relationships" xmlns:p="http://schemas.openxmlformats.org/presentationml/2006/main">
   <p:cSld>
     <p:spTree>
@@ -7287,27 +6252,21 @@
               <a:rPr lang="en-US" sz="6000" dirty="0">
                 <a:latin typeface="Aliens &amp; cows" panose="00000500000000000000" pitchFamily="2" charset="0"/>
               </a:rPr>
-              <a:t>So why not Shiny? </a:t>
-            </a:r>
-          </a:p>
-        </p:txBody>
-      </p:sp>
-      <p:sp>
-        <p:nvSpPr>
-          <p:cNvPr id="8" name="TextBox 7">
-            <a:extLst>
-              <a:ext uri="{FF2B5EF4-FFF2-40B4-BE49-F238E27FC236}">
-                <a16:creationId xmlns:a16="http://schemas.microsoft.com/office/drawing/2014/main" id="{42A7C85F-0A10-4F88-8567-526BD39FA98C}"/>
-              </a:ext>
-            </a:extLst>
-          </p:cNvPr>
+              <a:t>Learning objectives</a:t>
+            </a:r>
+          </a:p>
+        </p:txBody>
+      </p:sp>
+      <p:sp>
+        <p:nvSpPr>
+          <p:cNvPr id="3" name="TextBox 2"/>
           <p:cNvSpPr txBox="1"/>
           <p:nvPr/>
         </p:nvSpPr>
         <p:spPr>
           <a:xfrm>
             <a:off x="462987" y="1365813"/>
-            <a:ext cx="5511093" cy="2246769"/>
+            <a:ext cx="9595413" cy="4401205"/>
           </a:xfrm>
           <a:prstGeom prst="rect">
             <a:avLst/>
@@ -7331,17 +6290,14 @@
                 </a:solidFill>
                 <a:latin typeface="Pragmatica" panose="020B0403040502020204" pitchFamily="34" charset="0"/>
               </a:rPr>
-              <a:t>Gain from Microsoft’s BI stack (DAX, Power Query, </a:t>
-            </a:r>
-            <a:r>
-              <a:rPr lang="en-US" sz="2800" dirty="0" err="1">
-                <a:solidFill>
-                  <a:srgbClr val="707070"/>
-                </a:solidFill>
-                <a:latin typeface="Pragmatica" panose="020B0403040502020204" pitchFamily="34" charset="0"/>
-              </a:rPr>
-              <a:t>etc</a:t>
-            </a:r>
+              <a:t>R in Power BI: when and why? </a:t>
+            </a:r>
+          </a:p>
+          <a:p>
+            <a:pPr marL="285750" indent="-285750">
+              <a:buFont typeface="Arial" panose="020B0604020202020204" pitchFamily="34" charset="0"/>
+              <a:buChar char="•"/>
+            </a:pPr>
             <a:r>
               <a:rPr lang="en-US" sz="2800" dirty="0">
                 <a:solidFill>
@@ -7349,7 +6305,7 @@
                 </a:solidFill>
                 <a:latin typeface="Pragmatica" panose="020B0403040502020204" pitchFamily="34" charset="0"/>
               </a:rPr>
-              <a:t>)</a:t>
+              <a:t>Setup</a:t>
             </a:r>
           </a:p>
           <a:p>
@@ -7364,7 +6320,7 @@
                 </a:solidFill>
                 <a:latin typeface="Pragmatica" panose="020B0403040502020204" pitchFamily="34" charset="0"/>
               </a:rPr>
-              <a:t>Server already provisioned</a:t>
+              <a:t>Use cases</a:t>
             </a:r>
           </a:p>
           <a:p>
@@ -7373,14 +6329,20 @@
               <a:buChar char="•"/>
             </a:pPr>
             <a:r>
-              <a:rPr lang="en-US" sz="2800" dirty="0">
+              <a:rPr lang="en-US" sz="2800">
                 <a:solidFill>
                   <a:srgbClr val="707070"/>
                 </a:solidFill>
                 <a:latin typeface="Pragmatica" panose="020B0403040502020204" pitchFamily="34" charset="0"/>
               </a:rPr>
-              <a:t>Lower learning curve</a:t>
-            </a:r>
+              <a:t>Giveaway…</a:t>
+            </a:r>
+            <a:endParaRPr lang="en-US" sz="2800" dirty="0">
+              <a:solidFill>
+                <a:srgbClr val="707070"/>
+              </a:solidFill>
+              <a:latin typeface="Pragmatica" panose="020B0403040502020204" pitchFamily="34" charset="0"/>
+            </a:endParaRPr>
           </a:p>
           <a:p>
             <a:pPr marL="285750" indent="-285750">
@@ -7394,12 +6356,66 @@
               <a:latin typeface="Pragmatica" panose="020B0403040502020204" pitchFamily="34" charset="0"/>
             </a:endParaRPr>
           </a:p>
+          <a:p>
+            <a:pPr marL="285750" indent="-285750">
+              <a:buFont typeface="Arial" panose="020B0604020202020204" pitchFamily="34" charset="0"/>
+              <a:buChar char="•"/>
+            </a:pPr>
+            <a:r>
+              <a:rPr lang="en-US" sz="2800" dirty="0">
+                <a:solidFill>
+                  <a:srgbClr val="707070"/>
+                </a:solidFill>
+                <a:latin typeface="Pragmatica" panose="020B0403040502020204" pitchFamily="34" charset="0"/>
+              </a:rPr>
+              <a:t>Follow along: </a:t>
+            </a:r>
+            <a:r>
+              <a:rPr lang="en-US" sz="2800" dirty="0">
+                <a:solidFill>
+                  <a:srgbClr val="707070"/>
+                </a:solidFill>
+                <a:latin typeface="Pragmatica" panose="020B0403040502020204" pitchFamily="34" charset="0"/>
+                <a:hlinkClick r:id="rId3"/>
+              </a:rPr>
+              <a:t>https://github.com/stringfestdata/satrday-r-power-bi</a:t>
+            </a:r>
+            <a:r>
+              <a:rPr lang="en-US" sz="2800" dirty="0">
+                <a:solidFill>
+                  <a:srgbClr val="707070"/>
+                </a:solidFill>
+                <a:latin typeface="Pragmatica" panose="020B0403040502020204" pitchFamily="34" charset="0"/>
+              </a:rPr>
+              <a:t>  </a:t>
+            </a:r>
+          </a:p>
+          <a:p>
+            <a:pPr marL="285750" indent="-285750">
+              <a:buFont typeface="Arial" panose="020B0604020202020204" pitchFamily="34" charset="0"/>
+              <a:buChar char="•"/>
+            </a:pPr>
+            <a:endParaRPr lang="en-US" sz="2800" dirty="0">
+              <a:solidFill>
+                <a:srgbClr val="707070"/>
+              </a:solidFill>
+              <a:latin typeface="Pragmatica" panose="020B0403040502020204" pitchFamily="34" charset="0"/>
+            </a:endParaRPr>
+          </a:p>
+          <a:p>
+            <a:endParaRPr lang="en-US" sz="2800" dirty="0">
+              <a:solidFill>
+                <a:srgbClr val="707070"/>
+              </a:solidFill>
+              <a:latin typeface="Pragmatica" panose="020B0403040502020204" pitchFamily="34" charset="0"/>
+            </a:endParaRPr>
+          </a:p>
         </p:txBody>
       </p:sp>
     </p:spTree>
     <p:extLst>
       <p:ext uri="{BB962C8B-B14F-4D97-AF65-F5344CB8AC3E}">
-        <p14:creationId xmlns:p14="http://schemas.microsoft.com/office/powerpoint/2010/main" val="613089127"/>
+        <p14:creationId xmlns:p14="http://schemas.microsoft.com/office/powerpoint/2010/main" val="2948647643"/>
       </p:ext>
     </p:extLst>
   </p:cSld>
@@ -7409,7 +6425,596 @@
 </p:sld>
 </file>
 
-<file path=ppt/slides/slide8.xml><?xml version="1.0" encoding="utf-8"?>
+<file path=ppt/slides/slide3.xml><?xml version="1.0" encoding="utf-8"?>
+<p:sld xmlns:a="http://schemas.openxmlformats.org/drawingml/2006/main" xmlns:r="http://schemas.openxmlformats.org/officeDocument/2006/relationships" xmlns:p="http://schemas.openxmlformats.org/presentationml/2006/main">
+  <p:cSld>
+    <p:spTree>
+      <p:nvGrpSpPr>
+        <p:cNvPr id="1" name=""/>
+        <p:cNvGrpSpPr/>
+        <p:nvPr/>
+      </p:nvGrpSpPr>
+      <p:grpSpPr>
+        <a:xfrm>
+          <a:off x="0" y="0"/>
+          <a:ext cx="0" cy="0"/>
+          <a:chOff x="0" y="0"/>
+          <a:chExt cx="0" cy="0"/>
+        </a:xfrm>
+      </p:grpSpPr>
+      <p:pic>
+        <p:nvPicPr>
+          <p:cNvPr id="10" name="Picture 9"/>
+          <p:cNvPicPr>
+            <a:picLocks noChangeAspect="1"/>
+          </p:cNvPicPr>
+          <p:nvPr/>
+        </p:nvPicPr>
+        <p:blipFill rotWithShape="1">
+          <a:blip r:embed="rId2">
+            <a:extLst>
+              <a:ext uri="{28A0092B-C50C-407E-A947-70E740481C1C}">
+                <a14:useLocalDpi xmlns:a14="http://schemas.microsoft.com/office/drawing/2010/main" val="0"/>
+              </a:ext>
+            </a:extLst>
+          </a:blip>
+          <a:srcRect l="50728" t="56371"/>
+          <a:stretch/>
+        </p:blipFill>
+        <p:spPr>
+          <a:xfrm>
+            <a:off x="10894024" y="5370653"/>
+            <a:ext cx="1297975" cy="1487348"/>
+          </a:xfrm>
+          <a:prstGeom prst="rect">
+            <a:avLst/>
+          </a:prstGeom>
+        </p:spPr>
+      </p:pic>
+      <p:sp>
+        <p:nvSpPr>
+          <p:cNvPr id="11" name="TextBox 10"/>
+          <p:cNvSpPr txBox="1"/>
+          <p:nvPr/>
+        </p:nvSpPr>
+        <p:spPr>
+          <a:xfrm>
+            <a:off x="347240" y="113388"/>
+            <a:ext cx="9799937" cy="1015663"/>
+          </a:xfrm>
+          <a:prstGeom prst="rect">
+            <a:avLst/>
+          </a:prstGeom>
+          <a:noFill/>
+        </p:spPr>
+        <p:txBody>
+          <a:bodyPr wrap="square" rtlCol="0">
+            <a:spAutoFit/>
+          </a:bodyPr>
+          <a:lstStyle/>
+          <a:p>
+            <a:r>
+              <a:rPr lang="en-US" sz="6000" dirty="0">
+                <a:latin typeface="Aliens &amp; cows" panose="00000500000000000000" pitchFamily="2" charset="0"/>
+              </a:rPr>
+              <a:t>Chat me up</a:t>
+            </a:r>
+          </a:p>
+        </p:txBody>
+      </p:sp>
+      <p:sp>
+        <p:nvSpPr>
+          <p:cNvPr id="13" name="TextBox 12">
+            <a:extLst>
+              <a:ext uri="{FF2B5EF4-FFF2-40B4-BE49-F238E27FC236}">
+                <a16:creationId xmlns:a16="http://schemas.microsoft.com/office/drawing/2014/main" id="{BAD4CFA0-F6EE-4D9E-AA4F-AABFDE2E3205}"/>
+              </a:ext>
+            </a:extLst>
+          </p:cNvPr>
+          <p:cNvSpPr txBox="1"/>
+          <p:nvPr/>
+        </p:nvSpPr>
+        <p:spPr>
+          <a:xfrm>
+            <a:off x="462988" y="1365813"/>
+            <a:ext cx="6772002" cy="1384995"/>
+          </a:xfrm>
+          <a:prstGeom prst="rect">
+            <a:avLst/>
+          </a:prstGeom>
+          <a:noFill/>
+        </p:spPr>
+        <p:txBody>
+          <a:bodyPr wrap="square" rtlCol="0">
+            <a:spAutoFit/>
+          </a:bodyPr>
+          <a:lstStyle/>
+          <a:p>
+            <a:pPr marL="285750" indent="-285750">
+              <a:buFont typeface="Arial" panose="020B0604020202020204" pitchFamily="34" charset="0"/>
+              <a:buChar char="•"/>
+            </a:pPr>
+            <a:r>
+              <a:rPr lang="en-US" sz="2800" dirty="0">
+                <a:solidFill>
+                  <a:srgbClr val="707070"/>
+                </a:solidFill>
+                <a:latin typeface="Pragmatica" panose="020B0403040502020204" pitchFamily="34" charset="0"/>
+              </a:rPr>
+              <a:t>Do you use Power BI? How/when/why?</a:t>
+            </a:r>
+          </a:p>
+          <a:p>
+            <a:pPr marL="285750" indent="-285750">
+              <a:buFont typeface="Arial" panose="020B0604020202020204" pitchFamily="34" charset="0"/>
+              <a:buChar char="•"/>
+            </a:pPr>
+            <a:r>
+              <a:rPr lang="en-US" sz="2800" dirty="0">
+                <a:solidFill>
+                  <a:srgbClr val="707070"/>
+                </a:solidFill>
+                <a:latin typeface="Pragmatica" panose="020B0403040502020204" pitchFamily="34" charset="0"/>
+              </a:rPr>
+              <a:t>Pros/cons to Power BI vs Shiny? </a:t>
+            </a:r>
+          </a:p>
+        </p:txBody>
+      </p:sp>
+    </p:spTree>
+    <p:extLst>
+      <p:ext uri="{BB962C8B-B14F-4D97-AF65-F5344CB8AC3E}">
+        <p14:creationId xmlns:p14="http://schemas.microsoft.com/office/powerpoint/2010/main" val="904060236"/>
+      </p:ext>
+    </p:extLst>
+  </p:cSld>
+  <p:clrMapOvr>
+    <a:masterClrMapping/>
+  </p:clrMapOvr>
+</p:sld>
+</file>
+
+<file path=ppt/slides/slide4.xml><?xml version="1.0" encoding="utf-8"?>
+<p:sld xmlns:a="http://schemas.openxmlformats.org/drawingml/2006/main" xmlns:r="http://schemas.openxmlformats.org/officeDocument/2006/relationships" xmlns:p="http://schemas.openxmlformats.org/presentationml/2006/main">
+  <p:cSld>
+    <p:spTree>
+      <p:nvGrpSpPr>
+        <p:cNvPr id="1" name=""/>
+        <p:cNvGrpSpPr/>
+        <p:nvPr/>
+      </p:nvGrpSpPr>
+      <p:grpSpPr>
+        <a:xfrm>
+          <a:off x="0" y="0"/>
+          <a:ext cx="0" cy="0"/>
+          <a:chOff x="0" y="0"/>
+          <a:chExt cx="0" cy="0"/>
+        </a:xfrm>
+      </p:grpSpPr>
+      <p:pic>
+        <p:nvPicPr>
+          <p:cNvPr id="10" name="Picture 9"/>
+          <p:cNvPicPr>
+            <a:picLocks noChangeAspect="1"/>
+          </p:cNvPicPr>
+          <p:nvPr/>
+        </p:nvPicPr>
+        <p:blipFill rotWithShape="1">
+          <a:blip r:embed="rId2">
+            <a:extLst>
+              <a:ext uri="{28A0092B-C50C-407E-A947-70E740481C1C}">
+                <a14:useLocalDpi xmlns:a14="http://schemas.microsoft.com/office/drawing/2010/main" val="0"/>
+              </a:ext>
+            </a:extLst>
+          </a:blip>
+          <a:srcRect l="50728" t="56371"/>
+          <a:stretch/>
+        </p:blipFill>
+        <p:spPr>
+          <a:xfrm>
+            <a:off x="10894024" y="5370653"/>
+            <a:ext cx="1297975" cy="1487348"/>
+          </a:xfrm>
+          <a:prstGeom prst="rect">
+            <a:avLst/>
+          </a:prstGeom>
+        </p:spPr>
+      </p:pic>
+      <p:sp>
+        <p:nvSpPr>
+          <p:cNvPr id="11" name="TextBox 10"/>
+          <p:cNvSpPr txBox="1"/>
+          <p:nvPr/>
+        </p:nvSpPr>
+        <p:spPr>
+          <a:xfrm>
+            <a:off x="347240" y="113388"/>
+            <a:ext cx="9799937" cy="1015663"/>
+          </a:xfrm>
+          <a:prstGeom prst="rect">
+            <a:avLst/>
+          </a:prstGeom>
+          <a:noFill/>
+        </p:spPr>
+        <p:txBody>
+          <a:bodyPr wrap="square" rtlCol="0">
+            <a:spAutoFit/>
+          </a:bodyPr>
+          <a:lstStyle/>
+          <a:p>
+            <a:r>
+              <a:rPr lang="en-US" sz="6000" dirty="0">
+                <a:latin typeface="Aliens &amp; cows" panose="00000500000000000000" pitchFamily="2" charset="0"/>
+              </a:rPr>
+              <a:t>Set up</a:t>
+            </a:r>
+          </a:p>
+        </p:txBody>
+      </p:sp>
+      <p:sp>
+        <p:nvSpPr>
+          <p:cNvPr id="13" name="TextBox 12">
+            <a:extLst>
+              <a:ext uri="{FF2B5EF4-FFF2-40B4-BE49-F238E27FC236}">
+                <a16:creationId xmlns:a16="http://schemas.microsoft.com/office/drawing/2014/main" id="{BAD4CFA0-F6EE-4D9E-AA4F-AABFDE2E3205}"/>
+              </a:ext>
+            </a:extLst>
+          </p:cNvPr>
+          <p:cNvSpPr txBox="1"/>
+          <p:nvPr/>
+        </p:nvSpPr>
+        <p:spPr>
+          <a:xfrm>
+            <a:off x="462987" y="1365813"/>
+            <a:ext cx="5511093" cy="1384995"/>
+          </a:xfrm>
+          <a:prstGeom prst="rect">
+            <a:avLst/>
+          </a:prstGeom>
+          <a:noFill/>
+        </p:spPr>
+        <p:txBody>
+          <a:bodyPr wrap="square" rtlCol="0">
+            <a:spAutoFit/>
+          </a:bodyPr>
+          <a:lstStyle/>
+          <a:p>
+            <a:pPr marL="285750" indent="-285750">
+              <a:buFont typeface="Arial" panose="020B0604020202020204" pitchFamily="34" charset="0"/>
+              <a:buChar char="•"/>
+            </a:pPr>
+            <a:r>
+              <a:rPr lang="en-US" sz="2800" dirty="0">
+                <a:solidFill>
+                  <a:srgbClr val="707070"/>
+                </a:solidFill>
+                <a:latin typeface="Pragmatica" panose="020B0403040502020204" pitchFamily="34" charset="0"/>
+              </a:rPr>
+              <a:t>Freemium, Windows only</a:t>
+            </a:r>
+          </a:p>
+          <a:p>
+            <a:pPr marL="285750" indent="-285750">
+              <a:buFont typeface="Arial" panose="020B0604020202020204" pitchFamily="34" charset="0"/>
+              <a:buChar char="•"/>
+            </a:pPr>
+            <a:r>
+              <a:rPr lang="en-US" sz="2800" dirty="0">
+                <a:solidFill>
+                  <a:srgbClr val="707070"/>
+                </a:solidFill>
+                <a:latin typeface="Pragmatica" panose="020B0403040502020204" pitchFamily="34" charset="0"/>
+              </a:rPr>
+              <a:t>File &gt; Options &amp; settings &gt; Options &gt; R scripting</a:t>
+            </a:r>
+          </a:p>
+        </p:txBody>
+      </p:sp>
+      <p:pic>
+        <p:nvPicPr>
+          <p:cNvPr id="3" name="Picture 2">
+            <a:extLst>
+              <a:ext uri="{FF2B5EF4-FFF2-40B4-BE49-F238E27FC236}">
+                <a16:creationId xmlns:a16="http://schemas.microsoft.com/office/drawing/2014/main" id="{81BD8738-D3E2-472F-B98B-1A7B3A2E062F}"/>
+              </a:ext>
+            </a:extLst>
+          </p:cNvPr>
+          <p:cNvPicPr>
+            <a:picLocks noChangeAspect="1"/>
+          </p:cNvPicPr>
+          <p:nvPr/>
+        </p:nvPicPr>
+        <p:blipFill>
+          <a:blip r:embed="rId3"/>
+          <a:stretch>
+            <a:fillRect/>
+          </a:stretch>
+        </p:blipFill>
+        <p:spPr>
+          <a:xfrm>
+            <a:off x="6020490" y="915088"/>
+            <a:ext cx="5779659" cy="5566303"/>
+          </a:xfrm>
+          <a:prstGeom prst="rect">
+            <a:avLst/>
+          </a:prstGeom>
+        </p:spPr>
+      </p:pic>
+    </p:spTree>
+    <p:extLst>
+      <p:ext uri="{BB962C8B-B14F-4D97-AF65-F5344CB8AC3E}">
+        <p14:creationId xmlns:p14="http://schemas.microsoft.com/office/powerpoint/2010/main" val="2684353158"/>
+      </p:ext>
+    </p:extLst>
+  </p:cSld>
+  <p:clrMapOvr>
+    <a:masterClrMapping/>
+  </p:clrMapOvr>
+</p:sld>
+</file>
+
+<file path=ppt/slides/slide5.xml><?xml version="1.0" encoding="utf-8"?>
+<p:sld xmlns:a="http://schemas.openxmlformats.org/drawingml/2006/main" xmlns:r="http://schemas.openxmlformats.org/officeDocument/2006/relationships" xmlns:p="http://schemas.openxmlformats.org/presentationml/2006/main">
+  <p:cSld>
+    <p:spTree>
+      <p:nvGrpSpPr>
+        <p:cNvPr id="1" name=""/>
+        <p:cNvGrpSpPr/>
+        <p:nvPr/>
+      </p:nvGrpSpPr>
+      <p:grpSpPr>
+        <a:xfrm>
+          <a:off x="0" y="0"/>
+          <a:ext cx="0" cy="0"/>
+          <a:chOff x="0" y="0"/>
+          <a:chExt cx="0" cy="0"/>
+        </a:xfrm>
+      </p:grpSpPr>
+      <p:pic>
+        <p:nvPicPr>
+          <p:cNvPr id="10" name="Picture 9"/>
+          <p:cNvPicPr>
+            <a:picLocks noChangeAspect="1"/>
+          </p:cNvPicPr>
+          <p:nvPr/>
+        </p:nvPicPr>
+        <p:blipFill rotWithShape="1">
+          <a:blip r:embed="rId2">
+            <a:extLst>
+              <a:ext uri="{28A0092B-C50C-407E-A947-70E740481C1C}">
+                <a14:useLocalDpi xmlns:a14="http://schemas.microsoft.com/office/drawing/2010/main" val="0"/>
+              </a:ext>
+            </a:extLst>
+          </a:blip>
+          <a:srcRect l="50728" t="56371"/>
+          <a:stretch/>
+        </p:blipFill>
+        <p:spPr>
+          <a:xfrm>
+            <a:off x="10894024" y="5370653"/>
+            <a:ext cx="1297975" cy="1487348"/>
+          </a:xfrm>
+          <a:prstGeom prst="rect">
+            <a:avLst/>
+          </a:prstGeom>
+        </p:spPr>
+      </p:pic>
+      <p:sp>
+        <p:nvSpPr>
+          <p:cNvPr id="11" name="TextBox 10"/>
+          <p:cNvSpPr txBox="1"/>
+          <p:nvPr/>
+        </p:nvSpPr>
+        <p:spPr>
+          <a:xfrm>
+            <a:off x="347240" y="113388"/>
+            <a:ext cx="9799937" cy="1015663"/>
+          </a:xfrm>
+          <a:prstGeom prst="rect">
+            <a:avLst/>
+          </a:prstGeom>
+          <a:noFill/>
+        </p:spPr>
+        <p:txBody>
+          <a:bodyPr wrap="square" rtlCol="0">
+            <a:spAutoFit/>
+          </a:bodyPr>
+          <a:lstStyle/>
+          <a:p>
+            <a:r>
+              <a:rPr lang="en-US" sz="6000" dirty="0">
+                <a:latin typeface="Aliens &amp; cows" panose="00000500000000000000" pitchFamily="2" charset="0"/>
+              </a:rPr>
+              <a:t>When and why</a:t>
+            </a:r>
+          </a:p>
+        </p:txBody>
+      </p:sp>
+      <p:sp>
+        <p:nvSpPr>
+          <p:cNvPr id="8" name="TextBox 7">
+            <a:extLst>
+              <a:ext uri="{FF2B5EF4-FFF2-40B4-BE49-F238E27FC236}">
+                <a16:creationId xmlns:a16="http://schemas.microsoft.com/office/drawing/2014/main" id="{42A7C85F-0A10-4F88-8567-526BD39FA98C}"/>
+              </a:ext>
+            </a:extLst>
+          </p:cNvPr>
+          <p:cNvSpPr txBox="1"/>
+          <p:nvPr/>
+        </p:nvSpPr>
+        <p:spPr>
+          <a:xfrm>
+            <a:off x="462987" y="1365813"/>
+            <a:ext cx="5511093" cy="2677656"/>
+          </a:xfrm>
+          <a:prstGeom prst="rect">
+            <a:avLst/>
+          </a:prstGeom>
+          <a:noFill/>
+        </p:spPr>
+        <p:txBody>
+          <a:bodyPr wrap="square" rtlCol="0">
+            <a:spAutoFit/>
+          </a:bodyPr>
+          <a:lstStyle/>
+          <a:p>
+            <a:pPr marL="285750" indent="-285750">
+              <a:buFont typeface="Arial" panose="020B0604020202020204" pitchFamily="34" charset="0"/>
+              <a:buChar char="•"/>
+            </a:pPr>
+            <a:r>
+              <a:rPr lang="en-US" sz="2800" dirty="0">
+                <a:solidFill>
+                  <a:srgbClr val="707070"/>
+                </a:solidFill>
+                <a:latin typeface="Pragmatica" panose="020B0403040502020204" pitchFamily="34" charset="0"/>
+              </a:rPr>
+              <a:t>Remote or unstructured data sources</a:t>
+            </a:r>
+          </a:p>
+          <a:p>
+            <a:pPr marL="285750" indent="-285750">
+              <a:buFont typeface="Arial" panose="020B0604020202020204" pitchFamily="34" charset="0"/>
+              <a:buChar char="•"/>
+            </a:pPr>
+            <a:r>
+              <a:rPr lang="en-US" sz="2800" dirty="0">
+                <a:solidFill>
+                  <a:srgbClr val="707070"/>
+                </a:solidFill>
+                <a:latin typeface="Pragmatica" panose="020B0403040502020204" pitchFamily="34" charset="0"/>
+              </a:rPr>
+              <a:t>Feature engineering (missing values, PCA)</a:t>
+            </a:r>
+          </a:p>
+          <a:p>
+            <a:pPr marL="285750" indent="-285750">
+              <a:buFont typeface="Arial" panose="020B0604020202020204" pitchFamily="34" charset="0"/>
+              <a:buChar char="•"/>
+            </a:pPr>
+            <a:r>
+              <a:rPr lang="en-US" sz="2800" dirty="0">
+                <a:solidFill>
+                  <a:srgbClr val="707070"/>
+                </a:solidFill>
+                <a:latin typeface="Pragmatica" panose="020B0403040502020204" pitchFamily="34" charset="0"/>
+              </a:rPr>
+              <a:t>Regular expressions</a:t>
+            </a:r>
+          </a:p>
+          <a:p>
+            <a:pPr marL="285750" indent="-285750">
+              <a:buFont typeface="Arial" panose="020B0604020202020204" pitchFamily="34" charset="0"/>
+              <a:buChar char="•"/>
+            </a:pPr>
+            <a:r>
+              <a:rPr lang="en-US" sz="2800" dirty="0">
+                <a:solidFill>
+                  <a:srgbClr val="707070"/>
+                </a:solidFill>
+                <a:latin typeface="Pragmatica" panose="020B0403040502020204" pitchFamily="34" charset="0"/>
+              </a:rPr>
+              <a:t>Visualizations</a:t>
+            </a:r>
+          </a:p>
+        </p:txBody>
+      </p:sp>
+      <p:sp>
+        <p:nvSpPr>
+          <p:cNvPr id="12" name="TextBox 11">
+            <a:extLst>
+              <a:ext uri="{FF2B5EF4-FFF2-40B4-BE49-F238E27FC236}">
+                <a16:creationId xmlns:a16="http://schemas.microsoft.com/office/drawing/2014/main" id="{6DD6493B-1F9B-4D5B-BF8B-B1367EE5DCCA}"/>
+              </a:ext>
+            </a:extLst>
+          </p:cNvPr>
+          <p:cNvSpPr txBox="1"/>
+          <p:nvPr/>
+        </p:nvSpPr>
+        <p:spPr>
+          <a:xfrm>
+            <a:off x="119067" y="6488668"/>
+            <a:ext cx="10028110" cy="369332"/>
+          </a:xfrm>
+          <a:prstGeom prst="rect">
+            <a:avLst/>
+          </a:prstGeom>
+          <a:noFill/>
+        </p:spPr>
+        <p:txBody>
+          <a:bodyPr wrap="square">
+            <a:spAutoFit/>
+          </a:bodyPr>
+          <a:lstStyle/>
+          <a:p>
+            <a:r>
+              <a:rPr lang="en-US" dirty="0"/>
+              <a:t>https://www.windowsblogitalia.com/2019/02/microsoft-migliore-futuro-inner-source/</a:t>
+            </a:r>
+          </a:p>
+        </p:txBody>
+      </p:sp>
+      <p:pic>
+        <p:nvPicPr>
+          <p:cNvPr id="1026" name="Picture 2" descr="Microsoft loves Open Source">
+            <a:extLst>
+              <a:ext uri="{FF2B5EF4-FFF2-40B4-BE49-F238E27FC236}">
+                <a16:creationId xmlns:a16="http://schemas.microsoft.com/office/drawing/2014/main" id="{FEA8D45A-D5EA-477A-A7E1-CB8D265DDFC3}"/>
+              </a:ext>
+            </a:extLst>
+          </p:cNvPr>
+          <p:cNvPicPr>
+            <a:picLocks noChangeAspect="1" noChangeArrowheads="1"/>
+          </p:cNvPicPr>
+          <p:nvPr/>
+        </p:nvPicPr>
+        <p:blipFill>
+          <a:blip r:embed="rId3">
+            <a:extLst>
+              <a:ext uri="{28A0092B-C50C-407E-A947-70E740481C1C}">
+                <a14:useLocalDpi xmlns:a14="http://schemas.microsoft.com/office/drawing/2010/main" val="0"/>
+              </a:ext>
+            </a:extLst>
+          </a:blip>
+          <a:srcRect/>
+          <a:stretch>
+            <a:fillRect/>
+          </a:stretch>
+        </p:blipFill>
+        <p:spPr bwMode="auto">
+          <a:xfrm>
+            <a:off x="5773856" y="1192418"/>
+            <a:ext cx="5678104" cy="3783202"/>
+          </a:xfrm>
+          <a:prstGeom prst="rect">
+            <a:avLst/>
+          </a:prstGeom>
+          <a:noFill/>
+          <a:extLst>
+            <a:ext uri="{909E8E84-426E-40DD-AFC4-6F175D3DCCD1}">
+              <a14:hiddenFill xmlns:a14="http://schemas.microsoft.com/office/drawing/2010/main">
+                <a:solidFill>
+                  <a:srgbClr val="FFFFFF"/>
+                </a:solidFill>
+              </a14:hiddenFill>
+            </a:ext>
+          </a:extLst>
+        </p:spPr>
+      </p:pic>
+    </p:spTree>
+    <p:extLst>
+      <p:ext uri="{BB962C8B-B14F-4D97-AF65-F5344CB8AC3E}">
+        <p14:creationId xmlns:p14="http://schemas.microsoft.com/office/powerpoint/2010/main" val="2480351462"/>
+      </p:ext>
+    </p:extLst>
+  </p:cSld>
+  <p:clrMapOvr>
+    <a:masterClrMapping/>
+  </p:clrMapOvr>
+</p:sld>
+</file>
+
+<file path=ppt/slides/slide6.xml><?xml version="1.0" encoding="utf-8"?>
 <p:sld xmlns:a="http://schemas.openxmlformats.org/drawingml/2006/main" xmlns:r="http://schemas.openxmlformats.org/officeDocument/2006/relationships" xmlns:p="http://schemas.openxmlformats.org/presentationml/2006/main">
   <p:cSld>
     <p:spTree>
@@ -7494,7 +7099,7 @@
         <p:spPr>
           <a:xfrm>
             <a:off x="324091" y="1687545"/>
-            <a:ext cx="7986531" cy="769441"/>
+            <a:ext cx="4998639" cy="2554545"/>
           </a:xfrm>
           <a:prstGeom prst="rect">
             <a:avLst/>
@@ -7517,12 +7122,594 @@
               <a:t>Questions?</a:t>
             </a:r>
           </a:p>
-        </p:txBody>
-      </p:sp>
+          <a:p>
+            <a:endParaRPr lang="en-US" sz="4400" b="1" dirty="0">
+              <a:solidFill>
+                <a:srgbClr val="707070"/>
+              </a:solidFill>
+              <a:latin typeface="Pragmatica" panose="020B0403040502020204" pitchFamily="34" charset="0"/>
+            </a:endParaRPr>
+          </a:p>
+          <a:p>
+            <a:r>
+              <a:rPr lang="en-US" sz="3600" b="1" i="1" dirty="0">
+                <a:solidFill>
+                  <a:srgbClr val="707070"/>
+                </a:solidFill>
+                <a:latin typeface="Pragmatica" panose="020B0403040502020204" pitchFamily="34" charset="0"/>
+              </a:rPr>
+              <a:t>Who wants to win a book?</a:t>
+            </a:r>
+          </a:p>
+        </p:txBody>
+      </p:sp>
+      <p:pic>
+        <p:nvPicPr>
+          <p:cNvPr id="2050" name="Picture 2" descr="Advancing into Analytics Cover Image">
+            <a:extLst>
+              <a:ext uri="{FF2B5EF4-FFF2-40B4-BE49-F238E27FC236}">
+                <a16:creationId xmlns:a16="http://schemas.microsoft.com/office/drawing/2014/main" id="{8C41F0CF-29B5-4421-A059-AD896D8CDFD9}"/>
+              </a:ext>
+            </a:extLst>
+          </p:cNvPr>
+          <p:cNvPicPr>
+            <a:picLocks noChangeAspect="1" noChangeArrowheads="1"/>
+          </p:cNvPicPr>
+          <p:nvPr/>
+        </p:nvPicPr>
+        <p:blipFill>
+          <a:blip r:embed="rId4" cstate="print">
+            <a:extLst>
+              <a:ext uri="{28A0092B-C50C-407E-A947-70E740481C1C}">
+                <a14:useLocalDpi xmlns:a14="http://schemas.microsoft.com/office/drawing/2010/main" val="0"/>
+              </a:ext>
+            </a:extLst>
+          </a:blip>
+          <a:srcRect/>
+          <a:stretch>
+            <a:fillRect/>
+          </a:stretch>
+        </p:blipFill>
+        <p:spPr bwMode="auto">
+          <a:xfrm>
+            <a:off x="5322730" y="1846780"/>
+            <a:ext cx="2895014" cy="3780671"/>
+          </a:xfrm>
+          <a:prstGeom prst="rect">
+            <a:avLst/>
+          </a:prstGeom>
+          <a:noFill/>
+          <a:extLst>
+            <a:ext uri="{909E8E84-426E-40DD-AFC4-6F175D3DCCD1}">
+              <a14:hiddenFill xmlns:a14="http://schemas.microsoft.com/office/drawing/2010/main">
+                <a:solidFill>
+                  <a:srgbClr val="FFFFFF"/>
+                </a:solidFill>
+              </a14:hiddenFill>
+            </a:ext>
+          </a:extLst>
+        </p:spPr>
+      </p:pic>
     </p:spTree>
     <p:extLst>
       <p:ext uri="{BB962C8B-B14F-4D97-AF65-F5344CB8AC3E}">
-        <p14:creationId xmlns:p14="http://schemas.microsoft.com/office/powerpoint/2010/main" val="4081097533"/>
+        <p14:creationId xmlns:p14="http://schemas.microsoft.com/office/powerpoint/2010/main" val="1010532607"/>
+      </p:ext>
+    </p:extLst>
+  </p:cSld>
+  <p:clrMapOvr>
+    <a:masterClrMapping/>
+  </p:clrMapOvr>
+</p:sld>
+</file>
+
+<file path=ppt/slides/slide7.xml><?xml version="1.0" encoding="utf-8"?>
+<p:sld xmlns:a="http://schemas.openxmlformats.org/drawingml/2006/main" xmlns:r="http://schemas.openxmlformats.org/officeDocument/2006/relationships" xmlns:p="http://schemas.openxmlformats.org/presentationml/2006/main">
+  <p:cSld>
+    <p:spTree>
+      <p:nvGrpSpPr>
+        <p:cNvPr id="1" name=""/>
+        <p:cNvGrpSpPr/>
+        <p:nvPr/>
+      </p:nvGrpSpPr>
+      <p:grpSpPr>
+        <a:xfrm>
+          <a:off x="0" y="0"/>
+          <a:ext cx="0" cy="0"/>
+          <a:chOff x="0" y="0"/>
+          <a:chExt cx="0" cy="0"/>
+        </a:xfrm>
+      </p:grpSpPr>
+      <p:sp>
+        <p:nvSpPr>
+          <p:cNvPr id="4" name="Rectangle 3"/>
+          <p:cNvSpPr/>
+          <p:nvPr/>
+        </p:nvSpPr>
+        <p:spPr>
+          <a:xfrm>
+            <a:off x="6574420" y="0"/>
+            <a:ext cx="5617580" cy="6858000"/>
+          </a:xfrm>
+          <a:prstGeom prst="rect">
+            <a:avLst/>
+          </a:prstGeom>
+          <a:solidFill>
+            <a:srgbClr val="CF3338"/>
+          </a:solidFill>
+        </p:spPr>
+        <p:style>
+          <a:lnRef idx="2">
+            <a:schemeClr val="accent1">
+              <a:shade val="50000"/>
+            </a:schemeClr>
+          </a:lnRef>
+          <a:fillRef idx="1">
+            <a:schemeClr val="accent1"/>
+          </a:fillRef>
+          <a:effectRef idx="0">
+            <a:schemeClr val="accent1"/>
+          </a:effectRef>
+          <a:fontRef idx="minor">
+            <a:schemeClr val="lt1"/>
+          </a:fontRef>
+        </p:style>
+        <p:txBody>
+          <a:bodyPr rtlCol="0" anchor="ctr"/>
+          <a:lstStyle/>
+          <a:p>
+            <a:pPr algn="ctr"/>
+            <a:endParaRPr lang="en-US"/>
+          </a:p>
+        </p:txBody>
+      </p:sp>
+      <p:sp>
+        <p:nvSpPr>
+          <p:cNvPr id="5" name="TextBox 4"/>
+          <p:cNvSpPr txBox="1"/>
+          <p:nvPr/>
+        </p:nvSpPr>
+        <p:spPr>
+          <a:xfrm>
+            <a:off x="6817489" y="0"/>
+            <a:ext cx="4120587" cy="1446550"/>
+          </a:xfrm>
+          <a:prstGeom prst="rect">
+            <a:avLst/>
+          </a:prstGeom>
+          <a:noFill/>
+        </p:spPr>
+        <p:txBody>
+          <a:bodyPr wrap="square" rtlCol="0">
+            <a:spAutoFit/>
+          </a:bodyPr>
+          <a:lstStyle/>
+          <a:p>
+            <a:r>
+              <a:rPr lang="en-US" sz="8800" dirty="0">
+                <a:solidFill>
+                  <a:schemeClr val="bg1"/>
+                </a:solidFill>
+                <a:latin typeface="Aliens &amp; cows" panose="00000500000000000000" pitchFamily="2" charset="0"/>
+              </a:rPr>
+              <a:t>Demo</a:t>
+            </a:r>
+          </a:p>
+        </p:txBody>
+      </p:sp>
+      <p:pic>
+        <p:nvPicPr>
+          <p:cNvPr id="2" name="Picture 1"/>
+          <p:cNvPicPr>
+            <a:picLocks noChangeAspect="1"/>
+          </p:cNvPicPr>
+          <p:nvPr/>
+        </p:nvPicPr>
+        <p:blipFill rotWithShape="1">
+          <a:blip r:embed="rId3">
+            <a:extLst>
+              <a:ext uri="{28A0092B-C50C-407E-A947-70E740481C1C}">
+                <a14:useLocalDpi xmlns:a14="http://schemas.microsoft.com/office/drawing/2010/main" val="0"/>
+              </a:ext>
+            </a:extLst>
+          </a:blip>
+          <a:srcRect l="69227" t="33418" r="20112" b="50548"/>
+          <a:stretch/>
+        </p:blipFill>
+        <p:spPr>
+          <a:xfrm>
+            <a:off x="10386349" y="5029795"/>
+            <a:ext cx="1805651" cy="1991719"/>
+          </a:xfrm>
+          <a:prstGeom prst="rect">
+            <a:avLst/>
+          </a:prstGeom>
+        </p:spPr>
+      </p:pic>
+      <p:sp>
+        <p:nvSpPr>
+          <p:cNvPr id="3" name="TextBox 2"/>
+          <p:cNvSpPr txBox="1"/>
+          <p:nvPr/>
+        </p:nvSpPr>
+        <p:spPr>
+          <a:xfrm>
+            <a:off x="173620" y="219919"/>
+            <a:ext cx="5937813" cy="5693866"/>
+          </a:xfrm>
+          <a:prstGeom prst="rect">
+            <a:avLst/>
+          </a:prstGeom>
+          <a:noFill/>
+        </p:spPr>
+        <p:txBody>
+          <a:bodyPr wrap="square" rtlCol="0">
+            <a:spAutoFit/>
+          </a:bodyPr>
+          <a:lstStyle/>
+          <a:p>
+            <a:r>
+              <a:rPr lang="en-US" sz="2800" b="1" dirty="0">
+                <a:solidFill>
+                  <a:srgbClr val="CF3338"/>
+                </a:solidFill>
+                <a:latin typeface="Pragmatica" pitchFamily="2" charset="0"/>
+              </a:rPr>
+              <a:t>Dataset: </a:t>
+            </a:r>
+            <a:r>
+              <a:rPr lang="en-US" sz="2800" b="1" dirty="0">
+                <a:solidFill>
+                  <a:srgbClr val="CF3338"/>
+                </a:solidFill>
+                <a:latin typeface="Consolas" panose="020B0609020204030204" pitchFamily="49" charset="0"/>
+              </a:rPr>
+              <a:t>contestants.csv</a:t>
+            </a:r>
+          </a:p>
+          <a:p>
+            <a:endParaRPr lang="en-US" sz="2800" b="1" dirty="0">
+              <a:solidFill>
+                <a:srgbClr val="CF3338"/>
+              </a:solidFill>
+              <a:latin typeface="Pragmatica" pitchFamily="2" charset="0"/>
+            </a:endParaRPr>
+          </a:p>
+          <a:p>
+            <a:r>
+              <a:rPr lang="en-US" sz="2800" b="1" dirty="0">
+                <a:solidFill>
+                  <a:srgbClr val="CF3338"/>
+                </a:solidFill>
+                <a:latin typeface="Pragmatica" pitchFamily="2" charset="0"/>
+              </a:rPr>
+              <a:t>Elvish </a:t>
+            </a:r>
+            <a:r>
+              <a:rPr lang="en-US" sz="2800" b="1" dirty="0" err="1">
+                <a:solidFill>
+                  <a:srgbClr val="CF3338"/>
+                </a:solidFill>
+                <a:latin typeface="Pragmatica" pitchFamily="2" charset="0"/>
+              </a:rPr>
+              <a:t>Prestley</a:t>
+            </a:r>
+            <a:r>
+              <a:rPr lang="en-US" sz="2800" b="1" dirty="0">
+                <a:solidFill>
+                  <a:srgbClr val="CF3338"/>
+                </a:solidFill>
+                <a:latin typeface="Pragmatica" pitchFamily="2" charset="0"/>
+              </a:rPr>
+              <a:t> auditions: style and technique scores of contestants who did and didn’t participate </a:t>
+            </a:r>
+          </a:p>
+          <a:p>
+            <a:endParaRPr lang="en-US" sz="2800" b="1" dirty="0">
+              <a:solidFill>
+                <a:srgbClr val="CF3338"/>
+              </a:solidFill>
+              <a:latin typeface="Pragmatica" pitchFamily="2" charset="0"/>
+            </a:endParaRPr>
+          </a:p>
+          <a:p>
+            <a:endParaRPr lang="en-US" sz="2800" b="1" dirty="0">
+              <a:solidFill>
+                <a:srgbClr val="CF3338"/>
+              </a:solidFill>
+              <a:latin typeface="Pragmatica" pitchFamily="2" charset="0"/>
+            </a:endParaRPr>
+          </a:p>
+          <a:p>
+            <a:pPr marL="514350" indent="-514350">
+              <a:buFont typeface="Arial" panose="020B0604020202020204" pitchFamily="34" charset="0"/>
+              <a:buChar char="•"/>
+            </a:pPr>
+            <a:r>
+              <a:rPr lang="en-US" sz="2800" b="1" dirty="0">
+                <a:solidFill>
+                  <a:srgbClr val="CF3338"/>
+                </a:solidFill>
+                <a:latin typeface="Pragmatica" pitchFamily="2" charset="0"/>
+              </a:rPr>
+              <a:t>How many email addresses are invalid?</a:t>
+            </a:r>
+          </a:p>
+          <a:p>
+            <a:pPr marL="514350" indent="-514350">
+              <a:buFont typeface="Arial" panose="020B0604020202020204" pitchFamily="34" charset="0"/>
+              <a:buChar char="•"/>
+            </a:pPr>
+            <a:r>
+              <a:rPr lang="en-US" sz="2800" b="1" dirty="0">
+                <a:solidFill>
+                  <a:srgbClr val="CF3338"/>
+                </a:solidFill>
+                <a:latin typeface="Pragmatica" pitchFamily="2" charset="0"/>
+              </a:rPr>
+              <a:t>What should we do with the missing values? </a:t>
+            </a:r>
+          </a:p>
+          <a:p>
+            <a:pPr marL="514350" indent="-514350">
+              <a:buFont typeface="Arial" panose="020B0604020202020204" pitchFamily="34" charset="0"/>
+              <a:buChar char="•"/>
+            </a:pPr>
+            <a:r>
+              <a:rPr lang="en-US" sz="2800" b="1" dirty="0">
+                <a:solidFill>
+                  <a:srgbClr val="CF3338"/>
+                </a:solidFill>
+                <a:latin typeface="Pragmatica" pitchFamily="2" charset="0"/>
+              </a:rPr>
+              <a:t>What is the relationship between style and technique scores? </a:t>
+            </a:r>
+            <a:endParaRPr lang="en-US" sz="2800" b="1" dirty="0">
+              <a:solidFill>
+                <a:srgbClr val="CF3338"/>
+              </a:solidFill>
+              <a:latin typeface="Consolas" panose="020B0609020204030204" pitchFamily="49" charset="0"/>
+            </a:endParaRPr>
+          </a:p>
+        </p:txBody>
+      </p:sp>
+      <p:pic>
+        <p:nvPicPr>
+          <p:cNvPr id="11" name="Graphic 10" descr="Microphone with solid fill">
+            <a:extLst>
+              <a:ext uri="{FF2B5EF4-FFF2-40B4-BE49-F238E27FC236}">
+                <a16:creationId xmlns:a16="http://schemas.microsoft.com/office/drawing/2014/main" id="{B5FC4E04-397E-4989-AC34-16A495301450}"/>
+              </a:ext>
+            </a:extLst>
+          </p:cNvPr>
+          <p:cNvPicPr>
+            <a:picLocks noChangeAspect="1"/>
+          </p:cNvPicPr>
+          <p:nvPr/>
+        </p:nvPicPr>
+        <p:blipFill>
+          <a:blip r:embed="rId4">
+            <a:extLst>
+              <a:ext uri="{28A0092B-C50C-407E-A947-70E740481C1C}">
+                <a14:useLocalDpi xmlns:a14="http://schemas.microsoft.com/office/drawing/2010/main" val="0"/>
+              </a:ext>
+              <a:ext uri="{96DAC541-7B7A-43D3-8B79-37D633B846F1}">
+                <asvg:svgBlip xmlns:asvg="http://schemas.microsoft.com/office/drawing/2016/SVG/main" r:embed="rId5"/>
+              </a:ext>
+            </a:extLst>
+          </a:blip>
+          <a:stretch>
+            <a:fillRect/>
+          </a:stretch>
+        </p:blipFill>
+        <p:spPr>
+          <a:xfrm>
+            <a:off x="6774371" y="2446261"/>
+            <a:ext cx="3412027" cy="3412027"/>
+          </a:xfrm>
+          <a:prstGeom prst="rect">
+            <a:avLst/>
+          </a:prstGeom>
+        </p:spPr>
+      </p:pic>
+    </p:spTree>
+    <p:extLst>
+      <p:ext uri="{BB962C8B-B14F-4D97-AF65-F5344CB8AC3E}">
+        <p14:creationId xmlns:p14="http://schemas.microsoft.com/office/powerpoint/2010/main" val="167227427"/>
+      </p:ext>
+    </p:extLst>
+  </p:cSld>
+  <p:clrMapOvr>
+    <a:masterClrMapping/>
+  </p:clrMapOvr>
+</p:sld>
+</file>
+
+<file path=ppt/slides/slide8.xml><?xml version="1.0" encoding="utf-8"?>
+<p:sld xmlns:a="http://schemas.openxmlformats.org/drawingml/2006/main" xmlns:r="http://schemas.openxmlformats.org/officeDocument/2006/relationships" xmlns:p="http://schemas.openxmlformats.org/presentationml/2006/main">
+  <p:cSld>
+    <p:spTree>
+      <p:nvGrpSpPr>
+        <p:cNvPr id="1" name=""/>
+        <p:cNvGrpSpPr/>
+        <p:nvPr/>
+      </p:nvGrpSpPr>
+      <p:grpSpPr>
+        <a:xfrm>
+          <a:off x="0" y="0"/>
+          <a:ext cx="0" cy="0"/>
+          <a:chOff x="0" y="0"/>
+          <a:chExt cx="0" cy="0"/>
+        </a:xfrm>
+      </p:grpSpPr>
+      <p:pic>
+        <p:nvPicPr>
+          <p:cNvPr id="10" name="Picture 9"/>
+          <p:cNvPicPr>
+            <a:picLocks noChangeAspect="1"/>
+          </p:cNvPicPr>
+          <p:nvPr/>
+        </p:nvPicPr>
+        <p:blipFill rotWithShape="1">
+          <a:blip r:embed="rId2">
+            <a:extLst>
+              <a:ext uri="{28A0092B-C50C-407E-A947-70E740481C1C}">
+                <a14:useLocalDpi xmlns:a14="http://schemas.microsoft.com/office/drawing/2010/main" val="0"/>
+              </a:ext>
+            </a:extLst>
+          </a:blip>
+          <a:srcRect l="50728" t="56371"/>
+          <a:stretch/>
+        </p:blipFill>
+        <p:spPr>
+          <a:xfrm>
+            <a:off x="10894024" y="5370653"/>
+            <a:ext cx="1297975" cy="1487348"/>
+          </a:xfrm>
+          <a:prstGeom prst="rect">
+            <a:avLst/>
+          </a:prstGeom>
+        </p:spPr>
+      </p:pic>
+      <p:sp>
+        <p:nvSpPr>
+          <p:cNvPr id="11" name="TextBox 10"/>
+          <p:cNvSpPr txBox="1"/>
+          <p:nvPr/>
+        </p:nvSpPr>
+        <p:spPr>
+          <a:xfrm>
+            <a:off x="347240" y="113388"/>
+            <a:ext cx="9799937" cy="1015663"/>
+          </a:xfrm>
+          <a:prstGeom prst="rect">
+            <a:avLst/>
+          </a:prstGeom>
+          <a:noFill/>
+        </p:spPr>
+        <p:txBody>
+          <a:bodyPr wrap="square" rtlCol="0">
+            <a:spAutoFit/>
+          </a:bodyPr>
+          <a:lstStyle/>
+          <a:p>
+            <a:r>
+              <a:rPr lang="en-US" sz="6000" dirty="0">
+                <a:latin typeface="Aliens &amp; cows" panose="00000500000000000000" pitchFamily="2" charset="0"/>
+              </a:rPr>
+              <a:t>So why not Shiny? </a:t>
+            </a:r>
+          </a:p>
+        </p:txBody>
+      </p:sp>
+      <p:sp>
+        <p:nvSpPr>
+          <p:cNvPr id="8" name="TextBox 7">
+            <a:extLst>
+              <a:ext uri="{FF2B5EF4-FFF2-40B4-BE49-F238E27FC236}">
+                <a16:creationId xmlns:a16="http://schemas.microsoft.com/office/drawing/2014/main" id="{42A7C85F-0A10-4F88-8567-526BD39FA98C}"/>
+              </a:ext>
+            </a:extLst>
+          </p:cNvPr>
+          <p:cNvSpPr txBox="1"/>
+          <p:nvPr/>
+        </p:nvSpPr>
+        <p:spPr>
+          <a:xfrm>
+            <a:off x="462987" y="1365813"/>
+            <a:ext cx="5511093" cy="2246769"/>
+          </a:xfrm>
+          <a:prstGeom prst="rect">
+            <a:avLst/>
+          </a:prstGeom>
+          <a:noFill/>
+        </p:spPr>
+        <p:txBody>
+          <a:bodyPr wrap="square" rtlCol="0">
+            <a:spAutoFit/>
+          </a:bodyPr>
+          <a:lstStyle/>
+          <a:p>
+            <a:pPr marL="285750" indent="-285750">
+              <a:buFont typeface="Arial" panose="020B0604020202020204" pitchFamily="34" charset="0"/>
+              <a:buChar char="•"/>
+            </a:pPr>
+            <a:r>
+              <a:rPr lang="en-US" sz="2800" dirty="0">
+                <a:solidFill>
+                  <a:srgbClr val="707070"/>
+                </a:solidFill>
+                <a:latin typeface="Pragmatica" panose="020B0403040502020204" pitchFamily="34" charset="0"/>
+              </a:rPr>
+              <a:t>Gain from Microsoft’s BI stack (DAX, Power Query, </a:t>
+            </a:r>
+            <a:r>
+              <a:rPr lang="en-US" sz="2800" dirty="0" err="1">
+                <a:solidFill>
+                  <a:srgbClr val="707070"/>
+                </a:solidFill>
+                <a:latin typeface="Pragmatica" panose="020B0403040502020204" pitchFamily="34" charset="0"/>
+              </a:rPr>
+              <a:t>etc</a:t>
+            </a:r>
+            <a:r>
+              <a:rPr lang="en-US" sz="2800" dirty="0">
+                <a:solidFill>
+                  <a:srgbClr val="707070"/>
+                </a:solidFill>
+                <a:latin typeface="Pragmatica" panose="020B0403040502020204" pitchFamily="34" charset="0"/>
+              </a:rPr>
+              <a:t>)</a:t>
+            </a:r>
+          </a:p>
+          <a:p>
+            <a:pPr marL="285750" indent="-285750">
+              <a:buFont typeface="Arial" panose="020B0604020202020204" pitchFamily="34" charset="0"/>
+              <a:buChar char="•"/>
+            </a:pPr>
+            <a:r>
+              <a:rPr lang="en-US" sz="2800" dirty="0">
+                <a:solidFill>
+                  <a:srgbClr val="707070"/>
+                </a:solidFill>
+                <a:latin typeface="Pragmatica" panose="020B0403040502020204" pitchFamily="34" charset="0"/>
+              </a:rPr>
+              <a:t>Server already provisioned</a:t>
+            </a:r>
+          </a:p>
+          <a:p>
+            <a:pPr marL="285750" indent="-285750">
+              <a:buFont typeface="Arial" panose="020B0604020202020204" pitchFamily="34" charset="0"/>
+              <a:buChar char="•"/>
+            </a:pPr>
+            <a:r>
+              <a:rPr lang="en-US" sz="2800" dirty="0">
+                <a:solidFill>
+                  <a:srgbClr val="707070"/>
+                </a:solidFill>
+                <a:latin typeface="Pragmatica" panose="020B0403040502020204" pitchFamily="34" charset="0"/>
+              </a:rPr>
+              <a:t>Lower learning curve</a:t>
+            </a:r>
+          </a:p>
+          <a:p>
+            <a:pPr marL="285750" indent="-285750">
+              <a:buFont typeface="Arial" panose="020B0604020202020204" pitchFamily="34" charset="0"/>
+              <a:buChar char="•"/>
+            </a:pPr>
+            <a:endParaRPr lang="en-US" sz="2800" dirty="0">
+              <a:solidFill>
+                <a:srgbClr val="707070"/>
+              </a:solidFill>
+              <a:latin typeface="Pragmatica" panose="020B0403040502020204" pitchFamily="34" charset="0"/>
+            </a:endParaRPr>
+          </a:p>
+        </p:txBody>
+      </p:sp>
+    </p:spTree>
+    <p:extLst>
+      <p:ext uri="{BB962C8B-B14F-4D97-AF65-F5344CB8AC3E}">
+        <p14:creationId xmlns:p14="http://schemas.microsoft.com/office/powerpoint/2010/main" val="613089127"/>
       </p:ext>
     </p:extLst>
   </p:cSld>
@@ -7549,59 +7736,75 @@
           <a:chExt cx="0" cy="0"/>
         </a:xfrm>
       </p:grpSpPr>
-      <p:sp>
-        <p:nvSpPr>
-          <p:cNvPr id="4" name="Rectangle 3"/>
-          <p:cNvSpPr/>
+      <p:pic>
+        <p:nvPicPr>
+          <p:cNvPr id="10" name="Picture 9"/>
+          <p:cNvPicPr>
+            <a:picLocks noChangeAspect="1"/>
+          </p:cNvPicPr>
           <p:nvPr/>
-        </p:nvSpPr>
+        </p:nvPicPr>
+        <p:blipFill rotWithShape="1">
+          <a:blip r:embed="rId2">
+            <a:extLst>
+              <a:ext uri="{28A0092B-C50C-407E-A947-70E740481C1C}">
+                <a14:useLocalDpi xmlns:a14="http://schemas.microsoft.com/office/drawing/2010/main" val="0"/>
+              </a:ext>
+            </a:extLst>
+          </a:blip>
+          <a:srcRect l="50728" t="56371"/>
+          <a:stretch/>
+        </p:blipFill>
         <p:spPr>
           <a:xfrm>
-            <a:off x="0" y="0"/>
-            <a:ext cx="12192000" cy="6858000"/>
+            <a:off x="8136460" y="2210765"/>
+            <a:ext cx="4055539" cy="4647236"/>
           </a:xfrm>
           <a:prstGeom prst="rect">
             <a:avLst/>
           </a:prstGeom>
-          <a:solidFill>
-            <a:srgbClr val="CF3338"/>
-          </a:solidFill>
         </p:spPr>
-        <p:style>
-          <a:lnRef idx="2">
-            <a:schemeClr val="accent1">
-              <a:shade val="50000"/>
-            </a:schemeClr>
-          </a:lnRef>
-          <a:fillRef idx="1">
-            <a:schemeClr val="accent1"/>
-          </a:fillRef>
-          <a:effectRef idx="0">
-            <a:schemeClr val="accent1"/>
-          </a:effectRef>
-          <a:fontRef idx="minor">
-            <a:schemeClr val="lt1"/>
-          </a:fontRef>
-        </p:style>
-        <p:txBody>
-          <a:bodyPr rtlCol="0" anchor="ctr"/>
-          <a:lstStyle/>
-          <a:p>
-            <a:pPr algn="ctr"/>
-            <a:endParaRPr lang="en-US"/>
-          </a:p>
-        </p:txBody>
-      </p:sp>
-      <p:sp>
-        <p:nvSpPr>
-          <p:cNvPr id="5" name="TextBox 4"/>
+      </p:pic>
+      <p:pic>
+        <p:nvPicPr>
+          <p:cNvPr id="4" name="Picture 3"/>
+          <p:cNvPicPr>
+            <a:picLocks noChangeAspect="1"/>
+          </p:cNvPicPr>
+          <p:nvPr/>
+        </p:nvPicPr>
+        <p:blipFill>
+          <a:blip r:embed="rId3">
+            <a:extLst>
+              <a:ext uri="{28A0092B-C50C-407E-A947-70E740481C1C}">
+                <a14:useLocalDpi xmlns:a14="http://schemas.microsoft.com/office/drawing/2010/main" val="0"/>
+              </a:ext>
+            </a:extLst>
+          </a:blip>
+          <a:stretch>
+            <a:fillRect/>
+          </a:stretch>
+        </p:blipFill>
+        <p:spPr>
+          <a:xfrm>
+            <a:off x="-538496" y="-2482770"/>
+            <a:ext cx="10171472" cy="7459883"/>
+          </a:xfrm>
+          <a:prstGeom prst="rect">
+            <a:avLst/>
+          </a:prstGeom>
+        </p:spPr>
+      </p:pic>
+      <p:sp>
+        <p:nvSpPr>
+          <p:cNvPr id="11" name="TextBox 10"/>
           <p:cNvSpPr txBox="1"/>
           <p:nvPr/>
         </p:nvSpPr>
         <p:spPr>
           <a:xfrm>
-            <a:off x="520861" y="393539"/>
-            <a:ext cx="10324617" cy="4154984"/>
+            <a:off x="324091" y="1687545"/>
+            <a:ext cx="7986531" cy="769441"/>
           </a:xfrm>
           <a:prstGeom prst="rect">
             <a:avLst/>
@@ -7615,53 +7818,21 @@
           <a:lstStyle/>
           <a:p>
             <a:r>
-              <a:rPr lang="en-US" sz="6600" b="1" dirty="0">
+              <a:rPr lang="en-US" sz="4400" b="1" dirty="0">
                 <a:solidFill>
-                  <a:schemeClr val="bg1"/>
+                  <a:srgbClr val="707070"/>
                 </a:solidFill>
-                <a:latin typeface="Pragmatica" pitchFamily="2" charset="0"/>
+                <a:latin typeface="Pragmatica" panose="020B0403040502020204" pitchFamily="34" charset="0"/>
               </a:rPr>
-              <a:t>Have you downloaded the Analysis ToolPak?</a:t>
-            </a:r>
-          </a:p>
-          <a:p>
-            <a:endParaRPr lang="en-US" sz="6600" b="1" dirty="0">
-              <a:solidFill>
-                <a:schemeClr val="bg1"/>
-              </a:solidFill>
-              <a:latin typeface="Pragmatica" pitchFamily="2" charset="0"/>
-            </a:endParaRPr>
-          </a:p>
-          <a:p>
-            <a:r>
-              <a:rPr lang="en-US" sz="6600" b="1" dirty="0">
-                <a:solidFill>
-                  <a:schemeClr val="bg1"/>
-                </a:solidFill>
-                <a:latin typeface="Pragmatica" pitchFamily="2" charset="0"/>
-                <a:hlinkClick r:id="rId2">
-                  <a:extLst>
-                    <a:ext uri="{A12FA001-AC4F-418D-AE19-62706E023703}">
-                      <ahyp:hlinkClr xmlns:ahyp="http://schemas.microsoft.com/office/drawing/2018/hyperlinkcolor" val="tx"/>
-                    </a:ext>
-                  </a:extLst>
-                </a:hlinkClick>
-              </a:rPr>
-              <a:t>https://bit.ly/3jZaw9X</a:t>
-            </a:r>
-            <a:endParaRPr lang="en-US" sz="6600" b="1" dirty="0">
-              <a:solidFill>
-                <a:schemeClr val="bg1"/>
-              </a:solidFill>
-              <a:latin typeface="Pragmatica" pitchFamily="2" charset="0"/>
-            </a:endParaRPr>
+              <a:t>Questions?</a:t>
+            </a:r>
           </a:p>
         </p:txBody>
       </p:sp>
     </p:spTree>
     <p:extLst>
       <p:ext uri="{BB962C8B-B14F-4D97-AF65-F5344CB8AC3E}">
-        <p14:creationId xmlns:p14="http://schemas.microsoft.com/office/powerpoint/2010/main" val="1922980201"/>
+        <p14:creationId xmlns:p14="http://schemas.microsoft.com/office/powerpoint/2010/main" val="4081097533"/>
       </p:ext>
     </p:extLst>
   </p:cSld>

--- a/satrday-r-power-bi.pptx
+++ b/satrday-r-power-bi.pptx
@@ -5,24 +5,19 @@
     <p:sldMasterId id="2147483648" r:id="rId1"/>
   </p:sldMasterIdLst>
   <p:notesMasterIdLst>
-    <p:notesMasterId r:id="rId17"/>
+    <p:notesMasterId r:id="rId12"/>
   </p:notesMasterIdLst>
   <p:sldIdLst>
     <p:sldId id="256" r:id="rId2"/>
     <p:sldId id="436" r:id="rId3"/>
-    <p:sldId id="441" r:id="rId4"/>
-    <p:sldId id="447" r:id="rId5"/>
-    <p:sldId id="442" r:id="rId6"/>
-    <p:sldId id="446" r:id="rId7"/>
-    <p:sldId id="445" r:id="rId8"/>
-    <p:sldId id="444" r:id="rId9"/>
-    <p:sldId id="426" r:id="rId10"/>
-    <p:sldId id="431" r:id="rId11"/>
-    <p:sldId id="440" r:id="rId12"/>
-    <p:sldId id="433" r:id="rId13"/>
-    <p:sldId id="336" r:id="rId14"/>
-    <p:sldId id="434" r:id="rId15"/>
-    <p:sldId id="432" r:id="rId16"/>
+    <p:sldId id="448" r:id="rId4"/>
+    <p:sldId id="442" r:id="rId5"/>
+    <p:sldId id="447" r:id="rId6"/>
+    <p:sldId id="445" r:id="rId7"/>
+    <p:sldId id="426" r:id="rId8"/>
+    <p:sldId id="449" r:id="rId9"/>
+    <p:sldId id="450" r:id="rId10"/>
+    <p:sldId id="432" r:id="rId11"/>
   </p:sldIdLst>
   <p:sldSz cx="12192000" cy="6858000"/>
   <p:notesSz cx="6858000" cy="9144000"/>
@@ -2154,7 +2149,41 @@
           <a:p>
             <a:r>
               <a:rPr lang="en-US" dirty="0"/>
-              <a:t>OK so now you will see R’s equivalent to some of those features you saw with Python. I think that for different reasons Python seems to be taking the lead on Excel automation, but R has some pretty robust features and in some ways are richer than Python’s. </a:t>
+              <a:t>OK, now I want to have enough time for us to participate and assess the situation here together. What are the pros and cons of using R in Power BI; when have you had success, what has blocked you, etc.</a:t>
+            </a:r>
+          </a:p>
+          <a:p>
+            <a:br>
+              <a:rPr lang="en-US" dirty="0"/>
+            </a:br>
+            <a:r>
+              <a:rPr lang="en-US" dirty="0"/>
+              <a:t>After that I’ll briefly walk through the setup and demonstrate a few use cases that may come in handy. And hopefully the use cases I identify will square well with the ones you identify…. </a:t>
+            </a:r>
+          </a:p>
+          <a:p>
+            <a:endParaRPr lang="en-US" dirty="0"/>
+          </a:p>
+          <a:p>
+            <a:r>
+              <a:rPr lang="en-US" dirty="0"/>
+              <a:t>I’m also going to be giving away a copy of my book, and I’ll actually set this up in Power BI with R </a:t>
+            </a:r>
+            <a:r>
+              <a:rPr lang="en-US" dirty="0">
+                <a:sym typeface="Wingdings" panose="05000000000000000000" pitchFamily="2" charset="2"/>
+              </a:rPr>
+              <a:t> </a:t>
+            </a:r>
+            <a:endParaRPr lang="en-US" dirty="0"/>
+          </a:p>
+          <a:p>
+            <a:endParaRPr lang="en-US" dirty="0"/>
+          </a:p>
+          <a:p>
+            <a:r>
+              <a:rPr lang="en-US" dirty="0"/>
+              <a:t>All the resources are available at the GitHub repo…In particular there will be a file with the R scripts and one with the completed Power BI file. </a:t>
             </a:r>
           </a:p>
         </p:txBody>
@@ -2174,9 +2203,9 @@
           <a:bodyPr/>
           <a:lstStyle/>
           <a:p>
-            <a:fld id="{3BB66621-ADCC-4EF8-8003-B9D3E881DCD2}" type="slidenum">
+            <a:fld id="{F9DB3DAC-CD90-4DD2-80B1-E135CFB4F8DD}" type="slidenum">
               <a:rPr lang="en-US" smtClean="0"/>
-              <a:t>7</a:t>
+              <a:t>2</a:t>
             </a:fld>
             <a:endParaRPr lang="en-US"/>
           </a:p>
@@ -2185,7 +2214,7 @@
     </p:spTree>
     <p:extLst>
       <p:ext uri="{BB962C8B-B14F-4D97-AF65-F5344CB8AC3E}">
-        <p14:creationId xmlns:p14="http://schemas.microsoft.com/office/powerpoint/2010/main" val="2317524570"/>
+        <p14:creationId xmlns:p14="http://schemas.microsoft.com/office/powerpoint/2010/main" val="1699340049"/>
       </p:ext>
     </p:extLst>
   </p:cSld>
@@ -2239,39 +2268,16 @@
           <a:bodyPr/>
           <a:lstStyle/>
           <a:p>
-            <a:pPr>
-              <a:buClr>
-                <a:srgbClr val="CF3338"/>
-              </a:buClr>
-            </a:pPr>
-            <a:r>
-              <a:rPr lang="en-US" sz="1200" i="1" dirty="0">
-                <a:solidFill>
-                  <a:srgbClr val="707070"/>
-                </a:solidFill>
-                <a:latin typeface="Pragmatica" panose="020B0403040502020204" pitchFamily="34" charset="0"/>
-              </a:rPr>
-              <a:t>By the end of this book, you should be able to conduct exploratory data analysis and</a:t>
-            </a:r>
-          </a:p>
-          <a:p>
-            <a:pPr>
-              <a:buClr>
-                <a:srgbClr val="CF3338"/>
-              </a:buClr>
-            </a:pPr>
-            <a:r>
-              <a:rPr lang="en-US" sz="1200" i="1" dirty="0">
-                <a:solidFill>
-                  <a:srgbClr val="707070"/>
-                </a:solidFill>
-                <a:latin typeface="Pragmatica" panose="020B0403040502020204" pitchFamily="34" charset="0"/>
-              </a:rPr>
-              <a:t>hypothesis testing using a programming language.</a:t>
-            </a:r>
-          </a:p>
-          <a:p>
-            <a:endParaRPr lang="en-US" dirty="0"/>
+            <a:r>
+              <a:rPr lang="en-US" dirty="0"/>
+              <a:t>OK, I’d like to take some time for a discussion here. Power BI is pretty good, but there is a reason you can R inside it. Now I have my vision for how these should work together, and maybe you do too. </a:t>
+            </a:r>
+          </a:p>
+          <a:p>
+            <a:r>
+              <a:rPr lang="en-US" dirty="0"/>
+              <a:t>Maybe your vision is just using Shiny… so let’s try this out. I have a Google Doc; let’s take a couple of minutes to brainstorm. </a:t>
+            </a:r>
           </a:p>
         </p:txBody>
       </p:sp>
@@ -2290,9 +2296,9 @@
           <a:bodyPr/>
           <a:lstStyle/>
           <a:p>
-            <a:fld id="{3BB66621-ADCC-4EF8-8003-B9D3E881DCD2}" type="slidenum">
+            <a:fld id="{F9DB3DAC-CD90-4DD2-80B1-E135CFB4F8DD}" type="slidenum">
               <a:rPr lang="en-US" smtClean="0"/>
-              <a:t>12</a:t>
+              <a:t>3</a:t>
             </a:fld>
             <a:endParaRPr lang="en-US"/>
           </a:p>
@@ -2301,7 +2307,441 @@
     </p:spTree>
     <p:extLst>
       <p:ext uri="{BB962C8B-B14F-4D97-AF65-F5344CB8AC3E}">
-        <p14:creationId xmlns:p14="http://schemas.microsoft.com/office/powerpoint/2010/main" val="1725553896"/>
+        <p14:creationId xmlns:p14="http://schemas.microsoft.com/office/powerpoint/2010/main" val="259534296"/>
+      </p:ext>
+    </p:extLst>
+  </p:cSld>
+  <p:clrMapOvr>
+    <a:masterClrMapping/>
+  </p:clrMapOvr>
+</p:notes>
+</file>
+
+<file path=ppt/notesSlides/notesSlide3.xml><?xml version="1.0" encoding="utf-8"?>
+<p:notes xmlns:a="http://schemas.openxmlformats.org/drawingml/2006/main" xmlns:r="http://schemas.openxmlformats.org/officeDocument/2006/relationships" xmlns:p="http://schemas.openxmlformats.org/presentationml/2006/main">
+  <p:cSld>
+    <p:spTree>
+      <p:nvGrpSpPr>
+        <p:cNvPr id="1" name=""/>
+        <p:cNvGrpSpPr/>
+        <p:nvPr/>
+      </p:nvGrpSpPr>
+      <p:grpSpPr>
+        <a:xfrm>
+          <a:off x="0" y="0"/>
+          <a:ext cx="0" cy="0"/>
+          <a:chOff x="0" y="0"/>
+          <a:chExt cx="0" cy="0"/>
+        </a:xfrm>
+      </p:grpSpPr>
+      <p:sp>
+        <p:nvSpPr>
+          <p:cNvPr id="2" name="Slide Image Placeholder 1"/>
+          <p:cNvSpPr>
+            <a:spLocks noGrp="1" noRot="1" noChangeAspect="1"/>
+          </p:cNvSpPr>
+          <p:nvPr>
+            <p:ph type="sldImg"/>
+          </p:nvPr>
+        </p:nvSpPr>
+        <p:spPr/>
+      </p:sp>
+      <p:sp>
+        <p:nvSpPr>
+          <p:cNvPr id="3" name="Notes Placeholder 2"/>
+          <p:cNvSpPr>
+            <a:spLocks noGrp="1"/>
+          </p:cNvSpPr>
+          <p:nvPr>
+            <p:ph type="body" idx="1"/>
+          </p:nvPr>
+        </p:nvSpPr>
+        <p:spPr/>
+        <p:txBody>
+          <a:bodyPr/>
+          <a:lstStyle/>
+          <a:p>
+            <a:r>
+              <a:rPr lang="en-US" dirty="0"/>
+              <a:t>One of the most interesting things to me about all this is Microsoft’s admission that they can’t be the best at everything , and that they should rely on open source languages like R and Python do so some of this analytics work. In particular I find these uses cases are things that Power BI has a very difficult time. </a:t>
+            </a:r>
+          </a:p>
+        </p:txBody>
+      </p:sp>
+      <p:sp>
+        <p:nvSpPr>
+          <p:cNvPr id="4" name="Slide Number Placeholder 3"/>
+          <p:cNvSpPr>
+            <a:spLocks noGrp="1"/>
+          </p:cNvSpPr>
+          <p:nvPr>
+            <p:ph type="sldNum" sz="quarter" idx="5"/>
+          </p:nvPr>
+        </p:nvSpPr>
+        <p:spPr/>
+        <p:txBody>
+          <a:bodyPr/>
+          <a:lstStyle/>
+          <a:p>
+            <a:fld id="{F9DB3DAC-CD90-4DD2-80B1-E135CFB4F8DD}" type="slidenum">
+              <a:rPr lang="en-US" smtClean="0"/>
+              <a:t>4</a:t>
+            </a:fld>
+            <a:endParaRPr lang="en-US"/>
+          </a:p>
+        </p:txBody>
+      </p:sp>
+    </p:spTree>
+    <p:extLst>
+      <p:ext uri="{BB962C8B-B14F-4D97-AF65-F5344CB8AC3E}">
+        <p14:creationId xmlns:p14="http://schemas.microsoft.com/office/powerpoint/2010/main" val="450650810"/>
+      </p:ext>
+    </p:extLst>
+  </p:cSld>
+  <p:clrMapOvr>
+    <a:masterClrMapping/>
+  </p:clrMapOvr>
+</p:notes>
+</file>
+
+<file path=ppt/notesSlides/notesSlide4.xml><?xml version="1.0" encoding="utf-8"?>
+<p:notes xmlns:a="http://schemas.openxmlformats.org/drawingml/2006/main" xmlns:r="http://schemas.openxmlformats.org/officeDocument/2006/relationships" xmlns:p="http://schemas.openxmlformats.org/presentationml/2006/main">
+  <p:cSld>
+    <p:spTree>
+      <p:nvGrpSpPr>
+        <p:cNvPr id="1" name=""/>
+        <p:cNvGrpSpPr/>
+        <p:nvPr/>
+      </p:nvGrpSpPr>
+      <p:grpSpPr>
+        <a:xfrm>
+          <a:off x="0" y="0"/>
+          <a:ext cx="0" cy="0"/>
+          <a:chOff x="0" y="0"/>
+          <a:chExt cx="0" cy="0"/>
+        </a:xfrm>
+      </p:grpSpPr>
+      <p:sp>
+        <p:nvSpPr>
+          <p:cNvPr id="2" name="Slide Image Placeholder 1"/>
+          <p:cNvSpPr>
+            <a:spLocks noGrp="1" noRot="1" noChangeAspect="1"/>
+          </p:cNvSpPr>
+          <p:nvPr>
+            <p:ph type="sldImg"/>
+          </p:nvPr>
+        </p:nvSpPr>
+        <p:spPr/>
+      </p:sp>
+      <p:sp>
+        <p:nvSpPr>
+          <p:cNvPr id="3" name="Notes Placeholder 2"/>
+          <p:cNvSpPr>
+            <a:spLocks noGrp="1"/>
+          </p:cNvSpPr>
+          <p:nvPr>
+            <p:ph type="body" idx="1"/>
+          </p:nvPr>
+        </p:nvSpPr>
+        <p:spPr/>
+        <p:txBody>
+          <a:bodyPr/>
+          <a:lstStyle/>
+          <a:p>
+            <a:r>
+              <a:rPr lang="en-US" dirty="0"/>
+              <a:t>OK to set this up on your computer there are a couple of things you need to do. You can download from the Microsoft store. Then to set up your R integration you will go to File &gt; . </a:t>
+            </a:r>
+          </a:p>
+        </p:txBody>
+      </p:sp>
+      <p:sp>
+        <p:nvSpPr>
+          <p:cNvPr id="4" name="Slide Number Placeholder 3"/>
+          <p:cNvSpPr>
+            <a:spLocks noGrp="1"/>
+          </p:cNvSpPr>
+          <p:nvPr>
+            <p:ph type="sldNum" sz="quarter" idx="5"/>
+          </p:nvPr>
+        </p:nvSpPr>
+        <p:spPr/>
+        <p:txBody>
+          <a:bodyPr/>
+          <a:lstStyle/>
+          <a:p>
+            <a:fld id="{F9DB3DAC-CD90-4DD2-80B1-E135CFB4F8DD}" type="slidenum">
+              <a:rPr lang="en-US" smtClean="0"/>
+              <a:t>5</a:t>
+            </a:fld>
+            <a:endParaRPr lang="en-US"/>
+          </a:p>
+        </p:txBody>
+      </p:sp>
+    </p:spTree>
+    <p:extLst>
+      <p:ext uri="{BB962C8B-B14F-4D97-AF65-F5344CB8AC3E}">
+        <p14:creationId xmlns:p14="http://schemas.microsoft.com/office/powerpoint/2010/main" val="1451492504"/>
+      </p:ext>
+    </p:extLst>
+  </p:cSld>
+  <p:clrMapOvr>
+    <a:masterClrMapping/>
+  </p:clrMapOvr>
+</p:notes>
+</file>
+
+<file path=ppt/notesSlides/notesSlide5.xml><?xml version="1.0" encoding="utf-8"?>
+<p:notes xmlns:a="http://schemas.openxmlformats.org/drawingml/2006/main" xmlns:r="http://schemas.openxmlformats.org/officeDocument/2006/relationships" xmlns:p="http://schemas.openxmlformats.org/presentationml/2006/main">
+  <p:cSld>
+    <p:spTree>
+      <p:nvGrpSpPr>
+        <p:cNvPr id="1" name=""/>
+        <p:cNvGrpSpPr/>
+        <p:nvPr/>
+      </p:nvGrpSpPr>
+      <p:grpSpPr>
+        <a:xfrm>
+          <a:off x="0" y="0"/>
+          <a:ext cx="0" cy="0"/>
+          <a:chOff x="0" y="0"/>
+          <a:chExt cx="0" cy="0"/>
+        </a:xfrm>
+      </p:grpSpPr>
+      <p:sp>
+        <p:nvSpPr>
+          <p:cNvPr id="2" name="Slide Image Placeholder 1"/>
+          <p:cNvSpPr>
+            <a:spLocks noGrp="1" noRot="1" noChangeAspect="1"/>
+          </p:cNvSpPr>
+          <p:nvPr>
+            <p:ph type="sldImg"/>
+          </p:nvPr>
+        </p:nvSpPr>
+        <p:spPr/>
+      </p:sp>
+      <p:sp>
+        <p:nvSpPr>
+          <p:cNvPr id="3" name="Notes Placeholder 2"/>
+          <p:cNvSpPr>
+            <a:spLocks noGrp="1"/>
+          </p:cNvSpPr>
+          <p:nvPr>
+            <p:ph type="body" idx="1"/>
+          </p:nvPr>
+        </p:nvSpPr>
+        <p:spPr/>
+        <p:txBody>
+          <a:bodyPr/>
+          <a:lstStyle/>
+          <a:p>
+            <a:r>
+              <a:rPr lang="en-US" dirty="0"/>
+              <a:t>OK let’s walk through a demo of a dataset I mostly made up. We want to put together some sort of dashboard to evaluate the performance of candidates who did and did not participate in a mentoring program. This </a:t>
+            </a:r>
+            <a:r>
+              <a:rPr lang="en-US"/>
+              <a:t>will involve a few things: </a:t>
+            </a:r>
+            <a:endParaRPr lang="en-US" dirty="0"/>
+          </a:p>
+        </p:txBody>
+      </p:sp>
+      <p:sp>
+        <p:nvSpPr>
+          <p:cNvPr id="4" name="Slide Number Placeholder 3"/>
+          <p:cNvSpPr>
+            <a:spLocks noGrp="1"/>
+          </p:cNvSpPr>
+          <p:nvPr>
+            <p:ph type="sldNum" sz="quarter" idx="5"/>
+          </p:nvPr>
+        </p:nvSpPr>
+        <p:spPr/>
+        <p:txBody>
+          <a:bodyPr/>
+          <a:lstStyle/>
+          <a:p>
+            <a:fld id="{3BB66621-ADCC-4EF8-8003-B9D3E881DCD2}" type="slidenum">
+              <a:rPr lang="en-US" smtClean="0"/>
+              <a:t>6</a:t>
+            </a:fld>
+            <a:endParaRPr lang="en-US"/>
+          </a:p>
+        </p:txBody>
+      </p:sp>
+    </p:spTree>
+    <p:extLst>
+      <p:ext uri="{BB962C8B-B14F-4D97-AF65-F5344CB8AC3E}">
+        <p14:creationId xmlns:p14="http://schemas.microsoft.com/office/powerpoint/2010/main" val="2317524570"/>
+      </p:ext>
+    </p:extLst>
+  </p:cSld>
+  <p:clrMapOvr>
+    <a:masterClrMapping/>
+  </p:clrMapOvr>
+</p:notes>
+</file>
+
+<file path=ppt/notesSlides/notesSlide6.xml><?xml version="1.0" encoding="utf-8"?>
+<p:notes xmlns:a="http://schemas.openxmlformats.org/drawingml/2006/main" xmlns:r="http://schemas.openxmlformats.org/officeDocument/2006/relationships" xmlns:p="http://schemas.openxmlformats.org/presentationml/2006/main">
+  <p:cSld>
+    <p:spTree>
+      <p:nvGrpSpPr>
+        <p:cNvPr id="1" name=""/>
+        <p:cNvGrpSpPr/>
+        <p:nvPr/>
+      </p:nvGrpSpPr>
+      <p:grpSpPr>
+        <a:xfrm>
+          <a:off x="0" y="0"/>
+          <a:ext cx="0" cy="0"/>
+          <a:chOff x="0" y="0"/>
+          <a:chExt cx="0" cy="0"/>
+        </a:xfrm>
+      </p:grpSpPr>
+      <p:sp>
+        <p:nvSpPr>
+          <p:cNvPr id="2" name="Slide Image Placeholder 1"/>
+          <p:cNvSpPr>
+            <a:spLocks noGrp="1" noRot="1" noChangeAspect="1"/>
+          </p:cNvSpPr>
+          <p:nvPr>
+            <p:ph type="sldImg"/>
+          </p:nvPr>
+        </p:nvSpPr>
+        <p:spPr/>
+      </p:sp>
+      <p:sp>
+        <p:nvSpPr>
+          <p:cNvPr id="3" name="Notes Placeholder 2"/>
+          <p:cNvSpPr>
+            <a:spLocks noGrp="1"/>
+          </p:cNvSpPr>
+          <p:nvPr>
+            <p:ph type="body" idx="1"/>
+          </p:nvPr>
+        </p:nvSpPr>
+        <p:spPr/>
+        <p:txBody>
+          <a:bodyPr/>
+          <a:lstStyle/>
+          <a:p>
+            <a:endParaRPr lang="en-US" dirty="0"/>
+          </a:p>
+        </p:txBody>
+      </p:sp>
+      <p:sp>
+        <p:nvSpPr>
+          <p:cNvPr id="4" name="Slide Number Placeholder 3"/>
+          <p:cNvSpPr>
+            <a:spLocks noGrp="1"/>
+          </p:cNvSpPr>
+          <p:nvPr>
+            <p:ph type="sldNum" sz="quarter" idx="5"/>
+          </p:nvPr>
+        </p:nvSpPr>
+        <p:spPr/>
+        <p:txBody>
+          <a:bodyPr/>
+          <a:lstStyle/>
+          <a:p>
+            <a:fld id="{3BB66621-ADCC-4EF8-8003-B9D3E881DCD2}" type="slidenum">
+              <a:rPr lang="en-US" smtClean="0"/>
+              <a:t>8</a:t>
+            </a:fld>
+            <a:endParaRPr lang="en-US"/>
+          </a:p>
+        </p:txBody>
+      </p:sp>
+    </p:spTree>
+    <p:extLst>
+      <p:ext uri="{BB962C8B-B14F-4D97-AF65-F5344CB8AC3E}">
+        <p14:creationId xmlns:p14="http://schemas.microsoft.com/office/powerpoint/2010/main" val="3514684474"/>
+      </p:ext>
+    </p:extLst>
+  </p:cSld>
+  <p:clrMapOvr>
+    <a:masterClrMapping/>
+  </p:clrMapOvr>
+</p:notes>
+</file>
+
+<file path=ppt/notesSlides/notesSlide7.xml><?xml version="1.0" encoding="utf-8"?>
+<p:notes xmlns:a="http://schemas.openxmlformats.org/drawingml/2006/main" xmlns:r="http://schemas.openxmlformats.org/officeDocument/2006/relationships" xmlns:p="http://schemas.openxmlformats.org/presentationml/2006/main">
+  <p:cSld>
+    <p:spTree>
+      <p:nvGrpSpPr>
+        <p:cNvPr id="1" name=""/>
+        <p:cNvGrpSpPr/>
+        <p:nvPr/>
+      </p:nvGrpSpPr>
+      <p:grpSpPr>
+        <a:xfrm>
+          <a:off x="0" y="0"/>
+          <a:ext cx="0" cy="0"/>
+          <a:chOff x="0" y="0"/>
+          <a:chExt cx="0" cy="0"/>
+        </a:xfrm>
+      </p:grpSpPr>
+      <p:sp>
+        <p:nvSpPr>
+          <p:cNvPr id="2" name="Slide Image Placeholder 1"/>
+          <p:cNvSpPr>
+            <a:spLocks noGrp="1" noRot="1" noChangeAspect="1"/>
+          </p:cNvSpPr>
+          <p:nvPr>
+            <p:ph type="sldImg"/>
+          </p:nvPr>
+        </p:nvSpPr>
+        <p:spPr/>
+      </p:sp>
+      <p:sp>
+        <p:nvSpPr>
+          <p:cNvPr id="3" name="Notes Placeholder 2"/>
+          <p:cNvSpPr>
+            <a:spLocks noGrp="1"/>
+          </p:cNvSpPr>
+          <p:nvPr>
+            <p:ph type="body" idx="1"/>
+          </p:nvPr>
+        </p:nvSpPr>
+        <p:spPr/>
+        <p:txBody>
+          <a:bodyPr/>
+          <a:lstStyle/>
+          <a:p>
+            <a:endParaRPr lang="en-US" dirty="0"/>
+          </a:p>
+        </p:txBody>
+      </p:sp>
+      <p:sp>
+        <p:nvSpPr>
+          <p:cNvPr id="4" name="Slide Number Placeholder 3"/>
+          <p:cNvSpPr>
+            <a:spLocks noGrp="1"/>
+          </p:cNvSpPr>
+          <p:nvPr>
+            <p:ph type="sldNum" sz="quarter" idx="5"/>
+          </p:nvPr>
+        </p:nvSpPr>
+        <p:spPr/>
+        <p:txBody>
+          <a:bodyPr/>
+          <a:lstStyle/>
+          <a:p>
+            <a:fld id="{3BB66621-ADCC-4EF8-8003-B9D3E881DCD2}" type="slidenum">
+              <a:rPr lang="en-US" smtClean="0"/>
+              <a:t>9</a:t>
+            </a:fld>
+            <a:endParaRPr lang="en-US"/>
+          </a:p>
+        </p:txBody>
+      </p:sp>
+    </p:spTree>
+    <p:extLst>
+      <p:ext uri="{BB962C8B-B14F-4D97-AF65-F5344CB8AC3E}">
+        <p14:creationId xmlns:p14="http://schemas.microsoft.com/office/powerpoint/2010/main" val="2195087531"/>
       </p:ext>
     </p:extLst>
   </p:cSld>
@@ -5285,59 +5725,75 @@
           <a:chExt cx="0" cy="0"/>
         </a:xfrm>
       </p:grpSpPr>
-      <p:sp>
-        <p:nvSpPr>
-          <p:cNvPr id="4" name="Rectangle 3"/>
-          <p:cNvSpPr/>
+      <p:pic>
+        <p:nvPicPr>
+          <p:cNvPr id="10" name="Picture 9"/>
+          <p:cNvPicPr>
+            <a:picLocks noChangeAspect="1"/>
+          </p:cNvPicPr>
           <p:nvPr/>
-        </p:nvSpPr>
+        </p:nvPicPr>
+        <p:blipFill rotWithShape="1">
+          <a:blip r:embed="rId2">
+            <a:extLst>
+              <a:ext uri="{28A0092B-C50C-407E-A947-70E740481C1C}">
+                <a14:useLocalDpi xmlns:a14="http://schemas.microsoft.com/office/drawing/2010/main" val="0"/>
+              </a:ext>
+            </a:extLst>
+          </a:blip>
+          <a:srcRect l="50728" t="56371"/>
+          <a:stretch/>
+        </p:blipFill>
         <p:spPr>
           <a:xfrm>
-            <a:off x="0" y="0"/>
-            <a:ext cx="12192000" cy="6858000"/>
+            <a:off x="8136460" y="2210765"/>
+            <a:ext cx="4055539" cy="4647236"/>
           </a:xfrm>
           <a:prstGeom prst="rect">
             <a:avLst/>
           </a:prstGeom>
-          <a:solidFill>
-            <a:srgbClr val="CF3338"/>
-          </a:solidFill>
         </p:spPr>
-        <p:style>
-          <a:lnRef idx="2">
-            <a:schemeClr val="accent1">
-              <a:shade val="50000"/>
-            </a:schemeClr>
-          </a:lnRef>
-          <a:fillRef idx="1">
-            <a:schemeClr val="accent1"/>
-          </a:fillRef>
-          <a:effectRef idx="0">
-            <a:schemeClr val="accent1"/>
-          </a:effectRef>
-          <a:fontRef idx="minor">
-            <a:schemeClr val="lt1"/>
-          </a:fontRef>
-        </p:style>
-        <p:txBody>
-          <a:bodyPr rtlCol="0" anchor="ctr"/>
-          <a:lstStyle/>
-          <a:p>
-            <a:pPr algn="ctr"/>
-            <a:endParaRPr lang="en-US"/>
-          </a:p>
-        </p:txBody>
-      </p:sp>
-      <p:sp>
-        <p:nvSpPr>
-          <p:cNvPr id="5" name="TextBox 4"/>
+      </p:pic>
+      <p:pic>
+        <p:nvPicPr>
+          <p:cNvPr id="4" name="Picture 3"/>
+          <p:cNvPicPr>
+            <a:picLocks noChangeAspect="1"/>
+          </p:cNvPicPr>
+          <p:nvPr/>
+        </p:nvPicPr>
+        <p:blipFill>
+          <a:blip r:embed="rId3">
+            <a:extLst>
+              <a:ext uri="{28A0092B-C50C-407E-A947-70E740481C1C}">
+                <a14:useLocalDpi xmlns:a14="http://schemas.microsoft.com/office/drawing/2010/main" val="0"/>
+              </a:ext>
+            </a:extLst>
+          </a:blip>
+          <a:stretch>
+            <a:fillRect/>
+          </a:stretch>
+        </p:blipFill>
+        <p:spPr>
+          <a:xfrm>
+            <a:off x="-538496" y="-2482770"/>
+            <a:ext cx="10171472" cy="7459883"/>
+          </a:xfrm>
+          <a:prstGeom prst="rect">
+            <a:avLst/>
+          </a:prstGeom>
+        </p:spPr>
+      </p:pic>
+      <p:sp>
+        <p:nvSpPr>
+          <p:cNvPr id="11" name="TextBox 10"/>
           <p:cNvSpPr txBox="1"/>
           <p:nvPr/>
         </p:nvSpPr>
         <p:spPr>
           <a:xfrm>
-            <a:off x="520861" y="393539"/>
-            <a:ext cx="10324617" cy="4154984"/>
+            <a:off x="324091" y="1687545"/>
+            <a:ext cx="7986531" cy="2369880"/>
           </a:xfrm>
           <a:prstGeom prst="rect">
             <a:avLst/>
@@ -5351,45 +5807,75 @@
           <a:lstStyle/>
           <a:p>
             <a:r>
-              <a:rPr lang="en-US" sz="6600" b="1" dirty="0">
+              <a:rPr lang="en-US" sz="3600" b="1" dirty="0">
                 <a:solidFill>
-                  <a:schemeClr val="bg1"/>
+                  <a:srgbClr val="707070"/>
                 </a:solidFill>
-                <a:latin typeface="Pragmatica" pitchFamily="2" charset="0"/>
+                <a:latin typeface="Pragmatica" panose="020B0403040502020204" pitchFamily="34" charset="0"/>
               </a:rPr>
-              <a:t>Have you downloaded the Analysis ToolPak?</a:t>
-            </a:r>
-          </a:p>
-          <a:p>
-            <a:endParaRPr lang="en-US" sz="6600" b="1" dirty="0">
+              <a:t>THANK YOU</a:t>
+            </a:r>
+          </a:p>
+          <a:p>
+            <a:endParaRPr lang="en-US" sz="2800" b="1" dirty="0">
               <a:solidFill>
-                <a:schemeClr val="bg1"/>
+                <a:srgbClr val="707070"/>
               </a:solidFill>
-              <a:latin typeface="Pragmatica" pitchFamily="2" charset="0"/>
+              <a:latin typeface="Pragmatica" panose="020B0403040502020204" pitchFamily="34" charset="0"/>
             </a:endParaRPr>
           </a:p>
           <a:p>
             <a:r>
-              <a:rPr lang="en-US" sz="6600" b="1" dirty="0">
+              <a:rPr lang="en-US" sz="2800" b="1" dirty="0">
                 <a:solidFill>
-                  <a:schemeClr val="bg1"/>
+                  <a:srgbClr val="707070"/>
                 </a:solidFill>
-                <a:latin typeface="Pragmatica" pitchFamily="2" charset="0"/>
-                <a:hlinkClick r:id="rId2">
-                  <a:extLst>
-                    <a:ext uri="{A12FA001-AC4F-418D-AE19-62706E023703}">
-                      <ahyp:hlinkClr xmlns:ahyp="http://schemas.microsoft.com/office/drawing/2018/hyperlinkcolor" val="tx"/>
-                    </a:ext>
-                  </a:extLst>
-                </a:hlinkClick>
+                <a:latin typeface="Pragmatica" panose="020B0403040502020204" pitchFamily="34" charset="0"/>
+                <a:hlinkClick r:id="rId4"/>
               </a:rPr>
-              <a:t>https://bit.ly/3jZaw9X</a:t>
-            </a:r>
-            <a:endParaRPr lang="en-US" sz="6600" b="1" dirty="0">
+              <a:t>george@stringfestanalytics.com</a:t>
+            </a:r>
+            <a:endParaRPr lang="en-US" sz="2800" b="1" dirty="0">
               <a:solidFill>
-                <a:schemeClr val="bg1"/>
+                <a:srgbClr val="707070"/>
               </a:solidFill>
-              <a:latin typeface="Pragmatica" pitchFamily="2" charset="0"/>
+              <a:latin typeface="Pragmatica" panose="020B0403040502020204" pitchFamily="34" charset="0"/>
+            </a:endParaRPr>
+          </a:p>
+          <a:p>
+            <a:r>
+              <a:rPr lang="en-US" sz="2800" b="1" dirty="0">
+                <a:solidFill>
+                  <a:srgbClr val="707070"/>
+                </a:solidFill>
+                <a:latin typeface="Pragmatica" panose="020B0403040502020204" pitchFamily="34" charset="0"/>
+                <a:hlinkClick r:id="rId5"/>
+              </a:rPr>
+              <a:t>linkedin.com/in/gjmount</a:t>
+            </a:r>
+            <a:endParaRPr lang="en-US" sz="2800" b="1" dirty="0">
+              <a:solidFill>
+                <a:srgbClr val="707070"/>
+              </a:solidFill>
+              <a:latin typeface="Pragmatica" panose="020B0403040502020204" pitchFamily="34" charset="0"/>
+            </a:endParaRPr>
+          </a:p>
+          <a:p>
+            <a:r>
+              <a:rPr lang="en-US" sz="2800" b="1" dirty="0">
+                <a:solidFill>
+                  <a:srgbClr val="707070"/>
+                </a:solidFill>
+                <a:latin typeface="Pragmatica" panose="020B0403040502020204" pitchFamily="34" charset="0"/>
+                <a:hlinkClick r:id="rId6"/>
+              </a:rPr>
+              <a:t>stringfestanalytics.com/contact  </a:t>
+            </a:r>
+            <a:endParaRPr lang="en-US" sz="2800" b="1" dirty="0">
+              <a:solidFill>
+                <a:srgbClr val="707070"/>
+              </a:solidFill>
+              <a:latin typeface="Pragmatica" panose="020B0403040502020204" pitchFamily="34" charset="0"/>
             </a:endParaRPr>
           </a:p>
         </p:txBody>
@@ -5397,7 +5883,7 @@
     </p:spTree>
     <p:extLst>
       <p:ext uri="{BB962C8B-B14F-4D97-AF65-F5344CB8AC3E}">
-        <p14:creationId xmlns:p14="http://schemas.microsoft.com/office/powerpoint/2010/main" val="1922980201"/>
+        <p14:creationId xmlns:p14="http://schemas.microsoft.com/office/powerpoint/2010/main" val="3712320391"/>
       </p:ext>
     </p:extLst>
   </p:cSld>
@@ -5407,114 +5893,7 @@
 </p:sld>
 </file>
 
-<file path=ppt/slides/slide11.xml><?xml version="1.0" encoding="utf-8"?>
-<p:sld xmlns:a="http://schemas.openxmlformats.org/drawingml/2006/main" xmlns:r="http://schemas.openxmlformats.org/officeDocument/2006/relationships" xmlns:p="http://schemas.openxmlformats.org/presentationml/2006/main">
-  <p:cSld>
-    <p:spTree>
-      <p:nvGrpSpPr>
-        <p:cNvPr id="1" name=""/>
-        <p:cNvGrpSpPr/>
-        <p:nvPr/>
-      </p:nvGrpSpPr>
-      <p:grpSpPr>
-        <a:xfrm>
-          <a:off x="0" y="0"/>
-          <a:ext cx="0" cy="0"/>
-          <a:chOff x="0" y="0"/>
-          <a:chExt cx="0" cy="0"/>
-        </a:xfrm>
-      </p:grpSpPr>
-      <p:sp>
-        <p:nvSpPr>
-          <p:cNvPr id="4" name="Rectangle 3"/>
-          <p:cNvSpPr/>
-          <p:nvPr/>
-        </p:nvSpPr>
-        <p:spPr>
-          <a:xfrm>
-            <a:off x="0" y="0"/>
-            <a:ext cx="12192000" cy="6858000"/>
-          </a:xfrm>
-          <a:prstGeom prst="rect">
-            <a:avLst/>
-          </a:prstGeom>
-          <a:solidFill>
-            <a:srgbClr val="CF3338"/>
-          </a:solidFill>
-        </p:spPr>
-        <p:style>
-          <a:lnRef idx="2">
-            <a:schemeClr val="accent1">
-              <a:shade val="50000"/>
-            </a:schemeClr>
-          </a:lnRef>
-          <a:fillRef idx="1">
-            <a:schemeClr val="accent1"/>
-          </a:fillRef>
-          <a:effectRef idx="0">
-            <a:schemeClr val="accent1"/>
-          </a:effectRef>
-          <a:fontRef idx="minor">
-            <a:schemeClr val="lt1"/>
-          </a:fontRef>
-        </p:style>
-        <p:txBody>
-          <a:bodyPr rtlCol="0" anchor="ctr"/>
-          <a:lstStyle/>
-          <a:p>
-            <a:pPr algn="ctr"/>
-            <a:endParaRPr lang="en-US"/>
-          </a:p>
-        </p:txBody>
-      </p:sp>
-      <p:sp>
-        <p:nvSpPr>
-          <p:cNvPr id="5" name="TextBox 4"/>
-          <p:cNvSpPr txBox="1"/>
-          <p:nvPr/>
-        </p:nvSpPr>
-        <p:spPr>
-          <a:xfrm>
-            <a:off x="520861" y="393539"/>
-            <a:ext cx="10324617" cy="1107996"/>
-          </a:xfrm>
-          <a:prstGeom prst="rect">
-            <a:avLst/>
-          </a:prstGeom>
-          <a:noFill/>
-        </p:spPr>
-        <p:txBody>
-          <a:bodyPr wrap="square" rtlCol="0">
-            <a:spAutoFit/>
-          </a:bodyPr>
-          <a:lstStyle/>
-          <a:p>
-            <a:r>
-              <a:rPr lang="en-US" sz="6600" b="1" dirty="0">
-                <a:solidFill>
-                  <a:schemeClr val="bg1"/>
-                </a:solidFill>
-                <a:latin typeface="Pragmatica" pitchFamily="2" charset="0"/>
-              </a:rPr>
-              <a:t>Conclusion/Next steps</a:t>
-            </a:r>
-          </a:p>
-        </p:txBody>
-      </p:sp>
-    </p:spTree>
-    <p:extLst>
-      <p:ext uri="{BB962C8B-B14F-4D97-AF65-F5344CB8AC3E}">
-        <p14:creationId xmlns:p14="http://schemas.microsoft.com/office/powerpoint/2010/main" val="467168029"/>
-      </p:ext>
-    </p:extLst>
-  </p:cSld>
-  <p:clrMapOvr>
-    <a:masterClrMapping/>
-  </p:clrMapOvr>
-</p:sld>
-</file>
-
-<file path=ppt/slides/slide12.xml><?xml version="1.0" encoding="utf-8"?>
+<file path=ppt/slides/slide2.xml><?xml version="1.0" encoding="utf-8"?>
 <p:sld xmlns:a="http://schemas.openxmlformats.org/drawingml/2006/main" xmlns:r="http://schemas.openxmlformats.org/officeDocument/2006/relationships" xmlns:p="http://schemas.openxmlformats.org/presentationml/2006/main">
   <p:cSld>
     <p:spTree>
@@ -5569,7 +5948,7 @@
         <p:spPr>
           <a:xfrm>
             <a:off x="347240" y="113388"/>
-            <a:ext cx="10861534" cy="1015663"/>
+            <a:ext cx="9799937" cy="1015663"/>
           </a:xfrm>
           <a:prstGeom prst="rect">
             <a:avLst/>
@@ -5586,27 +5965,21 @@
               <a:rPr lang="en-US" sz="6000" dirty="0">
                 <a:latin typeface="Aliens &amp; cows" panose="00000500000000000000" pitchFamily="2" charset="0"/>
               </a:rPr>
-              <a:t>Want more? </a:t>
-            </a:r>
-          </a:p>
-        </p:txBody>
-      </p:sp>
-      <p:sp>
-        <p:nvSpPr>
-          <p:cNvPr id="4" name="TextBox 3">
-            <a:extLst>
-              <a:ext uri="{FF2B5EF4-FFF2-40B4-BE49-F238E27FC236}">
-                <a16:creationId xmlns:a16="http://schemas.microsoft.com/office/drawing/2014/main" id="{5A4F6C64-3E8D-4255-95B8-CF64265213DA}"/>
-              </a:ext>
-            </a:extLst>
-          </p:cNvPr>
+              <a:t>Learning objectives</a:t>
+            </a:r>
+          </a:p>
+        </p:txBody>
+      </p:sp>
+      <p:sp>
+        <p:nvSpPr>
+          <p:cNvPr id="3" name="TextBox 2"/>
           <p:cNvSpPr txBox="1"/>
           <p:nvPr/>
         </p:nvSpPr>
         <p:spPr>
           <a:xfrm>
-            <a:off x="347240" y="1465093"/>
-            <a:ext cx="9688858" cy="954107"/>
+            <a:off x="462987" y="1365813"/>
+            <a:ext cx="10263233" cy="6124754"/>
           </a:xfrm>
           <a:prstGeom prst="rect">
             <a:avLst/>
@@ -5619,10 +5992,7 @@
           </a:bodyPr>
           <a:lstStyle/>
           <a:p>
-            <a:pPr marL="457200" indent="-457200">
-              <a:buClr>
-                <a:srgbClr val="CF3338"/>
-              </a:buClr>
+            <a:pPr marL="285750" indent="-285750">
               <a:buFont typeface="Arial" panose="020B0604020202020204" pitchFamily="34" charset="0"/>
               <a:buChar char="•"/>
             </a:pPr>
@@ -5633,17 +6003,79 @@
                 </a:solidFill>
                 <a:latin typeface="Pragmatica" panose="020B0403040502020204" pitchFamily="34" charset="0"/>
               </a:rPr>
-              <a:t>Sign up for course waiting list: </a:t>
-            </a:r>
-            <a:r>
-              <a:rPr lang="en-US" sz="2800" b="1" dirty="0">
+              <a:t>R in Power BI: when and why? </a:t>
+            </a:r>
+          </a:p>
+          <a:p>
+            <a:pPr marL="285750" indent="-285750">
+              <a:buFont typeface="Arial" panose="020B0604020202020204" pitchFamily="34" charset="0"/>
+              <a:buChar char="•"/>
+            </a:pPr>
+            <a:r>
+              <a:rPr lang="en-US" sz="2800" dirty="0">
                 <a:solidFill>
                   <a:srgbClr val="707070"/>
                 </a:solidFill>
                 <a:latin typeface="Pragmatica" panose="020B0403040502020204" pitchFamily="34" charset="0"/>
-                <a:hlinkClick r:id="rId4"/>
               </a:rPr>
-              <a:t>https://stringfestanalytics.com/aina-waiting</a:t>
+              <a:t>Setup</a:t>
+            </a:r>
+          </a:p>
+          <a:p>
+            <a:pPr marL="285750" indent="-285750">
+              <a:buFont typeface="Arial" panose="020B0604020202020204" pitchFamily="34" charset="0"/>
+              <a:buChar char="•"/>
+            </a:pPr>
+            <a:r>
+              <a:rPr lang="en-US" sz="2800" dirty="0">
+                <a:solidFill>
+                  <a:srgbClr val="707070"/>
+                </a:solidFill>
+                <a:latin typeface="Pragmatica" panose="020B0403040502020204" pitchFamily="34" charset="0"/>
+              </a:rPr>
+              <a:t>Use cases</a:t>
+            </a:r>
+          </a:p>
+          <a:p>
+            <a:pPr marL="285750" indent="-285750">
+              <a:buFont typeface="Arial" panose="020B0604020202020204" pitchFamily="34" charset="0"/>
+              <a:buChar char="•"/>
+            </a:pPr>
+            <a:r>
+              <a:rPr lang="en-US" sz="2800" dirty="0">
+                <a:solidFill>
+                  <a:srgbClr val="707070"/>
+                </a:solidFill>
+                <a:latin typeface="Pragmatica" panose="020B0403040502020204" pitchFamily="34" charset="0"/>
+              </a:rPr>
+              <a:t>Giveaway…</a:t>
+            </a:r>
+          </a:p>
+          <a:p>
+            <a:pPr marL="285750" indent="-285750">
+              <a:buFont typeface="Arial" panose="020B0604020202020204" pitchFamily="34" charset="0"/>
+              <a:buChar char="•"/>
+            </a:pPr>
+            <a:endParaRPr lang="en-US" sz="2800" dirty="0">
+              <a:solidFill>
+                <a:srgbClr val="707070"/>
+              </a:solidFill>
+              <a:latin typeface="Pragmatica" panose="020B0403040502020204" pitchFamily="34" charset="0"/>
+            </a:endParaRPr>
+          </a:p>
+          <a:p>
+            <a:pPr marL="285750" indent="-285750">
+              <a:buFont typeface="Arial" panose="020B0604020202020204" pitchFamily="34" charset="0"/>
+              <a:buChar char="•"/>
+            </a:pPr>
+            <a:r>
+              <a:rPr lang="en-US" sz="2800" dirty="0">
+                <a:solidFill>
+                  <a:srgbClr val="707070"/>
+                </a:solidFill>
+                <a:latin typeface="Pragmatica" panose="020B0403040502020204" pitchFamily="34" charset="0"/>
+              </a:rPr>
+              <a:t>Follow along: </a:t>
             </a:r>
             <a:r>
               <a:rPr lang="en-US" sz="2800" dirty="0">
@@ -5653,8 +6085,288 @@
                 <a:latin typeface="Pragmatica" panose="020B0403040502020204" pitchFamily="34" charset="0"/>
                 <a:hlinkClick r:id="rId4"/>
               </a:rPr>
-              <a:t>/</a:t>
-            </a:r>
+              <a:t>https://github.com/stringfestdata/satrday-r-power-bi</a:t>
+            </a:r>
+            <a:endParaRPr lang="en-US" sz="2800" dirty="0">
+              <a:solidFill>
+                <a:srgbClr val="707070"/>
+              </a:solidFill>
+              <a:latin typeface="Pragmatica" panose="020B0403040502020204" pitchFamily="34" charset="0"/>
+            </a:endParaRPr>
+          </a:p>
+          <a:p>
+            <a:pPr marL="742950" lvl="1" indent="-285750">
+              <a:buFont typeface="Arial" panose="020B0604020202020204" pitchFamily="34" charset="0"/>
+              <a:buChar char="•"/>
+            </a:pPr>
+            <a:r>
+              <a:rPr lang="en-US" sz="2800" dirty="0">
+                <a:solidFill>
+                  <a:srgbClr val="707070"/>
+                </a:solidFill>
+                <a:latin typeface="Consolas" panose="020B0609020204030204" pitchFamily="49" charset="0"/>
+              </a:rPr>
+              <a:t>r-</a:t>
+            </a:r>
+            <a:r>
+              <a:rPr lang="en-US" sz="2800" dirty="0" err="1">
+                <a:solidFill>
+                  <a:srgbClr val="707070"/>
+                </a:solidFill>
+                <a:latin typeface="Consolas" panose="020B0609020204030204" pitchFamily="49" charset="0"/>
+              </a:rPr>
+              <a:t>pbi</a:t>
+            </a:r>
+            <a:r>
+              <a:rPr lang="en-US" sz="2800" dirty="0">
+                <a:solidFill>
+                  <a:srgbClr val="707070"/>
+                </a:solidFill>
+                <a:latin typeface="Consolas" panose="020B0609020204030204" pitchFamily="49" charset="0"/>
+              </a:rPr>
+              <a:t>-</a:t>
+            </a:r>
+            <a:r>
+              <a:rPr lang="en-US" sz="2800" dirty="0" err="1">
+                <a:solidFill>
+                  <a:srgbClr val="707070"/>
+                </a:solidFill>
+                <a:latin typeface="Consolas" panose="020B0609020204030204" pitchFamily="49" charset="0"/>
+              </a:rPr>
+              <a:t>scripts.r</a:t>
+            </a:r>
+            <a:r>
+              <a:rPr lang="en-US" sz="2800" dirty="0">
+                <a:solidFill>
+                  <a:srgbClr val="707070"/>
+                </a:solidFill>
+                <a:latin typeface="Pragmatica" panose="020B7200000000000000" pitchFamily="34" charset="0"/>
+              </a:rPr>
+              <a:t>: scripts used</a:t>
+            </a:r>
+          </a:p>
+          <a:p>
+            <a:pPr marL="742950" lvl="1" indent="-285750">
+              <a:buFont typeface="Arial" panose="020B0604020202020204" pitchFamily="34" charset="0"/>
+              <a:buChar char="•"/>
+            </a:pPr>
+            <a:r>
+              <a:rPr lang="en-US" sz="2800" dirty="0">
+                <a:solidFill>
+                  <a:srgbClr val="707070"/>
+                </a:solidFill>
+                <a:latin typeface="Consolas" panose="020B0609020204030204" pitchFamily="49" charset="0"/>
+              </a:rPr>
+              <a:t>r-</a:t>
+            </a:r>
+            <a:r>
+              <a:rPr lang="en-US" sz="2800" dirty="0" err="1">
+                <a:solidFill>
+                  <a:srgbClr val="707070"/>
+                </a:solidFill>
+                <a:latin typeface="Consolas" panose="020B0609020204030204" pitchFamily="49" charset="0"/>
+              </a:rPr>
+              <a:t>pbi.pbix</a:t>
+            </a:r>
+            <a:r>
+              <a:rPr lang="en-US" sz="2800" dirty="0">
+                <a:solidFill>
+                  <a:srgbClr val="707070"/>
+                </a:solidFill>
+                <a:latin typeface="Consolas" panose="020B0609020204030204" pitchFamily="49" charset="0"/>
+              </a:rPr>
+              <a:t>:</a:t>
+            </a:r>
+            <a:r>
+              <a:rPr lang="en-US" sz="2800" dirty="0">
+                <a:solidFill>
+                  <a:srgbClr val="707070"/>
+                </a:solidFill>
+                <a:latin typeface="Pragmatica" panose="020B7200000000000000" pitchFamily="34" charset="0"/>
+              </a:rPr>
+              <a:t> completed PBI file</a:t>
+            </a:r>
+          </a:p>
+          <a:p>
+            <a:pPr marL="742950" lvl="1" indent="-285750">
+              <a:buFont typeface="Arial" panose="020B0604020202020204" pitchFamily="34" charset="0"/>
+              <a:buChar char="•"/>
+            </a:pPr>
+            <a:endParaRPr lang="en-US" sz="2800" dirty="0">
+              <a:solidFill>
+                <a:srgbClr val="707070"/>
+              </a:solidFill>
+              <a:latin typeface="Pragmatica" panose="020B7200000000000000" pitchFamily="34" charset="0"/>
+            </a:endParaRPr>
+          </a:p>
+          <a:p>
+            <a:pPr marL="742950" lvl="1" indent="-285750">
+              <a:buFont typeface="Arial" panose="020B0604020202020204" pitchFamily="34" charset="0"/>
+              <a:buChar char="•"/>
+            </a:pPr>
+            <a:endParaRPr lang="en-US" sz="2800" dirty="0">
+              <a:solidFill>
+                <a:srgbClr val="707070"/>
+              </a:solidFill>
+              <a:latin typeface="Pragmatica" panose="020B7200000000000000" pitchFamily="34" charset="0"/>
+            </a:endParaRPr>
+          </a:p>
+          <a:p>
+            <a:pPr marL="742950" lvl="1" indent="-285750">
+              <a:buFont typeface="Arial" panose="020B0604020202020204" pitchFamily="34" charset="0"/>
+              <a:buChar char="•"/>
+            </a:pPr>
+            <a:endParaRPr lang="en-US" sz="2800" dirty="0">
+              <a:solidFill>
+                <a:srgbClr val="707070"/>
+              </a:solidFill>
+              <a:latin typeface="Pragmatica" panose="020B7200000000000000" pitchFamily="34" charset="0"/>
+            </a:endParaRPr>
+          </a:p>
+          <a:p>
+            <a:pPr marL="285750" indent="-285750">
+              <a:buFont typeface="Arial" panose="020B0604020202020204" pitchFamily="34" charset="0"/>
+              <a:buChar char="•"/>
+            </a:pPr>
+            <a:endParaRPr lang="en-US" sz="2800" dirty="0">
+              <a:solidFill>
+                <a:srgbClr val="707070"/>
+              </a:solidFill>
+              <a:latin typeface="Pragmatica" panose="020B0403040502020204" pitchFamily="34" charset="0"/>
+            </a:endParaRPr>
+          </a:p>
+          <a:p>
+            <a:endParaRPr lang="en-US" sz="2800" dirty="0">
+              <a:solidFill>
+                <a:srgbClr val="707070"/>
+              </a:solidFill>
+              <a:latin typeface="Pragmatica" panose="020B0403040502020204" pitchFamily="34" charset="0"/>
+            </a:endParaRPr>
+          </a:p>
+        </p:txBody>
+      </p:sp>
+    </p:spTree>
+    <p:extLst>
+      <p:ext uri="{BB962C8B-B14F-4D97-AF65-F5344CB8AC3E}">
+        <p14:creationId xmlns:p14="http://schemas.microsoft.com/office/powerpoint/2010/main" val="2948647643"/>
+      </p:ext>
+    </p:extLst>
+  </p:cSld>
+  <p:clrMapOvr>
+    <a:masterClrMapping/>
+  </p:clrMapOvr>
+</p:sld>
+</file>
+
+<file path=ppt/slides/slide3.xml><?xml version="1.0" encoding="utf-8"?>
+<p:sld xmlns:a="http://schemas.openxmlformats.org/drawingml/2006/main" xmlns:r="http://schemas.openxmlformats.org/officeDocument/2006/relationships" xmlns:p="http://schemas.openxmlformats.org/presentationml/2006/main">
+  <p:cSld>
+    <p:spTree>
+      <p:nvGrpSpPr>
+        <p:cNvPr id="1" name=""/>
+        <p:cNvGrpSpPr/>
+        <p:nvPr/>
+      </p:nvGrpSpPr>
+      <p:grpSpPr>
+        <a:xfrm>
+          <a:off x="0" y="0"/>
+          <a:ext cx="0" cy="0"/>
+          <a:chOff x="0" y="0"/>
+          <a:chExt cx="0" cy="0"/>
+        </a:xfrm>
+      </p:grpSpPr>
+      <p:pic>
+        <p:nvPicPr>
+          <p:cNvPr id="10" name="Picture 9"/>
+          <p:cNvPicPr>
+            <a:picLocks noChangeAspect="1"/>
+          </p:cNvPicPr>
+          <p:nvPr/>
+        </p:nvPicPr>
+        <p:blipFill rotWithShape="1">
+          <a:blip r:embed="rId3">
+            <a:extLst>
+              <a:ext uri="{28A0092B-C50C-407E-A947-70E740481C1C}">
+                <a14:useLocalDpi xmlns:a14="http://schemas.microsoft.com/office/drawing/2010/main" val="0"/>
+              </a:ext>
+            </a:extLst>
+          </a:blip>
+          <a:srcRect l="50728" t="56371"/>
+          <a:stretch/>
+        </p:blipFill>
+        <p:spPr>
+          <a:xfrm>
+            <a:off x="10894024" y="5370653"/>
+            <a:ext cx="1297975" cy="1487348"/>
+          </a:xfrm>
+          <a:prstGeom prst="rect">
+            <a:avLst/>
+          </a:prstGeom>
+        </p:spPr>
+      </p:pic>
+      <p:sp>
+        <p:nvSpPr>
+          <p:cNvPr id="11" name="TextBox 10"/>
+          <p:cNvSpPr txBox="1"/>
+          <p:nvPr/>
+        </p:nvSpPr>
+        <p:spPr>
+          <a:xfrm>
+            <a:off x="347240" y="113388"/>
+            <a:ext cx="9799937" cy="1015663"/>
+          </a:xfrm>
+          <a:prstGeom prst="rect">
+            <a:avLst/>
+          </a:prstGeom>
+          <a:noFill/>
+        </p:spPr>
+        <p:txBody>
+          <a:bodyPr wrap="square" rtlCol="0">
+            <a:spAutoFit/>
+          </a:bodyPr>
+          <a:lstStyle/>
+          <a:p>
+            <a:r>
+              <a:rPr lang="en-US" sz="6000" dirty="0">
+                <a:latin typeface="Aliens &amp; cows" panose="00000500000000000000" pitchFamily="2" charset="0"/>
+              </a:rPr>
+              <a:t>Chat me up</a:t>
+            </a:r>
+          </a:p>
+        </p:txBody>
+      </p:sp>
+      <p:sp>
+        <p:nvSpPr>
+          <p:cNvPr id="13" name="TextBox 12">
+            <a:extLst>
+              <a:ext uri="{FF2B5EF4-FFF2-40B4-BE49-F238E27FC236}">
+                <a16:creationId xmlns:a16="http://schemas.microsoft.com/office/drawing/2014/main" id="{BAD4CFA0-F6EE-4D9E-AA4F-AABFDE2E3205}"/>
+              </a:ext>
+            </a:extLst>
+          </p:cNvPr>
+          <p:cNvSpPr txBox="1"/>
+          <p:nvPr/>
+        </p:nvSpPr>
+        <p:spPr>
+          <a:xfrm>
+            <a:off x="462988" y="1365813"/>
+            <a:ext cx="6772002" cy="3539430"/>
+          </a:xfrm>
+          <a:prstGeom prst="rect">
+            <a:avLst/>
+          </a:prstGeom>
+          <a:noFill/>
+        </p:spPr>
+        <p:txBody>
+          <a:bodyPr wrap="square" rtlCol="0">
+            <a:spAutoFit/>
+          </a:bodyPr>
+          <a:lstStyle/>
+          <a:p>
+            <a:pPr marL="285750" indent="-285750">
+              <a:buFont typeface="Arial" panose="020B0604020202020204" pitchFamily="34" charset="0"/>
+              <a:buChar char="•"/>
+            </a:pPr>
             <a:r>
               <a:rPr lang="en-US" sz="2800" dirty="0">
                 <a:solidFill>
@@ -5662,18 +6374,574 @@
                 </a:solidFill>
                 <a:latin typeface="Pragmatica" panose="020B0403040502020204" pitchFamily="34" charset="0"/>
               </a:rPr>
-              <a:t>    </a:t>
-            </a:r>
-          </a:p>
-        </p:txBody>
-      </p:sp>
+              <a:t>Do you use Power BI? How/when/why?</a:t>
+            </a:r>
+          </a:p>
+          <a:p>
+            <a:pPr marL="285750" indent="-285750">
+              <a:buFont typeface="Arial" panose="020B0604020202020204" pitchFamily="34" charset="0"/>
+              <a:buChar char="•"/>
+            </a:pPr>
+            <a:r>
+              <a:rPr lang="en-US" sz="2800" dirty="0">
+                <a:solidFill>
+                  <a:srgbClr val="707070"/>
+                </a:solidFill>
+                <a:latin typeface="Pragmatica" panose="020B0403040502020204" pitchFamily="34" charset="0"/>
+              </a:rPr>
+              <a:t>Do you use R in Power BI? How/when/why?</a:t>
+            </a:r>
+          </a:p>
+          <a:p>
+            <a:pPr marL="285750" indent="-285750">
+              <a:buFont typeface="Arial" panose="020B0604020202020204" pitchFamily="34" charset="0"/>
+              <a:buChar char="•"/>
+            </a:pPr>
+            <a:r>
+              <a:rPr lang="en-US" sz="2800" dirty="0">
+                <a:solidFill>
+                  <a:srgbClr val="707070"/>
+                </a:solidFill>
+                <a:latin typeface="Pragmatica" panose="020B0403040502020204" pitchFamily="34" charset="0"/>
+              </a:rPr>
+              <a:t>Pros/cons to Power BI vs Shiny?</a:t>
+            </a:r>
+          </a:p>
+          <a:p>
+            <a:pPr marL="285750" indent="-285750">
+              <a:buFont typeface="Arial" panose="020B0604020202020204" pitchFamily="34" charset="0"/>
+              <a:buChar char="•"/>
+            </a:pPr>
+            <a:endParaRPr lang="en-US" sz="2800" dirty="0">
+              <a:solidFill>
+                <a:srgbClr val="707070"/>
+              </a:solidFill>
+              <a:latin typeface="Pragmatica" panose="020B0403040502020204" pitchFamily="34" charset="0"/>
+            </a:endParaRPr>
+          </a:p>
+          <a:p>
+            <a:pPr marL="285750" indent="-285750">
+              <a:buFont typeface="Arial" panose="020B0604020202020204" pitchFamily="34" charset="0"/>
+              <a:buChar char="•"/>
+            </a:pPr>
+            <a:r>
+              <a:rPr lang="en-US" sz="2800" dirty="0">
+                <a:solidFill>
+                  <a:srgbClr val="707070"/>
+                </a:solidFill>
+                <a:latin typeface="Pragmatica" panose="020B0403040502020204" pitchFamily="34" charset="0"/>
+              </a:rPr>
+              <a:t> Brainstorm it! </a:t>
+            </a:r>
+            <a:r>
+              <a:rPr lang="en-US" sz="2800" dirty="0">
+                <a:solidFill>
+                  <a:srgbClr val="707070"/>
+                </a:solidFill>
+                <a:latin typeface="Pragmatica" panose="020B0403040502020204" pitchFamily="34" charset="0"/>
+                <a:hlinkClick r:id="rId4"/>
+              </a:rPr>
+              <a:t>https://bit.ly/3nos6Yb</a:t>
+            </a:r>
+            <a:r>
+              <a:rPr lang="en-US" sz="2800" dirty="0">
+                <a:solidFill>
+                  <a:srgbClr val="707070"/>
+                </a:solidFill>
+                <a:latin typeface="Pragmatica" panose="020B0403040502020204" pitchFamily="34" charset="0"/>
+              </a:rPr>
+              <a:t>  </a:t>
+            </a:r>
+          </a:p>
+        </p:txBody>
+      </p:sp>
+    </p:spTree>
+    <p:extLst>
+      <p:ext uri="{BB962C8B-B14F-4D97-AF65-F5344CB8AC3E}">
+        <p14:creationId xmlns:p14="http://schemas.microsoft.com/office/powerpoint/2010/main" val="821058036"/>
+      </p:ext>
+    </p:extLst>
+  </p:cSld>
+  <p:clrMapOvr>
+    <a:masterClrMapping/>
+  </p:clrMapOvr>
+</p:sld>
+</file>
+
+<file path=ppt/slides/slide4.xml><?xml version="1.0" encoding="utf-8"?>
+<p:sld xmlns:a="http://schemas.openxmlformats.org/drawingml/2006/main" xmlns:r="http://schemas.openxmlformats.org/officeDocument/2006/relationships" xmlns:p="http://schemas.openxmlformats.org/presentationml/2006/main">
+  <p:cSld>
+    <p:spTree>
+      <p:nvGrpSpPr>
+        <p:cNvPr id="1" name=""/>
+        <p:cNvGrpSpPr/>
+        <p:nvPr/>
+      </p:nvGrpSpPr>
+      <p:grpSpPr>
+        <a:xfrm>
+          <a:off x="0" y="0"/>
+          <a:ext cx="0" cy="0"/>
+          <a:chOff x="0" y="0"/>
+          <a:chExt cx="0" cy="0"/>
+        </a:xfrm>
+      </p:grpSpPr>
       <p:pic>
         <p:nvPicPr>
-          <p:cNvPr id="3" name="Picture 2" descr="A bird standing on a white surface&#10;&#10;Description automatically generated with low confidence">
-            <a:hlinkClick r:id="rId4"/>
+          <p:cNvPr id="10" name="Picture 9"/>
+          <p:cNvPicPr>
+            <a:picLocks noChangeAspect="1"/>
+          </p:cNvPicPr>
+          <p:nvPr/>
+        </p:nvPicPr>
+        <p:blipFill rotWithShape="1">
+          <a:blip r:embed="rId3">
+            <a:extLst>
+              <a:ext uri="{28A0092B-C50C-407E-A947-70E740481C1C}">
+                <a14:useLocalDpi xmlns:a14="http://schemas.microsoft.com/office/drawing/2010/main" val="0"/>
+              </a:ext>
+            </a:extLst>
+          </a:blip>
+          <a:srcRect l="50728" t="56371"/>
+          <a:stretch/>
+        </p:blipFill>
+        <p:spPr>
+          <a:xfrm>
+            <a:off x="10894024" y="5370653"/>
+            <a:ext cx="1297975" cy="1487348"/>
+          </a:xfrm>
+          <a:prstGeom prst="rect">
+            <a:avLst/>
+          </a:prstGeom>
+        </p:spPr>
+      </p:pic>
+      <p:sp>
+        <p:nvSpPr>
+          <p:cNvPr id="11" name="TextBox 10"/>
+          <p:cNvSpPr txBox="1"/>
+          <p:nvPr/>
+        </p:nvSpPr>
+        <p:spPr>
+          <a:xfrm>
+            <a:off x="347240" y="113388"/>
+            <a:ext cx="9799937" cy="1015663"/>
+          </a:xfrm>
+          <a:prstGeom prst="rect">
+            <a:avLst/>
+          </a:prstGeom>
+          <a:noFill/>
+        </p:spPr>
+        <p:txBody>
+          <a:bodyPr wrap="square" rtlCol="0">
+            <a:spAutoFit/>
+          </a:bodyPr>
+          <a:lstStyle/>
+          <a:p>
+            <a:r>
+              <a:rPr lang="en-US" sz="6000" dirty="0">
+                <a:latin typeface="Aliens &amp; cows" panose="00000500000000000000" pitchFamily="2" charset="0"/>
+              </a:rPr>
+              <a:t>When and why</a:t>
+            </a:r>
+          </a:p>
+        </p:txBody>
+      </p:sp>
+      <p:sp>
+        <p:nvSpPr>
+          <p:cNvPr id="8" name="TextBox 7">
             <a:extLst>
               <a:ext uri="{FF2B5EF4-FFF2-40B4-BE49-F238E27FC236}">
-                <a16:creationId xmlns:a16="http://schemas.microsoft.com/office/drawing/2014/main" id="{2BD72895-0339-43FE-8F98-905E02F0E9E7}"/>
+                <a16:creationId xmlns:a16="http://schemas.microsoft.com/office/drawing/2014/main" id="{42A7C85F-0A10-4F88-8567-526BD39FA98C}"/>
+              </a:ext>
+            </a:extLst>
+          </p:cNvPr>
+          <p:cNvSpPr txBox="1"/>
+          <p:nvPr/>
+        </p:nvSpPr>
+        <p:spPr>
+          <a:xfrm>
+            <a:off x="462987" y="1365813"/>
+            <a:ext cx="5511093" cy="5262979"/>
+          </a:xfrm>
+          <a:prstGeom prst="rect">
+            <a:avLst/>
+          </a:prstGeom>
+          <a:noFill/>
+        </p:spPr>
+        <p:txBody>
+          <a:bodyPr wrap="square" rtlCol="0">
+            <a:spAutoFit/>
+          </a:bodyPr>
+          <a:lstStyle/>
+          <a:p>
+            <a:pPr marL="285750" indent="-285750">
+              <a:buFont typeface="Arial" panose="020B0604020202020204" pitchFamily="34" charset="0"/>
+              <a:buChar char="•"/>
+            </a:pPr>
+            <a:r>
+              <a:rPr lang="en-US" sz="2800" dirty="0">
+                <a:solidFill>
+                  <a:srgbClr val="707070"/>
+                </a:solidFill>
+                <a:latin typeface="Pragmatica" panose="020B0403040502020204" pitchFamily="34" charset="0"/>
+              </a:rPr>
+              <a:t>Remote or unstructured data sources</a:t>
+            </a:r>
+            <a:br>
+              <a:rPr lang="en-US" sz="2800" dirty="0">
+                <a:solidFill>
+                  <a:srgbClr val="707070"/>
+                </a:solidFill>
+                <a:latin typeface="Pragmatica" panose="020B0403040502020204" pitchFamily="34" charset="0"/>
+              </a:rPr>
+            </a:br>
+            <a:endParaRPr lang="en-US" sz="2800" dirty="0">
+              <a:solidFill>
+                <a:srgbClr val="707070"/>
+              </a:solidFill>
+              <a:latin typeface="Pragmatica" panose="020B0403040502020204" pitchFamily="34" charset="0"/>
+            </a:endParaRPr>
+          </a:p>
+          <a:p>
+            <a:pPr marL="285750" indent="-285750">
+              <a:buFont typeface="Arial" panose="020B0604020202020204" pitchFamily="34" charset="0"/>
+              <a:buChar char="•"/>
+            </a:pPr>
+            <a:r>
+              <a:rPr lang="en-US" sz="2800" dirty="0">
+                <a:solidFill>
+                  <a:srgbClr val="707070"/>
+                </a:solidFill>
+                <a:latin typeface="Pragmatica" panose="020B0403040502020204" pitchFamily="34" charset="0"/>
+              </a:rPr>
+              <a:t>Feature engineering (missing values, PCA)</a:t>
+            </a:r>
+            <a:br>
+              <a:rPr lang="en-US" sz="2800" dirty="0">
+                <a:solidFill>
+                  <a:srgbClr val="707070"/>
+                </a:solidFill>
+                <a:latin typeface="Pragmatica" panose="020B0403040502020204" pitchFamily="34" charset="0"/>
+              </a:rPr>
+            </a:br>
+            <a:endParaRPr lang="en-US" sz="2800" dirty="0">
+              <a:solidFill>
+                <a:srgbClr val="707070"/>
+              </a:solidFill>
+              <a:latin typeface="Pragmatica" panose="020B0403040502020204" pitchFamily="34" charset="0"/>
+            </a:endParaRPr>
+          </a:p>
+          <a:p>
+            <a:pPr marL="285750" indent="-285750">
+              <a:buFont typeface="Arial" panose="020B0604020202020204" pitchFamily="34" charset="0"/>
+              <a:buChar char="•"/>
+            </a:pPr>
+            <a:r>
+              <a:rPr lang="en-US" sz="2800" dirty="0">
+                <a:solidFill>
+                  <a:srgbClr val="707070"/>
+                </a:solidFill>
+                <a:latin typeface="Pragmatica" panose="020B0403040502020204" pitchFamily="34" charset="0"/>
+              </a:rPr>
+              <a:t>Machine learning</a:t>
+            </a:r>
+            <a:br>
+              <a:rPr lang="en-US" sz="2800" dirty="0">
+                <a:solidFill>
+                  <a:srgbClr val="707070"/>
+                </a:solidFill>
+                <a:latin typeface="Pragmatica" panose="020B0403040502020204" pitchFamily="34" charset="0"/>
+              </a:rPr>
+            </a:br>
+            <a:endParaRPr lang="en-US" sz="2800" dirty="0">
+              <a:solidFill>
+                <a:srgbClr val="707070"/>
+              </a:solidFill>
+              <a:latin typeface="Pragmatica" panose="020B0403040502020204" pitchFamily="34" charset="0"/>
+            </a:endParaRPr>
+          </a:p>
+          <a:p>
+            <a:pPr marL="285750" indent="-285750">
+              <a:buFont typeface="Arial" panose="020B0604020202020204" pitchFamily="34" charset="0"/>
+              <a:buChar char="•"/>
+            </a:pPr>
+            <a:r>
+              <a:rPr lang="en-US" sz="2800" dirty="0">
+                <a:solidFill>
+                  <a:srgbClr val="707070"/>
+                </a:solidFill>
+                <a:latin typeface="Pragmatica" panose="020B0403040502020204" pitchFamily="34" charset="0"/>
+              </a:rPr>
+              <a:t>Regular expressions</a:t>
+            </a:r>
+            <a:br>
+              <a:rPr lang="en-US" sz="2800" dirty="0">
+                <a:solidFill>
+                  <a:srgbClr val="707070"/>
+                </a:solidFill>
+                <a:latin typeface="Pragmatica" panose="020B0403040502020204" pitchFamily="34" charset="0"/>
+              </a:rPr>
+            </a:br>
+            <a:endParaRPr lang="en-US" sz="2800" dirty="0">
+              <a:solidFill>
+                <a:srgbClr val="707070"/>
+              </a:solidFill>
+              <a:latin typeface="Pragmatica" panose="020B0403040502020204" pitchFamily="34" charset="0"/>
+            </a:endParaRPr>
+          </a:p>
+          <a:p>
+            <a:pPr marL="285750" indent="-285750">
+              <a:buFont typeface="Arial" panose="020B0604020202020204" pitchFamily="34" charset="0"/>
+              <a:buChar char="•"/>
+            </a:pPr>
+            <a:r>
+              <a:rPr lang="en-US" sz="2800" dirty="0">
+                <a:solidFill>
+                  <a:srgbClr val="707070"/>
+                </a:solidFill>
+                <a:latin typeface="Pragmatica" panose="020B0403040502020204" pitchFamily="34" charset="0"/>
+              </a:rPr>
+              <a:t>Advanced, custom visualizations</a:t>
+            </a:r>
+          </a:p>
+        </p:txBody>
+      </p:sp>
+      <p:sp>
+        <p:nvSpPr>
+          <p:cNvPr id="12" name="TextBox 11">
+            <a:extLst>
+              <a:ext uri="{FF2B5EF4-FFF2-40B4-BE49-F238E27FC236}">
+                <a16:creationId xmlns:a16="http://schemas.microsoft.com/office/drawing/2014/main" id="{6DD6493B-1F9B-4D5B-BF8B-B1367EE5DCCA}"/>
+              </a:ext>
+            </a:extLst>
+          </p:cNvPr>
+          <p:cNvSpPr txBox="1"/>
+          <p:nvPr/>
+        </p:nvSpPr>
+        <p:spPr>
+          <a:xfrm>
+            <a:off x="5773856" y="4975620"/>
+            <a:ext cx="5753748" cy="646331"/>
+          </a:xfrm>
+          <a:prstGeom prst="rect">
+            <a:avLst/>
+          </a:prstGeom>
+          <a:noFill/>
+        </p:spPr>
+        <p:txBody>
+          <a:bodyPr wrap="square">
+            <a:spAutoFit/>
+          </a:bodyPr>
+          <a:lstStyle/>
+          <a:p>
+            <a:r>
+              <a:rPr lang="en-US" dirty="0"/>
+              <a:t>https://www.windowsblogitalia.com/2019/02/microsoft-migliore-futuro-inner-source/</a:t>
+            </a:r>
+          </a:p>
+        </p:txBody>
+      </p:sp>
+      <p:pic>
+        <p:nvPicPr>
+          <p:cNvPr id="1026" name="Picture 2" descr="Microsoft loves Open Source">
+            <a:extLst>
+              <a:ext uri="{FF2B5EF4-FFF2-40B4-BE49-F238E27FC236}">
+                <a16:creationId xmlns:a16="http://schemas.microsoft.com/office/drawing/2014/main" id="{FEA8D45A-D5EA-477A-A7E1-CB8D265DDFC3}"/>
+              </a:ext>
+            </a:extLst>
+          </p:cNvPr>
+          <p:cNvPicPr>
+            <a:picLocks noChangeAspect="1" noChangeArrowheads="1"/>
+          </p:cNvPicPr>
+          <p:nvPr/>
+        </p:nvPicPr>
+        <p:blipFill>
+          <a:blip r:embed="rId4">
+            <a:extLst>
+              <a:ext uri="{28A0092B-C50C-407E-A947-70E740481C1C}">
+                <a14:useLocalDpi xmlns:a14="http://schemas.microsoft.com/office/drawing/2010/main" val="0"/>
+              </a:ext>
+            </a:extLst>
+          </a:blip>
+          <a:srcRect/>
+          <a:stretch>
+            <a:fillRect/>
+          </a:stretch>
+        </p:blipFill>
+        <p:spPr bwMode="auto">
+          <a:xfrm>
+            <a:off x="5773856" y="1192418"/>
+            <a:ext cx="5678104" cy="3783202"/>
+          </a:xfrm>
+          <a:prstGeom prst="rect">
+            <a:avLst/>
+          </a:prstGeom>
+          <a:noFill/>
+          <a:extLst>
+            <a:ext uri="{909E8E84-426E-40DD-AFC4-6F175D3DCCD1}">
+              <a14:hiddenFill xmlns:a14="http://schemas.microsoft.com/office/drawing/2010/main">
+                <a:solidFill>
+                  <a:srgbClr val="FFFFFF"/>
+                </a:solidFill>
+              </a14:hiddenFill>
+            </a:ext>
+          </a:extLst>
+        </p:spPr>
+      </p:pic>
+    </p:spTree>
+    <p:extLst>
+      <p:ext uri="{BB962C8B-B14F-4D97-AF65-F5344CB8AC3E}">
+        <p14:creationId xmlns:p14="http://schemas.microsoft.com/office/powerpoint/2010/main" val="2480351462"/>
+      </p:ext>
+    </p:extLst>
+  </p:cSld>
+  <p:clrMapOvr>
+    <a:masterClrMapping/>
+  </p:clrMapOvr>
+</p:sld>
+</file>
+
+<file path=ppt/slides/slide5.xml><?xml version="1.0" encoding="utf-8"?>
+<p:sld xmlns:a="http://schemas.openxmlformats.org/drawingml/2006/main" xmlns:r="http://schemas.openxmlformats.org/officeDocument/2006/relationships" xmlns:p="http://schemas.openxmlformats.org/presentationml/2006/main">
+  <p:cSld>
+    <p:spTree>
+      <p:nvGrpSpPr>
+        <p:cNvPr id="1" name=""/>
+        <p:cNvGrpSpPr/>
+        <p:nvPr/>
+      </p:nvGrpSpPr>
+      <p:grpSpPr>
+        <a:xfrm>
+          <a:off x="0" y="0"/>
+          <a:ext cx="0" cy="0"/>
+          <a:chOff x="0" y="0"/>
+          <a:chExt cx="0" cy="0"/>
+        </a:xfrm>
+      </p:grpSpPr>
+      <p:pic>
+        <p:nvPicPr>
+          <p:cNvPr id="10" name="Picture 9"/>
+          <p:cNvPicPr>
+            <a:picLocks noChangeAspect="1"/>
+          </p:cNvPicPr>
+          <p:nvPr/>
+        </p:nvPicPr>
+        <p:blipFill rotWithShape="1">
+          <a:blip r:embed="rId3">
+            <a:extLst>
+              <a:ext uri="{28A0092B-C50C-407E-A947-70E740481C1C}">
+                <a14:useLocalDpi xmlns:a14="http://schemas.microsoft.com/office/drawing/2010/main" val="0"/>
+              </a:ext>
+            </a:extLst>
+          </a:blip>
+          <a:srcRect l="50728" t="56371"/>
+          <a:stretch/>
+        </p:blipFill>
+        <p:spPr>
+          <a:xfrm>
+            <a:off x="10894024" y="5370653"/>
+            <a:ext cx="1297975" cy="1487348"/>
+          </a:xfrm>
+          <a:prstGeom prst="rect">
+            <a:avLst/>
+          </a:prstGeom>
+        </p:spPr>
+      </p:pic>
+      <p:sp>
+        <p:nvSpPr>
+          <p:cNvPr id="11" name="TextBox 10"/>
+          <p:cNvSpPr txBox="1"/>
+          <p:nvPr/>
+        </p:nvSpPr>
+        <p:spPr>
+          <a:xfrm>
+            <a:off x="347240" y="113388"/>
+            <a:ext cx="9799937" cy="1015663"/>
+          </a:xfrm>
+          <a:prstGeom prst="rect">
+            <a:avLst/>
+          </a:prstGeom>
+          <a:noFill/>
+        </p:spPr>
+        <p:txBody>
+          <a:bodyPr wrap="square" rtlCol="0">
+            <a:spAutoFit/>
+          </a:bodyPr>
+          <a:lstStyle/>
+          <a:p>
+            <a:r>
+              <a:rPr lang="en-US" sz="6000" dirty="0">
+                <a:latin typeface="Aliens &amp; cows" panose="00000500000000000000" pitchFamily="2" charset="0"/>
+              </a:rPr>
+              <a:t>Set up</a:t>
+            </a:r>
+          </a:p>
+        </p:txBody>
+      </p:sp>
+      <p:sp>
+        <p:nvSpPr>
+          <p:cNvPr id="13" name="TextBox 12">
+            <a:extLst>
+              <a:ext uri="{FF2B5EF4-FFF2-40B4-BE49-F238E27FC236}">
+                <a16:creationId xmlns:a16="http://schemas.microsoft.com/office/drawing/2014/main" id="{BAD4CFA0-F6EE-4D9E-AA4F-AABFDE2E3205}"/>
+              </a:ext>
+            </a:extLst>
+          </p:cNvPr>
+          <p:cNvSpPr txBox="1"/>
+          <p:nvPr/>
+        </p:nvSpPr>
+        <p:spPr>
+          <a:xfrm>
+            <a:off x="462987" y="1365813"/>
+            <a:ext cx="5511093" cy="1384995"/>
+          </a:xfrm>
+          <a:prstGeom prst="rect">
+            <a:avLst/>
+          </a:prstGeom>
+          <a:noFill/>
+        </p:spPr>
+        <p:txBody>
+          <a:bodyPr wrap="square" rtlCol="0">
+            <a:spAutoFit/>
+          </a:bodyPr>
+          <a:lstStyle/>
+          <a:p>
+            <a:pPr marL="285750" indent="-285750">
+              <a:buFont typeface="Arial" panose="020B0604020202020204" pitchFamily="34" charset="0"/>
+              <a:buChar char="•"/>
+            </a:pPr>
+            <a:r>
+              <a:rPr lang="en-US" sz="2800" dirty="0">
+                <a:solidFill>
+                  <a:srgbClr val="707070"/>
+                </a:solidFill>
+                <a:latin typeface="Pragmatica" panose="020B0403040502020204" pitchFamily="34" charset="0"/>
+              </a:rPr>
+              <a:t>Freemium, Windows only</a:t>
+            </a:r>
+          </a:p>
+          <a:p>
+            <a:pPr marL="285750" indent="-285750">
+              <a:buFont typeface="Arial" panose="020B0604020202020204" pitchFamily="34" charset="0"/>
+              <a:buChar char="•"/>
+            </a:pPr>
+            <a:r>
+              <a:rPr lang="en-US" sz="2800" dirty="0">
+                <a:solidFill>
+                  <a:srgbClr val="707070"/>
+                </a:solidFill>
+                <a:latin typeface="Pragmatica" panose="020B0403040502020204" pitchFamily="34" charset="0"/>
+              </a:rPr>
+              <a:t>File &gt; Options &amp; settings &gt; Options &gt; R scripting</a:t>
+            </a:r>
+          </a:p>
+        </p:txBody>
+      </p:sp>
+      <p:pic>
+        <p:nvPicPr>
+          <p:cNvPr id="3" name="Picture 2">
+            <a:extLst>
+              <a:ext uri="{FF2B5EF4-FFF2-40B4-BE49-F238E27FC236}">
+                <a16:creationId xmlns:a16="http://schemas.microsoft.com/office/drawing/2014/main" id="{81BD8738-D3E2-472F-B98B-1A7B3A2E062F}"/>
               </a:ext>
             </a:extLst>
           </p:cNvPr>
@@ -5683,10 +6951,335 @@
           <p:nvPr/>
         </p:nvPicPr>
         <p:blipFill>
-          <a:blip r:embed="rId5">
+          <a:blip r:embed="rId4"/>
+          <a:stretch>
+            <a:fillRect/>
+          </a:stretch>
+        </p:blipFill>
+        <p:spPr>
+          <a:xfrm>
+            <a:off x="6020490" y="915088"/>
+            <a:ext cx="5779659" cy="5566303"/>
+          </a:xfrm>
+          <a:prstGeom prst="rect">
+            <a:avLst/>
+          </a:prstGeom>
+        </p:spPr>
+      </p:pic>
+    </p:spTree>
+    <p:extLst>
+      <p:ext uri="{BB962C8B-B14F-4D97-AF65-F5344CB8AC3E}">
+        <p14:creationId xmlns:p14="http://schemas.microsoft.com/office/powerpoint/2010/main" val="2684353158"/>
+      </p:ext>
+    </p:extLst>
+  </p:cSld>
+  <p:clrMapOvr>
+    <a:masterClrMapping/>
+  </p:clrMapOvr>
+</p:sld>
+</file>
+
+<file path=ppt/slides/slide6.xml><?xml version="1.0" encoding="utf-8"?>
+<p:sld xmlns:a="http://schemas.openxmlformats.org/drawingml/2006/main" xmlns:r="http://schemas.openxmlformats.org/officeDocument/2006/relationships" xmlns:p="http://schemas.openxmlformats.org/presentationml/2006/main">
+  <p:cSld>
+    <p:spTree>
+      <p:nvGrpSpPr>
+        <p:cNvPr id="1" name=""/>
+        <p:cNvGrpSpPr/>
+        <p:nvPr/>
+      </p:nvGrpSpPr>
+      <p:grpSpPr>
+        <a:xfrm>
+          <a:off x="0" y="0"/>
+          <a:ext cx="0" cy="0"/>
+          <a:chOff x="0" y="0"/>
+          <a:chExt cx="0" cy="0"/>
+        </a:xfrm>
+      </p:grpSpPr>
+      <p:sp>
+        <p:nvSpPr>
+          <p:cNvPr id="4" name="Rectangle 3"/>
+          <p:cNvSpPr/>
+          <p:nvPr/>
+        </p:nvSpPr>
+        <p:spPr>
+          <a:xfrm>
+            <a:off x="6574420" y="0"/>
+            <a:ext cx="5617580" cy="6858000"/>
+          </a:xfrm>
+          <a:prstGeom prst="rect">
+            <a:avLst/>
+          </a:prstGeom>
+          <a:solidFill>
+            <a:srgbClr val="CF3338"/>
+          </a:solidFill>
+          <a:ln>
+            <a:noFill/>
+          </a:ln>
+        </p:spPr>
+        <p:style>
+          <a:lnRef idx="2">
+            <a:schemeClr val="accent1">
+              <a:shade val="50000"/>
+            </a:schemeClr>
+          </a:lnRef>
+          <a:fillRef idx="1">
+            <a:schemeClr val="accent1"/>
+          </a:fillRef>
+          <a:effectRef idx="0">
+            <a:schemeClr val="accent1"/>
+          </a:effectRef>
+          <a:fontRef idx="minor">
+            <a:schemeClr val="lt1"/>
+          </a:fontRef>
+        </p:style>
+        <p:txBody>
+          <a:bodyPr rtlCol="0" anchor="ctr"/>
+          <a:lstStyle/>
+          <a:p>
+            <a:pPr algn="ctr"/>
+            <a:endParaRPr lang="en-US"/>
+          </a:p>
+        </p:txBody>
+      </p:sp>
+      <p:sp>
+        <p:nvSpPr>
+          <p:cNvPr id="5" name="TextBox 4"/>
+          <p:cNvSpPr txBox="1"/>
+          <p:nvPr/>
+        </p:nvSpPr>
+        <p:spPr>
+          <a:xfrm>
+            <a:off x="6817489" y="0"/>
+            <a:ext cx="4120587" cy="1446550"/>
+          </a:xfrm>
+          <a:prstGeom prst="rect">
+            <a:avLst/>
+          </a:prstGeom>
+          <a:noFill/>
+        </p:spPr>
+        <p:txBody>
+          <a:bodyPr wrap="square" rtlCol="0">
+            <a:spAutoFit/>
+          </a:bodyPr>
+          <a:lstStyle/>
+          <a:p>
+            <a:r>
+              <a:rPr lang="en-US" sz="8800" dirty="0">
+                <a:solidFill>
+                  <a:schemeClr val="bg1"/>
+                </a:solidFill>
+                <a:latin typeface="Aliens &amp; cows" panose="00000500000000000000" pitchFamily="2" charset="0"/>
+              </a:rPr>
+              <a:t>Demo</a:t>
+            </a:r>
+          </a:p>
+        </p:txBody>
+      </p:sp>
+      <p:pic>
+        <p:nvPicPr>
+          <p:cNvPr id="2" name="Picture 1"/>
+          <p:cNvPicPr>
+            <a:picLocks noChangeAspect="1"/>
+          </p:cNvPicPr>
+          <p:nvPr/>
+        </p:nvPicPr>
+        <p:blipFill rotWithShape="1">
+          <a:blip r:embed="rId3">
             <a:extLst>
               <a:ext uri="{28A0092B-C50C-407E-A947-70E740481C1C}">
                 <a14:useLocalDpi xmlns:a14="http://schemas.microsoft.com/office/drawing/2010/main" val="0"/>
+              </a:ext>
+            </a:extLst>
+          </a:blip>
+          <a:srcRect l="69227" t="33418" r="20112" b="50548"/>
+          <a:stretch/>
+        </p:blipFill>
+        <p:spPr>
+          <a:xfrm>
+            <a:off x="10386349" y="5029795"/>
+            <a:ext cx="1805651" cy="1991719"/>
+          </a:xfrm>
+          <a:prstGeom prst="rect">
+            <a:avLst/>
+          </a:prstGeom>
+        </p:spPr>
+      </p:pic>
+      <p:sp>
+        <p:nvSpPr>
+          <p:cNvPr id="3" name="TextBox 2"/>
+          <p:cNvSpPr txBox="1"/>
+          <p:nvPr/>
+        </p:nvSpPr>
+        <p:spPr>
+          <a:xfrm>
+            <a:off x="173620" y="219919"/>
+            <a:ext cx="5937813" cy="6124754"/>
+          </a:xfrm>
+          <a:prstGeom prst="rect">
+            <a:avLst/>
+          </a:prstGeom>
+          <a:noFill/>
+        </p:spPr>
+        <p:txBody>
+          <a:bodyPr wrap="square" rtlCol="0">
+            <a:spAutoFit/>
+          </a:bodyPr>
+          <a:lstStyle/>
+          <a:p>
+            <a:r>
+              <a:rPr lang="en-US" sz="2800" b="1" dirty="0">
+                <a:solidFill>
+                  <a:srgbClr val="CF3338"/>
+                </a:solidFill>
+                <a:latin typeface="Pragmatica" pitchFamily="2" charset="0"/>
+              </a:rPr>
+              <a:t>Dataset: </a:t>
+            </a:r>
+            <a:r>
+              <a:rPr lang="en-US" sz="2800" b="1" dirty="0">
+                <a:solidFill>
+                  <a:srgbClr val="CF3338"/>
+                </a:solidFill>
+                <a:latin typeface="Consolas" panose="020B0609020204030204" pitchFamily="49" charset="0"/>
+              </a:rPr>
+              <a:t>data/contestants.csv</a:t>
+            </a:r>
+          </a:p>
+          <a:p>
+            <a:endParaRPr lang="en-US" sz="2800" b="1" dirty="0">
+              <a:solidFill>
+                <a:srgbClr val="CF3338"/>
+              </a:solidFill>
+              <a:latin typeface="Pragmatica" pitchFamily="2" charset="0"/>
+            </a:endParaRPr>
+          </a:p>
+          <a:p>
+            <a:r>
+              <a:rPr lang="en-US" sz="2800" b="1" dirty="0">
+                <a:solidFill>
+                  <a:srgbClr val="CF3338"/>
+                </a:solidFill>
+                <a:latin typeface="Pragmatica" pitchFamily="2" charset="0"/>
+              </a:rPr>
+              <a:t>What are the audition scores of candidates who did and did not participate in a mentoring program? </a:t>
+            </a:r>
+          </a:p>
+          <a:p>
+            <a:endParaRPr lang="en-US" sz="2800" b="1" dirty="0">
+              <a:solidFill>
+                <a:srgbClr val="CF3338"/>
+              </a:solidFill>
+              <a:latin typeface="Pragmatica" pitchFamily="2" charset="0"/>
+            </a:endParaRPr>
+          </a:p>
+          <a:p>
+            <a:endParaRPr lang="en-US" sz="2800" b="1" dirty="0">
+              <a:solidFill>
+                <a:srgbClr val="CF3338"/>
+              </a:solidFill>
+              <a:latin typeface="Pragmatica" pitchFamily="2" charset="0"/>
+            </a:endParaRPr>
+          </a:p>
+          <a:p>
+            <a:pPr marL="514350" indent="-514350">
+              <a:buFont typeface="Arial" panose="020B0604020202020204" pitchFamily="34" charset="0"/>
+              <a:buChar char="•"/>
+            </a:pPr>
+            <a:r>
+              <a:rPr lang="en-US" sz="2800" b="1" dirty="0">
+                <a:solidFill>
+                  <a:srgbClr val="CF3338"/>
+                </a:solidFill>
+                <a:latin typeface="Pragmatica" pitchFamily="2" charset="0"/>
+              </a:rPr>
+              <a:t>Import data via </a:t>
+            </a:r>
+            <a:r>
+              <a:rPr lang="en-US" sz="2800" b="1">
+                <a:solidFill>
+                  <a:srgbClr val="CF3338"/>
+                </a:solidFill>
+                <a:latin typeface="Pragmatica" pitchFamily="2" charset="0"/>
+              </a:rPr>
+              <a:t>R script</a:t>
+            </a:r>
+          </a:p>
+          <a:p>
+            <a:pPr marL="514350" indent="-514350">
+              <a:buFont typeface="Arial" panose="020B0604020202020204" pitchFamily="34" charset="0"/>
+              <a:buChar char="•"/>
+            </a:pPr>
+            <a:r>
+              <a:rPr lang="en-US" sz="2800" b="1" dirty="0">
+                <a:solidFill>
+                  <a:srgbClr val="CF3338"/>
+                </a:solidFill>
+                <a:latin typeface="Pragmatica" pitchFamily="2" charset="0"/>
+              </a:rPr>
+              <a:t>Identify invalid email addresses</a:t>
+            </a:r>
+          </a:p>
+          <a:p>
+            <a:pPr marL="514350" indent="-514350">
+              <a:buFont typeface="Arial" panose="020B0604020202020204" pitchFamily="34" charset="0"/>
+              <a:buChar char="•"/>
+            </a:pPr>
+            <a:r>
+              <a:rPr lang="en-US" sz="2800" b="1" dirty="0">
+                <a:solidFill>
+                  <a:srgbClr val="CF3338"/>
+                </a:solidFill>
+                <a:latin typeface="Pragmatica" pitchFamily="2" charset="0"/>
+              </a:rPr>
+              <a:t>Impute missing values</a:t>
+            </a:r>
+          </a:p>
+          <a:p>
+            <a:pPr marL="514350" indent="-514350">
+              <a:buFont typeface="Arial" panose="020B0604020202020204" pitchFamily="34" charset="0"/>
+              <a:buChar char="•"/>
+            </a:pPr>
+            <a:r>
+              <a:rPr lang="en-US" sz="2800" b="1" dirty="0">
+                <a:solidFill>
+                  <a:srgbClr val="CF3338"/>
+                </a:solidFill>
+                <a:latin typeface="Pragmatica" pitchFamily="2" charset="0"/>
+              </a:rPr>
+              <a:t>Visualize pairwise relationships</a:t>
+            </a:r>
+            <a:endParaRPr lang="en-US" sz="2800" b="1" dirty="0">
+              <a:solidFill>
+                <a:srgbClr val="CF3338"/>
+              </a:solidFill>
+              <a:latin typeface="Consolas" panose="020B0609020204030204" pitchFamily="49" charset="0"/>
+            </a:endParaRPr>
+          </a:p>
+        </p:txBody>
+      </p:sp>
+      <p:pic>
+        <p:nvPicPr>
+          <p:cNvPr id="11" name="Graphic 10" descr="Microphone with solid fill">
+            <a:extLst>
+              <a:ext uri="{FF2B5EF4-FFF2-40B4-BE49-F238E27FC236}">
+                <a16:creationId xmlns:a16="http://schemas.microsoft.com/office/drawing/2014/main" id="{B5FC4E04-397E-4989-AC34-16A495301450}"/>
+              </a:ext>
+            </a:extLst>
+          </p:cNvPr>
+          <p:cNvPicPr>
+            <a:picLocks noChangeAspect="1"/>
+          </p:cNvPicPr>
+          <p:nvPr/>
+        </p:nvPicPr>
+        <p:blipFill>
+          <a:blip r:embed="rId4">
+            <a:extLst>
+              <a:ext uri="{28A0092B-C50C-407E-A947-70E740481C1C}">
+                <a14:useLocalDpi xmlns:a14="http://schemas.microsoft.com/office/drawing/2010/main" val="0"/>
+              </a:ext>
+              <a:ext uri="{96DAC541-7B7A-43D3-8B79-37D633B846F1}">
+                <asvg:svgBlip xmlns:asvg="http://schemas.microsoft.com/office/drawing/2016/SVG/main" r:embed="rId5"/>
               </a:ext>
             </a:extLst>
           </a:blip>
@@ -5696,8 +7289,8 @@
         </p:blipFill>
         <p:spPr>
           <a:xfrm>
-            <a:off x="2095512" y="2491739"/>
-            <a:ext cx="7364990" cy="4142807"/>
+            <a:off x="6774371" y="2446261"/>
+            <a:ext cx="3412027" cy="3412027"/>
           </a:xfrm>
           <a:prstGeom prst="rect">
             <a:avLst/>
@@ -5707,7 +7300,7 @@
     </p:spTree>
     <p:extLst>
       <p:ext uri="{BB962C8B-B14F-4D97-AF65-F5344CB8AC3E}">
-        <p14:creationId xmlns:p14="http://schemas.microsoft.com/office/powerpoint/2010/main" val="1574051232"/>
+        <p14:creationId xmlns:p14="http://schemas.microsoft.com/office/powerpoint/2010/main" val="167227427"/>
       </p:ext>
     </p:extLst>
   </p:cSld>
@@ -5717,7 +7310,7 @@
 </p:sld>
 </file>
 
-<file path=ppt/slides/slide13.xml><?xml version="1.0" encoding="utf-8"?>
+<file path=ppt/slides/slide7.xml><?xml version="1.0" encoding="utf-8"?>
 <p:sld xmlns:a="http://schemas.openxmlformats.org/drawingml/2006/main" xmlns:r="http://schemas.openxmlformats.org/officeDocument/2006/relationships" xmlns:p="http://schemas.openxmlformats.org/presentationml/2006/main">
   <p:cSld>
     <p:spTree>
@@ -5802,154 +7395,7 @@
         <p:spPr>
           <a:xfrm>
             <a:off x="324091" y="1687545"/>
-            <a:ext cx="7986531" cy="1384995"/>
-          </a:xfrm>
-          <a:prstGeom prst="rect">
-            <a:avLst/>
-          </a:prstGeom>
-          <a:noFill/>
-        </p:spPr>
-        <p:txBody>
-          <a:bodyPr wrap="square" rtlCol="0">
-            <a:spAutoFit/>
-          </a:bodyPr>
-          <a:lstStyle/>
-          <a:p>
-            <a:r>
-              <a:rPr lang="en-US" sz="2800" b="1" dirty="0">
-                <a:solidFill>
-                  <a:srgbClr val="707070"/>
-                </a:solidFill>
-                <a:latin typeface="Pragmatica" panose="020B0403040502020204" pitchFamily="34" charset="0"/>
-              </a:rPr>
-              <a:t>Event survey: </a:t>
-            </a:r>
-            <a:r>
-              <a:rPr lang="en-US" sz="2800" b="1" dirty="0">
-                <a:solidFill>
-                  <a:srgbClr val="707070"/>
-                </a:solidFill>
-                <a:latin typeface="Pragmatica" panose="020B0403040502020204" pitchFamily="34" charset="0"/>
-                <a:hlinkClick r:id="rId4"/>
-              </a:rPr>
-              <a:t>https://forms.office.com/r/0ZnD0LxpZy</a:t>
-            </a:r>
-            <a:endParaRPr lang="en-US" sz="2800" b="1" dirty="0">
-              <a:solidFill>
-                <a:srgbClr val="707070"/>
-              </a:solidFill>
-              <a:latin typeface="Pragmatica" panose="020B0403040502020204" pitchFamily="34" charset="0"/>
-            </a:endParaRPr>
-          </a:p>
-          <a:p>
-            <a:endParaRPr lang="en-US" sz="2800" b="1" dirty="0">
-              <a:solidFill>
-                <a:srgbClr val="707070"/>
-              </a:solidFill>
-              <a:latin typeface="Pragmatica" panose="020B0403040502020204" pitchFamily="34" charset="0"/>
-            </a:endParaRPr>
-          </a:p>
-        </p:txBody>
-      </p:sp>
-    </p:spTree>
-    <p:extLst>
-      <p:ext uri="{BB962C8B-B14F-4D97-AF65-F5344CB8AC3E}">
-        <p14:creationId xmlns:p14="http://schemas.microsoft.com/office/powerpoint/2010/main" val="2312071835"/>
-      </p:ext>
-    </p:extLst>
-  </p:cSld>
-  <p:clrMapOvr>
-    <a:masterClrMapping/>
-  </p:clrMapOvr>
-</p:sld>
-</file>
-
-<file path=ppt/slides/slide14.xml><?xml version="1.0" encoding="utf-8"?>
-<p:sld xmlns:a="http://schemas.openxmlformats.org/drawingml/2006/main" xmlns:r="http://schemas.openxmlformats.org/officeDocument/2006/relationships" xmlns:p="http://schemas.openxmlformats.org/presentationml/2006/main">
-  <p:cSld>
-    <p:spTree>
-      <p:nvGrpSpPr>
-        <p:cNvPr id="1" name=""/>
-        <p:cNvGrpSpPr/>
-        <p:nvPr/>
-      </p:nvGrpSpPr>
-      <p:grpSpPr>
-        <a:xfrm>
-          <a:off x="0" y="0"/>
-          <a:ext cx="0" cy="0"/>
-          <a:chOff x="0" y="0"/>
-          <a:chExt cx="0" cy="0"/>
-        </a:xfrm>
-      </p:grpSpPr>
-      <p:pic>
-        <p:nvPicPr>
-          <p:cNvPr id="10" name="Picture 9"/>
-          <p:cNvPicPr>
-            <a:picLocks noChangeAspect="1"/>
-          </p:cNvPicPr>
-          <p:nvPr/>
-        </p:nvPicPr>
-        <p:blipFill rotWithShape="1">
-          <a:blip r:embed="rId2">
-            <a:extLst>
-              <a:ext uri="{28A0092B-C50C-407E-A947-70E740481C1C}">
-                <a14:useLocalDpi xmlns:a14="http://schemas.microsoft.com/office/drawing/2010/main" val="0"/>
-              </a:ext>
-            </a:extLst>
-          </a:blip>
-          <a:srcRect l="50728" t="56371"/>
-          <a:stretch/>
-        </p:blipFill>
-        <p:spPr>
-          <a:xfrm>
-            <a:off x="8136460" y="2210765"/>
-            <a:ext cx="4055539" cy="4647236"/>
-          </a:xfrm>
-          <a:prstGeom prst="rect">
-            <a:avLst/>
-          </a:prstGeom>
-        </p:spPr>
-      </p:pic>
-      <p:pic>
-        <p:nvPicPr>
-          <p:cNvPr id="4" name="Picture 3"/>
-          <p:cNvPicPr>
-            <a:picLocks noChangeAspect="1"/>
-          </p:cNvPicPr>
-          <p:nvPr/>
-        </p:nvPicPr>
-        <p:blipFill>
-          <a:blip r:embed="rId3">
-            <a:extLst>
-              <a:ext uri="{28A0092B-C50C-407E-A947-70E740481C1C}">
-                <a14:useLocalDpi xmlns:a14="http://schemas.microsoft.com/office/drawing/2010/main" val="0"/>
-              </a:ext>
-            </a:extLst>
-          </a:blip>
-          <a:stretch>
-            <a:fillRect/>
-          </a:stretch>
-        </p:blipFill>
-        <p:spPr>
-          <a:xfrm>
-            <a:off x="-538496" y="-2482770"/>
-            <a:ext cx="10171472" cy="7459883"/>
-          </a:xfrm>
-          <a:prstGeom prst="rect">
-            <a:avLst/>
-          </a:prstGeom>
-        </p:spPr>
-      </p:pic>
-      <p:sp>
-        <p:nvSpPr>
-          <p:cNvPr id="11" name="TextBox 10"/>
-          <p:cNvSpPr txBox="1"/>
-          <p:nvPr/>
-        </p:nvSpPr>
-        <p:spPr>
-          <a:xfrm>
-            <a:off x="324091" y="1687545"/>
-            <a:ext cx="7986531" cy="1077218"/>
+            <a:ext cx="7986531" cy="769441"/>
           </a:xfrm>
           <a:prstGeom prst="rect">
             <a:avLst/>
@@ -5972,1550 +7418,12 @@
               <a:t>Questions?</a:t>
             </a:r>
           </a:p>
-          <a:p>
-            <a:endParaRPr lang="en-US" sz="2000" b="1" i="1" dirty="0">
-              <a:solidFill>
-                <a:srgbClr val="707070"/>
-              </a:solidFill>
-              <a:latin typeface="Pragmatica" panose="020B0403040502020204" pitchFamily="34" charset="0"/>
-            </a:endParaRPr>
-          </a:p>
         </p:txBody>
       </p:sp>
     </p:spTree>
     <p:extLst>
       <p:ext uri="{BB962C8B-B14F-4D97-AF65-F5344CB8AC3E}">
-        <p14:creationId xmlns:p14="http://schemas.microsoft.com/office/powerpoint/2010/main" val="2792158884"/>
-      </p:ext>
-    </p:extLst>
-  </p:cSld>
-  <p:clrMapOvr>
-    <a:masterClrMapping/>
-  </p:clrMapOvr>
-</p:sld>
-</file>
-
-<file path=ppt/slides/slide15.xml><?xml version="1.0" encoding="utf-8"?>
-<p:sld xmlns:a="http://schemas.openxmlformats.org/drawingml/2006/main" xmlns:r="http://schemas.openxmlformats.org/officeDocument/2006/relationships" xmlns:p="http://schemas.openxmlformats.org/presentationml/2006/main">
-  <p:cSld>
-    <p:spTree>
-      <p:nvGrpSpPr>
-        <p:cNvPr id="1" name=""/>
-        <p:cNvGrpSpPr/>
-        <p:nvPr/>
-      </p:nvGrpSpPr>
-      <p:grpSpPr>
-        <a:xfrm>
-          <a:off x="0" y="0"/>
-          <a:ext cx="0" cy="0"/>
-          <a:chOff x="0" y="0"/>
-          <a:chExt cx="0" cy="0"/>
-        </a:xfrm>
-      </p:grpSpPr>
-      <p:pic>
-        <p:nvPicPr>
-          <p:cNvPr id="10" name="Picture 9"/>
-          <p:cNvPicPr>
-            <a:picLocks noChangeAspect="1"/>
-          </p:cNvPicPr>
-          <p:nvPr/>
-        </p:nvPicPr>
-        <p:blipFill rotWithShape="1">
-          <a:blip r:embed="rId2">
-            <a:extLst>
-              <a:ext uri="{28A0092B-C50C-407E-A947-70E740481C1C}">
-                <a14:useLocalDpi xmlns:a14="http://schemas.microsoft.com/office/drawing/2010/main" val="0"/>
-              </a:ext>
-            </a:extLst>
-          </a:blip>
-          <a:srcRect l="50728" t="56371"/>
-          <a:stretch/>
-        </p:blipFill>
-        <p:spPr>
-          <a:xfrm>
-            <a:off x="8136460" y="2210765"/>
-            <a:ext cx="4055539" cy="4647236"/>
-          </a:xfrm>
-          <a:prstGeom prst="rect">
-            <a:avLst/>
-          </a:prstGeom>
-        </p:spPr>
-      </p:pic>
-      <p:pic>
-        <p:nvPicPr>
-          <p:cNvPr id="4" name="Picture 3"/>
-          <p:cNvPicPr>
-            <a:picLocks noChangeAspect="1"/>
-          </p:cNvPicPr>
-          <p:nvPr/>
-        </p:nvPicPr>
-        <p:blipFill>
-          <a:blip r:embed="rId3">
-            <a:extLst>
-              <a:ext uri="{28A0092B-C50C-407E-A947-70E740481C1C}">
-                <a14:useLocalDpi xmlns:a14="http://schemas.microsoft.com/office/drawing/2010/main" val="0"/>
-              </a:ext>
-            </a:extLst>
-          </a:blip>
-          <a:stretch>
-            <a:fillRect/>
-          </a:stretch>
-        </p:blipFill>
-        <p:spPr>
-          <a:xfrm>
-            <a:off x="-538496" y="-2482770"/>
-            <a:ext cx="10171472" cy="7459883"/>
-          </a:xfrm>
-          <a:prstGeom prst="rect">
-            <a:avLst/>
-          </a:prstGeom>
-        </p:spPr>
-      </p:pic>
-      <p:sp>
-        <p:nvSpPr>
-          <p:cNvPr id="11" name="TextBox 10"/>
-          <p:cNvSpPr txBox="1"/>
-          <p:nvPr/>
-        </p:nvSpPr>
-        <p:spPr>
-          <a:xfrm>
-            <a:off x="324091" y="1687545"/>
-            <a:ext cx="7986531" cy="2369880"/>
-          </a:xfrm>
-          <a:prstGeom prst="rect">
-            <a:avLst/>
-          </a:prstGeom>
-          <a:noFill/>
-        </p:spPr>
-        <p:txBody>
-          <a:bodyPr wrap="square" rtlCol="0">
-            <a:spAutoFit/>
-          </a:bodyPr>
-          <a:lstStyle/>
-          <a:p>
-            <a:r>
-              <a:rPr lang="en-US" sz="3600" b="1" dirty="0">
-                <a:solidFill>
-                  <a:srgbClr val="707070"/>
-                </a:solidFill>
-                <a:latin typeface="Pragmatica" panose="020B0403040502020204" pitchFamily="34" charset="0"/>
-              </a:rPr>
-              <a:t>THANK YOU</a:t>
-            </a:r>
-          </a:p>
-          <a:p>
-            <a:endParaRPr lang="en-US" sz="2800" b="1" dirty="0">
-              <a:solidFill>
-                <a:srgbClr val="707070"/>
-              </a:solidFill>
-              <a:latin typeface="Pragmatica" panose="020B0403040502020204" pitchFamily="34" charset="0"/>
-            </a:endParaRPr>
-          </a:p>
-          <a:p>
-            <a:r>
-              <a:rPr lang="en-US" sz="2800" b="1" dirty="0">
-                <a:solidFill>
-                  <a:srgbClr val="707070"/>
-                </a:solidFill>
-                <a:latin typeface="Pragmatica" panose="020B0403040502020204" pitchFamily="34" charset="0"/>
-                <a:hlinkClick r:id="rId4"/>
-              </a:rPr>
-              <a:t>george@stringfestanalytics.com</a:t>
-            </a:r>
-            <a:endParaRPr lang="en-US" sz="2800" b="1" dirty="0">
-              <a:solidFill>
-                <a:srgbClr val="707070"/>
-              </a:solidFill>
-              <a:latin typeface="Pragmatica" panose="020B0403040502020204" pitchFamily="34" charset="0"/>
-            </a:endParaRPr>
-          </a:p>
-          <a:p>
-            <a:r>
-              <a:rPr lang="en-US" sz="2800" b="1" dirty="0">
-                <a:solidFill>
-                  <a:srgbClr val="707070"/>
-                </a:solidFill>
-                <a:latin typeface="Pragmatica" panose="020B0403040502020204" pitchFamily="34" charset="0"/>
-                <a:hlinkClick r:id="rId5"/>
-              </a:rPr>
-              <a:t>linkedin.com/in/gjmount</a:t>
-            </a:r>
-            <a:endParaRPr lang="en-US" sz="2800" b="1" dirty="0">
-              <a:solidFill>
-                <a:srgbClr val="707070"/>
-              </a:solidFill>
-              <a:latin typeface="Pragmatica" panose="020B0403040502020204" pitchFamily="34" charset="0"/>
-            </a:endParaRPr>
-          </a:p>
-          <a:p>
-            <a:r>
-              <a:rPr lang="en-US" sz="2800" b="1" dirty="0">
-                <a:solidFill>
-                  <a:srgbClr val="707070"/>
-                </a:solidFill>
-                <a:latin typeface="Pragmatica" panose="020B0403040502020204" pitchFamily="34" charset="0"/>
-                <a:hlinkClick r:id="rId6"/>
-              </a:rPr>
-              <a:t>stringfestanalytics.com/contact  </a:t>
-            </a:r>
-            <a:endParaRPr lang="en-US" sz="2800" b="1" dirty="0">
-              <a:solidFill>
-                <a:srgbClr val="707070"/>
-              </a:solidFill>
-              <a:latin typeface="Pragmatica" panose="020B0403040502020204" pitchFamily="34" charset="0"/>
-            </a:endParaRPr>
-          </a:p>
-        </p:txBody>
-      </p:sp>
-    </p:spTree>
-    <p:extLst>
-      <p:ext uri="{BB962C8B-B14F-4D97-AF65-F5344CB8AC3E}">
-        <p14:creationId xmlns:p14="http://schemas.microsoft.com/office/powerpoint/2010/main" val="3712320391"/>
-      </p:ext>
-    </p:extLst>
-  </p:cSld>
-  <p:clrMapOvr>
-    <a:masterClrMapping/>
-  </p:clrMapOvr>
-</p:sld>
-</file>
-
-<file path=ppt/slides/slide2.xml><?xml version="1.0" encoding="utf-8"?>
-<p:sld xmlns:a="http://schemas.openxmlformats.org/drawingml/2006/main" xmlns:r="http://schemas.openxmlformats.org/officeDocument/2006/relationships" xmlns:p="http://schemas.openxmlformats.org/presentationml/2006/main">
-  <p:cSld>
-    <p:spTree>
-      <p:nvGrpSpPr>
-        <p:cNvPr id="1" name=""/>
-        <p:cNvGrpSpPr/>
-        <p:nvPr/>
-      </p:nvGrpSpPr>
-      <p:grpSpPr>
-        <a:xfrm>
-          <a:off x="0" y="0"/>
-          <a:ext cx="0" cy="0"/>
-          <a:chOff x="0" y="0"/>
-          <a:chExt cx="0" cy="0"/>
-        </a:xfrm>
-      </p:grpSpPr>
-      <p:pic>
-        <p:nvPicPr>
-          <p:cNvPr id="10" name="Picture 9"/>
-          <p:cNvPicPr>
-            <a:picLocks noChangeAspect="1"/>
-          </p:cNvPicPr>
-          <p:nvPr/>
-        </p:nvPicPr>
-        <p:blipFill rotWithShape="1">
-          <a:blip r:embed="rId2">
-            <a:extLst>
-              <a:ext uri="{28A0092B-C50C-407E-A947-70E740481C1C}">
-                <a14:useLocalDpi xmlns:a14="http://schemas.microsoft.com/office/drawing/2010/main" val="0"/>
-              </a:ext>
-            </a:extLst>
-          </a:blip>
-          <a:srcRect l="50728" t="56371"/>
-          <a:stretch/>
-        </p:blipFill>
-        <p:spPr>
-          <a:xfrm>
-            <a:off x="10894024" y="5370653"/>
-            <a:ext cx="1297975" cy="1487348"/>
-          </a:xfrm>
-          <a:prstGeom prst="rect">
-            <a:avLst/>
-          </a:prstGeom>
-        </p:spPr>
-      </p:pic>
-      <p:sp>
-        <p:nvSpPr>
-          <p:cNvPr id="11" name="TextBox 10"/>
-          <p:cNvSpPr txBox="1"/>
-          <p:nvPr/>
-        </p:nvSpPr>
-        <p:spPr>
-          <a:xfrm>
-            <a:off x="347240" y="113388"/>
-            <a:ext cx="9799937" cy="1015663"/>
-          </a:xfrm>
-          <a:prstGeom prst="rect">
-            <a:avLst/>
-          </a:prstGeom>
-          <a:noFill/>
-        </p:spPr>
-        <p:txBody>
-          <a:bodyPr wrap="square" rtlCol="0">
-            <a:spAutoFit/>
-          </a:bodyPr>
-          <a:lstStyle/>
-          <a:p>
-            <a:r>
-              <a:rPr lang="en-US" sz="6000" dirty="0">
-                <a:latin typeface="Aliens &amp; cows" panose="00000500000000000000" pitchFamily="2" charset="0"/>
-              </a:rPr>
-              <a:t>Learning objectives</a:t>
-            </a:r>
-          </a:p>
-        </p:txBody>
-      </p:sp>
-      <p:sp>
-        <p:nvSpPr>
-          <p:cNvPr id="3" name="TextBox 2"/>
-          <p:cNvSpPr txBox="1"/>
-          <p:nvPr/>
-        </p:nvSpPr>
-        <p:spPr>
-          <a:xfrm>
-            <a:off x="462987" y="1365813"/>
-            <a:ext cx="9595413" cy="4401205"/>
-          </a:xfrm>
-          <a:prstGeom prst="rect">
-            <a:avLst/>
-          </a:prstGeom>
-          <a:noFill/>
-        </p:spPr>
-        <p:txBody>
-          <a:bodyPr wrap="square" rtlCol="0">
-            <a:spAutoFit/>
-          </a:bodyPr>
-          <a:lstStyle/>
-          <a:p>
-            <a:pPr marL="285750" indent="-285750">
-              <a:buFont typeface="Arial" panose="020B0604020202020204" pitchFamily="34" charset="0"/>
-              <a:buChar char="•"/>
-            </a:pPr>
-            <a:r>
-              <a:rPr lang="en-US" sz="2800" dirty="0">
-                <a:solidFill>
-                  <a:srgbClr val="707070"/>
-                </a:solidFill>
-                <a:latin typeface="Pragmatica" panose="020B0403040502020204" pitchFamily="34" charset="0"/>
-              </a:rPr>
-              <a:t>R in Power BI: when and why? </a:t>
-            </a:r>
-          </a:p>
-          <a:p>
-            <a:pPr marL="285750" indent="-285750">
-              <a:buFont typeface="Arial" panose="020B0604020202020204" pitchFamily="34" charset="0"/>
-              <a:buChar char="•"/>
-            </a:pPr>
-            <a:r>
-              <a:rPr lang="en-US" sz="2800" dirty="0">
-                <a:solidFill>
-                  <a:srgbClr val="707070"/>
-                </a:solidFill>
-                <a:latin typeface="Pragmatica" panose="020B0403040502020204" pitchFamily="34" charset="0"/>
-              </a:rPr>
-              <a:t>Setup</a:t>
-            </a:r>
-          </a:p>
-          <a:p>
-            <a:pPr marL="285750" indent="-285750">
-              <a:buFont typeface="Arial" panose="020B0604020202020204" pitchFamily="34" charset="0"/>
-              <a:buChar char="•"/>
-            </a:pPr>
-            <a:r>
-              <a:rPr lang="en-US" sz="2800" dirty="0">
-                <a:solidFill>
-                  <a:srgbClr val="707070"/>
-                </a:solidFill>
-                <a:latin typeface="Pragmatica" panose="020B0403040502020204" pitchFamily="34" charset="0"/>
-              </a:rPr>
-              <a:t>Use cases</a:t>
-            </a:r>
-          </a:p>
-          <a:p>
-            <a:pPr marL="285750" indent="-285750">
-              <a:buFont typeface="Arial" panose="020B0604020202020204" pitchFamily="34" charset="0"/>
-              <a:buChar char="•"/>
-            </a:pPr>
-            <a:r>
-              <a:rPr lang="en-US" sz="2800">
-                <a:solidFill>
-                  <a:srgbClr val="707070"/>
-                </a:solidFill>
-                <a:latin typeface="Pragmatica" panose="020B0403040502020204" pitchFamily="34" charset="0"/>
-              </a:rPr>
-              <a:t>Giveaway…</a:t>
-            </a:r>
-            <a:endParaRPr lang="en-US" sz="2800" dirty="0">
-              <a:solidFill>
-                <a:srgbClr val="707070"/>
-              </a:solidFill>
-              <a:latin typeface="Pragmatica" panose="020B0403040502020204" pitchFamily="34" charset="0"/>
-            </a:endParaRPr>
-          </a:p>
-          <a:p>
-            <a:pPr marL="285750" indent="-285750">
-              <a:buFont typeface="Arial" panose="020B0604020202020204" pitchFamily="34" charset="0"/>
-              <a:buChar char="•"/>
-            </a:pPr>
-            <a:endParaRPr lang="en-US" sz="2800" dirty="0">
-              <a:solidFill>
-                <a:srgbClr val="707070"/>
-              </a:solidFill>
-              <a:latin typeface="Pragmatica" panose="020B0403040502020204" pitchFamily="34" charset="0"/>
-            </a:endParaRPr>
-          </a:p>
-          <a:p>
-            <a:pPr marL="285750" indent="-285750">
-              <a:buFont typeface="Arial" panose="020B0604020202020204" pitchFamily="34" charset="0"/>
-              <a:buChar char="•"/>
-            </a:pPr>
-            <a:r>
-              <a:rPr lang="en-US" sz="2800" dirty="0">
-                <a:solidFill>
-                  <a:srgbClr val="707070"/>
-                </a:solidFill>
-                <a:latin typeface="Pragmatica" panose="020B0403040502020204" pitchFamily="34" charset="0"/>
-              </a:rPr>
-              <a:t>Follow along: </a:t>
-            </a:r>
-            <a:r>
-              <a:rPr lang="en-US" sz="2800" dirty="0">
-                <a:solidFill>
-                  <a:srgbClr val="707070"/>
-                </a:solidFill>
-                <a:latin typeface="Pragmatica" panose="020B0403040502020204" pitchFamily="34" charset="0"/>
-                <a:hlinkClick r:id="rId3"/>
-              </a:rPr>
-              <a:t>https://github.com/stringfestdata/satrday-r-power-bi</a:t>
-            </a:r>
-            <a:r>
-              <a:rPr lang="en-US" sz="2800" dirty="0">
-                <a:solidFill>
-                  <a:srgbClr val="707070"/>
-                </a:solidFill>
-                <a:latin typeface="Pragmatica" panose="020B0403040502020204" pitchFamily="34" charset="0"/>
-              </a:rPr>
-              <a:t>  </a:t>
-            </a:r>
-          </a:p>
-          <a:p>
-            <a:pPr marL="285750" indent="-285750">
-              <a:buFont typeface="Arial" panose="020B0604020202020204" pitchFamily="34" charset="0"/>
-              <a:buChar char="•"/>
-            </a:pPr>
-            <a:endParaRPr lang="en-US" sz="2800" dirty="0">
-              <a:solidFill>
-                <a:srgbClr val="707070"/>
-              </a:solidFill>
-              <a:latin typeface="Pragmatica" panose="020B0403040502020204" pitchFamily="34" charset="0"/>
-            </a:endParaRPr>
-          </a:p>
-          <a:p>
-            <a:endParaRPr lang="en-US" sz="2800" dirty="0">
-              <a:solidFill>
-                <a:srgbClr val="707070"/>
-              </a:solidFill>
-              <a:latin typeface="Pragmatica" panose="020B0403040502020204" pitchFamily="34" charset="0"/>
-            </a:endParaRPr>
-          </a:p>
-        </p:txBody>
-      </p:sp>
-    </p:spTree>
-    <p:extLst>
-      <p:ext uri="{BB962C8B-B14F-4D97-AF65-F5344CB8AC3E}">
-        <p14:creationId xmlns:p14="http://schemas.microsoft.com/office/powerpoint/2010/main" val="2948647643"/>
-      </p:ext>
-    </p:extLst>
-  </p:cSld>
-  <p:clrMapOvr>
-    <a:masterClrMapping/>
-  </p:clrMapOvr>
-</p:sld>
-</file>
-
-<file path=ppt/slides/slide3.xml><?xml version="1.0" encoding="utf-8"?>
-<p:sld xmlns:a="http://schemas.openxmlformats.org/drawingml/2006/main" xmlns:r="http://schemas.openxmlformats.org/officeDocument/2006/relationships" xmlns:p="http://schemas.openxmlformats.org/presentationml/2006/main">
-  <p:cSld>
-    <p:spTree>
-      <p:nvGrpSpPr>
-        <p:cNvPr id="1" name=""/>
-        <p:cNvGrpSpPr/>
-        <p:nvPr/>
-      </p:nvGrpSpPr>
-      <p:grpSpPr>
-        <a:xfrm>
-          <a:off x="0" y="0"/>
-          <a:ext cx="0" cy="0"/>
-          <a:chOff x="0" y="0"/>
-          <a:chExt cx="0" cy="0"/>
-        </a:xfrm>
-      </p:grpSpPr>
-      <p:pic>
-        <p:nvPicPr>
-          <p:cNvPr id="10" name="Picture 9"/>
-          <p:cNvPicPr>
-            <a:picLocks noChangeAspect="1"/>
-          </p:cNvPicPr>
-          <p:nvPr/>
-        </p:nvPicPr>
-        <p:blipFill rotWithShape="1">
-          <a:blip r:embed="rId2">
-            <a:extLst>
-              <a:ext uri="{28A0092B-C50C-407E-A947-70E740481C1C}">
-                <a14:useLocalDpi xmlns:a14="http://schemas.microsoft.com/office/drawing/2010/main" val="0"/>
-              </a:ext>
-            </a:extLst>
-          </a:blip>
-          <a:srcRect l="50728" t="56371"/>
-          <a:stretch/>
-        </p:blipFill>
-        <p:spPr>
-          <a:xfrm>
-            <a:off x="10894024" y="5370653"/>
-            <a:ext cx="1297975" cy="1487348"/>
-          </a:xfrm>
-          <a:prstGeom prst="rect">
-            <a:avLst/>
-          </a:prstGeom>
-        </p:spPr>
-      </p:pic>
-      <p:sp>
-        <p:nvSpPr>
-          <p:cNvPr id="11" name="TextBox 10"/>
-          <p:cNvSpPr txBox="1"/>
-          <p:nvPr/>
-        </p:nvSpPr>
-        <p:spPr>
-          <a:xfrm>
-            <a:off x="347240" y="113388"/>
-            <a:ext cx="9799937" cy="1015663"/>
-          </a:xfrm>
-          <a:prstGeom prst="rect">
-            <a:avLst/>
-          </a:prstGeom>
-          <a:noFill/>
-        </p:spPr>
-        <p:txBody>
-          <a:bodyPr wrap="square" rtlCol="0">
-            <a:spAutoFit/>
-          </a:bodyPr>
-          <a:lstStyle/>
-          <a:p>
-            <a:r>
-              <a:rPr lang="en-US" sz="6000" dirty="0">
-                <a:latin typeface="Aliens &amp; cows" panose="00000500000000000000" pitchFamily="2" charset="0"/>
-              </a:rPr>
-              <a:t>Chat me up</a:t>
-            </a:r>
-          </a:p>
-        </p:txBody>
-      </p:sp>
-      <p:sp>
-        <p:nvSpPr>
-          <p:cNvPr id="13" name="TextBox 12">
-            <a:extLst>
-              <a:ext uri="{FF2B5EF4-FFF2-40B4-BE49-F238E27FC236}">
-                <a16:creationId xmlns:a16="http://schemas.microsoft.com/office/drawing/2014/main" id="{BAD4CFA0-F6EE-4D9E-AA4F-AABFDE2E3205}"/>
-              </a:ext>
-            </a:extLst>
-          </p:cNvPr>
-          <p:cNvSpPr txBox="1"/>
-          <p:nvPr/>
-        </p:nvSpPr>
-        <p:spPr>
-          <a:xfrm>
-            <a:off x="462988" y="1365813"/>
-            <a:ext cx="6772002" cy="1384995"/>
-          </a:xfrm>
-          <a:prstGeom prst="rect">
-            <a:avLst/>
-          </a:prstGeom>
-          <a:noFill/>
-        </p:spPr>
-        <p:txBody>
-          <a:bodyPr wrap="square" rtlCol="0">
-            <a:spAutoFit/>
-          </a:bodyPr>
-          <a:lstStyle/>
-          <a:p>
-            <a:pPr marL="285750" indent="-285750">
-              <a:buFont typeface="Arial" panose="020B0604020202020204" pitchFamily="34" charset="0"/>
-              <a:buChar char="•"/>
-            </a:pPr>
-            <a:r>
-              <a:rPr lang="en-US" sz="2800" dirty="0">
-                <a:solidFill>
-                  <a:srgbClr val="707070"/>
-                </a:solidFill>
-                <a:latin typeface="Pragmatica" panose="020B0403040502020204" pitchFamily="34" charset="0"/>
-              </a:rPr>
-              <a:t>Do you use Power BI? How/when/why?</a:t>
-            </a:r>
-          </a:p>
-          <a:p>
-            <a:pPr marL="285750" indent="-285750">
-              <a:buFont typeface="Arial" panose="020B0604020202020204" pitchFamily="34" charset="0"/>
-              <a:buChar char="•"/>
-            </a:pPr>
-            <a:r>
-              <a:rPr lang="en-US" sz="2800" dirty="0">
-                <a:solidFill>
-                  <a:srgbClr val="707070"/>
-                </a:solidFill>
-                <a:latin typeface="Pragmatica" panose="020B0403040502020204" pitchFamily="34" charset="0"/>
-              </a:rPr>
-              <a:t>Pros/cons to Power BI vs Shiny? </a:t>
-            </a:r>
-          </a:p>
-        </p:txBody>
-      </p:sp>
-    </p:spTree>
-    <p:extLst>
-      <p:ext uri="{BB962C8B-B14F-4D97-AF65-F5344CB8AC3E}">
-        <p14:creationId xmlns:p14="http://schemas.microsoft.com/office/powerpoint/2010/main" val="904060236"/>
-      </p:ext>
-    </p:extLst>
-  </p:cSld>
-  <p:clrMapOvr>
-    <a:masterClrMapping/>
-  </p:clrMapOvr>
-</p:sld>
-</file>
-
-<file path=ppt/slides/slide4.xml><?xml version="1.0" encoding="utf-8"?>
-<p:sld xmlns:a="http://schemas.openxmlformats.org/drawingml/2006/main" xmlns:r="http://schemas.openxmlformats.org/officeDocument/2006/relationships" xmlns:p="http://schemas.openxmlformats.org/presentationml/2006/main">
-  <p:cSld>
-    <p:spTree>
-      <p:nvGrpSpPr>
-        <p:cNvPr id="1" name=""/>
-        <p:cNvGrpSpPr/>
-        <p:nvPr/>
-      </p:nvGrpSpPr>
-      <p:grpSpPr>
-        <a:xfrm>
-          <a:off x="0" y="0"/>
-          <a:ext cx="0" cy="0"/>
-          <a:chOff x="0" y="0"/>
-          <a:chExt cx="0" cy="0"/>
-        </a:xfrm>
-      </p:grpSpPr>
-      <p:pic>
-        <p:nvPicPr>
-          <p:cNvPr id="10" name="Picture 9"/>
-          <p:cNvPicPr>
-            <a:picLocks noChangeAspect="1"/>
-          </p:cNvPicPr>
-          <p:nvPr/>
-        </p:nvPicPr>
-        <p:blipFill rotWithShape="1">
-          <a:blip r:embed="rId2">
-            <a:extLst>
-              <a:ext uri="{28A0092B-C50C-407E-A947-70E740481C1C}">
-                <a14:useLocalDpi xmlns:a14="http://schemas.microsoft.com/office/drawing/2010/main" val="0"/>
-              </a:ext>
-            </a:extLst>
-          </a:blip>
-          <a:srcRect l="50728" t="56371"/>
-          <a:stretch/>
-        </p:blipFill>
-        <p:spPr>
-          <a:xfrm>
-            <a:off x="10894024" y="5370653"/>
-            <a:ext cx="1297975" cy="1487348"/>
-          </a:xfrm>
-          <a:prstGeom prst="rect">
-            <a:avLst/>
-          </a:prstGeom>
-        </p:spPr>
-      </p:pic>
-      <p:sp>
-        <p:nvSpPr>
-          <p:cNvPr id="11" name="TextBox 10"/>
-          <p:cNvSpPr txBox="1"/>
-          <p:nvPr/>
-        </p:nvSpPr>
-        <p:spPr>
-          <a:xfrm>
-            <a:off x="347240" y="113388"/>
-            <a:ext cx="9799937" cy="1015663"/>
-          </a:xfrm>
-          <a:prstGeom prst="rect">
-            <a:avLst/>
-          </a:prstGeom>
-          <a:noFill/>
-        </p:spPr>
-        <p:txBody>
-          <a:bodyPr wrap="square" rtlCol="0">
-            <a:spAutoFit/>
-          </a:bodyPr>
-          <a:lstStyle/>
-          <a:p>
-            <a:r>
-              <a:rPr lang="en-US" sz="6000" dirty="0">
-                <a:latin typeface="Aliens &amp; cows" panose="00000500000000000000" pitchFamily="2" charset="0"/>
-              </a:rPr>
-              <a:t>Set up</a:t>
-            </a:r>
-          </a:p>
-        </p:txBody>
-      </p:sp>
-      <p:sp>
-        <p:nvSpPr>
-          <p:cNvPr id="13" name="TextBox 12">
-            <a:extLst>
-              <a:ext uri="{FF2B5EF4-FFF2-40B4-BE49-F238E27FC236}">
-                <a16:creationId xmlns:a16="http://schemas.microsoft.com/office/drawing/2014/main" id="{BAD4CFA0-F6EE-4D9E-AA4F-AABFDE2E3205}"/>
-              </a:ext>
-            </a:extLst>
-          </p:cNvPr>
-          <p:cNvSpPr txBox="1"/>
-          <p:nvPr/>
-        </p:nvSpPr>
-        <p:spPr>
-          <a:xfrm>
-            <a:off x="462987" y="1365813"/>
-            <a:ext cx="5511093" cy="1384995"/>
-          </a:xfrm>
-          <a:prstGeom prst="rect">
-            <a:avLst/>
-          </a:prstGeom>
-          <a:noFill/>
-        </p:spPr>
-        <p:txBody>
-          <a:bodyPr wrap="square" rtlCol="0">
-            <a:spAutoFit/>
-          </a:bodyPr>
-          <a:lstStyle/>
-          <a:p>
-            <a:pPr marL="285750" indent="-285750">
-              <a:buFont typeface="Arial" panose="020B0604020202020204" pitchFamily="34" charset="0"/>
-              <a:buChar char="•"/>
-            </a:pPr>
-            <a:r>
-              <a:rPr lang="en-US" sz="2800" dirty="0">
-                <a:solidFill>
-                  <a:srgbClr val="707070"/>
-                </a:solidFill>
-                <a:latin typeface="Pragmatica" panose="020B0403040502020204" pitchFamily="34" charset="0"/>
-              </a:rPr>
-              <a:t>Freemium, Windows only</a:t>
-            </a:r>
-          </a:p>
-          <a:p>
-            <a:pPr marL="285750" indent="-285750">
-              <a:buFont typeface="Arial" panose="020B0604020202020204" pitchFamily="34" charset="0"/>
-              <a:buChar char="•"/>
-            </a:pPr>
-            <a:r>
-              <a:rPr lang="en-US" sz="2800" dirty="0">
-                <a:solidFill>
-                  <a:srgbClr val="707070"/>
-                </a:solidFill>
-                <a:latin typeface="Pragmatica" panose="020B0403040502020204" pitchFamily="34" charset="0"/>
-              </a:rPr>
-              <a:t>File &gt; Options &amp; settings &gt; Options &gt; R scripting</a:t>
-            </a:r>
-          </a:p>
-        </p:txBody>
-      </p:sp>
-      <p:pic>
-        <p:nvPicPr>
-          <p:cNvPr id="3" name="Picture 2">
-            <a:extLst>
-              <a:ext uri="{FF2B5EF4-FFF2-40B4-BE49-F238E27FC236}">
-                <a16:creationId xmlns:a16="http://schemas.microsoft.com/office/drawing/2014/main" id="{81BD8738-D3E2-472F-B98B-1A7B3A2E062F}"/>
-              </a:ext>
-            </a:extLst>
-          </p:cNvPr>
-          <p:cNvPicPr>
-            <a:picLocks noChangeAspect="1"/>
-          </p:cNvPicPr>
-          <p:nvPr/>
-        </p:nvPicPr>
-        <p:blipFill>
-          <a:blip r:embed="rId3"/>
-          <a:stretch>
-            <a:fillRect/>
-          </a:stretch>
-        </p:blipFill>
-        <p:spPr>
-          <a:xfrm>
-            <a:off x="6020490" y="915088"/>
-            <a:ext cx="5779659" cy="5566303"/>
-          </a:xfrm>
-          <a:prstGeom prst="rect">
-            <a:avLst/>
-          </a:prstGeom>
-        </p:spPr>
-      </p:pic>
-    </p:spTree>
-    <p:extLst>
-      <p:ext uri="{BB962C8B-B14F-4D97-AF65-F5344CB8AC3E}">
-        <p14:creationId xmlns:p14="http://schemas.microsoft.com/office/powerpoint/2010/main" val="2684353158"/>
-      </p:ext>
-    </p:extLst>
-  </p:cSld>
-  <p:clrMapOvr>
-    <a:masterClrMapping/>
-  </p:clrMapOvr>
-</p:sld>
-</file>
-
-<file path=ppt/slides/slide5.xml><?xml version="1.0" encoding="utf-8"?>
-<p:sld xmlns:a="http://schemas.openxmlformats.org/drawingml/2006/main" xmlns:r="http://schemas.openxmlformats.org/officeDocument/2006/relationships" xmlns:p="http://schemas.openxmlformats.org/presentationml/2006/main">
-  <p:cSld>
-    <p:spTree>
-      <p:nvGrpSpPr>
-        <p:cNvPr id="1" name=""/>
-        <p:cNvGrpSpPr/>
-        <p:nvPr/>
-      </p:nvGrpSpPr>
-      <p:grpSpPr>
-        <a:xfrm>
-          <a:off x="0" y="0"/>
-          <a:ext cx="0" cy="0"/>
-          <a:chOff x="0" y="0"/>
-          <a:chExt cx="0" cy="0"/>
-        </a:xfrm>
-      </p:grpSpPr>
-      <p:pic>
-        <p:nvPicPr>
-          <p:cNvPr id="10" name="Picture 9"/>
-          <p:cNvPicPr>
-            <a:picLocks noChangeAspect="1"/>
-          </p:cNvPicPr>
-          <p:nvPr/>
-        </p:nvPicPr>
-        <p:blipFill rotWithShape="1">
-          <a:blip r:embed="rId2">
-            <a:extLst>
-              <a:ext uri="{28A0092B-C50C-407E-A947-70E740481C1C}">
-                <a14:useLocalDpi xmlns:a14="http://schemas.microsoft.com/office/drawing/2010/main" val="0"/>
-              </a:ext>
-            </a:extLst>
-          </a:blip>
-          <a:srcRect l="50728" t="56371"/>
-          <a:stretch/>
-        </p:blipFill>
-        <p:spPr>
-          <a:xfrm>
-            <a:off x="10894024" y="5370653"/>
-            <a:ext cx="1297975" cy="1487348"/>
-          </a:xfrm>
-          <a:prstGeom prst="rect">
-            <a:avLst/>
-          </a:prstGeom>
-        </p:spPr>
-      </p:pic>
-      <p:sp>
-        <p:nvSpPr>
-          <p:cNvPr id="11" name="TextBox 10"/>
-          <p:cNvSpPr txBox="1"/>
-          <p:nvPr/>
-        </p:nvSpPr>
-        <p:spPr>
-          <a:xfrm>
-            <a:off x="347240" y="113388"/>
-            <a:ext cx="9799937" cy="1015663"/>
-          </a:xfrm>
-          <a:prstGeom prst="rect">
-            <a:avLst/>
-          </a:prstGeom>
-          <a:noFill/>
-        </p:spPr>
-        <p:txBody>
-          <a:bodyPr wrap="square" rtlCol="0">
-            <a:spAutoFit/>
-          </a:bodyPr>
-          <a:lstStyle/>
-          <a:p>
-            <a:r>
-              <a:rPr lang="en-US" sz="6000" dirty="0">
-                <a:latin typeface="Aliens &amp; cows" panose="00000500000000000000" pitchFamily="2" charset="0"/>
-              </a:rPr>
-              <a:t>When and why</a:t>
-            </a:r>
-          </a:p>
-        </p:txBody>
-      </p:sp>
-      <p:sp>
-        <p:nvSpPr>
-          <p:cNvPr id="8" name="TextBox 7">
-            <a:extLst>
-              <a:ext uri="{FF2B5EF4-FFF2-40B4-BE49-F238E27FC236}">
-                <a16:creationId xmlns:a16="http://schemas.microsoft.com/office/drawing/2014/main" id="{42A7C85F-0A10-4F88-8567-526BD39FA98C}"/>
-              </a:ext>
-            </a:extLst>
-          </p:cNvPr>
-          <p:cNvSpPr txBox="1"/>
-          <p:nvPr/>
-        </p:nvSpPr>
-        <p:spPr>
-          <a:xfrm>
-            <a:off x="462987" y="1365813"/>
-            <a:ext cx="5511093" cy="2677656"/>
-          </a:xfrm>
-          <a:prstGeom prst="rect">
-            <a:avLst/>
-          </a:prstGeom>
-          <a:noFill/>
-        </p:spPr>
-        <p:txBody>
-          <a:bodyPr wrap="square" rtlCol="0">
-            <a:spAutoFit/>
-          </a:bodyPr>
-          <a:lstStyle/>
-          <a:p>
-            <a:pPr marL="285750" indent="-285750">
-              <a:buFont typeface="Arial" panose="020B0604020202020204" pitchFamily="34" charset="0"/>
-              <a:buChar char="•"/>
-            </a:pPr>
-            <a:r>
-              <a:rPr lang="en-US" sz="2800" dirty="0">
-                <a:solidFill>
-                  <a:srgbClr val="707070"/>
-                </a:solidFill>
-                <a:latin typeface="Pragmatica" panose="020B0403040502020204" pitchFamily="34" charset="0"/>
-              </a:rPr>
-              <a:t>Remote or unstructured data sources</a:t>
-            </a:r>
-          </a:p>
-          <a:p>
-            <a:pPr marL="285750" indent="-285750">
-              <a:buFont typeface="Arial" panose="020B0604020202020204" pitchFamily="34" charset="0"/>
-              <a:buChar char="•"/>
-            </a:pPr>
-            <a:r>
-              <a:rPr lang="en-US" sz="2800" dirty="0">
-                <a:solidFill>
-                  <a:srgbClr val="707070"/>
-                </a:solidFill>
-                <a:latin typeface="Pragmatica" panose="020B0403040502020204" pitchFamily="34" charset="0"/>
-              </a:rPr>
-              <a:t>Feature engineering (missing values, PCA)</a:t>
-            </a:r>
-          </a:p>
-          <a:p>
-            <a:pPr marL="285750" indent="-285750">
-              <a:buFont typeface="Arial" panose="020B0604020202020204" pitchFamily="34" charset="0"/>
-              <a:buChar char="•"/>
-            </a:pPr>
-            <a:r>
-              <a:rPr lang="en-US" sz="2800" dirty="0">
-                <a:solidFill>
-                  <a:srgbClr val="707070"/>
-                </a:solidFill>
-                <a:latin typeface="Pragmatica" panose="020B0403040502020204" pitchFamily="34" charset="0"/>
-              </a:rPr>
-              <a:t>Regular expressions</a:t>
-            </a:r>
-          </a:p>
-          <a:p>
-            <a:pPr marL="285750" indent="-285750">
-              <a:buFont typeface="Arial" panose="020B0604020202020204" pitchFamily="34" charset="0"/>
-              <a:buChar char="•"/>
-            </a:pPr>
-            <a:r>
-              <a:rPr lang="en-US" sz="2800" dirty="0">
-                <a:solidFill>
-                  <a:srgbClr val="707070"/>
-                </a:solidFill>
-                <a:latin typeface="Pragmatica" panose="020B0403040502020204" pitchFamily="34" charset="0"/>
-              </a:rPr>
-              <a:t>Visualizations</a:t>
-            </a:r>
-          </a:p>
-        </p:txBody>
-      </p:sp>
-      <p:sp>
-        <p:nvSpPr>
-          <p:cNvPr id="12" name="TextBox 11">
-            <a:extLst>
-              <a:ext uri="{FF2B5EF4-FFF2-40B4-BE49-F238E27FC236}">
-                <a16:creationId xmlns:a16="http://schemas.microsoft.com/office/drawing/2014/main" id="{6DD6493B-1F9B-4D5B-BF8B-B1367EE5DCCA}"/>
-              </a:ext>
-            </a:extLst>
-          </p:cNvPr>
-          <p:cNvSpPr txBox="1"/>
-          <p:nvPr/>
-        </p:nvSpPr>
-        <p:spPr>
-          <a:xfrm>
-            <a:off x="119067" y="6488668"/>
-            <a:ext cx="10028110" cy="369332"/>
-          </a:xfrm>
-          <a:prstGeom prst="rect">
-            <a:avLst/>
-          </a:prstGeom>
-          <a:noFill/>
-        </p:spPr>
-        <p:txBody>
-          <a:bodyPr wrap="square">
-            <a:spAutoFit/>
-          </a:bodyPr>
-          <a:lstStyle/>
-          <a:p>
-            <a:r>
-              <a:rPr lang="en-US" dirty="0"/>
-              <a:t>https://www.windowsblogitalia.com/2019/02/microsoft-migliore-futuro-inner-source/</a:t>
-            </a:r>
-          </a:p>
-        </p:txBody>
-      </p:sp>
-      <p:pic>
-        <p:nvPicPr>
-          <p:cNvPr id="1026" name="Picture 2" descr="Microsoft loves Open Source">
-            <a:extLst>
-              <a:ext uri="{FF2B5EF4-FFF2-40B4-BE49-F238E27FC236}">
-                <a16:creationId xmlns:a16="http://schemas.microsoft.com/office/drawing/2014/main" id="{FEA8D45A-D5EA-477A-A7E1-CB8D265DDFC3}"/>
-              </a:ext>
-            </a:extLst>
-          </p:cNvPr>
-          <p:cNvPicPr>
-            <a:picLocks noChangeAspect="1" noChangeArrowheads="1"/>
-          </p:cNvPicPr>
-          <p:nvPr/>
-        </p:nvPicPr>
-        <p:blipFill>
-          <a:blip r:embed="rId3">
-            <a:extLst>
-              <a:ext uri="{28A0092B-C50C-407E-A947-70E740481C1C}">
-                <a14:useLocalDpi xmlns:a14="http://schemas.microsoft.com/office/drawing/2010/main" val="0"/>
-              </a:ext>
-            </a:extLst>
-          </a:blip>
-          <a:srcRect/>
-          <a:stretch>
-            <a:fillRect/>
-          </a:stretch>
-        </p:blipFill>
-        <p:spPr bwMode="auto">
-          <a:xfrm>
-            <a:off x="5773856" y="1192418"/>
-            <a:ext cx="5678104" cy="3783202"/>
-          </a:xfrm>
-          <a:prstGeom prst="rect">
-            <a:avLst/>
-          </a:prstGeom>
-          <a:noFill/>
-          <a:extLst>
-            <a:ext uri="{909E8E84-426E-40DD-AFC4-6F175D3DCCD1}">
-              <a14:hiddenFill xmlns:a14="http://schemas.microsoft.com/office/drawing/2010/main">
-                <a:solidFill>
-                  <a:srgbClr val="FFFFFF"/>
-                </a:solidFill>
-              </a14:hiddenFill>
-            </a:ext>
-          </a:extLst>
-        </p:spPr>
-      </p:pic>
-    </p:spTree>
-    <p:extLst>
-      <p:ext uri="{BB962C8B-B14F-4D97-AF65-F5344CB8AC3E}">
-        <p14:creationId xmlns:p14="http://schemas.microsoft.com/office/powerpoint/2010/main" val="2480351462"/>
-      </p:ext>
-    </p:extLst>
-  </p:cSld>
-  <p:clrMapOvr>
-    <a:masterClrMapping/>
-  </p:clrMapOvr>
-</p:sld>
-</file>
-
-<file path=ppt/slides/slide6.xml><?xml version="1.0" encoding="utf-8"?>
-<p:sld xmlns:a="http://schemas.openxmlformats.org/drawingml/2006/main" xmlns:r="http://schemas.openxmlformats.org/officeDocument/2006/relationships" xmlns:p="http://schemas.openxmlformats.org/presentationml/2006/main">
-  <p:cSld>
-    <p:spTree>
-      <p:nvGrpSpPr>
-        <p:cNvPr id="1" name=""/>
-        <p:cNvGrpSpPr/>
-        <p:nvPr/>
-      </p:nvGrpSpPr>
-      <p:grpSpPr>
-        <a:xfrm>
-          <a:off x="0" y="0"/>
-          <a:ext cx="0" cy="0"/>
-          <a:chOff x="0" y="0"/>
-          <a:chExt cx="0" cy="0"/>
-        </a:xfrm>
-      </p:grpSpPr>
-      <p:pic>
-        <p:nvPicPr>
-          <p:cNvPr id="10" name="Picture 9"/>
-          <p:cNvPicPr>
-            <a:picLocks noChangeAspect="1"/>
-          </p:cNvPicPr>
-          <p:nvPr/>
-        </p:nvPicPr>
-        <p:blipFill rotWithShape="1">
-          <a:blip r:embed="rId2">
-            <a:extLst>
-              <a:ext uri="{28A0092B-C50C-407E-A947-70E740481C1C}">
-                <a14:useLocalDpi xmlns:a14="http://schemas.microsoft.com/office/drawing/2010/main" val="0"/>
-              </a:ext>
-            </a:extLst>
-          </a:blip>
-          <a:srcRect l="50728" t="56371"/>
-          <a:stretch/>
-        </p:blipFill>
-        <p:spPr>
-          <a:xfrm>
-            <a:off x="8136460" y="2210765"/>
-            <a:ext cx="4055539" cy="4647236"/>
-          </a:xfrm>
-          <a:prstGeom prst="rect">
-            <a:avLst/>
-          </a:prstGeom>
-        </p:spPr>
-      </p:pic>
-      <p:pic>
-        <p:nvPicPr>
-          <p:cNvPr id="4" name="Picture 3"/>
-          <p:cNvPicPr>
-            <a:picLocks noChangeAspect="1"/>
-          </p:cNvPicPr>
-          <p:nvPr/>
-        </p:nvPicPr>
-        <p:blipFill>
-          <a:blip r:embed="rId3">
-            <a:extLst>
-              <a:ext uri="{28A0092B-C50C-407E-A947-70E740481C1C}">
-                <a14:useLocalDpi xmlns:a14="http://schemas.microsoft.com/office/drawing/2010/main" val="0"/>
-              </a:ext>
-            </a:extLst>
-          </a:blip>
-          <a:stretch>
-            <a:fillRect/>
-          </a:stretch>
-        </p:blipFill>
-        <p:spPr>
-          <a:xfrm>
-            <a:off x="-538496" y="-2482770"/>
-            <a:ext cx="10171472" cy="7459883"/>
-          </a:xfrm>
-          <a:prstGeom prst="rect">
-            <a:avLst/>
-          </a:prstGeom>
-        </p:spPr>
-      </p:pic>
-      <p:sp>
-        <p:nvSpPr>
-          <p:cNvPr id="11" name="TextBox 10"/>
-          <p:cNvSpPr txBox="1"/>
-          <p:nvPr/>
-        </p:nvSpPr>
-        <p:spPr>
-          <a:xfrm>
-            <a:off x="324091" y="1687545"/>
-            <a:ext cx="4998639" cy="2554545"/>
-          </a:xfrm>
-          <a:prstGeom prst="rect">
-            <a:avLst/>
-          </a:prstGeom>
-          <a:noFill/>
-        </p:spPr>
-        <p:txBody>
-          <a:bodyPr wrap="square" rtlCol="0">
-            <a:spAutoFit/>
-          </a:bodyPr>
-          <a:lstStyle/>
-          <a:p>
-            <a:r>
-              <a:rPr lang="en-US" sz="4400" b="1" dirty="0">
-                <a:solidFill>
-                  <a:srgbClr val="707070"/>
-                </a:solidFill>
-                <a:latin typeface="Pragmatica" panose="020B0403040502020204" pitchFamily="34" charset="0"/>
-              </a:rPr>
-              <a:t>Questions?</a:t>
-            </a:r>
-          </a:p>
-          <a:p>
-            <a:endParaRPr lang="en-US" sz="4400" b="1" dirty="0">
-              <a:solidFill>
-                <a:srgbClr val="707070"/>
-              </a:solidFill>
-              <a:latin typeface="Pragmatica" panose="020B0403040502020204" pitchFamily="34" charset="0"/>
-            </a:endParaRPr>
-          </a:p>
-          <a:p>
-            <a:r>
-              <a:rPr lang="en-US" sz="3600" b="1" i="1" dirty="0">
-                <a:solidFill>
-                  <a:srgbClr val="707070"/>
-                </a:solidFill>
-                <a:latin typeface="Pragmatica" panose="020B0403040502020204" pitchFamily="34" charset="0"/>
-              </a:rPr>
-              <a:t>Who wants to win a book?</a:t>
-            </a:r>
-          </a:p>
-        </p:txBody>
-      </p:sp>
-      <p:pic>
-        <p:nvPicPr>
-          <p:cNvPr id="2050" name="Picture 2" descr="Advancing into Analytics Cover Image">
-            <a:extLst>
-              <a:ext uri="{FF2B5EF4-FFF2-40B4-BE49-F238E27FC236}">
-                <a16:creationId xmlns:a16="http://schemas.microsoft.com/office/drawing/2014/main" id="{8C41F0CF-29B5-4421-A059-AD896D8CDFD9}"/>
-              </a:ext>
-            </a:extLst>
-          </p:cNvPr>
-          <p:cNvPicPr>
-            <a:picLocks noChangeAspect="1" noChangeArrowheads="1"/>
-          </p:cNvPicPr>
-          <p:nvPr/>
-        </p:nvPicPr>
-        <p:blipFill>
-          <a:blip r:embed="rId4" cstate="print">
-            <a:extLst>
-              <a:ext uri="{28A0092B-C50C-407E-A947-70E740481C1C}">
-                <a14:useLocalDpi xmlns:a14="http://schemas.microsoft.com/office/drawing/2010/main" val="0"/>
-              </a:ext>
-            </a:extLst>
-          </a:blip>
-          <a:srcRect/>
-          <a:stretch>
-            <a:fillRect/>
-          </a:stretch>
-        </p:blipFill>
-        <p:spPr bwMode="auto">
-          <a:xfrm>
-            <a:off x="5322730" y="1846780"/>
-            <a:ext cx="2895014" cy="3780671"/>
-          </a:xfrm>
-          <a:prstGeom prst="rect">
-            <a:avLst/>
-          </a:prstGeom>
-          <a:noFill/>
-          <a:extLst>
-            <a:ext uri="{909E8E84-426E-40DD-AFC4-6F175D3DCCD1}">
-              <a14:hiddenFill xmlns:a14="http://schemas.microsoft.com/office/drawing/2010/main">
-                <a:solidFill>
-                  <a:srgbClr val="FFFFFF"/>
-                </a:solidFill>
-              </a14:hiddenFill>
-            </a:ext>
-          </a:extLst>
-        </p:spPr>
-      </p:pic>
-    </p:spTree>
-    <p:extLst>
-      <p:ext uri="{BB962C8B-B14F-4D97-AF65-F5344CB8AC3E}">
-        <p14:creationId xmlns:p14="http://schemas.microsoft.com/office/powerpoint/2010/main" val="1010532607"/>
-      </p:ext>
-    </p:extLst>
-  </p:cSld>
-  <p:clrMapOvr>
-    <a:masterClrMapping/>
-  </p:clrMapOvr>
-</p:sld>
-</file>
-
-<file path=ppt/slides/slide7.xml><?xml version="1.0" encoding="utf-8"?>
-<p:sld xmlns:a="http://schemas.openxmlformats.org/drawingml/2006/main" xmlns:r="http://schemas.openxmlformats.org/officeDocument/2006/relationships" xmlns:p="http://schemas.openxmlformats.org/presentationml/2006/main">
-  <p:cSld>
-    <p:spTree>
-      <p:nvGrpSpPr>
-        <p:cNvPr id="1" name=""/>
-        <p:cNvGrpSpPr/>
-        <p:nvPr/>
-      </p:nvGrpSpPr>
-      <p:grpSpPr>
-        <a:xfrm>
-          <a:off x="0" y="0"/>
-          <a:ext cx="0" cy="0"/>
-          <a:chOff x="0" y="0"/>
-          <a:chExt cx="0" cy="0"/>
-        </a:xfrm>
-      </p:grpSpPr>
-      <p:sp>
-        <p:nvSpPr>
-          <p:cNvPr id="4" name="Rectangle 3"/>
-          <p:cNvSpPr/>
-          <p:nvPr/>
-        </p:nvSpPr>
-        <p:spPr>
-          <a:xfrm>
-            <a:off x="6574420" y="0"/>
-            <a:ext cx="5617580" cy="6858000"/>
-          </a:xfrm>
-          <a:prstGeom prst="rect">
-            <a:avLst/>
-          </a:prstGeom>
-          <a:solidFill>
-            <a:srgbClr val="CF3338"/>
-          </a:solidFill>
-        </p:spPr>
-        <p:style>
-          <a:lnRef idx="2">
-            <a:schemeClr val="accent1">
-              <a:shade val="50000"/>
-            </a:schemeClr>
-          </a:lnRef>
-          <a:fillRef idx="1">
-            <a:schemeClr val="accent1"/>
-          </a:fillRef>
-          <a:effectRef idx="0">
-            <a:schemeClr val="accent1"/>
-          </a:effectRef>
-          <a:fontRef idx="minor">
-            <a:schemeClr val="lt1"/>
-          </a:fontRef>
-        </p:style>
-        <p:txBody>
-          <a:bodyPr rtlCol="0" anchor="ctr"/>
-          <a:lstStyle/>
-          <a:p>
-            <a:pPr algn="ctr"/>
-            <a:endParaRPr lang="en-US"/>
-          </a:p>
-        </p:txBody>
-      </p:sp>
-      <p:sp>
-        <p:nvSpPr>
-          <p:cNvPr id="5" name="TextBox 4"/>
-          <p:cNvSpPr txBox="1"/>
-          <p:nvPr/>
-        </p:nvSpPr>
-        <p:spPr>
-          <a:xfrm>
-            <a:off x="6817489" y="0"/>
-            <a:ext cx="4120587" cy="1446550"/>
-          </a:xfrm>
-          <a:prstGeom prst="rect">
-            <a:avLst/>
-          </a:prstGeom>
-          <a:noFill/>
-        </p:spPr>
-        <p:txBody>
-          <a:bodyPr wrap="square" rtlCol="0">
-            <a:spAutoFit/>
-          </a:bodyPr>
-          <a:lstStyle/>
-          <a:p>
-            <a:r>
-              <a:rPr lang="en-US" sz="8800" dirty="0">
-                <a:solidFill>
-                  <a:schemeClr val="bg1"/>
-                </a:solidFill>
-                <a:latin typeface="Aliens &amp; cows" panose="00000500000000000000" pitchFamily="2" charset="0"/>
-              </a:rPr>
-              <a:t>Demo</a:t>
-            </a:r>
-          </a:p>
-        </p:txBody>
-      </p:sp>
-      <p:pic>
-        <p:nvPicPr>
-          <p:cNvPr id="2" name="Picture 1"/>
-          <p:cNvPicPr>
-            <a:picLocks noChangeAspect="1"/>
-          </p:cNvPicPr>
-          <p:nvPr/>
-        </p:nvPicPr>
-        <p:blipFill rotWithShape="1">
-          <a:blip r:embed="rId3">
-            <a:extLst>
-              <a:ext uri="{28A0092B-C50C-407E-A947-70E740481C1C}">
-                <a14:useLocalDpi xmlns:a14="http://schemas.microsoft.com/office/drawing/2010/main" val="0"/>
-              </a:ext>
-            </a:extLst>
-          </a:blip>
-          <a:srcRect l="69227" t="33418" r="20112" b="50548"/>
-          <a:stretch/>
-        </p:blipFill>
-        <p:spPr>
-          <a:xfrm>
-            <a:off x="10386349" y="5029795"/>
-            <a:ext cx="1805651" cy="1991719"/>
-          </a:xfrm>
-          <a:prstGeom prst="rect">
-            <a:avLst/>
-          </a:prstGeom>
-        </p:spPr>
-      </p:pic>
-      <p:sp>
-        <p:nvSpPr>
-          <p:cNvPr id="3" name="TextBox 2"/>
-          <p:cNvSpPr txBox="1"/>
-          <p:nvPr/>
-        </p:nvSpPr>
-        <p:spPr>
-          <a:xfrm>
-            <a:off x="173620" y="219919"/>
-            <a:ext cx="5937813" cy="5693866"/>
-          </a:xfrm>
-          <a:prstGeom prst="rect">
-            <a:avLst/>
-          </a:prstGeom>
-          <a:noFill/>
-        </p:spPr>
-        <p:txBody>
-          <a:bodyPr wrap="square" rtlCol="0">
-            <a:spAutoFit/>
-          </a:bodyPr>
-          <a:lstStyle/>
-          <a:p>
-            <a:r>
-              <a:rPr lang="en-US" sz="2800" b="1" dirty="0">
-                <a:solidFill>
-                  <a:srgbClr val="CF3338"/>
-                </a:solidFill>
-                <a:latin typeface="Pragmatica" pitchFamily="2" charset="0"/>
-              </a:rPr>
-              <a:t>Dataset: </a:t>
-            </a:r>
-            <a:r>
-              <a:rPr lang="en-US" sz="2800" b="1" dirty="0">
-                <a:solidFill>
-                  <a:srgbClr val="CF3338"/>
-                </a:solidFill>
-                <a:latin typeface="Consolas" panose="020B0609020204030204" pitchFamily="49" charset="0"/>
-              </a:rPr>
-              <a:t>contestants.csv</a:t>
-            </a:r>
-          </a:p>
-          <a:p>
-            <a:endParaRPr lang="en-US" sz="2800" b="1" dirty="0">
-              <a:solidFill>
-                <a:srgbClr val="CF3338"/>
-              </a:solidFill>
-              <a:latin typeface="Pragmatica" pitchFamily="2" charset="0"/>
-            </a:endParaRPr>
-          </a:p>
-          <a:p>
-            <a:r>
-              <a:rPr lang="en-US" sz="2800" b="1" dirty="0">
-                <a:solidFill>
-                  <a:srgbClr val="CF3338"/>
-                </a:solidFill>
-                <a:latin typeface="Pragmatica" pitchFamily="2" charset="0"/>
-              </a:rPr>
-              <a:t>Elvish </a:t>
-            </a:r>
-            <a:r>
-              <a:rPr lang="en-US" sz="2800" b="1" dirty="0" err="1">
-                <a:solidFill>
-                  <a:srgbClr val="CF3338"/>
-                </a:solidFill>
-                <a:latin typeface="Pragmatica" pitchFamily="2" charset="0"/>
-              </a:rPr>
-              <a:t>Prestley</a:t>
-            </a:r>
-            <a:r>
-              <a:rPr lang="en-US" sz="2800" b="1" dirty="0">
-                <a:solidFill>
-                  <a:srgbClr val="CF3338"/>
-                </a:solidFill>
-                <a:latin typeface="Pragmatica" pitchFamily="2" charset="0"/>
-              </a:rPr>
-              <a:t> auditions: style and technique scores of contestants who did and didn’t participate </a:t>
-            </a:r>
-          </a:p>
-          <a:p>
-            <a:endParaRPr lang="en-US" sz="2800" b="1" dirty="0">
-              <a:solidFill>
-                <a:srgbClr val="CF3338"/>
-              </a:solidFill>
-              <a:latin typeface="Pragmatica" pitchFamily="2" charset="0"/>
-            </a:endParaRPr>
-          </a:p>
-          <a:p>
-            <a:endParaRPr lang="en-US" sz="2800" b="1" dirty="0">
-              <a:solidFill>
-                <a:srgbClr val="CF3338"/>
-              </a:solidFill>
-              <a:latin typeface="Pragmatica" pitchFamily="2" charset="0"/>
-            </a:endParaRPr>
-          </a:p>
-          <a:p>
-            <a:pPr marL="514350" indent="-514350">
-              <a:buFont typeface="Arial" panose="020B0604020202020204" pitchFamily="34" charset="0"/>
-              <a:buChar char="•"/>
-            </a:pPr>
-            <a:r>
-              <a:rPr lang="en-US" sz="2800" b="1" dirty="0">
-                <a:solidFill>
-                  <a:srgbClr val="CF3338"/>
-                </a:solidFill>
-                <a:latin typeface="Pragmatica" pitchFamily="2" charset="0"/>
-              </a:rPr>
-              <a:t>How many email addresses are invalid?</a:t>
-            </a:r>
-          </a:p>
-          <a:p>
-            <a:pPr marL="514350" indent="-514350">
-              <a:buFont typeface="Arial" panose="020B0604020202020204" pitchFamily="34" charset="0"/>
-              <a:buChar char="•"/>
-            </a:pPr>
-            <a:r>
-              <a:rPr lang="en-US" sz="2800" b="1" dirty="0">
-                <a:solidFill>
-                  <a:srgbClr val="CF3338"/>
-                </a:solidFill>
-                <a:latin typeface="Pragmatica" pitchFamily="2" charset="0"/>
-              </a:rPr>
-              <a:t>What should we do with the missing values? </a:t>
-            </a:r>
-          </a:p>
-          <a:p>
-            <a:pPr marL="514350" indent="-514350">
-              <a:buFont typeface="Arial" panose="020B0604020202020204" pitchFamily="34" charset="0"/>
-              <a:buChar char="•"/>
-            </a:pPr>
-            <a:r>
-              <a:rPr lang="en-US" sz="2800" b="1" dirty="0">
-                <a:solidFill>
-                  <a:srgbClr val="CF3338"/>
-                </a:solidFill>
-                <a:latin typeface="Pragmatica" pitchFamily="2" charset="0"/>
-              </a:rPr>
-              <a:t>What is the relationship between style and technique scores? </a:t>
-            </a:r>
-            <a:endParaRPr lang="en-US" sz="2800" b="1" dirty="0">
-              <a:solidFill>
-                <a:srgbClr val="CF3338"/>
-              </a:solidFill>
-              <a:latin typeface="Consolas" panose="020B0609020204030204" pitchFamily="49" charset="0"/>
-            </a:endParaRPr>
-          </a:p>
-        </p:txBody>
-      </p:sp>
-      <p:pic>
-        <p:nvPicPr>
-          <p:cNvPr id="11" name="Graphic 10" descr="Microphone with solid fill">
-            <a:extLst>
-              <a:ext uri="{FF2B5EF4-FFF2-40B4-BE49-F238E27FC236}">
-                <a16:creationId xmlns:a16="http://schemas.microsoft.com/office/drawing/2014/main" id="{B5FC4E04-397E-4989-AC34-16A495301450}"/>
-              </a:ext>
-            </a:extLst>
-          </p:cNvPr>
-          <p:cNvPicPr>
-            <a:picLocks noChangeAspect="1"/>
-          </p:cNvPicPr>
-          <p:nvPr/>
-        </p:nvPicPr>
-        <p:blipFill>
-          <a:blip r:embed="rId4">
-            <a:extLst>
-              <a:ext uri="{28A0092B-C50C-407E-A947-70E740481C1C}">
-                <a14:useLocalDpi xmlns:a14="http://schemas.microsoft.com/office/drawing/2010/main" val="0"/>
-              </a:ext>
-              <a:ext uri="{96DAC541-7B7A-43D3-8B79-37D633B846F1}">
-                <asvg:svgBlip xmlns:asvg="http://schemas.microsoft.com/office/drawing/2016/SVG/main" r:embed="rId5"/>
-              </a:ext>
-            </a:extLst>
-          </a:blip>
-          <a:stretch>
-            <a:fillRect/>
-          </a:stretch>
-        </p:blipFill>
-        <p:spPr>
-          <a:xfrm>
-            <a:off x="6774371" y="2446261"/>
-            <a:ext cx="3412027" cy="3412027"/>
-          </a:xfrm>
-          <a:prstGeom prst="rect">
-            <a:avLst/>
-          </a:prstGeom>
-        </p:spPr>
-      </p:pic>
-    </p:spTree>
-    <p:extLst>
-      <p:ext uri="{BB962C8B-B14F-4D97-AF65-F5344CB8AC3E}">
-        <p14:creationId xmlns:p14="http://schemas.microsoft.com/office/powerpoint/2010/main" val="167227427"/>
+        <p14:creationId xmlns:p14="http://schemas.microsoft.com/office/powerpoint/2010/main" val="4081097533"/>
       </p:ext>
     </p:extLst>
   </p:cSld>
@@ -7551,7 +7459,7 @@
           <p:nvPr/>
         </p:nvPicPr>
         <p:blipFill rotWithShape="1">
-          <a:blip r:embed="rId2">
+          <a:blip r:embed="rId3">
             <a:extLst>
               <a:ext uri="{28A0092B-C50C-407E-A947-70E740481C1C}">
                 <a14:useLocalDpi xmlns:a14="http://schemas.microsoft.com/office/drawing/2010/main" val="0"/>
@@ -7580,7 +7488,7 @@
         <p:spPr>
           <a:xfrm>
             <a:off x="347240" y="113388"/>
-            <a:ext cx="9799937" cy="1015663"/>
+            <a:ext cx="10861534" cy="1015663"/>
           </a:xfrm>
           <a:prstGeom prst="rect">
             <a:avLst/>
@@ -7597,119 +7505,109 @@
               <a:rPr lang="en-US" sz="6000" dirty="0">
                 <a:latin typeface="Aliens &amp; cows" panose="00000500000000000000" pitchFamily="2" charset="0"/>
               </a:rPr>
-              <a:t>So why not Shiny? </a:t>
-            </a:r>
-          </a:p>
-        </p:txBody>
-      </p:sp>
-      <p:sp>
-        <p:nvSpPr>
-          <p:cNvPr id="8" name="TextBox 7">
+              <a:t>Resources</a:t>
+            </a:r>
+          </a:p>
+        </p:txBody>
+      </p:sp>
+      <p:pic>
+        <p:nvPicPr>
+          <p:cNvPr id="1026" name="Picture 2" descr="Advanced Analytics in Power BI with R and Python af Ryan ...">
             <a:extLst>
               <a:ext uri="{FF2B5EF4-FFF2-40B4-BE49-F238E27FC236}">
-                <a16:creationId xmlns:a16="http://schemas.microsoft.com/office/drawing/2014/main" id="{42A7C85F-0A10-4F88-8567-526BD39FA98C}"/>
+                <a16:creationId xmlns:a16="http://schemas.microsoft.com/office/drawing/2014/main" id="{8F0244C3-0161-4C32-80FF-D2431F69DEDF}"/>
               </a:ext>
             </a:extLst>
           </p:cNvPr>
-          <p:cNvSpPr txBox="1"/>
+          <p:cNvPicPr>
+            <a:picLocks noChangeAspect="1" noChangeArrowheads="1"/>
+          </p:cNvPicPr>
           <p:nvPr/>
-        </p:nvSpPr>
-        <p:spPr>
+        </p:nvPicPr>
+        <p:blipFill>
+          <a:blip r:embed="rId4">
+            <a:extLst>
+              <a:ext uri="{28A0092B-C50C-407E-A947-70E740481C1C}">
+                <a14:useLocalDpi xmlns:a14="http://schemas.microsoft.com/office/drawing/2010/main" val="0"/>
+              </a:ext>
+            </a:extLst>
+          </a:blip>
+          <a:srcRect/>
+          <a:stretch>
+            <a:fillRect/>
+          </a:stretch>
+        </p:blipFill>
+        <p:spPr bwMode="auto">
           <a:xfrm>
-            <a:off x="462987" y="1365813"/>
-            <a:ext cx="5511093" cy="2246769"/>
+            <a:off x="655530" y="1576550"/>
+            <a:ext cx="3375135" cy="4821621"/>
           </a:xfrm>
           <a:prstGeom prst="rect">
             <a:avLst/>
           </a:prstGeom>
           <a:noFill/>
+          <a:extLst>
+            <a:ext uri="{909E8E84-426E-40DD-AFC4-6F175D3DCCD1}">
+              <a14:hiddenFill xmlns:a14="http://schemas.microsoft.com/office/drawing/2010/main">
+                <a:solidFill>
+                  <a:srgbClr val="FFFFFF"/>
+                </a:solidFill>
+              </a14:hiddenFill>
+            </a:ext>
+          </a:extLst>
         </p:spPr>
-        <p:txBody>
-          <a:bodyPr wrap="square" rtlCol="0">
-            <a:spAutoFit/>
-          </a:bodyPr>
-          <a:lstStyle/>
-          <a:p>
-            <a:pPr marL="285750" indent="-285750">
-              <a:buFont typeface="Arial" panose="020B0604020202020204" pitchFamily="34" charset="0"/>
-              <a:buChar char="•"/>
-            </a:pPr>
-            <a:r>
-              <a:rPr lang="en-US" sz="2800" dirty="0">
+      </p:pic>
+      <p:pic>
+        <p:nvPicPr>
+          <p:cNvPr id="1028" name="Picture 4" descr="Advancing into Analytics. Ebook. George Mount. Księgarnia ...">
+            <a:extLst>
+              <a:ext uri="{FF2B5EF4-FFF2-40B4-BE49-F238E27FC236}">
+                <a16:creationId xmlns:a16="http://schemas.microsoft.com/office/drawing/2014/main" id="{3EEC4A25-AEA4-4295-9DA4-1983C9D1418F}"/>
+              </a:ext>
+            </a:extLst>
+          </p:cNvPr>
+          <p:cNvPicPr>
+            <a:picLocks noChangeAspect="1" noChangeArrowheads="1"/>
+          </p:cNvPicPr>
+          <p:nvPr/>
+        </p:nvPicPr>
+        <p:blipFill>
+          <a:blip r:embed="rId5">
+            <a:extLst>
+              <a:ext uri="{28A0092B-C50C-407E-A947-70E740481C1C}">
+                <a14:useLocalDpi xmlns:a14="http://schemas.microsoft.com/office/drawing/2010/main" val="0"/>
+              </a:ext>
+            </a:extLst>
+          </a:blip>
+          <a:srcRect/>
+          <a:stretch>
+            <a:fillRect/>
+          </a:stretch>
+        </p:blipFill>
+        <p:spPr bwMode="auto">
+          <a:xfrm>
+            <a:off x="4918474" y="1576550"/>
+            <a:ext cx="3464284" cy="4952013"/>
+          </a:xfrm>
+          <a:prstGeom prst="rect">
+            <a:avLst/>
+          </a:prstGeom>
+          <a:noFill/>
+          <a:extLst>
+            <a:ext uri="{909E8E84-426E-40DD-AFC4-6F175D3DCCD1}">
+              <a14:hiddenFill xmlns:a14="http://schemas.microsoft.com/office/drawing/2010/main">
                 <a:solidFill>
-                  <a:srgbClr val="707070"/>
+                  <a:srgbClr val="FFFFFF"/>
                 </a:solidFill>
-                <a:latin typeface="Pragmatica" panose="020B0403040502020204" pitchFamily="34" charset="0"/>
-              </a:rPr>
-              <a:t>Gain from Microsoft’s BI stack (DAX, Power Query, </a:t>
-            </a:r>
-            <a:r>
-              <a:rPr lang="en-US" sz="2800" dirty="0" err="1">
-                <a:solidFill>
-                  <a:srgbClr val="707070"/>
-                </a:solidFill>
-                <a:latin typeface="Pragmatica" panose="020B0403040502020204" pitchFamily="34" charset="0"/>
-              </a:rPr>
-              <a:t>etc</a:t>
-            </a:r>
-            <a:r>
-              <a:rPr lang="en-US" sz="2800" dirty="0">
-                <a:solidFill>
-                  <a:srgbClr val="707070"/>
-                </a:solidFill>
-                <a:latin typeface="Pragmatica" panose="020B0403040502020204" pitchFamily="34" charset="0"/>
-              </a:rPr>
-              <a:t>)</a:t>
-            </a:r>
-          </a:p>
-          <a:p>
-            <a:pPr marL="285750" indent="-285750">
-              <a:buFont typeface="Arial" panose="020B0604020202020204" pitchFamily="34" charset="0"/>
-              <a:buChar char="•"/>
-            </a:pPr>
-            <a:r>
-              <a:rPr lang="en-US" sz="2800" dirty="0">
-                <a:solidFill>
-                  <a:srgbClr val="707070"/>
-                </a:solidFill>
-                <a:latin typeface="Pragmatica" panose="020B0403040502020204" pitchFamily="34" charset="0"/>
-              </a:rPr>
-              <a:t>Server already provisioned</a:t>
-            </a:r>
-          </a:p>
-          <a:p>
-            <a:pPr marL="285750" indent="-285750">
-              <a:buFont typeface="Arial" panose="020B0604020202020204" pitchFamily="34" charset="0"/>
-              <a:buChar char="•"/>
-            </a:pPr>
-            <a:r>
-              <a:rPr lang="en-US" sz="2800" dirty="0">
-                <a:solidFill>
-                  <a:srgbClr val="707070"/>
-                </a:solidFill>
-                <a:latin typeface="Pragmatica" panose="020B0403040502020204" pitchFamily="34" charset="0"/>
-              </a:rPr>
-              <a:t>Lower learning curve</a:t>
-            </a:r>
-          </a:p>
-          <a:p>
-            <a:pPr marL="285750" indent="-285750">
-              <a:buFont typeface="Arial" panose="020B0604020202020204" pitchFamily="34" charset="0"/>
-              <a:buChar char="•"/>
-            </a:pPr>
-            <a:endParaRPr lang="en-US" sz="2800" dirty="0">
-              <a:solidFill>
-                <a:srgbClr val="707070"/>
-              </a:solidFill>
-              <a:latin typeface="Pragmatica" panose="020B0403040502020204" pitchFamily="34" charset="0"/>
-            </a:endParaRPr>
-          </a:p>
-        </p:txBody>
-      </p:sp>
+              </a14:hiddenFill>
+            </a:ext>
+          </a:extLst>
+        </p:spPr>
+      </p:pic>
     </p:spTree>
     <p:extLst>
       <p:ext uri="{BB962C8B-B14F-4D97-AF65-F5344CB8AC3E}">
-        <p14:creationId xmlns:p14="http://schemas.microsoft.com/office/powerpoint/2010/main" val="613089127"/>
+        <p14:creationId xmlns:p14="http://schemas.microsoft.com/office/powerpoint/2010/main" val="2207467090"/>
       </p:ext>
     </p:extLst>
   </p:cSld>
@@ -7745,7 +7643,7 @@
           <p:nvPr/>
         </p:nvPicPr>
         <p:blipFill rotWithShape="1">
-          <a:blip r:embed="rId2">
+          <a:blip r:embed="rId3">
             <a:extLst>
               <a:ext uri="{28A0092B-C50C-407E-A947-70E740481C1C}">
                 <a14:useLocalDpi xmlns:a14="http://schemas.microsoft.com/office/drawing/2010/main" val="0"/>
@@ -7757,54 +7655,194 @@
         </p:blipFill>
         <p:spPr>
           <a:xfrm>
-            <a:off x="8136460" y="2210765"/>
-            <a:ext cx="4055539" cy="4647236"/>
+            <a:off x="10894024" y="5370653"/>
+            <a:ext cx="1297975" cy="1487348"/>
           </a:xfrm>
           <a:prstGeom prst="rect">
             <a:avLst/>
           </a:prstGeom>
         </p:spPr>
       </p:pic>
+      <p:sp>
+        <p:nvSpPr>
+          <p:cNvPr id="11" name="TextBox 10"/>
+          <p:cNvSpPr txBox="1"/>
+          <p:nvPr/>
+        </p:nvSpPr>
+        <p:spPr>
+          <a:xfrm>
+            <a:off x="347240" y="113388"/>
+            <a:ext cx="10861534" cy="1015663"/>
+          </a:xfrm>
+          <a:prstGeom prst="rect">
+            <a:avLst/>
+          </a:prstGeom>
+          <a:noFill/>
+        </p:spPr>
+        <p:txBody>
+          <a:bodyPr wrap="square" rtlCol="0">
+            <a:spAutoFit/>
+          </a:bodyPr>
+          <a:lstStyle/>
+          <a:p>
+            <a:r>
+              <a:rPr lang="en-US" sz="6000" dirty="0">
+                <a:latin typeface="Aliens &amp; cows" panose="00000500000000000000" pitchFamily="2" charset="0"/>
+              </a:rPr>
+              <a:t>Resources</a:t>
+            </a:r>
+          </a:p>
+        </p:txBody>
+      </p:sp>
       <p:pic>
         <p:nvPicPr>
-          <p:cNvPr id="4" name="Picture 3"/>
+          <p:cNvPr id="1026" name="Picture 2" descr="Advanced Analytics in Power BI with R and Python af Ryan ...">
+            <a:extLst>
+              <a:ext uri="{FF2B5EF4-FFF2-40B4-BE49-F238E27FC236}">
+                <a16:creationId xmlns:a16="http://schemas.microsoft.com/office/drawing/2014/main" id="{8F0244C3-0161-4C32-80FF-D2431F69DEDF}"/>
+              </a:ext>
+            </a:extLst>
+          </p:cNvPr>
           <p:cNvPicPr>
-            <a:picLocks noChangeAspect="1"/>
+            <a:picLocks noChangeAspect="1" noChangeArrowheads="1"/>
           </p:cNvPicPr>
           <p:nvPr/>
         </p:nvPicPr>
         <p:blipFill>
-          <a:blip r:embed="rId3">
+          <a:blip r:embed="rId4">
             <a:extLst>
               <a:ext uri="{28A0092B-C50C-407E-A947-70E740481C1C}">
                 <a14:useLocalDpi xmlns:a14="http://schemas.microsoft.com/office/drawing/2010/main" val="0"/>
               </a:ext>
             </a:extLst>
           </a:blip>
+          <a:srcRect/>
           <a:stretch>
             <a:fillRect/>
           </a:stretch>
         </p:blipFill>
-        <p:spPr>
+        <p:spPr bwMode="auto">
           <a:xfrm>
-            <a:off x="-538496" y="-2482770"/>
-            <a:ext cx="10171472" cy="7459883"/>
+            <a:off x="655530" y="1576550"/>
+            <a:ext cx="3375135" cy="4821621"/>
           </a:xfrm>
           <a:prstGeom prst="rect">
             <a:avLst/>
           </a:prstGeom>
+          <a:noFill/>
+          <a:extLst>
+            <a:ext uri="{909E8E84-426E-40DD-AFC4-6F175D3DCCD1}">
+              <a14:hiddenFill xmlns:a14="http://schemas.microsoft.com/office/drawing/2010/main">
+                <a:solidFill>
+                  <a:srgbClr val="FFFFFF"/>
+                </a:solidFill>
+              </a14:hiddenFill>
+            </a:ext>
+          </a:extLst>
         </p:spPr>
       </p:pic>
-      <p:sp>
-        <p:nvSpPr>
-          <p:cNvPr id="11" name="TextBox 10"/>
+      <p:pic>
+        <p:nvPicPr>
+          <p:cNvPr id="1028" name="Picture 4" descr="Advancing into Analytics. Ebook. George Mount. Księgarnia ...">
+            <a:extLst>
+              <a:ext uri="{FF2B5EF4-FFF2-40B4-BE49-F238E27FC236}">
+                <a16:creationId xmlns:a16="http://schemas.microsoft.com/office/drawing/2014/main" id="{3EEC4A25-AEA4-4295-9DA4-1983C9D1418F}"/>
+              </a:ext>
+            </a:extLst>
+          </p:cNvPr>
+          <p:cNvPicPr>
+            <a:picLocks noChangeAspect="1" noChangeArrowheads="1"/>
+          </p:cNvPicPr>
+          <p:nvPr/>
+        </p:nvPicPr>
+        <p:blipFill>
+          <a:blip r:embed="rId5">
+            <a:extLst>
+              <a:ext uri="{28A0092B-C50C-407E-A947-70E740481C1C}">
+                <a14:useLocalDpi xmlns:a14="http://schemas.microsoft.com/office/drawing/2010/main" val="0"/>
+              </a:ext>
+            </a:extLst>
+          </a:blip>
+          <a:srcRect/>
+          <a:stretch>
+            <a:fillRect/>
+          </a:stretch>
+        </p:blipFill>
+        <p:spPr bwMode="auto">
+          <a:xfrm>
+            <a:off x="4918474" y="1576550"/>
+            <a:ext cx="3464284" cy="4952013"/>
+          </a:xfrm>
+          <a:prstGeom prst="rect">
+            <a:avLst/>
+          </a:prstGeom>
+          <a:noFill/>
+          <a:extLst>
+            <a:ext uri="{909E8E84-426E-40DD-AFC4-6F175D3DCCD1}">
+              <a14:hiddenFill xmlns:a14="http://schemas.microsoft.com/office/drawing/2010/main">
+                <a:solidFill>
+                  <a:srgbClr val="FFFFFF"/>
+                </a:solidFill>
+              </a14:hiddenFill>
+            </a:ext>
+          </a:extLst>
+        </p:spPr>
+      </p:pic>
+      <p:cxnSp>
+        <p:nvCxnSpPr>
+          <p:cNvPr id="3" name="Straight Arrow Connector 2">
+            <a:extLst>
+              <a:ext uri="{FF2B5EF4-FFF2-40B4-BE49-F238E27FC236}">
+                <a16:creationId xmlns:a16="http://schemas.microsoft.com/office/drawing/2014/main" id="{8FF82CCC-14C6-4AD6-8FFE-1C66FF184B11}"/>
+              </a:ext>
+            </a:extLst>
+          </p:cNvPr>
+          <p:cNvCxnSpPr/>
+          <p:nvPr/>
+        </p:nvCxnSpPr>
+        <p:spPr>
+          <a:xfrm flipV="1">
+            <a:off x="8505496" y="2646497"/>
+            <a:ext cx="804041" cy="630621"/>
+          </a:xfrm>
+          <a:prstGeom prst="straightConnector1">
+            <a:avLst/>
+          </a:prstGeom>
+          <a:ln w="38100">
+            <a:tailEnd type="triangle"/>
+          </a:ln>
+        </p:spPr>
+        <p:style>
+          <a:lnRef idx="1">
+            <a:schemeClr val="accent1"/>
+          </a:lnRef>
+          <a:fillRef idx="0">
+            <a:schemeClr val="accent1"/>
+          </a:fillRef>
+          <a:effectRef idx="0">
+            <a:schemeClr val="accent1"/>
+          </a:effectRef>
+          <a:fontRef idx="minor">
+            <a:schemeClr val="tx1"/>
+          </a:fontRef>
+        </p:style>
+      </p:cxnSp>
+      <p:sp>
+        <p:nvSpPr>
+          <p:cNvPr id="4" name="TextBox 3">
+            <a:extLst>
+              <a:ext uri="{FF2B5EF4-FFF2-40B4-BE49-F238E27FC236}">
+                <a16:creationId xmlns:a16="http://schemas.microsoft.com/office/drawing/2014/main" id="{58CE0CB2-C8EF-4177-932A-72F38BC44C56}"/>
+              </a:ext>
+            </a:extLst>
+          </p:cNvPr>
           <p:cNvSpPr txBox="1"/>
           <p:nvPr/>
         </p:nvSpPr>
         <p:spPr>
           <a:xfrm>
-            <a:off x="324091" y="1687545"/>
-            <a:ext cx="7986531" cy="769441"/>
+            <a:off x="9309537" y="1726031"/>
+            <a:ext cx="2632842" cy="954107"/>
           </a:xfrm>
           <a:prstGeom prst="rect">
             <a:avLst/>
@@ -7818,13 +7856,10 @@
           <a:lstStyle/>
           <a:p>
             <a:r>
-              <a:rPr lang="en-US" sz="4400" b="1" dirty="0">
-                <a:solidFill>
-                  <a:srgbClr val="707070"/>
-                </a:solidFill>
-                <a:latin typeface="Pragmatica" panose="020B0403040502020204" pitchFamily="34" charset="0"/>
+              <a:rPr lang="en-US" sz="2800" dirty="0">
+                <a:latin typeface="Pragmatica" panose="020B7200000000000000" pitchFamily="34" charset="0"/>
               </a:rPr>
-              <a:t>Questions?</a:t>
+              <a:t>Time for a giveaway!</a:t>
             </a:r>
           </a:p>
         </p:txBody>
@@ -7832,7 +7867,7 @@
     </p:spTree>
     <p:extLst>
       <p:ext uri="{BB962C8B-B14F-4D97-AF65-F5344CB8AC3E}">
-        <p14:creationId xmlns:p14="http://schemas.microsoft.com/office/powerpoint/2010/main" val="4081097533"/>
+        <p14:creationId xmlns:p14="http://schemas.microsoft.com/office/powerpoint/2010/main" val="3784472516"/>
       </p:ext>
     </p:extLst>
   </p:cSld>

--- a/satrday-r-power-bi.pptx
+++ b/satrday-r-power-bi.pptx
@@ -1836,7 +1836,7 @@
           <a:p>
             <a:fld id="{503F064B-41F2-4661-BDF0-BFD135E9A557}" type="datetimeFigureOut">
               <a:rPr lang="en-US" smtClean="0"/>
-              <a:t>9/12/2021</a:t>
+              <a:t>9/17/2021</a:t>
             </a:fld>
             <a:endParaRPr lang="en-US"/>
           </a:p>
@@ -2880,7 +2880,7 @@
           <a:p>
             <a:fld id="{0138B082-EFC2-46C1-B47C-51736C670379}" type="datetimeFigureOut">
               <a:rPr lang="en-US" smtClean="0"/>
-              <a:t>9/12/2021</a:t>
+              <a:t>9/17/2021</a:t>
             </a:fld>
             <a:endParaRPr lang="en-US"/>
           </a:p>
@@ -3048,7 +3048,7 @@
           <a:p>
             <a:fld id="{0138B082-EFC2-46C1-B47C-51736C670379}" type="datetimeFigureOut">
               <a:rPr lang="en-US" smtClean="0"/>
-              <a:t>9/12/2021</a:t>
+              <a:t>9/17/2021</a:t>
             </a:fld>
             <a:endParaRPr lang="en-US"/>
           </a:p>
@@ -3226,7 +3226,7 @@
           <a:p>
             <a:fld id="{0138B082-EFC2-46C1-B47C-51736C670379}" type="datetimeFigureOut">
               <a:rPr lang="en-US" smtClean="0"/>
-              <a:t>9/12/2021</a:t>
+              <a:t>9/17/2021</a:t>
             </a:fld>
             <a:endParaRPr lang="en-US"/>
           </a:p>
@@ -3394,7 +3394,7 @@
           <a:p>
             <a:fld id="{0138B082-EFC2-46C1-B47C-51736C670379}" type="datetimeFigureOut">
               <a:rPr lang="en-US" smtClean="0"/>
-              <a:t>9/12/2021</a:t>
+              <a:t>9/17/2021</a:t>
             </a:fld>
             <a:endParaRPr lang="en-US"/>
           </a:p>
@@ -3639,7 +3639,7 @@
           <a:p>
             <a:fld id="{0138B082-EFC2-46C1-B47C-51736C670379}" type="datetimeFigureOut">
               <a:rPr lang="en-US" smtClean="0"/>
-              <a:t>9/12/2021</a:t>
+              <a:t>9/17/2021</a:t>
             </a:fld>
             <a:endParaRPr lang="en-US"/>
           </a:p>
@@ -3868,7 +3868,7 @@
           <a:p>
             <a:fld id="{0138B082-EFC2-46C1-B47C-51736C670379}" type="datetimeFigureOut">
               <a:rPr lang="en-US" smtClean="0"/>
-              <a:t>9/12/2021</a:t>
+              <a:t>9/17/2021</a:t>
             </a:fld>
             <a:endParaRPr lang="en-US"/>
           </a:p>
@@ -4232,7 +4232,7 @@
           <a:p>
             <a:fld id="{0138B082-EFC2-46C1-B47C-51736C670379}" type="datetimeFigureOut">
               <a:rPr lang="en-US" smtClean="0"/>
-              <a:t>9/12/2021</a:t>
+              <a:t>9/17/2021</a:t>
             </a:fld>
             <a:endParaRPr lang="en-US"/>
           </a:p>
@@ -4349,7 +4349,7 @@
           <a:p>
             <a:fld id="{0138B082-EFC2-46C1-B47C-51736C670379}" type="datetimeFigureOut">
               <a:rPr lang="en-US" smtClean="0"/>
-              <a:t>9/12/2021</a:t>
+              <a:t>9/17/2021</a:t>
             </a:fld>
             <a:endParaRPr lang="en-US"/>
           </a:p>
@@ -4444,7 +4444,7 @@
           <a:p>
             <a:fld id="{0138B082-EFC2-46C1-B47C-51736C670379}" type="datetimeFigureOut">
               <a:rPr lang="en-US" smtClean="0"/>
-              <a:t>9/12/2021</a:t>
+              <a:t>9/17/2021</a:t>
             </a:fld>
             <a:endParaRPr lang="en-US"/>
           </a:p>
@@ -4719,7 +4719,7 @@
           <a:p>
             <a:fld id="{0138B082-EFC2-46C1-B47C-51736C670379}" type="datetimeFigureOut">
               <a:rPr lang="en-US" smtClean="0"/>
-              <a:t>9/12/2021</a:t>
+              <a:t>9/17/2021</a:t>
             </a:fld>
             <a:endParaRPr lang="en-US"/>
           </a:p>
@@ -4971,7 +4971,7 @@
           <a:p>
             <a:fld id="{0138B082-EFC2-46C1-B47C-51736C670379}" type="datetimeFigureOut">
               <a:rPr lang="en-US" smtClean="0"/>
-              <a:t>9/12/2021</a:t>
+              <a:t>9/17/2021</a:t>
             </a:fld>
             <a:endParaRPr lang="en-US"/>
           </a:p>
@@ -5182,7 +5182,7 @@
           <a:p>
             <a:fld id="{0138B082-EFC2-46C1-B47C-51736C670379}" type="datetimeFigureOut">
               <a:rPr lang="en-US" smtClean="0"/>
-              <a:t>9/12/2021</a:t>
+              <a:t>9/17/2021</a:t>
             </a:fld>
             <a:endParaRPr lang="en-US"/>
           </a:p>
@@ -6892,7 +6892,7 @@
         <p:spPr>
           <a:xfrm>
             <a:off x="462987" y="1365813"/>
-            <a:ext cx="5511093" cy="1384995"/>
+            <a:ext cx="5511093" cy="4401205"/>
           </a:xfrm>
           <a:prstGeom prst="rect">
             <a:avLst/>
@@ -6918,6 +6918,79 @@
               </a:rPr>
               <a:t>Freemium, Windows only</a:t>
             </a:r>
+          </a:p>
+          <a:p>
+            <a:pPr marL="742950" lvl="1" indent="-285750">
+              <a:buFont typeface="Arial" panose="020B0604020202020204" pitchFamily="34" charset="0"/>
+              <a:buChar char="•"/>
+            </a:pPr>
+            <a:r>
+              <a:rPr lang="en-US" sz="2800" dirty="0">
+                <a:solidFill>
+                  <a:srgbClr val="707070"/>
+                </a:solidFill>
+                <a:latin typeface="Pragmatica" panose="020B0403040502020204" pitchFamily="34" charset="0"/>
+              </a:rPr>
+              <a:t>Free account can run R scripts</a:t>
+            </a:r>
+          </a:p>
+          <a:p>
+            <a:pPr marL="742950" lvl="1" indent="-285750">
+              <a:buFont typeface="Arial" panose="020B0604020202020204" pitchFamily="34" charset="0"/>
+              <a:buChar char="•"/>
+            </a:pPr>
+            <a:r>
+              <a:rPr lang="en-US" sz="2800" dirty="0">
+                <a:solidFill>
+                  <a:srgbClr val="707070"/>
+                </a:solidFill>
+                <a:latin typeface="Pragmatica" panose="020B0403040502020204" pitchFamily="34" charset="0"/>
+              </a:rPr>
+              <a:t>Paid, </a:t>
+            </a:r>
+            <a:r>
+              <a:rPr lang="en-US" sz="2800" dirty="0">
+                <a:solidFill>
+                  <a:srgbClr val="707070"/>
+                </a:solidFill>
+                <a:latin typeface="Pragmatica" panose="020B0403040502020204" pitchFamily="34" charset="0"/>
+                <a:hlinkClick r:id="rId4"/>
+              </a:rPr>
+              <a:t>Pro account</a:t>
+            </a:r>
+            <a:r>
+              <a:rPr lang="en-US" sz="2800" dirty="0">
+                <a:solidFill>
+                  <a:srgbClr val="707070"/>
+                </a:solidFill>
+                <a:latin typeface="Pragmatica" panose="020B0403040502020204" pitchFamily="34" charset="0"/>
+              </a:rPr>
+              <a:t> is needed to publish R visuals</a:t>
+            </a:r>
+          </a:p>
+          <a:p>
+            <a:pPr marL="742950" lvl="1" indent="-285750">
+              <a:buFont typeface="Arial" panose="020B0604020202020204" pitchFamily="34" charset="0"/>
+              <a:buChar char="•"/>
+            </a:pPr>
+            <a:endParaRPr lang="en-US" sz="2800" dirty="0">
+              <a:solidFill>
+                <a:srgbClr val="707070"/>
+              </a:solidFill>
+              <a:latin typeface="Pragmatica" panose="020B0403040502020204" pitchFamily="34" charset="0"/>
+            </a:endParaRPr>
+          </a:p>
+          <a:p>
+            <a:pPr marL="285750" indent="-285750">
+              <a:buFont typeface="Arial" panose="020B0604020202020204" pitchFamily="34" charset="0"/>
+              <a:buChar char="•"/>
+            </a:pPr>
+            <a:endParaRPr lang="en-US" sz="2800" dirty="0">
+              <a:solidFill>
+                <a:srgbClr val="707070"/>
+              </a:solidFill>
+              <a:latin typeface="Pragmatica" panose="020B0403040502020204" pitchFamily="34" charset="0"/>
+            </a:endParaRPr>
           </a:p>
           <a:p>
             <a:pPr marL="285750" indent="-285750">
@@ -6951,7 +7024,7 @@
           <p:nvPr/>
         </p:nvPicPr>
         <p:blipFill>
-          <a:blip r:embed="rId4"/>
+          <a:blip r:embed="rId5"/>
           <a:stretch>
             <a:fillRect/>
           </a:stretch>

--- a/satrday-r-power-bi.pptx
+++ b/satrday-r-power-bi.pptx
@@ -5,7 +5,7 @@
     <p:sldMasterId id="2147483648" r:id="rId1"/>
   </p:sldMasterIdLst>
   <p:notesMasterIdLst>
-    <p:notesMasterId r:id="rId12"/>
+    <p:notesMasterId r:id="rId13"/>
   </p:notesMasterIdLst>
   <p:sldIdLst>
     <p:sldId id="256" r:id="rId2"/>
@@ -15,9 +15,10 @@
     <p:sldId id="447" r:id="rId6"/>
     <p:sldId id="445" r:id="rId7"/>
     <p:sldId id="426" r:id="rId8"/>
-    <p:sldId id="449" r:id="rId9"/>
-    <p:sldId id="450" r:id="rId10"/>
-    <p:sldId id="432" r:id="rId11"/>
+    <p:sldId id="451" r:id="rId9"/>
+    <p:sldId id="449" r:id="rId10"/>
+    <p:sldId id="450" r:id="rId11"/>
+    <p:sldId id="432" r:id="rId12"/>
   </p:sldIdLst>
   <p:sldSz cx="12192000" cy="6858000"/>
   <p:notesSz cx="6858000" cy="9144000"/>
@@ -2537,13 +2538,8 @@
           <a:p>
             <a:r>
               <a:rPr lang="en-US" dirty="0"/>
-              <a:t>OK let’s walk through a demo of a dataset I mostly made up. We want to put together some sort of dashboard to evaluate the performance of candidates who did and did not participate in a mentoring program. This </a:t>
-            </a:r>
-            <a:r>
-              <a:rPr lang="en-US"/>
-              <a:t>will involve a few things: </a:t>
-            </a:r>
-            <a:endParaRPr lang="en-US" dirty="0"/>
+              <a:t>OK let’s walk through a demo of a dataset I mostly made up. We want to put together some sort of dashboard to evaluate the performance of candidates who did and did not participate in a mentoring program. This will involve a few things: </a:t>
+            </a:r>
           </a:p>
         </p:txBody>
       </p:sp>
@@ -2646,7 +2642,7 @@
           <a:bodyPr/>
           <a:lstStyle/>
           <a:p>
-            <a:fld id="{3BB66621-ADCC-4EF8-8003-B9D3E881DCD2}" type="slidenum">
+            <a:fld id="{F9DB3DAC-CD90-4DD2-80B1-E135CFB4F8DD}" type="slidenum">
               <a:rPr lang="en-US" smtClean="0"/>
               <a:t>8</a:t>
             </a:fld>
@@ -2657,7 +2653,7 @@
     </p:spTree>
     <p:extLst>
       <p:ext uri="{BB962C8B-B14F-4D97-AF65-F5344CB8AC3E}">
-        <p14:creationId xmlns:p14="http://schemas.microsoft.com/office/powerpoint/2010/main" val="3514684474"/>
+        <p14:creationId xmlns:p14="http://schemas.microsoft.com/office/powerpoint/2010/main" val="1101971627"/>
       </p:ext>
     </p:extLst>
   </p:cSld>
@@ -2733,6 +2729,90 @@
             <a:fld id="{3BB66621-ADCC-4EF8-8003-B9D3E881DCD2}" type="slidenum">
               <a:rPr lang="en-US" smtClean="0"/>
               <a:t>9</a:t>
+            </a:fld>
+            <a:endParaRPr lang="en-US"/>
+          </a:p>
+        </p:txBody>
+      </p:sp>
+    </p:spTree>
+    <p:extLst>
+      <p:ext uri="{BB962C8B-B14F-4D97-AF65-F5344CB8AC3E}">
+        <p14:creationId xmlns:p14="http://schemas.microsoft.com/office/powerpoint/2010/main" val="3514684474"/>
+      </p:ext>
+    </p:extLst>
+  </p:cSld>
+  <p:clrMapOvr>
+    <a:masterClrMapping/>
+  </p:clrMapOvr>
+</p:notes>
+</file>
+
+<file path=ppt/notesSlides/notesSlide8.xml><?xml version="1.0" encoding="utf-8"?>
+<p:notes xmlns:a="http://schemas.openxmlformats.org/drawingml/2006/main" xmlns:r="http://schemas.openxmlformats.org/officeDocument/2006/relationships" xmlns:p="http://schemas.openxmlformats.org/presentationml/2006/main">
+  <p:cSld>
+    <p:spTree>
+      <p:nvGrpSpPr>
+        <p:cNvPr id="1" name=""/>
+        <p:cNvGrpSpPr/>
+        <p:nvPr/>
+      </p:nvGrpSpPr>
+      <p:grpSpPr>
+        <a:xfrm>
+          <a:off x="0" y="0"/>
+          <a:ext cx="0" cy="0"/>
+          <a:chOff x="0" y="0"/>
+          <a:chExt cx="0" cy="0"/>
+        </a:xfrm>
+      </p:grpSpPr>
+      <p:sp>
+        <p:nvSpPr>
+          <p:cNvPr id="2" name="Slide Image Placeholder 1"/>
+          <p:cNvSpPr>
+            <a:spLocks noGrp="1" noRot="1" noChangeAspect="1"/>
+          </p:cNvSpPr>
+          <p:nvPr>
+            <p:ph type="sldImg"/>
+          </p:nvPr>
+        </p:nvSpPr>
+        <p:spPr/>
+      </p:sp>
+      <p:sp>
+        <p:nvSpPr>
+          <p:cNvPr id="3" name="Notes Placeholder 2"/>
+          <p:cNvSpPr>
+            <a:spLocks noGrp="1"/>
+          </p:cNvSpPr>
+          <p:nvPr>
+            <p:ph type="body" idx="1"/>
+          </p:nvPr>
+        </p:nvSpPr>
+        <p:spPr/>
+        <p:txBody>
+          <a:bodyPr/>
+          <a:lstStyle/>
+          <a:p>
+            <a:endParaRPr lang="en-US" dirty="0"/>
+          </a:p>
+        </p:txBody>
+      </p:sp>
+      <p:sp>
+        <p:nvSpPr>
+          <p:cNvPr id="4" name="Slide Number Placeholder 3"/>
+          <p:cNvSpPr>
+            <a:spLocks noGrp="1"/>
+          </p:cNvSpPr>
+          <p:nvPr>
+            <p:ph type="sldNum" sz="quarter" idx="5"/>
+          </p:nvPr>
+        </p:nvSpPr>
+        <p:spPr/>
+        <p:txBody>
+          <a:bodyPr/>
+          <a:lstStyle/>
+          <a:p>
+            <a:fld id="{3BB66621-ADCC-4EF8-8003-B9D3E881DCD2}" type="slidenum">
+              <a:rPr lang="en-US" smtClean="0"/>
+              <a:t>10</a:t>
             </a:fld>
             <a:endParaRPr lang="en-US"/>
           </a:p>
@@ -5734,1988 +5814,6 @@
           <p:nvPr/>
         </p:nvPicPr>
         <p:blipFill rotWithShape="1">
-          <a:blip r:embed="rId2">
-            <a:extLst>
-              <a:ext uri="{28A0092B-C50C-407E-A947-70E740481C1C}">
-                <a14:useLocalDpi xmlns:a14="http://schemas.microsoft.com/office/drawing/2010/main" val="0"/>
-              </a:ext>
-            </a:extLst>
-          </a:blip>
-          <a:srcRect l="50728" t="56371"/>
-          <a:stretch/>
-        </p:blipFill>
-        <p:spPr>
-          <a:xfrm>
-            <a:off x="8136460" y="2210765"/>
-            <a:ext cx="4055539" cy="4647236"/>
-          </a:xfrm>
-          <a:prstGeom prst="rect">
-            <a:avLst/>
-          </a:prstGeom>
-        </p:spPr>
-      </p:pic>
-      <p:pic>
-        <p:nvPicPr>
-          <p:cNvPr id="4" name="Picture 3"/>
-          <p:cNvPicPr>
-            <a:picLocks noChangeAspect="1"/>
-          </p:cNvPicPr>
-          <p:nvPr/>
-        </p:nvPicPr>
-        <p:blipFill>
-          <a:blip r:embed="rId3">
-            <a:extLst>
-              <a:ext uri="{28A0092B-C50C-407E-A947-70E740481C1C}">
-                <a14:useLocalDpi xmlns:a14="http://schemas.microsoft.com/office/drawing/2010/main" val="0"/>
-              </a:ext>
-            </a:extLst>
-          </a:blip>
-          <a:stretch>
-            <a:fillRect/>
-          </a:stretch>
-        </p:blipFill>
-        <p:spPr>
-          <a:xfrm>
-            <a:off x="-538496" y="-2482770"/>
-            <a:ext cx="10171472" cy="7459883"/>
-          </a:xfrm>
-          <a:prstGeom prst="rect">
-            <a:avLst/>
-          </a:prstGeom>
-        </p:spPr>
-      </p:pic>
-      <p:sp>
-        <p:nvSpPr>
-          <p:cNvPr id="11" name="TextBox 10"/>
-          <p:cNvSpPr txBox="1"/>
-          <p:nvPr/>
-        </p:nvSpPr>
-        <p:spPr>
-          <a:xfrm>
-            <a:off x="324091" y="1687545"/>
-            <a:ext cx="7986531" cy="2369880"/>
-          </a:xfrm>
-          <a:prstGeom prst="rect">
-            <a:avLst/>
-          </a:prstGeom>
-          <a:noFill/>
-        </p:spPr>
-        <p:txBody>
-          <a:bodyPr wrap="square" rtlCol="0">
-            <a:spAutoFit/>
-          </a:bodyPr>
-          <a:lstStyle/>
-          <a:p>
-            <a:r>
-              <a:rPr lang="en-US" sz="3600" b="1" dirty="0">
-                <a:solidFill>
-                  <a:srgbClr val="707070"/>
-                </a:solidFill>
-                <a:latin typeface="Pragmatica" panose="020B0403040502020204" pitchFamily="34" charset="0"/>
-              </a:rPr>
-              <a:t>THANK YOU</a:t>
-            </a:r>
-          </a:p>
-          <a:p>
-            <a:endParaRPr lang="en-US" sz="2800" b="1" dirty="0">
-              <a:solidFill>
-                <a:srgbClr val="707070"/>
-              </a:solidFill>
-              <a:latin typeface="Pragmatica" panose="020B0403040502020204" pitchFamily="34" charset="0"/>
-            </a:endParaRPr>
-          </a:p>
-          <a:p>
-            <a:r>
-              <a:rPr lang="en-US" sz="2800" b="1" dirty="0">
-                <a:solidFill>
-                  <a:srgbClr val="707070"/>
-                </a:solidFill>
-                <a:latin typeface="Pragmatica" panose="020B0403040502020204" pitchFamily="34" charset="0"/>
-                <a:hlinkClick r:id="rId4"/>
-              </a:rPr>
-              <a:t>george@stringfestanalytics.com</a:t>
-            </a:r>
-            <a:endParaRPr lang="en-US" sz="2800" b="1" dirty="0">
-              <a:solidFill>
-                <a:srgbClr val="707070"/>
-              </a:solidFill>
-              <a:latin typeface="Pragmatica" panose="020B0403040502020204" pitchFamily="34" charset="0"/>
-            </a:endParaRPr>
-          </a:p>
-          <a:p>
-            <a:r>
-              <a:rPr lang="en-US" sz="2800" b="1" dirty="0">
-                <a:solidFill>
-                  <a:srgbClr val="707070"/>
-                </a:solidFill>
-                <a:latin typeface="Pragmatica" panose="020B0403040502020204" pitchFamily="34" charset="0"/>
-                <a:hlinkClick r:id="rId5"/>
-              </a:rPr>
-              <a:t>linkedin.com/in/gjmount</a:t>
-            </a:r>
-            <a:endParaRPr lang="en-US" sz="2800" b="1" dirty="0">
-              <a:solidFill>
-                <a:srgbClr val="707070"/>
-              </a:solidFill>
-              <a:latin typeface="Pragmatica" panose="020B0403040502020204" pitchFamily="34" charset="0"/>
-            </a:endParaRPr>
-          </a:p>
-          <a:p>
-            <a:r>
-              <a:rPr lang="en-US" sz="2800" b="1" dirty="0">
-                <a:solidFill>
-                  <a:srgbClr val="707070"/>
-                </a:solidFill>
-                <a:latin typeface="Pragmatica" panose="020B0403040502020204" pitchFamily="34" charset="0"/>
-                <a:hlinkClick r:id="rId6"/>
-              </a:rPr>
-              <a:t>stringfestanalytics.com/contact  </a:t>
-            </a:r>
-            <a:endParaRPr lang="en-US" sz="2800" b="1" dirty="0">
-              <a:solidFill>
-                <a:srgbClr val="707070"/>
-              </a:solidFill>
-              <a:latin typeface="Pragmatica" panose="020B0403040502020204" pitchFamily="34" charset="0"/>
-            </a:endParaRPr>
-          </a:p>
-        </p:txBody>
-      </p:sp>
-    </p:spTree>
-    <p:extLst>
-      <p:ext uri="{BB962C8B-B14F-4D97-AF65-F5344CB8AC3E}">
-        <p14:creationId xmlns:p14="http://schemas.microsoft.com/office/powerpoint/2010/main" val="3712320391"/>
-      </p:ext>
-    </p:extLst>
-  </p:cSld>
-  <p:clrMapOvr>
-    <a:masterClrMapping/>
-  </p:clrMapOvr>
-</p:sld>
-</file>
-
-<file path=ppt/slides/slide2.xml><?xml version="1.0" encoding="utf-8"?>
-<p:sld xmlns:a="http://schemas.openxmlformats.org/drawingml/2006/main" xmlns:r="http://schemas.openxmlformats.org/officeDocument/2006/relationships" xmlns:p="http://schemas.openxmlformats.org/presentationml/2006/main">
-  <p:cSld>
-    <p:spTree>
-      <p:nvGrpSpPr>
-        <p:cNvPr id="1" name=""/>
-        <p:cNvGrpSpPr/>
-        <p:nvPr/>
-      </p:nvGrpSpPr>
-      <p:grpSpPr>
-        <a:xfrm>
-          <a:off x="0" y="0"/>
-          <a:ext cx="0" cy="0"/>
-          <a:chOff x="0" y="0"/>
-          <a:chExt cx="0" cy="0"/>
-        </a:xfrm>
-      </p:grpSpPr>
-      <p:pic>
-        <p:nvPicPr>
-          <p:cNvPr id="10" name="Picture 9"/>
-          <p:cNvPicPr>
-            <a:picLocks noChangeAspect="1"/>
-          </p:cNvPicPr>
-          <p:nvPr/>
-        </p:nvPicPr>
-        <p:blipFill rotWithShape="1">
-          <a:blip r:embed="rId3">
-            <a:extLst>
-              <a:ext uri="{28A0092B-C50C-407E-A947-70E740481C1C}">
-                <a14:useLocalDpi xmlns:a14="http://schemas.microsoft.com/office/drawing/2010/main" val="0"/>
-              </a:ext>
-            </a:extLst>
-          </a:blip>
-          <a:srcRect l="50728" t="56371"/>
-          <a:stretch/>
-        </p:blipFill>
-        <p:spPr>
-          <a:xfrm>
-            <a:off x="10894024" y="5370653"/>
-            <a:ext cx="1297975" cy="1487348"/>
-          </a:xfrm>
-          <a:prstGeom prst="rect">
-            <a:avLst/>
-          </a:prstGeom>
-        </p:spPr>
-      </p:pic>
-      <p:sp>
-        <p:nvSpPr>
-          <p:cNvPr id="11" name="TextBox 10"/>
-          <p:cNvSpPr txBox="1"/>
-          <p:nvPr/>
-        </p:nvSpPr>
-        <p:spPr>
-          <a:xfrm>
-            <a:off x="347240" y="113388"/>
-            <a:ext cx="9799937" cy="1015663"/>
-          </a:xfrm>
-          <a:prstGeom prst="rect">
-            <a:avLst/>
-          </a:prstGeom>
-          <a:noFill/>
-        </p:spPr>
-        <p:txBody>
-          <a:bodyPr wrap="square" rtlCol="0">
-            <a:spAutoFit/>
-          </a:bodyPr>
-          <a:lstStyle/>
-          <a:p>
-            <a:r>
-              <a:rPr lang="en-US" sz="6000" dirty="0">
-                <a:latin typeface="Aliens &amp; cows" panose="00000500000000000000" pitchFamily="2" charset="0"/>
-              </a:rPr>
-              <a:t>Learning objectives</a:t>
-            </a:r>
-          </a:p>
-        </p:txBody>
-      </p:sp>
-      <p:sp>
-        <p:nvSpPr>
-          <p:cNvPr id="3" name="TextBox 2"/>
-          <p:cNvSpPr txBox="1"/>
-          <p:nvPr/>
-        </p:nvSpPr>
-        <p:spPr>
-          <a:xfrm>
-            <a:off x="462987" y="1365813"/>
-            <a:ext cx="10263233" cy="6124754"/>
-          </a:xfrm>
-          <a:prstGeom prst="rect">
-            <a:avLst/>
-          </a:prstGeom>
-          <a:noFill/>
-        </p:spPr>
-        <p:txBody>
-          <a:bodyPr wrap="square" rtlCol="0">
-            <a:spAutoFit/>
-          </a:bodyPr>
-          <a:lstStyle/>
-          <a:p>
-            <a:pPr marL="285750" indent="-285750">
-              <a:buFont typeface="Arial" panose="020B0604020202020204" pitchFamily="34" charset="0"/>
-              <a:buChar char="•"/>
-            </a:pPr>
-            <a:r>
-              <a:rPr lang="en-US" sz="2800" dirty="0">
-                <a:solidFill>
-                  <a:srgbClr val="707070"/>
-                </a:solidFill>
-                <a:latin typeface="Pragmatica" panose="020B0403040502020204" pitchFamily="34" charset="0"/>
-              </a:rPr>
-              <a:t>R in Power BI: when and why? </a:t>
-            </a:r>
-          </a:p>
-          <a:p>
-            <a:pPr marL="285750" indent="-285750">
-              <a:buFont typeface="Arial" panose="020B0604020202020204" pitchFamily="34" charset="0"/>
-              <a:buChar char="•"/>
-            </a:pPr>
-            <a:r>
-              <a:rPr lang="en-US" sz="2800" dirty="0">
-                <a:solidFill>
-                  <a:srgbClr val="707070"/>
-                </a:solidFill>
-                <a:latin typeface="Pragmatica" panose="020B0403040502020204" pitchFamily="34" charset="0"/>
-              </a:rPr>
-              <a:t>Setup</a:t>
-            </a:r>
-          </a:p>
-          <a:p>
-            <a:pPr marL="285750" indent="-285750">
-              <a:buFont typeface="Arial" panose="020B0604020202020204" pitchFamily="34" charset="0"/>
-              <a:buChar char="•"/>
-            </a:pPr>
-            <a:r>
-              <a:rPr lang="en-US" sz="2800" dirty="0">
-                <a:solidFill>
-                  <a:srgbClr val="707070"/>
-                </a:solidFill>
-                <a:latin typeface="Pragmatica" panose="020B0403040502020204" pitchFamily="34" charset="0"/>
-              </a:rPr>
-              <a:t>Use cases</a:t>
-            </a:r>
-          </a:p>
-          <a:p>
-            <a:pPr marL="285750" indent="-285750">
-              <a:buFont typeface="Arial" panose="020B0604020202020204" pitchFamily="34" charset="0"/>
-              <a:buChar char="•"/>
-            </a:pPr>
-            <a:r>
-              <a:rPr lang="en-US" sz="2800" dirty="0">
-                <a:solidFill>
-                  <a:srgbClr val="707070"/>
-                </a:solidFill>
-                <a:latin typeface="Pragmatica" panose="020B0403040502020204" pitchFamily="34" charset="0"/>
-              </a:rPr>
-              <a:t>Giveaway…</a:t>
-            </a:r>
-          </a:p>
-          <a:p>
-            <a:pPr marL="285750" indent="-285750">
-              <a:buFont typeface="Arial" panose="020B0604020202020204" pitchFamily="34" charset="0"/>
-              <a:buChar char="•"/>
-            </a:pPr>
-            <a:endParaRPr lang="en-US" sz="2800" dirty="0">
-              <a:solidFill>
-                <a:srgbClr val="707070"/>
-              </a:solidFill>
-              <a:latin typeface="Pragmatica" panose="020B0403040502020204" pitchFamily="34" charset="0"/>
-            </a:endParaRPr>
-          </a:p>
-          <a:p>
-            <a:pPr marL="285750" indent="-285750">
-              <a:buFont typeface="Arial" panose="020B0604020202020204" pitchFamily="34" charset="0"/>
-              <a:buChar char="•"/>
-            </a:pPr>
-            <a:r>
-              <a:rPr lang="en-US" sz="2800" dirty="0">
-                <a:solidFill>
-                  <a:srgbClr val="707070"/>
-                </a:solidFill>
-                <a:latin typeface="Pragmatica" panose="020B0403040502020204" pitchFamily="34" charset="0"/>
-              </a:rPr>
-              <a:t>Follow along: </a:t>
-            </a:r>
-            <a:r>
-              <a:rPr lang="en-US" sz="2800" dirty="0">
-                <a:solidFill>
-                  <a:srgbClr val="707070"/>
-                </a:solidFill>
-                <a:latin typeface="Pragmatica" panose="020B0403040502020204" pitchFamily="34" charset="0"/>
-                <a:hlinkClick r:id="rId4"/>
-              </a:rPr>
-              <a:t>https://github.com/stringfestdata/satrday-r-power-bi</a:t>
-            </a:r>
-            <a:endParaRPr lang="en-US" sz="2800" dirty="0">
-              <a:solidFill>
-                <a:srgbClr val="707070"/>
-              </a:solidFill>
-              <a:latin typeface="Pragmatica" panose="020B0403040502020204" pitchFamily="34" charset="0"/>
-            </a:endParaRPr>
-          </a:p>
-          <a:p>
-            <a:pPr marL="742950" lvl="1" indent="-285750">
-              <a:buFont typeface="Arial" panose="020B0604020202020204" pitchFamily="34" charset="0"/>
-              <a:buChar char="•"/>
-            </a:pPr>
-            <a:r>
-              <a:rPr lang="en-US" sz="2800" dirty="0">
-                <a:solidFill>
-                  <a:srgbClr val="707070"/>
-                </a:solidFill>
-                <a:latin typeface="Consolas" panose="020B0609020204030204" pitchFamily="49" charset="0"/>
-              </a:rPr>
-              <a:t>r-</a:t>
-            </a:r>
-            <a:r>
-              <a:rPr lang="en-US" sz="2800" dirty="0" err="1">
-                <a:solidFill>
-                  <a:srgbClr val="707070"/>
-                </a:solidFill>
-                <a:latin typeface="Consolas" panose="020B0609020204030204" pitchFamily="49" charset="0"/>
-              </a:rPr>
-              <a:t>pbi</a:t>
-            </a:r>
-            <a:r>
-              <a:rPr lang="en-US" sz="2800" dirty="0">
-                <a:solidFill>
-                  <a:srgbClr val="707070"/>
-                </a:solidFill>
-                <a:latin typeface="Consolas" panose="020B0609020204030204" pitchFamily="49" charset="0"/>
-              </a:rPr>
-              <a:t>-</a:t>
-            </a:r>
-            <a:r>
-              <a:rPr lang="en-US" sz="2800" dirty="0" err="1">
-                <a:solidFill>
-                  <a:srgbClr val="707070"/>
-                </a:solidFill>
-                <a:latin typeface="Consolas" panose="020B0609020204030204" pitchFamily="49" charset="0"/>
-              </a:rPr>
-              <a:t>scripts.r</a:t>
-            </a:r>
-            <a:r>
-              <a:rPr lang="en-US" sz="2800" dirty="0">
-                <a:solidFill>
-                  <a:srgbClr val="707070"/>
-                </a:solidFill>
-                <a:latin typeface="Pragmatica" panose="020B7200000000000000" pitchFamily="34" charset="0"/>
-              </a:rPr>
-              <a:t>: scripts used</a:t>
-            </a:r>
-          </a:p>
-          <a:p>
-            <a:pPr marL="742950" lvl="1" indent="-285750">
-              <a:buFont typeface="Arial" panose="020B0604020202020204" pitchFamily="34" charset="0"/>
-              <a:buChar char="•"/>
-            </a:pPr>
-            <a:r>
-              <a:rPr lang="en-US" sz="2800" dirty="0">
-                <a:solidFill>
-                  <a:srgbClr val="707070"/>
-                </a:solidFill>
-                <a:latin typeface="Consolas" panose="020B0609020204030204" pitchFamily="49" charset="0"/>
-              </a:rPr>
-              <a:t>r-</a:t>
-            </a:r>
-            <a:r>
-              <a:rPr lang="en-US" sz="2800" dirty="0" err="1">
-                <a:solidFill>
-                  <a:srgbClr val="707070"/>
-                </a:solidFill>
-                <a:latin typeface="Consolas" panose="020B0609020204030204" pitchFamily="49" charset="0"/>
-              </a:rPr>
-              <a:t>pbi.pbix</a:t>
-            </a:r>
-            <a:r>
-              <a:rPr lang="en-US" sz="2800" dirty="0">
-                <a:solidFill>
-                  <a:srgbClr val="707070"/>
-                </a:solidFill>
-                <a:latin typeface="Consolas" panose="020B0609020204030204" pitchFamily="49" charset="0"/>
-              </a:rPr>
-              <a:t>:</a:t>
-            </a:r>
-            <a:r>
-              <a:rPr lang="en-US" sz="2800" dirty="0">
-                <a:solidFill>
-                  <a:srgbClr val="707070"/>
-                </a:solidFill>
-                <a:latin typeface="Pragmatica" panose="020B7200000000000000" pitchFamily="34" charset="0"/>
-              </a:rPr>
-              <a:t> completed PBI file</a:t>
-            </a:r>
-          </a:p>
-          <a:p>
-            <a:pPr marL="742950" lvl="1" indent="-285750">
-              <a:buFont typeface="Arial" panose="020B0604020202020204" pitchFamily="34" charset="0"/>
-              <a:buChar char="•"/>
-            </a:pPr>
-            <a:endParaRPr lang="en-US" sz="2800" dirty="0">
-              <a:solidFill>
-                <a:srgbClr val="707070"/>
-              </a:solidFill>
-              <a:latin typeface="Pragmatica" panose="020B7200000000000000" pitchFamily="34" charset="0"/>
-            </a:endParaRPr>
-          </a:p>
-          <a:p>
-            <a:pPr marL="742950" lvl="1" indent="-285750">
-              <a:buFont typeface="Arial" panose="020B0604020202020204" pitchFamily="34" charset="0"/>
-              <a:buChar char="•"/>
-            </a:pPr>
-            <a:endParaRPr lang="en-US" sz="2800" dirty="0">
-              <a:solidFill>
-                <a:srgbClr val="707070"/>
-              </a:solidFill>
-              <a:latin typeface="Pragmatica" panose="020B7200000000000000" pitchFamily="34" charset="0"/>
-            </a:endParaRPr>
-          </a:p>
-          <a:p>
-            <a:pPr marL="742950" lvl="1" indent="-285750">
-              <a:buFont typeface="Arial" panose="020B0604020202020204" pitchFamily="34" charset="0"/>
-              <a:buChar char="•"/>
-            </a:pPr>
-            <a:endParaRPr lang="en-US" sz="2800" dirty="0">
-              <a:solidFill>
-                <a:srgbClr val="707070"/>
-              </a:solidFill>
-              <a:latin typeface="Pragmatica" panose="020B7200000000000000" pitchFamily="34" charset="0"/>
-            </a:endParaRPr>
-          </a:p>
-          <a:p>
-            <a:pPr marL="285750" indent="-285750">
-              <a:buFont typeface="Arial" panose="020B0604020202020204" pitchFamily="34" charset="0"/>
-              <a:buChar char="•"/>
-            </a:pPr>
-            <a:endParaRPr lang="en-US" sz="2800" dirty="0">
-              <a:solidFill>
-                <a:srgbClr val="707070"/>
-              </a:solidFill>
-              <a:latin typeface="Pragmatica" panose="020B0403040502020204" pitchFamily="34" charset="0"/>
-            </a:endParaRPr>
-          </a:p>
-          <a:p>
-            <a:endParaRPr lang="en-US" sz="2800" dirty="0">
-              <a:solidFill>
-                <a:srgbClr val="707070"/>
-              </a:solidFill>
-              <a:latin typeface="Pragmatica" panose="020B0403040502020204" pitchFamily="34" charset="0"/>
-            </a:endParaRPr>
-          </a:p>
-        </p:txBody>
-      </p:sp>
-    </p:spTree>
-    <p:extLst>
-      <p:ext uri="{BB962C8B-B14F-4D97-AF65-F5344CB8AC3E}">
-        <p14:creationId xmlns:p14="http://schemas.microsoft.com/office/powerpoint/2010/main" val="2948647643"/>
-      </p:ext>
-    </p:extLst>
-  </p:cSld>
-  <p:clrMapOvr>
-    <a:masterClrMapping/>
-  </p:clrMapOvr>
-</p:sld>
-</file>
-
-<file path=ppt/slides/slide3.xml><?xml version="1.0" encoding="utf-8"?>
-<p:sld xmlns:a="http://schemas.openxmlformats.org/drawingml/2006/main" xmlns:r="http://schemas.openxmlformats.org/officeDocument/2006/relationships" xmlns:p="http://schemas.openxmlformats.org/presentationml/2006/main">
-  <p:cSld>
-    <p:spTree>
-      <p:nvGrpSpPr>
-        <p:cNvPr id="1" name=""/>
-        <p:cNvGrpSpPr/>
-        <p:nvPr/>
-      </p:nvGrpSpPr>
-      <p:grpSpPr>
-        <a:xfrm>
-          <a:off x="0" y="0"/>
-          <a:ext cx="0" cy="0"/>
-          <a:chOff x="0" y="0"/>
-          <a:chExt cx="0" cy="0"/>
-        </a:xfrm>
-      </p:grpSpPr>
-      <p:pic>
-        <p:nvPicPr>
-          <p:cNvPr id="10" name="Picture 9"/>
-          <p:cNvPicPr>
-            <a:picLocks noChangeAspect="1"/>
-          </p:cNvPicPr>
-          <p:nvPr/>
-        </p:nvPicPr>
-        <p:blipFill rotWithShape="1">
-          <a:blip r:embed="rId3">
-            <a:extLst>
-              <a:ext uri="{28A0092B-C50C-407E-A947-70E740481C1C}">
-                <a14:useLocalDpi xmlns:a14="http://schemas.microsoft.com/office/drawing/2010/main" val="0"/>
-              </a:ext>
-            </a:extLst>
-          </a:blip>
-          <a:srcRect l="50728" t="56371"/>
-          <a:stretch/>
-        </p:blipFill>
-        <p:spPr>
-          <a:xfrm>
-            <a:off x="10894024" y="5370653"/>
-            <a:ext cx="1297975" cy="1487348"/>
-          </a:xfrm>
-          <a:prstGeom prst="rect">
-            <a:avLst/>
-          </a:prstGeom>
-        </p:spPr>
-      </p:pic>
-      <p:sp>
-        <p:nvSpPr>
-          <p:cNvPr id="11" name="TextBox 10"/>
-          <p:cNvSpPr txBox="1"/>
-          <p:nvPr/>
-        </p:nvSpPr>
-        <p:spPr>
-          <a:xfrm>
-            <a:off x="347240" y="113388"/>
-            <a:ext cx="9799937" cy="1015663"/>
-          </a:xfrm>
-          <a:prstGeom prst="rect">
-            <a:avLst/>
-          </a:prstGeom>
-          <a:noFill/>
-        </p:spPr>
-        <p:txBody>
-          <a:bodyPr wrap="square" rtlCol="0">
-            <a:spAutoFit/>
-          </a:bodyPr>
-          <a:lstStyle/>
-          <a:p>
-            <a:r>
-              <a:rPr lang="en-US" sz="6000" dirty="0">
-                <a:latin typeface="Aliens &amp; cows" panose="00000500000000000000" pitchFamily="2" charset="0"/>
-              </a:rPr>
-              <a:t>Chat me up</a:t>
-            </a:r>
-          </a:p>
-        </p:txBody>
-      </p:sp>
-      <p:sp>
-        <p:nvSpPr>
-          <p:cNvPr id="13" name="TextBox 12">
-            <a:extLst>
-              <a:ext uri="{FF2B5EF4-FFF2-40B4-BE49-F238E27FC236}">
-                <a16:creationId xmlns:a16="http://schemas.microsoft.com/office/drawing/2014/main" id="{BAD4CFA0-F6EE-4D9E-AA4F-AABFDE2E3205}"/>
-              </a:ext>
-            </a:extLst>
-          </p:cNvPr>
-          <p:cNvSpPr txBox="1"/>
-          <p:nvPr/>
-        </p:nvSpPr>
-        <p:spPr>
-          <a:xfrm>
-            <a:off x="462988" y="1365813"/>
-            <a:ext cx="6772002" cy="3539430"/>
-          </a:xfrm>
-          <a:prstGeom prst="rect">
-            <a:avLst/>
-          </a:prstGeom>
-          <a:noFill/>
-        </p:spPr>
-        <p:txBody>
-          <a:bodyPr wrap="square" rtlCol="0">
-            <a:spAutoFit/>
-          </a:bodyPr>
-          <a:lstStyle/>
-          <a:p>
-            <a:pPr marL="285750" indent="-285750">
-              <a:buFont typeface="Arial" panose="020B0604020202020204" pitchFamily="34" charset="0"/>
-              <a:buChar char="•"/>
-            </a:pPr>
-            <a:r>
-              <a:rPr lang="en-US" sz="2800" dirty="0">
-                <a:solidFill>
-                  <a:srgbClr val="707070"/>
-                </a:solidFill>
-                <a:latin typeface="Pragmatica" panose="020B0403040502020204" pitchFamily="34" charset="0"/>
-              </a:rPr>
-              <a:t>Do you use Power BI? How/when/why?</a:t>
-            </a:r>
-          </a:p>
-          <a:p>
-            <a:pPr marL="285750" indent="-285750">
-              <a:buFont typeface="Arial" panose="020B0604020202020204" pitchFamily="34" charset="0"/>
-              <a:buChar char="•"/>
-            </a:pPr>
-            <a:r>
-              <a:rPr lang="en-US" sz="2800" dirty="0">
-                <a:solidFill>
-                  <a:srgbClr val="707070"/>
-                </a:solidFill>
-                <a:latin typeface="Pragmatica" panose="020B0403040502020204" pitchFamily="34" charset="0"/>
-              </a:rPr>
-              <a:t>Do you use R in Power BI? How/when/why?</a:t>
-            </a:r>
-          </a:p>
-          <a:p>
-            <a:pPr marL="285750" indent="-285750">
-              <a:buFont typeface="Arial" panose="020B0604020202020204" pitchFamily="34" charset="0"/>
-              <a:buChar char="•"/>
-            </a:pPr>
-            <a:r>
-              <a:rPr lang="en-US" sz="2800" dirty="0">
-                <a:solidFill>
-                  <a:srgbClr val="707070"/>
-                </a:solidFill>
-                <a:latin typeface="Pragmatica" panose="020B0403040502020204" pitchFamily="34" charset="0"/>
-              </a:rPr>
-              <a:t>Pros/cons to Power BI vs Shiny?</a:t>
-            </a:r>
-          </a:p>
-          <a:p>
-            <a:pPr marL="285750" indent="-285750">
-              <a:buFont typeface="Arial" panose="020B0604020202020204" pitchFamily="34" charset="0"/>
-              <a:buChar char="•"/>
-            </a:pPr>
-            <a:endParaRPr lang="en-US" sz="2800" dirty="0">
-              <a:solidFill>
-                <a:srgbClr val="707070"/>
-              </a:solidFill>
-              <a:latin typeface="Pragmatica" panose="020B0403040502020204" pitchFamily="34" charset="0"/>
-            </a:endParaRPr>
-          </a:p>
-          <a:p>
-            <a:pPr marL="285750" indent="-285750">
-              <a:buFont typeface="Arial" panose="020B0604020202020204" pitchFamily="34" charset="0"/>
-              <a:buChar char="•"/>
-            </a:pPr>
-            <a:r>
-              <a:rPr lang="en-US" sz="2800" dirty="0">
-                <a:solidFill>
-                  <a:srgbClr val="707070"/>
-                </a:solidFill>
-                <a:latin typeface="Pragmatica" panose="020B0403040502020204" pitchFamily="34" charset="0"/>
-              </a:rPr>
-              <a:t> Brainstorm it! </a:t>
-            </a:r>
-            <a:r>
-              <a:rPr lang="en-US" sz="2800" dirty="0">
-                <a:solidFill>
-                  <a:srgbClr val="707070"/>
-                </a:solidFill>
-                <a:latin typeface="Pragmatica" panose="020B0403040502020204" pitchFamily="34" charset="0"/>
-                <a:hlinkClick r:id="rId4"/>
-              </a:rPr>
-              <a:t>https://bit.ly/3nos6Yb</a:t>
-            </a:r>
-            <a:r>
-              <a:rPr lang="en-US" sz="2800" dirty="0">
-                <a:solidFill>
-                  <a:srgbClr val="707070"/>
-                </a:solidFill>
-                <a:latin typeface="Pragmatica" panose="020B0403040502020204" pitchFamily="34" charset="0"/>
-              </a:rPr>
-              <a:t>  </a:t>
-            </a:r>
-          </a:p>
-        </p:txBody>
-      </p:sp>
-    </p:spTree>
-    <p:extLst>
-      <p:ext uri="{BB962C8B-B14F-4D97-AF65-F5344CB8AC3E}">
-        <p14:creationId xmlns:p14="http://schemas.microsoft.com/office/powerpoint/2010/main" val="821058036"/>
-      </p:ext>
-    </p:extLst>
-  </p:cSld>
-  <p:clrMapOvr>
-    <a:masterClrMapping/>
-  </p:clrMapOvr>
-</p:sld>
-</file>
-
-<file path=ppt/slides/slide4.xml><?xml version="1.0" encoding="utf-8"?>
-<p:sld xmlns:a="http://schemas.openxmlformats.org/drawingml/2006/main" xmlns:r="http://schemas.openxmlformats.org/officeDocument/2006/relationships" xmlns:p="http://schemas.openxmlformats.org/presentationml/2006/main">
-  <p:cSld>
-    <p:spTree>
-      <p:nvGrpSpPr>
-        <p:cNvPr id="1" name=""/>
-        <p:cNvGrpSpPr/>
-        <p:nvPr/>
-      </p:nvGrpSpPr>
-      <p:grpSpPr>
-        <a:xfrm>
-          <a:off x="0" y="0"/>
-          <a:ext cx="0" cy="0"/>
-          <a:chOff x="0" y="0"/>
-          <a:chExt cx="0" cy="0"/>
-        </a:xfrm>
-      </p:grpSpPr>
-      <p:pic>
-        <p:nvPicPr>
-          <p:cNvPr id="10" name="Picture 9"/>
-          <p:cNvPicPr>
-            <a:picLocks noChangeAspect="1"/>
-          </p:cNvPicPr>
-          <p:nvPr/>
-        </p:nvPicPr>
-        <p:blipFill rotWithShape="1">
-          <a:blip r:embed="rId3">
-            <a:extLst>
-              <a:ext uri="{28A0092B-C50C-407E-A947-70E740481C1C}">
-                <a14:useLocalDpi xmlns:a14="http://schemas.microsoft.com/office/drawing/2010/main" val="0"/>
-              </a:ext>
-            </a:extLst>
-          </a:blip>
-          <a:srcRect l="50728" t="56371"/>
-          <a:stretch/>
-        </p:blipFill>
-        <p:spPr>
-          <a:xfrm>
-            <a:off x="10894024" y="5370653"/>
-            <a:ext cx="1297975" cy="1487348"/>
-          </a:xfrm>
-          <a:prstGeom prst="rect">
-            <a:avLst/>
-          </a:prstGeom>
-        </p:spPr>
-      </p:pic>
-      <p:sp>
-        <p:nvSpPr>
-          <p:cNvPr id="11" name="TextBox 10"/>
-          <p:cNvSpPr txBox="1"/>
-          <p:nvPr/>
-        </p:nvSpPr>
-        <p:spPr>
-          <a:xfrm>
-            <a:off x="347240" y="113388"/>
-            <a:ext cx="9799937" cy="1015663"/>
-          </a:xfrm>
-          <a:prstGeom prst="rect">
-            <a:avLst/>
-          </a:prstGeom>
-          <a:noFill/>
-        </p:spPr>
-        <p:txBody>
-          <a:bodyPr wrap="square" rtlCol="0">
-            <a:spAutoFit/>
-          </a:bodyPr>
-          <a:lstStyle/>
-          <a:p>
-            <a:r>
-              <a:rPr lang="en-US" sz="6000" dirty="0">
-                <a:latin typeface="Aliens &amp; cows" panose="00000500000000000000" pitchFamily="2" charset="0"/>
-              </a:rPr>
-              <a:t>When and why</a:t>
-            </a:r>
-          </a:p>
-        </p:txBody>
-      </p:sp>
-      <p:sp>
-        <p:nvSpPr>
-          <p:cNvPr id="8" name="TextBox 7">
-            <a:extLst>
-              <a:ext uri="{FF2B5EF4-FFF2-40B4-BE49-F238E27FC236}">
-                <a16:creationId xmlns:a16="http://schemas.microsoft.com/office/drawing/2014/main" id="{42A7C85F-0A10-4F88-8567-526BD39FA98C}"/>
-              </a:ext>
-            </a:extLst>
-          </p:cNvPr>
-          <p:cNvSpPr txBox="1"/>
-          <p:nvPr/>
-        </p:nvSpPr>
-        <p:spPr>
-          <a:xfrm>
-            <a:off x="462987" y="1365813"/>
-            <a:ext cx="5511093" cy="5262979"/>
-          </a:xfrm>
-          <a:prstGeom prst="rect">
-            <a:avLst/>
-          </a:prstGeom>
-          <a:noFill/>
-        </p:spPr>
-        <p:txBody>
-          <a:bodyPr wrap="square" rtlCol="0">
-            <a:spAutoFit/>
-          </a:bodyPr>
-          <a:lstStyle/>
-          <a:p>
-            <a:pPr marL="285750" indent="-285750">
-              <a:buFont typeface="Arial" panose="020B0604020202020204" pitchFamily="34" charset="0"/>
-              <a:buChar char="•"/>
-            </a:pPr>
-            <a:r>
-              <a:rPr lang="en-US" sz="2800" dirty="0">
-                <a:solidFill>
-                  <a:srgbClr val="707070"/>
-                </a:solidFill>
-                <a:latin typeface="Pragmatica" panose="020B0403040502020204" pitchFamily="34" charset="0"/>
-              </a:rPr>
-              <a:t>Remote or unstructured data sources</a:t>
-            </a:r>
-            <a:br>
-              <a:rPr lang="en-US" sz="2800" dirty="0">
-                <a:solidFill>
-                  <a:srgbClr val="707070"/>
-                </a:solidFill>
-                <a:latin typeface="Pragmatica" panose="020B0403040502020204" pitchFamily="34" charset="0"/>
-              </a:rPr>
-            </a:br>
-            <a:endParaRPr lang="en-US" sz="2800" dirty="0">
-              <a:solidFill>
-                <a:srgbClr val="707070"/>
-              </a:solidFill>
-              <a:latin typeface="Pragmatica" panose="020B0403040502020204" pitchFamily="34" charset="0"/>
-            </a:endParaRPr>
-          </a:p>
-          <a:p>
-            <a:pPr marL="285750" indent="-285750">
-              <a:buFont typeface="Arial" panose="020B0604020202020204" pitchFamily="34" charset="0"/>
-              <a:buChar char="•"/>
-            </a:pPr>
-            <a:r>
-              <a:rPr lang="en-US" sz="2800" dirty="0">
-                <a:solidFill>
-                  <a:srgbClr val="707070"/>
-                </a:solidFill>
-                <a:latin typeface="Pragmatica" panose="020B0403040502020204" pitchFamily="34" charset="0"/>
-              </a:rPr>
-              <a:t>Feature engineering (missing values, PCA)</a:t>
-            </a:r>
-            <a:br>
-              <a:rPr lang="en-US" sz="2800" dirty="0">
-                <a:solidFill>
-                  <a:srgbClr val="707070"/>
-                </a:solidFill>
-                <a:latin typeface="Pragmatica" panose="020B0403040502020204" pitchFamily="34" charset="0"/>
-              </a:rPr>
-            </a:br>
-            <a:endParaRPr lang="en-US" sz="2800" dirty="0">
-              <a:solidFill>
-                <a:srgbClr val="707070"/>
-              </a:solidFill>
-              <a:latin typeface="Pragmatica" panose="020B0403040502020204" pitchFamily="34" charset="0"/>
-            </a:endParaRPr>
-          </a:p>
-          <a:p>
-            <a:pPr marL="285750" indent="-285750">
-              <a:buFont typeface="Arial" panose="020B0604020202020204" pitchFamily="34" charset="0"/>
-              <a:buChar char="•"/>
-            </a:pPr>
-            <a:r>
-              <a:rPr lang="en-US" sz="2800" dirty="0">
-                <a:solidFill>
-                  <a:srgbClr val="707070"/>
-                </a:solidFill>
-                <a:latin typeface="Pragmatica" panose="020B0403040502020204" pitchFamily="34" charset="0"/>
-              </a:rPr>
-              <a:t>Machine learning</a:t>
-            </a:r>
-            <a:br>
-              <a:rPr lang="en-US" sz="2800" dirty="0">
-                <a:solidFill>
-                  <a:srgbClr val="707070"/>
-                </a:solidFill>
-                <a:latin typeface="Pragmatica" panose="020B0403040502020204" pitchFamily="34" charset="0"/>
-              </a:rPr>
-            </a:br>
-            <a:endParaRPr lang="en-US" sz="2800" dirty="0">
-              <a:solidFill>
-                <a:srgbClr val="707070"/>
-              </a:solidFill>
-              <a:latin typeface="Pragmatica" panose="020B0403040502020204" pitchFamily="34" charset="0"/>
-            </a:endParaRPr>
-          </a:p>
-          <a:p>
-            <a:pPr marL="285750" indent="-285750">
-              <a:buFont typeface="Arial" panose="020B0604020202020204" pitchFamily="34" charset="0"/>
-              <a:buChar char="•"/>
-            </a:pPr>
-            <a:r>
-              <a:rPr lang="en-US" sz="2800" dirty="0">
-                <a:solidFill>
-                  <a:srgbClr val="707070"/>
-                </a:solidFill>
-                <a:latin typeface="Pragmatica" panose="020B0403040502020204" pitchFamily="34" charset="0"/>
-              </a:rPr>
-              <a:t>Regular expressions</a:t>
-            </a:r>
-            <a:br>
-              <a:rPr lang="en-US" sz="2800" dirty="0">
-                <a:solidFill>
-                  <a:srgbClr val="707070"/>
-                </a:solidFill>
-                <a:latin typeface="Pragmatica" panose="020B0403040502020204" pitchFamily="34" charset="0"/>
-              </a:rPr>
-            </a:br>
-            <a:endParaRPr lang="en-US" sz="2800" dirty="0">
-              <a:solidFill>
-                <a:srgbClr val="707070"/>
-              </a:solidFill>
-              <a:latin typeface="Pragmatica" panose="020B0403040502020204" pitchFamily="34" charset="0"/>
-            </a:endParaRPr>
-          </a:p>
-          <a:p>
-            <a:pPr marL="285750" indent="-285750">
-              <a:buFont typeface="Arial" panose="020B0604020202020204" pitchFamily="34" charset="0"/>
-              <a:buChar char="•"/>
-            </a:pPr>
-            <a:r>
-              <a:rPr lang="en-US" sz="2800" dirty="0">
-                <a:solidFill>
-                  <a:srgbClr val="707070"/>
-                </a:solidFill>
-                <a:latin typeface="Pragmatica" panose="020B0403040502020204" pitchFamily="34" charset="0"/>
-              </a:rPr>
-              <a:t>Advanced, custom visualizations</a:t>
-            </a:r>
-          </a:p>
-        </p:txBody>
-      </p:sp>
-      <p:sp>
-        <p:nvSpPr>
-          <p:cNvPr id="12" name="TextBox 11">
-            <a:extLst>
-              <a:ext uri="{FF2B5EF4-FFF2-40B4-BE49-F238E27FC236}">
-                <a16:creationId xmlns:a16="http://schemas.microsoft.com/office/drawing/2014/main" id="{6DD6493B-1F9B-4D5B-BF8B-B1367EE5DCCA}"/>
-              </a:ext>
-            </a:extLst>
-          </p:cNvPr>
-          <p:cNvSpPr txBox="1"/>
-          <p:nvPr/>
-        </p:nvSpPr>
-        <p:spPr>
-          <a:xfrm>
-            <a:off x="5773856" y="4975620"/>
-            <a:ext cx="5753748" cy="646331"/>
-          </a:xfrm>
-          <a:prstGeom prst="rect">
-            <a:avLst/>
-          </a:prstGeom>
-          <a:noFill/>
-        </p:spPr>
-        <p:txBody>
-          <a:bodyPr wrap="square">
-            <a:spAutoFit/>
-          </a:bodyPr>
-          <a:lstStyle/>
-          <a:p>
-            <a:r>
-              <a:rPr lang="en-US" dirty="0"/>
-              <a:t>https://www.windowsblogitalia.com/2019/02/microsoft-migliore-futuro-inner-source/</a:t>
-            </a:r>
-          </a:p>
-        </p:txBody>
-      </p:sp>
-      <p:pic>
-        <p:nvPicPr>
-          <p:cNvPr id="1026" name="Picture 2" descr="Microsoft loves Open Source">
-            <a:extLst>
-              <a:ext uri="{FF2B5EF4-FFF2-40B4-BE49-F238E27FC236}">
-                <a16:creationId xmlns:a16="http://schemas.microsoft.com/office/drawing/2014/main" id="{FEA8D45A-D5EA-477A-A7E1-CB8D265DDFC3}"/>
-              </a:ext>
-            </a:extLst>
-          </p:cNvPr>
-          <p:cNvPicPr>
-            <a:picLocks noChangeAspect="1" noChangeArrowheads="1"/>
-          </p:cNvPicPr>
-          <p:nvPr/>
-        </p:nvPicPr>
-        <p:blipFill>
-          <a:blip r:embed="rId4">
-            <a:extLst>
-              <a:ext uri="{28A0092B-C50C-407E-A947-70E740481C1C}">
-                <a14:useLocalDpi xmlns:a14="http://schemas.microsoft.com/office/drawing/2010/main" val="0"/>
-              </a:ext>
-            </a:extLst>
-          </a:blip>
-          <a:srcRect/>
-          <a:stretch>
-            <a:fillRect/>
-          </a:stretch>
-        </p:blipFill>
-        <p:spPr bwMode="auto">
-          <a:xfrm>
-            <a:off x="5773856" y="1192418"/>
-            <a:ext cx="5678104" cy="3783202"/>
-          </a:xfrm>
-          <a:prstGeom prst="rect">
-            <a:avLst/>
-          </a:prstGeom>
-          <a:noFill/>
-          <a:extLst>
-            <a:ext uri="{909E8E84-426E-40DD-AFC4-6F175D3DCCD1}">
-              <a14:hiddenFill xmlns:a14="http://schemas.microsoft.com/office/drawing/2010/main">
-                <a:solidFill>
-                  <a:srgbClr val="FFFFFF"/>
-                </a:solidFill>
-              </a14:hiddenFill>
-            </a:ext>
-          </a:extLst>
-        </p:spPr>
-      </p:pic>
-    </p:spTree>
-    <p:extLst>
-      <p:ext uri="{BB962C8B-B14F-4D97-AF65-F5344CB8AC3E}">
-        <p14:creationId xmlns:p14="http://schemas.microsoft.com/office/powerpoint/2010/main" val="2480351462"/>
-      </p:ext>
-    </p:extLst>
-  </p:cSld>
-  <p:clrMapOvr>
-    <a:masterClrMapping/>
-  </p:clrMapOvr>
-</p:sld>
-</file>
-
-<file path=ppt/slides/slide5.xml><?xml version="1.0" encoding="utf-8"?>
-<p:sld xmlns:a="http://schemas.openxmlformats.org/drawingml/2006/main" xmlns:r="http://schemas.openxmlformats.org/officeDocument/2006/relationships" xmlns:p="http://schemas.openxmlformats.org/presentationml/2006/main">
-  <p:cSld>
-    <p:spTree>
-      <p:nvGrpSpPr>
-        <p:cNvPr id="1" name=""/>
-        <p:cNvGrpSpPr/>
-        <p:nvPr/>
-      </p:nvGrpSpPr>
-      <p:grpSpPr>
-        <a:xfrm>
-          <a:off x="0" y="0"/>
-          <a:ext cx="0" cy="0"/>
-          <a:chOff x="0" y="0"/>
-          <a:chExt cx="0" cy="0"/>
-        </a:xfrm>
-      </p:grpSpPr>
-      <p:pic>
-        <p:nvPicPr>
-          <p:cNvPr id="10" name="Picture 9"/>
-          <p:cNvPicPr>
-            <a:picLocks noChangeAspect="1"/>
-          </p:cNvPicPr>
-          <p:nvPr/>
-        </p:nvPicPr>
-        <p:blipFill rotWithShape="1">
-          <a:blip r:embed="rId3">
-            <a:extLst>
-              <a:ext uri="{28A0092B-C50C-407E-A947-70E740481C1C}">
-                <a14:useLocalDpi xmlns:a14="http://schemas.microsoft.com/office/drawing/2010/main" val="0"/>
-              </a:ext>
-            </a:extLst>
-          </a:blip>
-          <a:srcRect l="50728" t="56371"/>
-          <a:stretch/>
-        </p:blipFill>
-        <p:spPr>
-          <a:xfrm>
-            <a:off x="10894024" y="5370653"/>
-            <a:ext cx="1297975" cy="1487348"/>
-          </a:xfrm>
-          <a:prstGeom prst="rect">
-            <a:avLst/>
-          </a:prstGeom>
-        </p:spPr>
-      </p:pic>
-      <p:sp>
-        <p:nvSpPr>
-          <p:cNvPr id="11" name="TextBox 10"/>
-          <p:cNvSpPr txBox="1"/>
-          <p:nvPr/>
-        </p:nvSpPr>
-        <p:spPr>
-          <a:xfrm>
-            <a:off x="347240" y="113388"/>
-            <a:ext cx="9799937" cy="1015663"/>
-          </a:xfrm>
-          <a:prstGeom prst="rect">
-            <a:avLst/>
-          </a:prstGeom>
-          <a:noFill/>
-        </p:spPr>
-        <p:txBody>
-          <a:bodyPr wrap="square" rtlCol="0">
-            <a:spAutoFit/>
-          </a:bodyPr>
-          <a:lstStyle/>
-          <a:p>
-            <a:r>
-              <a:rPr lang="en-US" sz="6000" dirty="0">
-                <a:latin typeface="Aliens &amp; cows" panose="00000500000000000000" pitchFamily="2" charset="0"/>
-              </a:rPr>
-              <a:t>Set up</a:t>
-            </a:r>
-          </a:p>
-        </p:txBody>
-      </p:sp>
-      <p:sp>
-        <p:nvSpPr>
-          <p:cNvPr id="13" name="TextBox 12">
-            <a:extLst>
-              <a:ext uri="{FF2B5EF4-FFF2-40B4-BE49-F238E27FC236}">
-                <a16:creationId xmlns:a16="http://schemas.microsoft.com/office/drawing/2014/main" id="{BAD4CFA0-F6EE-4D9E-AA4F-AABFDE2E3205}"/>
-              </a:ext>
-            </a:extLst>
-          </p:cNvPr>
-          <p:cNvSpPr txBox="1"/>
-          <p:nvPr/>
-        </p:nvSpPr>
-        <p:spPr>
-          <a:xfrm>
-            <a:off x="462987" y="1365813"/>
-            <a:ext cx="5511093" cy="4401205"/>
-          </a:xfrm>
-          <a:prstGeom prst="rect">
-            <a:avLst/>
-          </a:prstGeom>
-          <a:noFill/>
-        </p:spPr>
-        <p:txBody>
-          <a:bodyPr wrap="square" rtlCol="0">
-            <a:spAutoFit/>
-          </a:bodyPr>
-          <a:lstStyle/>
-          <a:p>
-            <a:pPr marL="285750" indent="-285750">
-              <a:buFont typeface="Arial" panose="020B0604020202020204" pitchFamily="34" charset="0"/>
-              <a:buChar char="•"/>
-            </a:pPr>
-            <a:r>
-              <a:rPr lang="en-US" sz="2800" dirty="0">
-                <a:solidFill>
-                  <a:srgbClr val="707070"/>
-                </a:solidFill>
-                <a:latin typeface="Pragmatica" panose="020B0403040502020204" pitchFamily="34" charset="0"/>
-              </a:rPr>
-              <a:t>Freemium, Windows only</a:t>
-            </a:r>
-          </a:p>
-          <a:p>
-            <a:pPr marL="742950" lvl="1" indent="-285750">
-              <a:buFont typeface="Arial" panose="020B0604020202020204" pitchFamily="34" charset="0"/>
-              <a:buChar char="•"/>
-            </a:pPr>
-            <a:r>
-              <a:rPr lang="en-US" sz="2800" dirty="0">
-                <a:solidFill>
-                  <a:srgbClr val="707070"/>
-                </a:solidFill>
-                <a:latin typeface="Pragmatica" panose="020B0403040502020204" pitchFamily="34" charset="0"/>
-              </a:rPr>
-              <a:t>Free account can run R scripts</a:t>
-            </a:r>
-          </a:p>
-          <a:p>
-            <a:pPr marL="742950" lvl="1" indent="-285750">
-              <a:buFont typeface="Arial" panose="020B0604020202020204" pitchFamily="34" charset="0"/>
-              <a:buChar char="•"/>
-            </a:pPr>
-            <a:r>
-              <a:rPr lang="en-US" sz="2800" dirty="0">
-                <a:solidFill>
-                  <a:srgbClr val="707070"/>
-                </a:solidFill>
-                <a:latin typeface="Pragmatica" panose="020B0403040502020204" pitchFamily="34" charset="0"/>
-              </a:rPr>
-              <a:t>Paid, </a:t>
-            </a:r>
-            <a:r>
-              <a:rPr lang="en-US" sz="2800" dirty="0">
-                <a:solidFill>
-                  <a:srgbClr val="707070"/>
-                </a:solidFill>
-                <a:latin typeface="Pragmatica" panose="020B0403040502020204" pitchFamily="34" charset="0"/>
-                <a:hlinkClick r:id="rId4"/>
-              </a:rPr>
-              <a:t>Pro account</a:t>
-            </a:r>
-            <a:r>
-              <a:rPr lang="en-US" sz="2800" dirty="0">
-                <a:solidFill>
-                  <a:srgbClr val="707070"/>
-                </a:solidFill>
-                <a:latin typeface="Pragmatica" panose="020B0403040502020204" pitchFamily="34" charset="0"/>
-              </a:rPr>
-              <a:t> is needed to publish R visuals</a:t>
-            </a:r>
-          </a:p>
-          <a:p>
-            <a:pPr marL="742950" lvl="1" indent="-285750">
-              <a:buFont typeface="Arial" panose="020B0604020202020204" pitchFamily="34" charset="0"/>
-              <a:buChar char="•"/>
-            </a:pPr>
-            <a:endParaRPr lang="en-US" sz="2800" dirty="0">
-              <a:solidFill>
-                <a:srgbClr val="707070"/>
-              </a:solidFill>
-              <a:latin typeface="Pragmatica" panose="020B0403040502020204" pitchFamily="34" charset="0"/>
-            </a:endParaRPr>
-          </a:p>
-          <a:p>
-            <a:pPr marL="285750" indent="-285750">
-              <a:buFont typeface="Arial" panose="020B0604020202020204" pitchFamily="34" charset="0"/>
-              <a:buChar char="•"/>
-            </a:pPr>
-            <a:endParaRPr lang="en-US" sz="2800" dirty="0">
-              <a:solidFill>
-                <a:srgbClr val="707070"/>
-              </a:solidFill>
-              <a:latin typeface="Pragmatica" panose="020B0403040502020204" pitchFamily="34" charset="0"/>
-            </a:endParaRPr>
-          </a:p>
-          <a:p>
-            <a:pPr marL="285750" indent="-285750">
-              <a:buFont typeface="Arial" panose="020B0604020202020204" pitchFamily="34" charset="0"/>
-              <a:buChar char="•"/>
-            </a:pPr>
-            <a:r>
-              <a:rPr lang="en-US" sz="2800" dirty="0">
-                <a:solidFill>
-                  <a:srgbClr val="707070"/>
-                </a:solidFill>
-                <a:latin typeface="Pragmatica" panose="020B0403040502020204" pitchFamily="34" charset="0"/>
-              </a:rPr>
-              <a:t>File &gt; Options &amp; settings &gt; Options &gt; R scripting</a:t>
-            </a:r>
-          </a:p>
-        </p:txBody>
-      </p:sp>
-      <p:pic>
-        <p:nvPicPr>
-          <p:cNvPr id="3" name="Picture 2">
-            <a:extLst>
-              <a:ext uri="{FF2B5EF4-FFF2-40B4-BE49-F238E27FC236}">
-                <a16:creationId xmlns:a16="http://schemas.microsoft.com/office/drawing/2014/main" id="{81BD8738-D3E2-472F-B98B-1A7B3A2E062F}"/>
-              </a:ext>
-            </a:extLst>
-          </p:cNvPr>
-          <p:cNvPicPr>
-            <a:picLocks noChangeAspect="1"/>
-          </p:cNvPicPr>
-          <p:nvPr/>
-        </p:nvPicPr>
-        <p:blipFill>
-          <a:blip r:embed="rId5"/>
-          <a:stretch>
-            <a:fillRect/>
-          </a:stretch>
-        </p:blipFill>
-        <p:spPr>
-          <a:xfrm>
-            <a:off x="6020490" y="915088"/>
-            <a:ext cx="5779659" cy="5566303"/>
-          </a:xfrm>
-          <a:prstGeom prst="rect">
-            <a:avLst/>
-          </a:prstGeom>
-        </p:spPr>
-      </p:pic>
-    </p:spTree>
-    <p:extLst>
-      <p:ext uri="{BB962C8B-B14F-4D97-AF65-F5344CB8AC3E}">
-        <p14:creationId xmlns:p14="http://schemas.microsoft.com/office/powerpoint/2010/main" val="2684353158"/>
-      </p:ext>
-    </p:extLst>
-  </p:cSld>
-  <p:clrMapOvr>
-    <a:masterClrMapping/>
-  </p:clrMapOvr>
-</p:sld>
-</file>
-
-<file path=ppt/slides/slide6.xml><?xml version="1.0" encoding="utf-8"?>
-<p:sld xmlns:a="http://schemas.openxmlformats.org/drawingml/2006/main" xmlns:r="http://schemas.openxmlformats.org/officeDocument/2006/relationships" xmlns:p="http://schemas.openxmlformats.org/presentationml/2006/main">
-  <p:cSld>
-    <p:spTree>
-      <p:nvGrpSpPr>
-        <p:cNvPr id="1" name=""/>
-        <p:cNvGrpSpPr/>
-        <p:nvPr/>
-      </p:nvGrpSpPr>
-      <p:grpSpPr>
-        <a:xfrm>
-          <a:off x="0" y="0"/>
-          <a:ext cx="0" cy="0"/>
-          <a:chOff x="0" y="0"/>
-          <a:chExt cx="0" cy="0"/>
-        </a:xfrm>
-      </p:grpSpPr>
-      <p:sp>
-        <p:nvSpPr>
-          <p:cNvPr id="4" name="Rectangle 3"/>
-          <p:cNvSpPr/>
-          <p:nvPr/>
-        </p:nvSpPr>
-        <p:spPr>
-          <a:xfrm>
-            <a:off x="6574420" y="0"/>
-            <a:ext cx="5617580" cy="6858000"/>
-          </a:xfrm>
-          <a:prstGeom prst="rect">
-            <a:avLst/>
-          </a:prstGeom>
-          <a:solidFill>
-            <a:srgbClr val="CF3338"/>
-          </a:solidFill>
-          <a:ln>
-            <a:noFill/>
-          </a:ln>
-        </p:spPr>
-        <p:style>
-          <a:lnRef idx="2">
-            <a:schemeClr val="accent1">
-              <a:shade val="50000"/>
-            </a:schemeClr>
-          </a:lnRef>
-          <a:fillRef idx="1">
-            <a:schemeClr val="accent1"/>
-          </a:fillRef>
-          <a:effectRef idx="0">
-            <a:schemeClr val="accent1"/>
-          </a:effectRef>
-          <a:fontRef idx="minor">
-            <a:schemeClr val="lt1"/>
-          </a:fontRef>
-        </p:style>
-        <p:txBody>
-          <a:bodyPr rtlCol="0" anchor="ctr"/>
-          <a:lstStyle/>
-          <a:p>
-            <a:pPr algn="ctr"/>
-            <a:endParaRPr lang="en-US"/>
-          </a:p>
-        </p:txBody>
-      </p:sp>
-      <p:sp>
-        <p:nvSpPr>
-          <p:cNvPr id="5" name="TextBox 4"/>
-          <p:cNvSpPr txBox="1"/>
-          <p:nvPr/>
-        </p:nvSpPr>
-        <p:spPr>
-          <a:xfrm>
-            <a:off x="6817489" y="0"/>
-            <a:ext cx="4120587" cy="1446550"/>
-          </a:xfrm>
-          <a:prstGeom prst="rect">
-            <a:avLst/>
-          </a:prstGeom>
-          <a:noFill/>
-        </p:spPr>
-        <p:txBody>
-          <a:bodyPr wrap="square" rtlCol="0">
-            <a:spAutoFit/>
-          </a:bodyPr>
-          <a:lstStyle/>
-          <a:p>
-            <a:r>
-              <a:rPr lang="en-US" sz="8800" dirty="0">
-                <a:solidFill>
-                  <a:schemeClr val="bg1"/>
-                </a:solidFill>
-                <a:latin typeface="Aliens &amp; cows" panose="00000500000000000000" pitchFamily="2" charset="0"/>
-              </a:rPr>
-              <a:t>Demo</a:t>
-            </a:r>
-          </a:p>
-        </p:txBody>
-      </p:sp>
-      <p:pic>
-        <p:nvPicPr>
-          <p:cNvPr id="2" name="Picture 1"/>
-          <p:cNvPicPr>
-            <a:picLocks noChangeAspect="1"/>
-          </p:cNvPicPr>
-          <p:nvPr/>
-        </p:nvPicPr>
-        <p:blipFill rotWithShape="1">
-          <a:blip r:embed="rId3">
-            <a:extLst>
-              <a:ext uri="{28A0092B-C50C-407E-A947-70E740481C1C}">
-                <a14:useLocalDpi xmlns:a14="http://schemas.microsoft.com/office/drawing/2010/main" val="0"/>
-              </a:ext>
-            </a:extLst>
-          </a:blip>
-          <a:srcRect l="69227" t="33418" r="20112" b="50548"/>
-          <a:stretch/>
-        </p:blipFill>
-        <p:spPr>
-          <a:xfrm>
-            <a:off x="10386349" y="5029795"/>
-            <a:ext cx="1805651" cy="1991719"/>
-          </a:xfrm>
-          <a:prstGeom prst="rect">
-            <a:avLst/>
-          </a:prstGeom>
-        </p:spPr>
-      </p:pic>
-      <p:sp>
-        <p:nvSpPr>
-          <p:cNvPr id="3" name="TextBox 2"/>
-          <p:cNvSpPr txBox="1"/>
-          <p:nvPr/>
-        </p:nvSpPr>
-        <p:spPr>
-          <a:xfrm>
-            <a:off x="173620" y="219919"/>
-            <a:ext cx="5937813" cy="6124754"/>
-          </a:xfrm>
-          <a:prstGeom prst="rect">
-            <a:avLst/>
-          </a:prstGeom>
-          <a:noFill/>
-        </p:spPr>
-        <p:txBody>
-          <a:bodyPr wrap="square" rtlCol="0">
-            <a:spAutoFit/>
-          </a:bodyPr>
-          <a:lstStyle/>
-          <a:p>
-            <a:r>
-              <a:rPr lang="en-US" sz="2800" b="1" dirty="0">
-                <a:solidFill>
-                  <a:srgbClr val="CF3338"/>
-                </a:solidFill>
-                <a:latin typeface="Pragmatica" pitchFamily="2" charset="0"/>
-              </a:rPr>
-              <a:t>Dataset: </a:t>
-            </a:r>
-            <a:r>
-              <a:rPr lang="en-US" sz="2800" b="1" dirty="0">
-                <a:solidFill>
-                  <a:srgbClr val="CF3338"/>
-                </a:solidFill>
-                <a:latin typeface="Consolas" panose="020B0609020204030204" pitchFamily="49" charset="0"/>
-              </a:rPr>
-              <a:t>data/contestants.csv</a:t>
-            </a:r>
-          </a:p>
-          <a:p>
-            <a:endParaRPr lang="en-US" sz="2800" b="1" dirty="0">
-              <a:solidFill>
-                <a:srgbClr val="CF3338"/>
-              </a:solidFill>
-              <a:latin typeface="Pragmatica" pitchFamily="2" charset="0"/>
-            </a:endParaRPr>
-          </a:p>
-          <a:p>
-            <a:r>
-              <a:rPr lang="en-US" sz="2800" b="1" dirty="0">
-                <a:solidFill>
-                  <a:srgbClr val="CF3338"/>
-                </a:solidFill>
-                <a:latin typeface="Pragmatica" pitchFamily="2" charset="0"/>
-              </a:rPr>
-              <a:t>What are the audition scores of candidates who did and did not participate in a mentoring program? </a:t>
-            </a:r>
-          </a:p>
-          <a:p>
-            <a:endParaRPr lang="en-US" sz="2800" b="1" dirty="0">
-              <a:solidFill>
-                <a:srgbClr val="CF3338"/>
-              </a:solidFill>
-              <a:latin typeface="Pragmatica" pitchFamily="2" charset="0"/>
-            </a:endParaRPr>
-          </a:p>
-          <a:p>
-            <a:endParaRPr lang="en-US" sz="2800" b="1" dirty="0">
-              <a:solidFill>
-                <a:srgbClr val="CF3338"/>
-              </a:solidFill>
-              <a:latin typeface="Pragmatica" pitchFamily="2" charset="0"/>
-            </a:endParaRPr>
-          </a:p>
-          <a:p>
-            <a:pPr marL="514350" indent="-514350">
-              <a:buFont typeface="Arial" panose="020B0604020202020204" pitchFamily="34" charset="0"/>
-              <a:buChar char="•"/>
-            </a:pPr>
-            <a:r>
-              <a:rPr lang="en-US" sz="2800" b="1" dirty="0">
-                <a:solidFill>
-                  <a:srgbClr val="CF3338"/>
-                </a:solidFill>
-                <a:latin typeface="Pragmatica" pitchFamily="2" charset="0"/>
-              </a:rPr>
-              <a:t>Import data via </a:t>
-            </a:r>
-            <a:r>
-              <a:rPr lang="en-US" sz="2800" b="1">
-                <a:solidFill>
-                  <a:srgbClr val="CF3338"/>
-                </a:solidFill>
-                <a:latin typeface="Pragmatica" pitchFamily="2" charset="0"/>
-              </a:rPr>
-              <a:t>R script</a:t>
-            </a:r>
-          </a:p>
-          <a:p>
-            <a:pPr marL="514350" indent="-514350">
-              <a:buFont typeface="Arial" panose="020B0604020202020204" pitchFamily="34" charset="0"/>
-              <a:buChar char="•"/>
-            </a:pPr>
-            <a:r>
-              <a:rPr lang="en-US" sz="2800" b="1" dirty="0">
-                <a:solidFill>
-                  <a:srgbClr val="CF3338"/>
-                </a:solidFill>
-                <a:latin typeface="Pragmatica" pitchFamily="2" charset="0"/>
-              </a:rPr>
-              <a:t>Identify invalid email addresses</a:t>
-            </a:r>
-          </a:p>
-          <a:p>
-            <a:pPr marL="514350" indent="-514350">
-              <a:buFont typeface="Arial" panose="020B0604020202020204" pitchFamily="34" charset="0"/>
-              <a:buChar char="•"/>
-            </a:pPr>
-            <a:r>
-              <a:rPr lang="en-US" sz="2800" b="1" dirty="0">
-                <a:solidFill>
-                  <a:srgbClr val="CF3338"/>
-                </a:solidFill>
-                <a:latin typeface="Pragmatica" pitchFamily="2" charset="0"/>
-              </a:rPr>
-              <a:t>Impute missing values</a:t>
-            </a:r>
-          </a:p>
-          <a:p>
-            <a:pPr marL="514350" indent="-514350">
-              <a:buFont typeface="Arial" panose="020B0604020202020204" pitchFamily="34" charset="0"/>
-              <a:buChar char="•"/>
-            </a:pPr>
-            <a:r>
-              <a:rPr lang="en-US" sz="2800" b="1" dirty="0">
-                <a:solidFill>
-                  <a:srgbClr val="CF3338"/>
-                </a:solidFill>
-                <a:latin typeface="Pragmatica" pitchFamily="2" charset="0"/>
-              </a:rPr>
-              <a:t>Visualize pairwise relationships</a:t>
-            </a:r>
-            <a:endParaRPr lang="en-US" sz="2800" b="1" dirty="0">
-              <a:solidFill>
-                <a:srgbClr val="CF3338"/>
-              </a:solidFill>
-              <a:latin typeface="Consolas" panose="020B0609020204030204" pitchFamily="49" charset="0"/>
-            </a:endParaRPr>
-          </a:p>
-        </p:txBody>
-      </p:sp>
-      <p:pic>
-        <p:nvPicPr>
-          <p:cNvPr id="11" name="Graphic 10" descr="Microphone with solid fill">
-            <a:extLst>
-              <a:ext uri="{FF2B5EF4-FFF2-40B4-BE49-F238E27FC236}">
-                <a16:creationId xmlns:a16="http://schemas.microsoft.com/office/drawing/2014/main" id="{B5FC4E04-397E-4989-AC34-16A495301450}"/>
-              </a:ext>
-            </a:extLst>
-          </p:cNvPr>
-          <p:cNvPicPr>
-            <a:picLocks noChangeAspect="1"/>
-          </p:cNvPicPr>
-          <p:nvPr/>
-        </p:nvPicPr>
-        <p:blipFill>
-          <a:blip r:embed="rId4">
-            <a:extLst>
-              <a:ext uri="{28A0092B-C50C-407E-A947-70E740481C1C}">
-                <a14:useLocalDpi xmlns:a14="http://schemas.microsoft.com/office/drawing/2010/main" val="0"/>
-              </a:ext>
-              <a:ext uri="{96DAC541-7B7A-43D3-8B79-37D633B846F1}">
-                <asvg:svgBlip xmlns:asvg="http://schemas.microsoft.com/office/drawing/2016/SVG/main" r:embed="rId5"/>
-              </a:ext>
-            </a:extLst>
-          </a:blip>
-          <a:stretch>
-            <a:fillRect/>
-          </a:stretch>
-        </p:blipFill>
-        <p:spPr>
-          <a:xfrm>
-            <a:off x="6774371" y="2446261"/>
-            <a:ext cx="3412027" cy="3412027"/>
-          </a:xfrm>
-          <a:prstGeom prst="rect">
-            <a:avLst/>
-          </a:prstGeom>
-        </p:spPr>
-      </p:pic>
-    </p:spTree>
-    <p:extLst>
-      <p:ext uri="{BB962C8B-B14F-4D97-AF65-F5344CB8AC3E}">
-        <p14:creationId xmlns:p14="http://schemas.microsoft.com/office/powerpoint/2010/main" val="167227427"/>
-      </p:ext>
-    </p:extLst>
-  </p:cSld>
-  <p:clrMapOvr>
-    <a:masterClrMapping/>
-  </p:clrMapOvr>
-</p:sld>
-</file>
-
-<file path=ppt/slides/slide7.xml><?xml version="1.0" encoding="utf-8"?>
-<p:sld xmlns:a="http://schemas.openxmlformats.org/drawingml/2006/main" xmlns:r="http://schemas.openxmlformats.org/officeDocument/2006/relationships" xmlns:p="http://schemas.openxmlformats.org/presentationml/2006/main">
-  <p:cSld>
-    <p:spTree>
-      <p:nvGrpSpPr>
-        <p:cNvPr id="1" name=""/>
-        <p:cNvGrpSpPr/>
-        <p:nvPr/>
-      </p:nvGrpSpPr>
-      <p:grpSpPr>
-        <a:xfrm>
-          <a:off x="0" y="0"/>
-          <a:ext cx="0" cy="0"/>
-          <a:chOff x="0" y="0"/>
-          <a:chExt cx="0" cy="0"/>
-        </a:xfrm>
-      </p:grpSpPr>
-      <p:pic>
-        <p:nvPicPr>
-          <p:cNvPr id="10" name="Picture 9"/>
-          <p:cNvPicPr>
-            <a:picLocks noChangeAspect="1"/>
-          </p:cNvPicPr>
-          <p:nvPr/>
-        </p:nvPicPr>
-        <p:blipFill rotWithShape="1">
-          <a:blip r:embed="rId2">
-            <a:extLst>
-              <a:ext uri="{28A0092B-C50C-407E-A947-70E740481C1C}">
-                <a14:useLocalDpi xmlns:a14="http://schemas.microsoft.com/office/drawing/2010/main" val="0"/>
-              </a:ext>
-            </a:extLst>
-          </a:blip>
-          <a:srcRect l="50728" t="56371"/>
-          <a:stretch/>
-        </p:blipFill>
-        <p:spPr>
-          <a:xfrm>
-            <a:off x="8136460" y="2210765"/>
-            <a:ext cx="4055539" cy="4647236"/>
-          </a:xfrm>
-          <a:prstGeom prst="rect">
-            <a:avLst/>
-          </a:prstGeom>
-        </p:spPr>
-      </p:pic>
-      <p:pic>
-        <p:nvPicPr>
-          <p:cNvPr id="4" name="Picture 3"/>
-          <p:cNvPicPr>
-            <a:picLocks noChangeAspect="1"/>
-          </p:cNvPicPr>
-          <p:nvPr/>
-        </p:nvPicPr>
-        <p:blipFill>
-          <a:blip r:embed="rId3">
-            <a:extLst>
-              <a:ext uri="{28A0092B-C50C-407E-A947-70E740481C1C}">
-                <a14:useLocalDpi xmlns:a14="http://schemas.microsoft.com/office/drawing/2010/main" val="0"/>
-              </a:ext>
-            </a:extLst>
-          </a:blip>
-          <a:stretch>
-            <a:fillRect/>
-          </a:stretch>
-        </p:blipFill>
-        <p:spPr>
-          <a:xfrm>
-            <a:off x="-538496" y="-2482770"/>
-            <a:ext cx="10171472" cy="7459883"/>
-          </a:xfrm>
-          <a:prstGeom prst="rect">
-            <a:avLst/>
-          </a:prstGeom>
-        </p:spPr>
-      </p:pic>
-      <p:sp>
-        <p:nvSpPr>
-          <p:cNvPr id="11" name="TextBox 10"/>
-          <p:cNvSpPr txBox="1"/>
-          <p:nvPr/>
-        </p:nvSpPr>
-        <p:spPr>
-          <a:xfrm>
-            <a:off x="324091" y="1687545"/>
-            <a:ext cx="7986531" cy="769441"/>
-          </a:xfrm>
-          <a:prstGeom prst="rect">
-            <a:avLst/>
-          </a:prstGeom>
-          <a:noFill/>
-        </p:spPr>
-        <p:txBody>
-          <a:bodyPr wrap="square" rtlCol="0">
-            <a:spAutoFit/>
-          </a:bodyPr>
-          <a:lstStyle/>
-          <a:p>
-            <a:r>
-              <a:rPr lang="en-US" sz="4400" b="1" dirty="0">
-                <a:solidFill>
-                  <a:srgbClr val="707070"/>
-                </a:solidFill>
-                <a:latin typeface="Pragmatica" panose="020B0403040502020204" pitchFamily="34" charset="0"/>
-              </a:rPr>
-              <a:t>Questions?</a:t>
-            </a:r>
-          </a:p>
-        </p:txBody>
-      </p:sp>
-    </p:spTree>
-    <p:extLst>
-      <p:ext uri="{BB962C8B-B14F-4D97-AF65-F5344CB8AC3E}">
-        <p14:creationId xmlns:p14="http://schemas.microsoft.com/office/powerpoint/2010/main" val="4081097533"/>
-      </p:ext>
-    </p:extLst>
-  </p:cSld>
-  <p:clrMapOvr>
-    <a:masterClrMapping/>
-  </p:clrMapOvr>
-</p:sld>
-</file>
-
-<file path=ppt/slides/slide8.xml><?xml version="1.0" encoding="utf-8"?>
-<p:sld xmlns:a="http://schemas.openxmlformats.org/drawingml/2006/main" xmlns:r="http://schemas.openxmlformats.org/officeDocument/2006/relationships" xmlns:p="http://schemas.openxmlformats.org/presentationml/2006/main">
-  <p:cSld>
-    <p:spTree>
-      <p:nvGrpSpPr>
-        <p:cNvPr id="1" name=""/>
-        <p:cNvGrpSpPr/>
-        <p:nvPr/>
-      </p:nvGrpSpPr>
-      <p:grpSpPr>
-        <a:xfrm>
-          <a:off x="0" y="0"/>
-          <a:ext cx="0" cy="0"/>
-          <a:chOff x="0" y="0"/>
-          <a:chExt cx="0" cy="0"/>
-        </a:xfrm>
-      </p:grpSpPr>
-      <p:pic>
-        <p:nvPicPr>
-          <p:cNvPr id="10" name="Picture 9"/>
-          <p:cNvPicPr>
-            <a:picLocks noChangeAspect="1"/>
-          </p:cNvPicPr>
-          <p:nvPr/>
-        </p:nvPicPr>
-        <p:blipFill rotWithShape="1">
-          <a:blip r:embed="rId3">
-            <a:extLst>
-              <a:ext uri="{28A0092B-C50C-407E-A947-70E740481C1C}">
-                <a14:useLocalDpi xmlns:a14="http://schemas.microsoft.com/office/drawing/2010/main" val="0"/>
-              </a:ext>
-            </a:extLst>
-          </a:blip>
-          <a:srcRect l="50728" t="56371"/>
-          <a:stretch/>
-        </p:blipFill>
-        <p:spPr>
-          <a:xfrm>
-            <a:off x="10894024" y="5370653"/>
-            <a:ext cx="1297975" cy="1487348"/>
-          </a:xfrm>
-          <a:prstGeom prst="rect">
-            <a:avLst/>
-          </a:prstGeom>
-        </p:spPr>
-      </p:pic>
-      <p:sp>
-        <p:nvSpPr>
-          <p:cNvPr id="11" name="TextBox 10"/>
-          <p:cNvSpPr txBox="1"/>
-          <p:nvPr/>
-        </p:nvSpPr>
-        <p:spPr>
-          <a:xfrm>
-            <a:off x="347240" y="113388"/>
-            <a:ext cx="10861534" cy="1015663"/>
-          </a:xfrm>
-          <a:prstGeom prst="rect">
-            <a:avLst/>
-          </a:prstGeom>
-          <a:noFill/>
-        </p:spPr>
-        <p:txBody>
-          <a:bodyPr wrap="square" rtlCol="0">
-            <a:spAutoFit/>
-          </a:bodyPr>
-          <a:lstStyle/>
-          <a:p>
-            <a:r>
-              <a:rPr lang="en-US" sz="6000" dirty="0">
-                <a:latin typeface="Aliens &amp; cows" panose="00000500000000000000" pitchFamily="2" charset="0"/>
-              </a:rPr>
-              <a:t>Resources</a:t>
-            </a:r>
-          </a:p>
-        </p:txBody>
-      </p:sp>
-      <p:pic>
-        <p:nvPicPr>
-          <p:cNvPr id="1026" name="Picture 2" descr="Advanced Analytics in Power BI with R and Python af Ryan ...">
-            <a:extLst>
-              <a:ext uri="{FF2B5EF4-FFF2-40B4-BE49-F238E27FC236}">
-                <a16:creationId xmlns:a16="http://schemas.microsoft.com/office/drawing/2014/main" id="{8F0244C3-0161-4C32-80FF-D2431F69DEDF}"/>
-              </a:ext>
-            </a:extLst>
-          </p:cNvPr>
-          <p:cNvPicPr>
-            <a:picLocks noChangeAspect="1" noChangeArrowheads="1"/>
-          </p:cNvPicPr>
-          <p:nvPr/>
-        </p:nvPicPr>
-        <p:blipFill>
-          <a:blip r:embed="rId4">
-            <a:extLst>
-              <a:ext uri="{28A0092B-C50C-407E-A947-70E740481C1C}">
-                <a14:useLocalDpi xmlns:a14="http://schemas.microsoft.com/office/drawing/2010/main" val="0"/>
-              </a:ext>
-            </a:extLst>
-          </a:blip>
-          <a:srcRect/>
-          <a:stretch>
-            <a:fillRect/>
-          </a:stretch>
-        </p:blipFill>
-        <p:spPr bwMode="auto">
-          <a:xfrm>
-            <a:off x="655530" y="1576550"/>
-            <a:ext cx="3375135" cy="4821621"/>
-          </a:xfrm>
-          <a:prstGeom prst="rect">
-            <a:avLst/>
-          </a:prstGeom>
-          <a:noFill/>
-          <a:extLst>
-            <a:ext uri="{909E8E84-426E-40DD-AFC4-6F175D3DCCD1}">
-              <a14:hiddenFill xmlns:a14="http://schemas.microsoft.com/office/drawing/2010/main">
-                <a:solidFill>
-                  <a:srgbClr val="FFFFFF"/>
-                </a:solidFill>
-              </a14:hiddenFill>
-            </a:ext>
-          </a:extLst>
-        </p:spPr>
-      </p:pic>
-      <p:pic>
-        <p:nvPicPr>
-          <p:cNvPr id="1028" name="Picture 4" descr="Advancing into Analytics. Ebook. George Mount. Księgarnia ...">
-            <a:extLst>
-              <a:ext uri="{FF2B5EF4-FFF2-40B4-BE49-F238E27FC236}">
-                <a16:creationId xmlns:a16="http://schemas.microsoft.com/office/drawing/2014/main" id="{3EEC4A25-AEA4-4295-9DA4-1983C9D1418F}"/>
-              </a:ext>
-            </a:extLst>
-          </p:cNvPr>
-          <p:cNvPicPr>
-            <a:picLocks noChangeAspect="1" noChangeArrowheads="1"/>
-          </p:cNvPicPr>
-          <p:nvPr/>
-        </p:nvPicPr>
-        <p:blipFill>
-          <a:blip r:embed="rId5">
-            <a:extLst>
-              <a:ext uri="{28A0092B-C50C-407E-A947-70E740481C1C}">
-                <a14:useLocalDpi xmlns:a14="http://schemas.microsoft.com/office/drawing/2010/main" val="0"/>
-              </a:ext>
-            </a:extLst>
-          </a:blip>
-          <a:srcRect/>
-          <a:stretch>
-            <a:fillRect/>
-          </a:stretch>
-        </p:blipFill>
-        <p:spPr bwMode="auto">
-          <a:xfrm>
-            <a:off x="4918474" y="1576550"/>
-            <a:ext cx="3464284" cy="4952013"/>
-          </a:xfrm>
-          <a:prstGeom prst="rect">
-            <a:avLst/>
-          </a:prstGeom>
-          <a:noFill/>
-          <a:extLst>
-            <a:ext uri="{909E8E84-426E-40DD-AFC4-6F175D3DCCD1}">
-              <a14:hiddenFill xmlns:a14="http://schemas.microsoft.com/office/drawing/2010/main">
-                <a:solidFill>
-                  <a:srgbClr val="FFFFFF"/>
-                </a:solidFill>
-              </a14:hiddenFill>
-            </a:ext>
-          </a:extLst>
-        </p:spPr>
-      </p:pic>
-    </p:spTree>
-    <p:extLst>
-      <p:ext uri="{BB962C8B-B14F-4D97-AF65-F5344CB8AC3E}">
-        <p14:creationId xmlns:p14="http://schemas.microsoft.com/office/powerpoint/2010/main" val="2207467090"/>
-      </p:ext>
-    </p:extLst>
-  </p:cSld>
-  <p:clrMapOvr>
-    <a:masterClrMapping/>
-  </p:clrMapOvr>
-</p:sld>
-</file>
-
-<file path=ppt/slides/slide9.xml><?xml version="1.0" encoding="utf-8"?>
-<p:sld xmlns:a="http://schemas.openxmlformats.org/drawingml/2006/main" xmlns:r="http://schemas.openxmlformats.org/officeDocument/2006/relationships" xmlns:p="http://schemas.openxmlformats.org/presentationml/2006/main">
-  <p:cSld>
-    <p:spTree>
-      <p:nvGrpSpPr>
-        <p:cNvPr id="1" name=""/>
-        <p:cNvGrpSpPr/>
-        <p:nvPr/>
-      </p:nvGrpSpPr>
-      <p:grpSpPr>
-        <a:xfrm>
-          <a:off x="0" y="0"/>
-          <a:ext cx="0" cy="0"/>
-          <a:chOff x="0" y="0"/>
-          <a:chExt cx="0" cy="0"/>
-        </a:xfrm>
-      </p:grpSpPr>
-      <p:pic>
-        <p:nvPicPr>
-          <p:cNvPr id="10" name="Picture 9"/>
-          <p:cNvPicPr>
-            <a:picLocks noChangeAspect="1"/>
-          </p:cNvPicPr>
-          <p:nvPr/>
-        </p:nvPicPr>
-        <p:blipFill rotWithShape="1">
           <a:blip r:embed="rId3">
             <a:extLst>
               <a:ext uri="{28A0092B-C50C-407E-A947-70E740481C1C}">
@@ -7941,6 +6039,2176 @@
     <p:extLst>
       <p:ext uri="{BB962C8B-B14F-4D97-AF65-F5344CB8AC3E}">
         <p14:creationId xmlns:p14="http://schemas.microsoft.com/office/powerpoint/2010/main" val="3784472516"/>
+      </p:ext>
+    </p:extLst>
+  </p:cSld>
+  <p:clrMapOvr>
+    <a:masterClrMapping/>
+  </p:clrMapOvr>
+</p:sld>
+</file>
+
+<file path=ppt/slides/slide11.xml><?xml version="1.0" encoding="utf-8"?>
+<p:sld xmlns:a="http://schemas.openxmlformats.org/drawingml/2006/main" xmlns:r="http://schemas.openxmlformats.org/officeDocument/2006/relationships" xmlns:p="http://schemas.openxmlformats.org/presentationml/2006/main">
+  <p:cSld>
+    <p:spTree>
+      <p:nvGrpSpPr>
+        <p:cNvPr id="1" name=""/>
+        <p:cNvGrpSpPr/>
+        <p:nvPr/>
+      </p:nvGrpSpPr>
+      <p:grpSpPr>
+        <a:xfrm>
+          <a:off x="0" y="0"/>
+          <a:ext cx="0" cy="0"/>
+          <a:chOff x="0" y="0"/>
+          <a:chExt cx="0" cy="0"/>
+        </a:xfrm>
+      </p:grpSpPr>
+      <p:pic>
+        <p:nvPicPr>
+          <p:cNvPr id="10" name="Picture 9"/>
+          <p:cNvPicPr>
+            <a:picLocks noChangeAspect="1"/>
+          </p:cNvPicPr>
+          <p:nvPr/>
+        </p:nvPicPr>
+        <p:blipFill rotWithShape="1">
+          <a:blip r:embed="rId2">
+            <a:extLst>
+              <a:ext uri="{28A0092B-C50C-407E-A947-70E740481C1C}">
+                <a14:useLocalDpi xmlns:a14="http://schemas.microsoft.com/office/drawing/2010/main" val="0"/>
+              </a:ext>
+            </a:extLst>
+          </a:blip>
+          <a:srcRect l="50728" t="56371"/>
+          <a:stretch/>
+        </p:blipFill>
+        <p:spPr>
+          <a:xfrm>
+            <a:off x="8136460" y="2210765"/>
+            <a:ext cx="4055539" cy="4647236"/>
+          </a:xfrm>
+          <a:prstGeom prst="rect">
+            <a:avLst/>
+          </a:prstGeom>
+        </p:spPr>
+      </p:pic>
+      <p:pic>
+        <p:nvPicPr>
+          <p:cNvPr id="4" name="Picture 3"/>
+          <p:cNvPicPr>
+            <a:picLocks noChangeAspect="1"/>
+          </p:cNvPicPr>
+          <p:nvPr/>
+        </p:nvPicPr>
+        <p:blipFill>
+          <a:blip r:embed="rId3">
+            <a:extLst>
+              <a:ext uri="{28A0092B-C50C-407E-A947-70E740481C1C}">
+                <a14:useLocalDpi xmlns:a14="http://schemas.microsoft.com/office/drawing/2010/main" val="0"/>
+              </a:ext>
+            </a:extLst>
+          </a:blip>
+          <a:stretch>
+            <a:fillRect/>
+          </a:stretch>
+        </p:blipFill>
+        <p:spPr>
+          <a:xfrm>
+            <a:off x="-538496" y="-2482770"/>
+            <a:ext cx="10171472" cy="7459883"/>
+          </a:xfrm>
+          <a:prstGeom prst="rect">
+            <a:avLst/>
+          </a:prstGeom>
+        </p:spPr>
+      </p:pic>
+      <p:sp>
+        <p:nvSpPr>
+          <p:cNvPr id="11" name="TextBox 10"/>
+          <p:cNvSpPr txBox="1"/>
+          <p:nvPr/>
+        </p:nvSpPr>
+        <p:spPr>
+          <a:xfrm>
+            <a:off x="324091" y="1687545"/>
+            <a:ext cx="7986531" cy="2369880"/>
+          </a:xfrm>
+          <a:prstGeom prst="rect">
+            <a:avLst/>
+          </a:prstGeom>
+          <a:noFill/>
+        </p:spPr>
+        <p:txBody>
+          <a:bodyPr wrap="square" rtlCol="0">
+            <a:spAutoFit/>
+          </a:bodyPr>
+          <a:lstStyle/>
+          <a:p>
+            <a:r>
+              <a:rPr lang="en-US" sz="3600" b="1" dirty="0">
+                <a:solidFill>
+                  <a:srgbClr val="707070"/>
+                </a:solidFill>
+                <a:latin typeface="Pragmatica" panose="020B0403040502020204" pitchFamily="34" charset="0"/>
+              </a:rPr>
+              <a:t>THANK YOU</a:t>
+            </a:r>
+          </a:p>
+          <a:p>
+            <a:endParaRPr lang="en-US" sz="2800" b="1" dirty="0">
+              <a:solidFill>
+                <a:srgbClr val="707070"/>
+              </a:solidFill>
+              <a:latin typeface="Pragmatica" panose="020B0403040502020204" pitchFamily="34" charset="0"/>
+            </a:endParaRPr>
+          </a:p>
+          <a:p>
+            <a:r>
+              <a:rPr lang="en-US" sz="2800" b="1" dirty="0">
+                <a:solidFill>
+                  <a:srgbClr val="707070"/>
+                </a:solidFill>
+                <a:latin typeface="Pragmatica" panose="020B0403040502020204" pitchFamily="34" charset="0"/>
+                <a:hlinkClick r:id="rId4"/>
+              </a:rPr>
+              <a:t>george@stringfestanalytics.com</a:t>
+            </a:r>
+            <a:endParaRPr lang="en-US" sz="2800" b="1" dirty="0">
+              <a:solidFill>
+                <a:srgbClr val="707070"/>
+              </a:solidFill>
+              <a:latin typeface="Pragmatica" panose="020B0403040502020204" pitchFamily="34" charset="0"/>
+            </a:endParaRPr>
+          </a:p>
+          <a:p>
+            <a:r>
+              <a:rPr lang="en-US" sz="2800" b="1" dirty="0">
+                <a:solidFill>
+                  <a:srgbClr val="707070"/>
+                </a:solidFill>
+                <a:latin typeface="Pragmatica" panose="020B0403040502020204" pitchFamily="34" charset="0"/>
+                <a:hlinkClick r:id="rId5"/>
+              </a:rPr>
+              <a:t>linkedin.com/in/gjmount</a:t>
+            </a:r>
+            <a:endParaRPr lang="en-US" sz="2800" b="1" dirty="0">
+              <a:solidFill>
+                <a:srgbClr val="707070"/>
+              </a:solidFill>
+              <a:latin typeface="Pragmatica" panose="020B0403040502020204" pitchFamily="34" charset="0"/>
+            </a:endParaRPr>
+          </a:p>
+          <a:p>
+            <a:r>
+              <a:rPr lang="en-US" sz="2800" b="1" dirty="0">
+                <a:solidFill>
+                  <a:srgbClr val="707070"/>
+                </a:solidFill>
+                <a:latin typeface="Pragmatica" panose="020B0403040502020204" pitchFamily="34" charset="0"/>
+                <a:hlinkClick r:id="rId6"/>
+              </a:rPr>
+              <a:t>stringfestanalytics.com/contact  </a:t>
+            </a:r>
+            <a:endParaRPr lang="en-US" sz="2800" b="1" dirty="0">
+              <a:solidFill>
+                <a:srgbClr val="707070"/>
+              </a:solidFill>
+              <a:latin typeface="Pragmatica" panose="020B0403040502020204" pitchFamily="34" charset="0"/>
+            </a:endParaRPr>
+          </a:p>
+        </p:txBody>
+      </p:sp>
+    </p:spTree>
+    <p:extLst>
+      <p:ext uri="{BB962C8B-B14F-4D97-AF65-F5344CB8AC3E}">
+        <p14:creationId xmlns:p14="http://schemas.microsoft.com/office/powerpoint/2010/main" val="3712320391"/>
+      </p:ext>
+    </p:extLst>
+  </p:cSld>
+  <p:clrMapOvr>
+    <a:masterClrMapping/>
+  </p:clrMapOvr>
+</p:sld>
+</file>
+
+<file path=ppt/slides/slide2.xml><?xml version="1.0" encoding="utf-8"?>
+<p:sld xmlns:a="http://schemas.openxmlformats.org/drawingml/2006/main" xmlns:r="http://schemas.openxmlformats.org/officeDocument/2006/relationships" xmlns:p="http://schemas.openxmlformats.org/presentationml/2006/main">
+  <p:cSld>
+    <p:spTree>
+      <p:nvGrpSpPr>
+        <p:cNvPr id="1" name=""/>
+        <p:cNvGrpSpPr/>
+        <p:nvPr/>
+      </p:nvGrpSpPr>
+      <p:grpSpPr>
+        <a:xfrm>
+          <a:off x="0" y="0"/>
+          <a:ext cx="0" cy="0"/>
+          <a:chOff x="0" y="0"/>
+          <a:chExt cx="0" cy="0"/>
+        </a:xfrm>
+      </p:grpSpPr>
+      <p:pic>
+        <p:nvPicPr>
+          <p:cNvPr id="10" name="Picture 9"/>
+          <p:cNvPicPr>
+            <a:picLocks noChangeAspect="1"/>
+          </p:cNvPicPr>
+          <p:nvPr/>
+        </p:nvPicPr>
+        <p:blipFill rotWithShape="1">
+          <a:blip r:embed="rId3">
+            <a:extLst>
+              <a:ext uri="{28A0092B-C50C-407E-A947-70E740481C1C}">
+                <a14:useLocalDpi xmlns:a14="http://schemas.microsoft.com/office/drawing/2010/main" val="0"/>
+              </a:ext>
+            </a:extLst>
+          </a:blip>
+          <a:srcRect l="50728" t="56371"/>
+          <a:stretch/>
+        </p:blipFill>
+        <p:spPr>
+          <a:xfrm>
+            <a:off x="10894024" y="5370653"/>
+            <a:ext cx="1297975" cy="1487348"/>
+          </a:xfrm>
+          <a:prstGeom prst="rect">
+            <a:avLst/>
+          </a:prstGeom>
+        </p:spPr>
+      </p:pic>
+      <p:sp>
+        <p:nvSpPr>
+          <p:cNvPr id="11" name="TextBox 10"/>
+          <p:cNvSpPr txBox="1"/>
+          <p:nvPr/>
+        </p:nvSpPr>
+        <p:spPr>
+          <a:xfrm>
+            <a:off x="347240" y="113388"/>
+            <a:ext cx="9799937" cy="1015663"/>
+          </a:xfrm>
+          <a:prstGeom prst="rect">
+            <a:avLst/>
+          </a:prstGeom>
+          <a:noFill/>
+        </p:spPr>
+        <p:txBody>
+          <a:bodyPr wrap="square" rtlCol="0">
+            <a:spAutoFit/>
+          </a:bodyPr>
+          <a:lstStyle/>
+          <a:p>
+            <a:r>
+              <a:rPr lang="en-US" sz="6000" dirty="0">
+                <a:latin typeface="Aliens &amp; cows" panose="00000500000000000000" pitchFamily="2" charset="0"/>
+              </a:rPr>
+              <a:t>Learning objectives</a:t>
+            </a:r>
+          </a:p>
+        </p:txBody>
+      </p:sp>
+      <p:sp>
+        <p:nvSpPr>
+          <p:cNvPr id="3" name="TextBox 2"/>
+          <p:cNvSpPr txBox="1"/>
+          <p:nvPr/>
+        </p:nvSpPr>
+        <p:spPr>
+          <a:xfrm>
+            <a:off x="462987" y="1365813"/>
+            <a:ext cx="10263233" cy="6124754"/>
+          </a:xfrm>
+          <a:prstGeom prst="rect">
+            <a:avLst/>
+          </a:prstGeom>
+          <a:noFill/>
+        </p:spPr>
+        <p:txBody>
+          <a:bodyPr wrap="square" rtlCol="0">
+            <a:spAutoFit/>
+          </a:bodyPr>
+          <a:lstStyle/>
+          <a:p>
+            <a:pPr marL="285750" indent="-285750">
+              <a:buFont typeface="Arial" panose="020B0604020202020204" pitchFamily="34" charset="0"/>
+              <a:buChar char="•"/>
+            </a:pPr>
+            <a:r>
+              <a:rPr lang="en-US" sz="2800" dirty="0">
+                <a:solidFill>
+                  <a:srgbClr val="707070"/>
+                </a:solidFill>
+                <a:latin typeface="Pragmatica" panose="020B0403040502020204" pitchFamily="34" charset="0"/>
+              </a:rPr>
+              <a:t>R in Power BI: when and why? </a:t>
+            </a:r>
+          </a:p>
+          <a:p>
+            <a:pPr marL="285750" indent="-285750">
+              <a:buFont typeface="Arial" panose="020B0604020202020204" pitchFamily="34" charset="0"/>
+              <a:buChar char="•"/>
+            </a:pPr>
+            <a:r>
+              <a:rPr lang="en-US" sz="2800" dirty="0">
+                <a:solidFill>
+                  <a:srgbClr val="707070"/>
+                </a:solidFill>
+                <a:latin typeface="Pragmatica" panose="020B0403040502020204" pitchFamily="34" charset="0"/>
+              </a:rPr>
+              <a:t>Setup</a:t>
+            </a:r>
+          </a:p>
+          <a:p>
+            <a:pPr marL="285750" indent="-285750">
+              <a:buFont typeface="Arial" panose="020B0604020202020204" pitchFamily="34" charset="0"/>
+              <a:buChar char="•"/>
+            </a:pPr>
+            <a:r>
+              <a:rPr lang="en-US" sz="2800" dirty="0">
+                <a:solidFill>
+                  <a:srgbClr val="707070"/>
+                </a:solidFill>
+                <a:latin typeface="Pragmatica" panose="020B0403040502020204" pitchFamily="34" charset="0"/>
+              </a:rPr>
+              <a:t>Use cases</a:t>
+            </a:r>
+          </a:p>
+          <a:p>
+            <a:pPr marL="285750" indent="-285750">
+              <a:buFont typeface="Arial" panose="020B0604020202020204" pitchFamily="34" charset="0"/>
+              <a:buChar char="•"/>
+            </a:pPr>
+            <a:r>
+              <a:rPr lang="en-US" sz="2800" dirty="0">
+                <a:solidFill>
+                  <a:srgbClr val="707070"/>
+                </a:solidFill>
+                <a:latin typeface="Pragmatica" panose="020B0403040502020204" pitchFamily="34" charset="0"/>
+              </a:rPr>
+              <a:t>Giveaway…</a:t>
+            </a:r>
+          </a:p>
+          <a:p>
+            <a:pPr marL="285750" indent="-285750">
+              <a:buFont typeface="Arial" panose="020B0604020202020204" pitchFamily="34" charset="0"/>
+              <a:buChar char="•"/>
+            </a:pPr>
+            <a:endParaRPr lang="en-US" sz="2800" dirty="0">
+              <a:solidFill>
+                <a:srgbClr val="707070"/>
+              </a:solidFill>
+              <a:latin typeface="Pragmatica" panose="020B0403040502020204" pitchFamily="34" charset="0"/>
+            </a:endParaRPr>
+          </a:p>
+          <a:p>
+            <a:pPr marL="285750" indent="-285750">
+              <a:buFont typeface="Arial" panose="020B0604020202020204" pitchFamily="34" charset="0"/>
+              <a:buChar char="•"/>
+            </a:pPr>
+            <a:r>
+              <a:rPr lang="en-US" sz="2800" dirty="0">
+                <a:solidFill>
+                  <a:srgbClr val="707070"/>
+                </a:solidFill>
+                <a:latin typeface="Pragmatica" panose="020B0403040502020204" pitchFamily="34" charset="0"/>
+              </a:rPr>
+              <a:t>Follow along: </a:t>
+            </a:r>
+            <a:r>
+              <a:rPr lang="en-US" sz="2800" dirty="0">
+                <a:solidFill>
+                  <a:srgbClr val="707070"/>
+                </a:solidFill>
+                <a:latin typeface="Pragmatica" panose="020B0403040502020204" pitchFamily="34" charset="0"/>
+                <a:hlinkClick r:id="rId4"/>
+              </a:rPr>
+              <a:t>https://github.com/stringfestdata/satrday-r-power-bi</a:t>
+            </a:r>
+            <a:endParaRPr lang="en-US" sz="2800" dirty="0">
+              <a:solidFill>
+                <a:srgbClr val="707070"/>
+              </a:solidFill>
+              <a:latin typeface="Pragmatica" panose="020B0403040502020204" pitchFamily="34" charset="0"/>
+            </a:endParaRPr>
+          </a:p>
+          <a:p>
+            <a:pPr marL="742950" lvl="1" indent="-285750">
+              <a:buFont typeface="Arial" panose="020B0604020202020204" pitchFamily="34" charset="0"/>
+              <a:buChar char="•"/>
+            </a:pPr>
+            <a:r>
+              <a:rPr lang="en-US" sz="2800" dirty="0">
+                <a:solidFill>
+                  <a:srgbClr val="707070"/>
+                </a:solidFill>
+                <a:latin typeface="Consolas" panose="020B0609020204030204" pitchFamily="49" charset="0"/>
+              </a:rPr>
+              <a:t>r-</a:t>
+            </a:r>
+            <a:r>
+              <a:rPr lang="en-US" sz="2800" dirty="0" err="1">
+                <a:solidFill>
+                  <a:srgbClr val="707070"/>
+                </a:solidFill>
+                <a:latin typeface="Consolas" panose="020B0609020204030204" pitchFamily="49" charset="0"/>
+              </a:rPr>
+              <a:t>pbi</a:t>
+            </a:r>
+            <a:r>
+              <a:rPr lang="en-US" sz="2800" dirty="0">
+                <a:solidFill>
+                  <a:srgbClr val="707070"/>
+                </a:solidFill>
+                <a:latin typeface="Consolas" panose="020B0609020204030204" pitchFamily="49" charset="0"/>
+              </a:rPr>
+              <a:t>-</a:t>
+            </a:r>
+            <a:r>
+              <a:rPr lang="en-US" sz="2800" dirty="0" err="1">
+                <a:solidFill>
+                  <a:srgbClr val="707070"/>
+                </a:solidFill>
+                <a:latin typeface="Consolas" panose="020B0609020204030204" pitchFamily="49" charset="0"/>
+              </a:rPr>
+              <a:t>scripts.r</a:t>
+            </a:r>
+            <a:r>
+              <a:rPr lang="en-US" sz="2800" dirty="0">
+                <a:solidFill>
+                  <a:srgbClr val="707070"/>
+                </a:solidFill>
+                <a:latin typeface="Pragmatica" panose="020B7200000000000000" pitchFamily="34" charset="0"/>
+              </a:rPr>
+              <a:t>: scripts used</a:t>
+            </a:r>
+          </a:p>
+          <a:p>
+            <a:pPr marL="742950" lvl="1" indent="-285750">
+              <a:buFont typeface="Arial" panose="020B0604020202020204" pitchFamily="34" charset="0"/>
+              <a:buChar char="•"/>
+            </a:pPr>
+            <a:r>
+              <a:rPr lang="en-US" sz="2800" dirty="0">
+                <a:solidFill>
+                  <a:srgbClr val="707070"/>
+                </a:solidFill>
+                <a:latin typeface="Consolas" panose="020B0609020204030204" pitchFamily="49" charset="0"/>
+              </a:rPr>
+              <a:t>r-</a:t>
+            </a:r>
+            <a:r>
+              <a:rPr lang="en-US" sz="2800" dirty="0" err="1">
+                <a:solidFill>
+                  <a:srgbClr val="707070"/>
+                </a:solidFill>
+                <a:latin typeface="Consolas" panose="020B0609020204030204" pitchFamily="49" charset="0"/>
+              </a:rPr>
+              <a:t>pbi.pbix</a:t>
+            </a:r>
+            <a:r>
+              <a:rPr lang="en-US" sz="2800" dirty="0">
+                <a:solidFill>
+                  <a:srgbClr val="707070"/>
+                </a:solidFill>
+                <a:latin typeface="Consolas" panose="020B0609020204030204" pitchFamily="49" charset="0"/>
+              </a:rPr>
+              <a:t>:</a:t>
+            </a:r>
+            <a:r>
+              <a:rPr lang="en-US" sz="2800" dirty="0">
+                <a:solidFill>
+                  <a:srgbClr val="707070"/>
+                </a:solidFill>
+                <a:latin typeface="Pragmatica" panose="020B7200000000000000" pitchFamily="34" charset="0"/>
+              </a:rPr>
+              <a:t> completed PBI file</a:t>
+            </a:r>
+          </a:p>
+          <a:p>
+            <a:pPr marL="742950" lvl="1" indent="-285750">
+              <a:buFont typeface="Arial" panose="020B0604020202020204" pitchFamily="34" charset="0"/>
+              <a:buChar char="•"/>
+            </a:pPr>
+            <a:endParaRPr lang="en-US" sz="2800" dirty="0">
+              <a:solidFill>
+                <a:srgbClr val="707070"/>
+              </a:solidFill>
+              <a:latin typeface="Pragmatica" panose="020B7200000000000000" pitchFamily="34" charset="0"/>
+            </a:endParaRPr>
+          </a:p>
+          <a:p>
+            <a:pPr marL="742950" lvl="1" indent="-285750">
+              <a:buFont typeface="Arial" panose="020B0604020202020204" pitchFamily="34" charset="0"/>
+              <a:buChar char="•"/>
+            </a:pPr>
+            <a:endParaRPr lang="en-US" sz="2800" dirty="0">
+              <a:solidFill>
+                <a:srgbClr val="707070"/>
+              </a:solidFill>
+              <a:latin typeface="Pragmatica" panose="020B7200000000000000" pitchFamily="34" charset="0"/>
+            </a:endParaRPr>
+          </a:p>
+          <a:p>
+            <a:pPr marL="742950" lvl="1" indent="-285750">
+              <a:buFont typeface="Arial" panose="020B0604020202020204" pitchFamily="34" charset="0"/>
+              <a:buChar char="•"/>
+            </a:pPr>
+            <a:endParaRPr lang="en-US" sz="2800" dirty="0">
+              <a:solidFill>
+                <a:srgbClr val="707070"/>
+              </a:solidFill>
+              <a:latin typeface="Pragmatica" panose="020B7200000000000000" pitchFamily="34" charset="0"/>
+            </a:endParaRPr>
+          </a:p>
+          <a:p>
+            <a:pPr marL="285750" indent="-285750">
+              <a:buFont typeface="Arial" panose="020B0604020202020204" pitchFamily="34" charset="0"/>
+              <a:buChar char="•"/>
+            </a:pPr>
+            <a:endParaRPr lang="en-US" sz="2800" dirty="0">
+              <a:solidFill>
+                <a:srgbClr val="707070"/>
+              </a:solidFill>
+              <a:latin typeface="Pragmatica" panose="020B0403040502020204" pitchFamily="34" charset="0"/>
+            </a:endParaRPr>
+          </a:p>
+          <a:p>
+            <a:endParaRPr lang="en-US" sz="2800" dirty="0">
+              <a:solidFill>
+                <a:srgbClr val="707070"/>
+              </a:solidFill>
+              <a:latin typeface="Pragmatica" panose="020B0403040502020204" pitchFamily="34" charset="0"/>
+            </a:endParaRPr>
+          </a:p>
+        </p:txBody>
+      </p:sp>
+    </p:spTree>
+    <p:extLst>
+      <p:ext uri="{BB962C8B-B14F-4D97-AF65-F5344CB8AC3E}">
+        <p14:creationId xmlns:p14="http://schemas.microsoft.com/office/powerpoint/2010/main" val="2948647643"/>
+      </p:ext>
+    </p:extLst>
+  </p:cSld>
+  <p:clrMapOvr>
+    <a:masterClrMapping/>
+  </p:clrMapOvr>
+</p:sld>
+</file>
+
+<file path=ppt/slides/slide3.xml><?xml version="1.0" encoding="utf-8"?>
+<p:sld xmlns:a="http://schemas.openxmlformats.org/drawingml/2006/main" xmlns:r="http://schemas.openxmlformats.org/officeDocument/2006/relationships" xmlns:p="http://schemas.openxmlformats.org/presentationml/2006/main">
+  <p:cSld>
+    <p:spTree>
+      <p:nvGrpSpPr>
+        <p:cNvPr id="1" name=""/>
+        <p:cNvGrpSpPr/>
+        <p:nvPr/>
+      </p:nvGrpSpPr>
+      <p:grpSpPr>
+        <a:xfrm>
+          <a:off x="0" y="0"/>
+          <a:ext cx="0" cy="0"/>
+          <a:chOff x="0" y="0"/>
+          <a:chExt cx="0" cy="0"/>
+        </a:xfrm>
+      </p:grpSpPr>
+      <p:pic>
+        <p:nvPicPr>
+          <p:cNvPr id="10" name="Picture 9"/>
+          <p:cNvPicPr>
+            <a:picLocks noChangeAspect="1"/>
+          </p:cNvPicPr>
+          <p:nvPr/>
+        </p:nvPicPr>
+        <p:blipFill rotWithShape="1">
+          <a:blip r:embed="rId3">
+            <a:extLst>
+              <a:ext uri="{28A0092B-C50C-407E-A947-70E740481C1C}">
+                <a14:useLocalDpi xmlns:a14="http://schemas.microsoft.com/office/drawing/2010/main" val="0"/>
+              </a:ext>
+            </a:extLst>
+          </a:blip>
+          <a:srcRect l="50728" t="56371"/>
+          <a:stretch/>
+        </p:blipFill>
+        <p:spPr>
+          <a:xfrm>
+            <a:off x="10894024" y="5370653"/>
+            <a:ext cx="1297975" cy="1487348"/>
+          </a:xfrm>
+          <a:prstGeom prst="rect">
+            <a:avLst/>
+          </a:prstGeom>
+        </p:spPr>
+      </p:pic>
+      <p:sp>
+        <p:nvSpPr>
+          <p:cNvPr id="11" name="TextBox 10"/>
+          <p:cNvSpPr txBox="1"/>
+          <p:nvPr/>
+        </p:nvSpPr>
+        <p:spPr>
+          <a:xfrm>
+            <a:off x="347240" y="113388"/>
+            <a:ext cx="9799937" cy="1015663"/>
+          </a:xfrm>
+          <a:prstGeom prst="rect">
+            <a:avLst/>
+          </a:prstGeom>
+          <a:noFill/>
+        </p:spPr>
+        <p:txBody>
+          <a:bodyPr wrap="square" rtlCol="0">
+            <a:spAutoFit/>
+          </a:bodyPr>
+          <a:lstStyle/>
+          <a:p>
+            <a:r>
+              <a:rPr lang="en-US" sz="6000" dirty="0">
+                <a:latin typeface="Aliens &amp; cows" panose="00000500000000000000" pitchFamily="2" charset="0"/>
+              </a:rPr>
+              <a:t>Chat me up</a:t>
+            </a:r>
+          </a:p>
+        </p:txBody>
+      </p:sp>
+      <p:sp>
+        <p:nvSpPr>
+          <p:cNvPr id="13" name="TextBox 12">
+            <a:extLst>
+              <a:ext uri="{FF2B5EF4-FFF2-40B4-BE49-F238E27FC236}">
+                <a16:creationId xmlns:a16="http://schemas.microsoft.com/office/drawing/2014/main" id="{BAD4CFA0-F6EE-4D9E-AA4F-AABFDE2E3205}"/>
+              </a:ext>
+            </a:extLst>
+          </p:cNvPr>
+          <p:cNvSpPr txBox="1"/>
+          <p:nvPr/>
+        </p:nvSpPr>
+        <p:spPr>
+          <a:xfrm>
+            <a:off x="462988" y="1365813"/>
+            <a:ext cx="6772002" cy="3539430"/>
+          </a:xfrm>
+          <a:prstGeom prst="rect">
+            <a:avLst/>
+          </a:prstGeom>
+          <a:noFill/>
+        </p:spPr>
+        <p:txBody>
+          <a:bodyPr wrap="square" rtlCol="0">
+            <a:spAutoFit/>
+          </a:bodyPr>
+          <a:lstStyle/>
+          <a:p>
+            <a:pPr marL="285750" indent="-285750">
+              <a:buFont typeface="Arial" panose="020B0604020202020204" pitchFamily="34" charset="0"/>
+              <a:buChar char="•"/>
+            </a:pPr>
+            <a:r>
+              <a:rPr lang="en-US" sz="2800" dirty="0">
+                <a:solidFill>
+                  <a:srgbClr val="707070"/>
+                </a:solidFill>
+                <a:latin typeface="Pragmatica" panose="020B0403040502020204" pitchFamily="34" charset="0"/>
+              </a:rPr>
+              <a:t>Do you use Power BI? How/when/why?</a:t>
+            </a:r>
+          </a:p>
+          <a:p>
+            <a:pPr marL="285750" indent="-285750">
+              <a:buFont typeface="Arial" panose="020B0604020202020204" pitchFamily="34" charset="0"/>
+              <a:buChar char="•"/>
+            </a:pPr>
+            <a:r>
+              <a:rPr lang="en-US" sz="2800" dirty="0">
+                <a:solidFill>
+                  <a:srgbClr val="707070"/>
+                </a:solidFill>
+                <a:latin typeface="Pragmatica" panose="020B0403040502020204" pitchFamily="34" charset="0"/>
+              </a:rPr>
+              <a:t>Do you use R in Power BI? How/when/why?</a:t>
+            </a:r>
+          </a:p>
+          <a:p>
+            <a:pPr marL="285750" indent="-285750">
+              <a:buFont typeface="Arial" panose="020B0604020202020204" pitchFamily="34" charset="0"/>
+              <a:buChar char="•"/>
+            </a:pPr>
+            <a:r>
+              <a:rPr lang="en-US" sz="2800" dirty="0">
+                <a:solidFill>
+                  <a:srgbClr val="707070"/>
+                </a:solidFill>
+                <a:latin typeface="Pragmatica" panose="020B0403040502020204" pitchFamily="34" charset="0"/>
+              </a:rPr>
+              <a:t>Pros/cons to Power BI vs Shiny?</a:t>
+            </a:r>
+          </a:p>
+          <a:p>
+            <a:pPr marL="285750" indent="-285750">
+              <a:buFont typeface="Arial" panose="020B0604020202020204" pitchFamily="34" charset="0"/>
+              <a:buChar char="•"/>
+            </a:pPr>
+            <a:endParaRPr lang="en-US" sz="2800" dirty="0">
+              <a:solidFill>
+                <a:srgbClr val="707070"/>
+              </a:solidFill>
+              <a:latin typeface="Pragmatica" panose="020B0403040502020204" pitchFamily="34" charset="0"/>
+            </a:endParaRPr>
+          </a:p>
+          <a:p>
+            <a:pPr marL="285750" indent="-285750">
+              <a:buFont typeface="Arial" panose="020B0604020202020204" pitchFamily="34" charset="0"/>
+              <a:buChar char="•"/>
+            </a:pPr>
+            <a:r>
+              <a:rPr lang="en-US" sz="2800" dirty="0">
+                <a:solidFill>
+                  <a:srgbClr val="707070"/>
+                </a:solidFill>
+                <a:latin typeface="Pragmatica" panose="020B0403040502020204" pitchFamily="34" charset="0"/>
+              </a:rPr>
+              <a:t> Brainstorm it! </a:t>
+            </a:r>
+            <a:r>
+              <a:rPr lang="en-US" sz="2800" dirty="0">
+                <a:solidFill>
+                  <a:srgbClr val="707070"/>
+                </a:solidFill>
+                <a:latin typeface="Pragmatica" panose="020B0403040502020204" pitchFamily="34" charset="0"/>
+                <a:hlinkClick r:id="rId4"/>
+              </a:rPr>
+              <a:t>https://bit.ly/3nos6Yb</a:t>
+            </a:r>
+            <a:r>
+              <a:rPr lang="en-US" sz="2800" dirty="0">
+                <a:solidFill>
+                  <a:srgbClr val="707070"/>
+                </a:solidFill>
+                <a:latin typeface="Pragmatica" panose="020B0403040502020204" pitchFamily="34" charset="0"/>
+              </a:rPr>
+              <a:t>  </a:t>
+            </a:r>
+          </a:p>
+        </p:txBody>
+      </p:sp>
+    </p:spTree>
+    <p:extLst>
+      <p:ext uri="{BB962C8B-B14F-4D97-AF65-F5344CB8AC3E}">
+        <p14:creationId xmlns:p14="http://schemas.microsoft.com/office/powerpoint/2010/main" val="821058036"/>
+      </p:ext>
+    </p:extLst>
+  </p:cSld>
+  <p:clrMapOvr>
+    <a:masterClrMapping/>
+  </p:clrMapOvr>
+</p:sld>
+</file>
+
+<file path=ppt/slides/slide4.xml><?xml version="1.0" encoding="utf-8"?>
+<p:sld xmlns:a="http://schemas.openxmlformats.org/drawingml/2006/main" xmlns:r="http://schemas.openxmlformats.org/officeDocument/2006/relationships" xmlns:p="http://schemas.openxmlformats.org/presentationml/2006/main">
+  <p:cSld>
+    <p:spTree>
+      <p:nvGrpSpPr>
+        <p:cNvPr id="1" name=""/>
+        <p:cNvGrpSpPr/>
+        <p:nvPr/>
+      </p:nvGrpSpPr>
+      <p:grpSpPr>
+        <a:xfrm>
+          <a:off x="0" y="0"/>
+          <a:ext cx="0" cy="0"/>
+          <a:chOff x="0" y="0"/>
+          <a:chExt cx="0" cy="0"/>
+        </a:xfrm>
+      </p:grpSpPr>
+      <p:pic>
+        <p:nvPicPr>
+          <p:cNvPr id="10" name="Picture 9"/>
+          <p:cNvPicPr>
+            <a:picLocks noChangeAspect="1"/>
+          </p:cNvPicPr>
+          <p:nvPr/>
+        </p:nvPicPr>
+        <p:blipFill rotWithShape="1">
+          <a:blip r:embed="rId3">
+            <a:extLst>
+              <a:ext uri="{28A0092B-C50C-407E-A947-70E740481C1C}">
+                <a14:useLocalDpi xmlns:a14="http://schemas.microsoft.com/office/drawing/2010/main" val="0"/>
+              </a:ext>
+            </a:extLst>
+          </a:blip>
+          <a:srcRect l="50728" t="56371"/>
+          <a:stretch/>
+        </p:blipFill>
+        <p:spPr>
+          <a:xfrm>
+            <a:off x="10894024" y="5370653"/>
+            <a:ext cx="1297975" cy="1487348"/>
+          </a:xfrm>
+          <a:prstGeom prst="rect">
+            <a:avLst/>
+          </a:prstGeom>
+        </p:spPr>
+      </p:pic>
+      <p:sp>
+        <p:nvSpPr>
+          <p:cNvPr id="11" name="TextBox 10"/>
+          <p:cNvSpPr txBox="1"/>
+          <p:nvPr/>
+        </p:nvSpPr>
+        <p:spPr>
+          <a:xfrm>
+            <a:off x="347240" y="113388"/>
+            <a:ext cx="9799937" cy="1015663"/>
+          </a:xfrm>
+          <a:prstGeom prst="rect">
+            <a:avLst/>
+          </a:prstGeom>
+          <a:noFill/>
+        </p:spPr>
+        <p:txBody>
+          <a:bodyPr wrap="square" rtlCol="0">
+            <a:spAutoFit/>
+          </a:bodyPr>
+          <a:lstStyle/>
+          <a:p>
+            <a:r>
+              <a:rPr lang="en-US" sz="6000" dirty="0">
+                <a:latin typeface="Aliens &amp; cows" panose="00000500000000000000" pitchFamily="2" charset="0"/>
+              </a:rPr>
+              <a:t>When and why</a:t>
+            </a:r>
+          </a:p>
+        </p:txBody>
+      </p:sp>
+      <p:sp>
+        <p:nvSpPr>
+          <p:cNvPr id="8" name="TextBox 7">
+            <a:extLst>
+              <a:ext uri="{FF2B5EF4-FFF2-40B4-BE49-F238E27FC236}">
+                <a16:creationId xmlns:a16="http://schemas.microsoft.com/office/drawing/2014/main" id="{42A7C85F-0A10-4F88-8567-526BD39FA98C}"/>
+              </a:ext>
+            </a:extLst>
+          </p:cNvPr>
+          <p:cNvSpPr txBox="1"/>
+          <p:nvPr/>
+        </p:nvSpPr>
+        <p:spPr>
+          <a:xfrm>
+            <a:off x="462987" y="1365813"/>
+            <a:ext cx="5511093" cy="5262979"/>
+          </a:xfrm>
+          <a:prstGeom prst="rect">
+            <a:avLst/>
+          </a:prstGeom>
+          <a:noFill/>
+        </p:spPr>
+        <p:txBody>
+          <a:bodyPr wrap="square" rtlCol="0">
+            <a:spAutoFit/>
+          </a:bodyPr>
+          <a:lstStyle/>
+          <a:p>
+            <a:pPr marL="285750" indent="-285750">
+              <a:buFont typeface="Arial" panose="020B0604020202020204" pitchFamily="34" charset="0"/>
+              <a:buChar char="•"/>
+            </a:pPr>
+            <a:r>
+              <a:rPr lang="en-US" sz="2800" dirty="0">
+                <a:solidFill>
+                  <a:srgbClr val="707070"/>
+                </a:solidFill>
+                <a:latin typeface="Pragmatica" panose="020B0403040502020204" pitchFamily="34" charset="0"/>
+              </a:rPr>
+              <a:t>Remote or unstructured data sources</a:t>
+            </a:r>
+            <a:br>
+              <a:rPr lang="en-US" sz="2800" dirty="0">
+                <a:solidFill>
+                  <a:srgbClr val="707070"/>
+                </a:solidFill>
+                <a:latin typeface="Pragmatica" panose="020B0403040502020204" pitchFamily="34" charset="0"/>
+              </a:rPr>
+            </a:br>
+            <a:endParaRPr lang="en-US" sz="2800" dirty="0">
+              <a:solidFill>
+                <a:srgbClr val="707070"/>
+              </a:solidFill>
+              <a:latin typeface="Pragmatica" panose="020B0403040502020204" pitchFamily="34" charset="0"/>
+            </a:endParaRPr>
+          </a:p>
+          <a:p>
+            <a:pPr marL="285750" indent="-285750">
+              <a:buFont typeface="Arial" panose="020B0604020202020204" pitchFamily="34" charset="0"/>
+              <a:buChar char="•"/>
+            </a:pPr>
+            <a:r>
+              <a:rPr lang="en-US" sz="2800" dirty="0">
+                <a:solidFill>
+                  <a:srgbClr val="707070"/>
+                </a:solidFill>
+                <a:latin typeface="Pragmatica" panose="020B0403040502020204" pitchFamily="34" charset="0"/>
+              </a:rPr>
+              <a:t>Feature engineering (missing values, PCA)</a:t>
+            </a:r>
+            <a:br>
+              <a:rPr lang="en-US" sz="2800" dirty="0">
+                <a:solidFill>
+                  <a:srgbClr val="707070"/>
+                </a:solidFill>
+                <a:latin typeface="Pragmatica" panose="020B0403040502020204" pitchFamily="34" charset="0"/>
+              </a:rPr>
+            </a:br>
+            <a:endParaRPr lang="en-US" sz="2800" dirty="0">
+              <a:solidFill>
+                <a:srgbClr val="707070"/>
+              </a:solidFill>
+              <a:latin typeface="Pragmatica" panose="020B0403040502020204" pitchFamily="34" charset="0"/>
+            </a:endParaRPr>
+          </a:p>
+          <a:p>
+            <a:pPr marL="285750" indent="-285750">
+              <a:buFont typeface="Arial" panose="020B0604020202020204" pitchFamily="34" charset="0"/>
+              <a:buChar char="•"/>
+            </a:pPr>
+            <a:r>
+              <a:rPr lang="en-US" sz="2800" dirty="0">
+                <a:solidFill>
+                  <a:srgbClr val="707070"/>
+                </a:solidFill>
+                <a:latin typeface="Pragmatica" panose="020B0403040502020204" pitchFamily="34" charset="0"/>
+              </a:rPr>
+              <a:t>Machine learning</a:t>
+            </a:r>
+            <a:br>
+              <a:rPr lang="en-US" sz="2800" dirty="0">
+                <a:solidFill>
+                  <a:srgbClr val="707070"/>
+                </a:solidFill>
+                <a:latin typeface="Pragmatica" panose="020B0403040502020204" pitchFamily="34" charset="0"/>
+              </a:rPr>
+            </a:br>
+            <a:endParaRPr lang="en-US" sz="2800" dirty="0">
+              <a:solidFill>
+                <a:srgbClr val="707070"/>
+              </a:solidFill>
+              <a:latin typeface="Pragmatica" panose="020B0403040502020204" pitchFamily="34" charset="0"/>
+            </a:endParaRPr>
+          </a:p>
+          <a:p>
+            <a:pPr marL="285750" indent="-285750">
+              <a:buFont typeface="Arial" panose="020B0604020202020204" pitchFamily="34" charset="0"/>
+              <a:buChar char="•"/>
+            </a:pPr>
+            <a:r>
+              <a:rPr lang="en-US" sz="2800" dirty="0">
+                <a:solidFill>
+                  <a:srgbClr val="707070"/>
+                </a:solidFill>
+                <a:latin typeface="Pragmatica" panose="020B0403040502020204" pitchFamily="34" charset="0"/>
+              </a:rPr>
+              <a:t>Regular expressions</a:t>
+            </a:r>
+            <a:br>
+              <a:rPr lang="en-US" sz="2800" dirty="0">
+                <a:solidFill>
+                  <a:srgbClr val="707070"/>
+                </a:solidFill>
+                <a:latin typeface="Pragmatica" panose="020B0403040502020204" pitchFamily="34" charset="0"/>
+              </a:rPr>
+            </a:br>
+            <a:endParaRPr lang="en-US" sz="2800" dirty="0">
+              <a:solidFill>
+                <a:srgbClr val="707070"/>
+              </a:solidFill>
+              <a:latin typeface="Pragmatica" panose="020B0403040502020204" pitchFamily="34" charset="0"/>
+            </a:endParaRPr>
+          </a:p>
+          <a:p>
+            <a:pPr marL="285750" indent="-285750">
+              <a:buFont typeface="Arial" panose="020B0604020202020204" pitchFamily="34" charset="0"/>
+              <a:buChar char="•"/>
+            </a:pPr>
+            <a:r>
+              <a:rPr lang="en-US" sz="2800" dirty="0">
+                <a:solidFill>
+                  <a:srgbClr val="707070"/>
+                </a:solidFill>
+                <a:latin typeface="Pragmatica" panose="020B0403040502020204" pitchFamily="34" charset="0"/>
+              </a:rPr>
+              <a:t>Advanced, custom visualizations</a:t>
+            </a:r>
+          </a:p>
+        </p:txBody>
+      </p:sp>
+      <p:sp>
+        <p:nvSpPr>
+          <p:cNvPr id="12" name="TextBox 11">
+            <a:extLst>
+              <a:ext uri="{FF2B5EF4-FFF2-40B4-BE49-F238E27FC236}">
+                <a16:creationId xmlns:a16="http://schemas.microsoft.com/office/drawing/2014/main" id="{6DD6493B-1F9B-4D5B-BF8B-B1367EE5DCCA}"/>
+              </a:ext>
+            </a:extLst>
+          </p:cNvPr>
+          <p:cNvSpPr txBox="1"/>
+          <p:nvPr/>
+        </p:nvSpPr>
+        <p:spPr>
+          <a:xfrm>
+            <a:off x="5773856" y="4975620"/>
+            <a:ext cx="5753748" cy="646331"/>
+          </a:xfrm>
+          <a:prstGeom prst="rect">
+            <a:avLst/>
+          </a:prstGeom>
+          <a:noFill/>
+        </p:spPr>
+        <p:txBody>
+          <a:bodyPr wrap="square">
+            <a:spAutoFit/>
+          </a:bodyPr>
+          <a:lstStyle/>
+          <a:p>
+            <a:r>
+              <a:rPr lang="en-US" dirty="0"/>
+              <a:t>https://www.windowsblogitalia.com/2019/02/microsoft-migliore-futuro-inner-source/</a:t>
+            </a:r>
+          </a:p>
+        </p:txBody>
+      </p:sp>
+      <p:pic>
+        <p:nvPicPr>
+          <p:cNvPr id="1026" name="Picture 2" descr="Microsoft loves Open Source">
+            <a:extLst>
+              <a:ext uri="{FF2B5EF4-FFF2-40B4-BE49-F238E27FC236}">
+                <a16:creationId xmlns:a16="http://schemas.microsoft.com/office/drawing/2014/main" id="{FEA8D45A-D5EA-477A-A7E1-CB8D265DDFC3}"/>
+              </a:ext>
+            </a:extLst>
+          </p:cNvPr>
+          <p:cNvPicPr>
+            <a:picLocks noChangeAspect="1" noChangeArrowheads="1"/>
+          </p:cNvPicPr>
+          <p:nvPr/>
+        </p:nvPicPr>
+        <p:blipFill>
+          <a:blip r:embed="rId4">
+            <a:extLst>
+              <a:ext uri="{28A0092B-C50C-407E-A947-70E740481C1C}">
+                <a14:useLocalDpi xmlns:a14="http://schemas.microsoft.com/office/drawing/2010/main" val="0"/>
+              </a:ext>
+            </a:extLst>
+          </a:blip>
+          <a:srcRect/>
+          <a:stretch>
+            <a:fillRect/>
+          </a:stretch>
+        </p:blipFill>
+        <p:spPr bwMode="auto">
+          <a:xfrm>
+            <a:off x="5773856" y="1192418"/>
+            <a:ext cx="5678104" cy="3783202"/>
+          </a:xfrm>
+          <a:prstGeom prst="rect">
+            <a:avLst/>
+          </a:prstGeom>
+          <a:noFill/>
+          <a:extLst>
+            <a:ext uri="{909E8E84-426E-40DD-AFC4-6F175D3DCCD1}">
+              <a14:hiddenFill xmlns:a14="http://schemas.microsoft.com/office/drawing/2010/main">
+                <a:solidFill>
+                  <a:srgbClr val="FFFFFF"/>
+                </a:solidFill>
+              </a14:hiddenFill>
+            </a:ext>
+          </a:extLst>
+        </p:spPr>
+      </p:pic>
+    </p:spTree>
+    <p:extLst>
+      <p:ext uri="{BB962C8B-B14F-4D97-AF65-F5344CB8AC3E}">
+        <p14:creationId xmlns:p14="http://schemas.microsoft.com/office/powerpoint/2010/main" val="2480351462"/>
+      </p:ext>
+    </p:extLst>
+  </p:cSld>
+  <p:clrMapOvr>
+    <a:masterClrMapping/>
+  </p:clrMapOvr>
+</p:sld>
+</file>
+
+<file path=ppt/slides/slide5.xml><?xml version="1.0" encoding="utf-8"?>
+<p:sld xmlns:a="http://schemas.openxmlformats.org/drawingml/2006/main" xmlns:r="http://schemas.openxmlformats.org/officeDocument/2006/relationships" xmlns:p="http://schemas.openxmlformats.org/presentationml/2006/main">
+  <p:cSld>
+    <p:spTree>
+      <p:nvGrpSpPr>
+        <p:cNvPr id="1" name=""/>
+        <p:cNvGrpSpPr/>
+        <p:nvPr/>
+      </p:nvGrpSpPr>
+      <p:grpSpPr>
+        <a:xfrm>
+          <a:off x="0" y="0"/>
+          <a:ext cx="0" cy="0"/>
+          <a:chOff x="0" y="0"/>
+          <a:chExt cx="0" cy="0"/>
+        </a:xfrm>
+      </p:grpSpPr>
+      <p:pic>
+        <p:nvPicPr>
+          <p:cNvPr id="10" name="Picture 9"/>
+          <p:cNvPicPr>
+            <a:picLocks noChangeAspect="1"/>
+          </p:cNvPicPr>
+          <p:nvPr/>
+        </p:nvPicPr>
+        <p:blipFill rotWithShape="1">
+          <a:blip r:embed="rId3">
+            <a:extLst>
+              <a:ext uri="{28A0092B-C50C-407E-A947-70E740481C1C}">
+                <a14:useLocalDpi xmlns:a14="http://schemas.microsoft.com/office/drawing/2010/main" val="0"/>
+              </a:ext>
+            </a:extLst>
+          </a:blip>
+          <a:srcRect l="50728" t="56371"/>
+          <a:stretch/>
+        </p:blipFill>
+        <p:spPr>
+          <a:xfrm>
+            <a:off x="10894024" y="5370653"/>
+            <a:ext cx="1297975" cy="1487348"/>
+          </a:xfrm>
+          <a:prstGeom prst="rect">
+            <a:avLst/>
+          </a:prstGeom>
+        </p:spPr>
+      </p:pic>
+      <p:sp>
+        <p:nvSpPr>
+          <p:cNvPr id="11" name="TextBox 10"/>
+          <p:cNvSpPr txBox="1"/>
+          <p:nvPr/>
+        </p:nvSpPr>
+        <p:spPr>
+          <a:xfrm>
+            <a:off x="347240" y="113388"/>
+            <a:ext cx="9799937" cy="1015663"/>
+          </a:xfrm>
+          <a:prstGeom prst="rect">
+            <a:avLst/>
+          </a:prstGeom>
+          <a:noFill/>
+        </p:spPr>
+        <p:txBody>
+          <a:bodyPr wrap="square" rtlCol="0">
+            <a:spAutoFit/>
+          </a:bodyPr>
+          <a:lstStyle/>
+          <a:p>
+            <a:r>
+              <a:rPr lang="en-US" sz="6000" dirty="0">
+                <a:latin typeface="Aliens &amp; cows" panose="00000500000000000000" pitchFamily="2" charset="0"/>
+              </a:rPr>
+              <a:t>Set up</a:t>
+            </a:r>
+          </a:p>
+        </p:txBody>
+      </p:sp>
+      <p:sp>
+        <p:nvSpPr>
+          <p:cNvPr id="13" name="TextBox 12">
+            <a:extLst>
+              <a:ext uri="{FF2B5EF4-FFF2-40B4-BE49-F238E27FC236}">
+                <a16:creationId xmlns:a16="http://schemas.microsoft.com/office/drawing/2014/main" id="{BAD4CFA0-F6EE-4D9E-AA4F-AABFDE2E3205}"/>
+              </a:ext>
+            </a:extLst>
+          </p:cNvPr>
+          <p:cNvSpPr txBox="1"/>
+          <p:nvPr/>
+        </p:nvSpPr>
+        <p:spPr>
+          <a:xfrm>
+            <a:off x="462987" y="1365813"/>
+            <a:ext cx="5511093" cy="4401205"/>
+          </a:xfrm>
+          <a:prstGeom prst="rect">
+            <a:avLst/>
+          </a:prstGeom>
+          <a:noFill/>
+        </p:spPr>
+        <p:txBody>
+          <a:bodyPr wrap="square" rtlCol="0">
+            <a:spAutoFit/>
+          </a:bodyPr>
+          <a:lstStyle/>
+          <a:p>
+            <a:pPr marL="285750" indent="-285750">
+              <a:buFont typeface="Arial" panose="020B0604020202020204" pitchFamily="34" charset="0"/>
+              <a:buChar char="•"/>
+            </a:pPr>
+            <a:r>
+              <a:rPr lang="en-US" sz="2800" dirty="0">
+                <a:solidFill>
+                  <a:srgbClr val="707070"/>
+                </a:solidFill>
+                <a:latin typeface="Pragmatica" panose="020B0403040502020204" pitchFamily="34" charset="0"/>
+              </a:rPr>
+              <a:t>Freemium, Windows only</a:t>
+            </a:r>
+          </a:p>
+          <a:p>
+            <a:pPr marL="742950" lvl="1" indent="-285750">
+              <a:buFont typeface="Arial" panose="020B0604020202020204" pitchFamily="34" charset="0"/>
+              <a:buChar char="•"/>
+            </a:pPr>
+            <a:r>
+              <a:rPr lang="en-US" sz="2800" dirty="0">
+                <a:solidFill>
+                  <a:srgbClr val="707070"/>
+                </a:solidFill>
+                <a:latin typeface="Pragmatica" panose="020B0403040502020204" pitchFamily="34" charset="0"/>
+              </a:rPr>
+              <a:t>Free account can run R scripts</a:t>
+            </a:r>
+          </a:p>
+          <a:p>
+            <a:pPr marL="742950" lvl="1" indent="-285750">
+              <a:buFont typeface="Arial" panose="020B0604020202020204" pitchFamily="34" charset="0"/>
+              <a:buChar char="•"/>
+            </a:pPr>
+            <a:r>
+              <a:rPr lang="en-US" sz="2800" dirty="0">
+                <a:solidFill>
+                  <a:srgbClr val="707070"/>
+                </a:solidFill>
+                <a:latin typeface="Pragmatica" panose="020B0403040502020204" pitchFamily="34" charset="0"/>
+              </a:rPr>
+              <a:t>Paid, </a:t>
+            </a:r>
+            <a:r>
+              <a:rPr lang="en-US" sz="2800" dirty="0">
+                <a:solidFill>
+                  <a:srgbClr val="707070"/>
+                </a:solidFill>
+                <a:latin typeface="Pragmatica" panose="020B0403040502020204" pitchFamily="34" charset="0"/>
+                <a:hlinkClick r:id="rId4"/>
+              </a:rPr>
+              <a:t>Pro account</a:t>
+            </a:r>
+            <a:r>
+              <a:rPr lang="en-US" sz="2800" dirty="0">
+                <a:solidFill>
+                  <a:srgbClr val="707070"/>
+                </a:solidFill>
+                <a:latin typeface="Pragmatica" panose="020B0403040502020204" pitchFamily="34" charset="0"/>
+              </a:rPr>
+              <a:t> is needed to publish R visuals</a:t>
+            </a:r>
+          </a:p>
+          <a:p>
+            <a:pPr marL="742950" lvl="1" indent="-285750">
+              <a:buFont typeface="Arial" panose="020B0604020202020204" pitchFamily="34" charset="0"/>
+              <a:buChar char="•"/>
+            </a:pPr>
+            <a:endParaRPr lang="en-US" sz="2800" dirty="0">
+              <a:solidFill>
+                <a:srgbClr val="707070"/>
+              </a:solidFill>
+              <a:latin typeface="Pragmatica" panose="020B0403040502020204" pitchFamily="34" charset="0"/>
+            </a:endParaRPr>
+          </a:p>
+          <a:p>
+            <a:pPr marL="285750" indent="-285750">
+              <a:buFont typeface="Arial" panose="020B0604020202020204" pitchFamily="34" charset="0"/>
+              <a:buChar char="•"/>
+            </a:pPr>
+            <a:endParaRPr lang="en-US" sz="2800" dirty="0">
+              <a:solidFill>
+                <a:srgbClr val="707070"/>
+              </a:solidFill>
+              <a:latin typeface="Pragmatica" panose="020B0403040502020204" pitchFamily="34" charset="0"/>
+            </a:endParaRPr>
+          </a:p>
+          <a:p>
+            <a:pPr marL="285750" indent="-285750">
+              <a:buFont typeface="Arial" panose="020B0604020202020204" pitchFamily="34" charset="0"/>
+              <a:buChar char="•"/>
+            </a:pPr>
+            <a:r>
+              <a:rPr lang="en-US" sz="2800" dirty="0">
+                <a:solidFill>
+                  <a:srgbClr val="707070"/>
+                </a:solidFill>
+                <a:latin typeface="Pragmatica" panose="020B0403040502020204" pitchFamily="34" charset="0"/>
+              </a:rPr>
+              <a:t>File &gt; Options &amp; settings &gt; Options &gt; R scripting</a:t>
+            </a:r>
+          </a:p>
+        </p:txBody>
+      </p:sp>
+      <p:pic>
+        <p:nvPicPr>
+          <p:cNvPr id="3" name="Picture 2">
+            <a:extLst>
+              <a:ext uri="{FF2B5EF4-FFF2-40B4-BE49-F238E27FC236}">
+                <a16:creationId xmlns:a16="http://schemas.microsoft.com/office/drawing/2014/main" id="{81BD8738-D3E2-472F-B98B-1A7B3A2E062F}"/>
+              </a:ext>
+            </a:extLst>
+          </p:cNvPr>
+          <p:cNvPicPr>
+            <a:picLocks noChangeAspect="1"/>
+          </p:cNvPicPr>
+          <p:nvPr/>
+        </p:nvPicPr>
+        <p:blipFill>
+          <a:blip r:embed="rId5"/>
+          <a:stretch>
+            <a:fillRect/>
+          </a:stretch>
+        </p:blipFill>
+        <p:spPr>
+          <a:xfrm>
+            <a:off x="6020490" y="915088"/>
+            <a:ext cx="5779659" cy="5566303"/>
+          </a:xfrm>
+          <a:prstGeom prst="rect">
+            <a:avLst/>
+          </a:prstGeom>
+        </p:spPr>
+      </p:pic>
+    </p:spTree>
+    <p:extLst>
+      <p:ext uri="{BB962C8B-B14F-4D97-AF65-F5344CB8AC3E}">
+        <p14:creationId xmlns:p14="http://schemas.microsoft.com/office/powerpoint/2010/main" val="2684353158"/>
+      </p:ext>
+    </p:extLst>
+  </p:cSld>
+  <p:clrMapOvr>
+    <a:masterClrMapping/>
+  </p:clrMapOvr>
+</p:sld>
+</file>
+
+<file path=ppt/slides/slide6.xml><?xml version="1.0" encoding="utf-8"?>
+<p:sld xmlns:a="http://schemas.openxmlformats.org/drawingml/2006/main" xmlns:r="http://schemas.openxmlformats.org/officeDocument/2006/relationships" xmlns:p="http://schemas.openxmlformats.org/presentationml/2006/main">
+  <p:cSld>
+    <p:spTree>
+      <p:nvGrpSpPr>
+        <p:cNvPr id="1" name=""/>
+        <p:cNvGrpSpPr/>
+        <p:nvPr/>
+      </p:nvGrpSpPr>
+      <p:grpSpPr>
+        <a:xfrm>
+          <a:off x="0" y="0"/>
+          <a:ext cx="0" cy="0"/>
+          <a:chOff x="0" y="0"/>
+          <a:chExt cx="0" cy="0"/>
+        </a:xfrm>
+      </p:grpSpPr>
+      <p:sp>
+        <p:nvSpPr>
+          <p:cNvPr id="4" name="Rectangle 3"/>
+          <p:cNvSpPr/>
+          <p:nvPr/>
+        </p:nvSpPr>
+        <p:spPr>
+          <a:xfrm>
+            <a:off x="6574420" y="0"/>
+            <a:ext cx="5617580" cy="6858000"/>
+          </a:xfrm>
+          <a:prstGeom prst="rect">
+            <a:avLst/>
+          </a:prstGeom>
+          <a:solidFill>
+            <a:srgbClr val="CF3338"/>
+          </a:solidFill>
+          <a:ln>
+            <a:noFill/>
+          </a:ln>
+        </p:spPr>
+        <p:style>
+          <a:lnRef idx="2">
+            <a:schemeClr val="accent1">
+              <a:shade val="50000"/>
+            </a:schemeClr>
+          </a:lnRef>
+          <a:fillRef idx="1">
+            <a:schemeClr val="accent1"/>
+          </a:fillRef>
+          <a:effectRef idx="0">
+            <a:schemeClr val="accent1"/>
+          </a:effectRef>
+          <a:fontRef idx="minor">
+            <a:schemeClr val="lt1"/>
+          </a:fontRef>
+        </p:style>
+        <p:txBody>
+          <a:bodyPr rtlCol="0" anchor="ctr"/>
+          <a:lstStyle/>
+          <a:p>
+            <a:pPr algn="ctr"/>
+            <a:endParaRPr lang="en-US"/>
+          </a:p>
+        </p:txBody>
+      </p:sp>
+      <p:sp>
+        <p:nvSpPr>
+          <p:cNvPr id="5" name="TextBox 4"/>
+          <p:cNvSpPr txBox="1"/>
+          <p:nvPr/>
+        </p:nvSpPr>
+        <p:spPr>
+          <a:xfrm>
+            <a:off x="6817489" y="0"/>
+            <a:ext cx="4120587" cy="1446550"/>
+          </a:xfrm>
+          <a:prstGeom prst="rect">
+            <a:avLst/>
+          </a:prstGeom>
+          <a:noFill/>
+        </p:spPr>
+        <p:txBody>
+          <a:bodyPr wrap="square" rtlCol="0">
+            <a:spAutoFit/>
+          </a:bodyPr>
+          <a:lstStyle/>
+          <a:p>
+            <a:r>
+              <a:rPr lang="en-US" sz="8800" dirty="0">
+                <a:solidFill>
+                  <a:schemeClr val="bg1"/>
+                </a:solidFill>
+                <a:latin typeface="Aliens &amp; cows" panose="00000500000000000000" pitchFamily="2" charset="0"/>
+              </a:rPr>
+              <a:t>Demo</a:t>
+            </a:r>
+          </a:p>
+        </p:txBody>
+      </p:sp>
+      <p:pic>
+        <p:nvPicPr>
+          <p:cNvPr id="2" name="Picture 1"/>
+          <p:cNvPicPr>
+            <a:picLocks noChangeAspect="1"/>
+          </p:cNvPicPr>
+          <p:nvPr/>
+        </p:nvPicPr>
+        <p:blipFill rotWithShape="1">
+          <a:blip r:embed="rId3">
+            <a:extLst>
+              <a:ext uri="{28A0092B-C50C-407E-A947-70E740481C1C}">
+                <a14:useLocalDpi xmlns:a14="http://schemas.microsoft.com/office/drawing/2010/main" val="0"/>
+              </a:ext>
+            </a:extLst>
+          </a:blip>
+          <a:srcRect l="69227" t="33418" r="20112" b="50548"/>
+          <a:stretch/>
+        </p:blipFill>
+        <p:spPr>
+          <a:xfrm>
+            <a:off x="10386349" y="5029795"/>
+            <a:ext cx="1805651" cy="1991719"/>
+          </a:xfrm>
+          <a:prstGeom prst="rect">
+            <a:avLst/>
+          </a:prstGeom>
+        </p:spPr>
+      </p:pic>
+      <p:sp>
+        <p:nvSpPr>
+          <p:cNvPr id="3" name="TextBox 2"/>
+          <p:cNvSpPr txBox="1"/>
+          <p:nvPr/>
+        </p:nvSpPr>
+        <p:spPr>
+          <a:xfrm>
+            <a:off x="173620" y="219919"/>
+            <a:ext cx="5937813" cy="5293757"/>
+          </a:xfrm>
+          <a:prstGeom prst="rect">
+            <a:avLst/>
+          </a:prstGeom>
+          <a:noFill/>
+        </p:spPr>
+        <p:txBody>
+          <a:bodyPr wrap="square" rtlCol="0">
+            <a:spAutoFit/>
+          </a:bodyPr>
+          <a:lstStyle/>
+          <a:p>
+            <a:r>
+              <a:rPr lang="en-US" sz="2600" b="1" dirty="0">
+                <a:solidFill>
+                  <a:srgbClr val="CF3338"/>
+                </a:solidFill>
+                <a:latin typeface="Pragmatica" pitchFamily="2" charset="0"/>
+              </a:rPr>
+              <a:t>Data: </a:t>
+            </a:r>
+            <a:r>
+              <a:rPr lang="en-US" sz="2600" b="1" dirty="0">
+                <a:solidFill>
+                  <a:srgbClr val="CF3338"/>
+                </a:solidFill>
+                <a:latin typeface="Consolas" panose="020B0609020204030204" pitchFamily="49" charset="0"/>
+              </a:rPr>
+              <a:t>data/contestants.csv, data/personal_info.csv</a:t>
+            </a:r>
+          </a:p>
+          <a:p>
+            <a:endParaRPr lang="en-US" sz="2600" b="1" dirty="0">
+              <a:solidFill>
+                <a:srgbClr val="CF3338"/>
+              </a:solidFill>
+              <a:latin typeface="Pragmatica" pitchFamily="2" charset="0"/>
+            </a:endParaRPr>
+          </a:p>
+          <a:p>
+            <a:r>
+              <a:rPr lang="en-US" sz="2600" b="1" dirty="0">
+                <a:solidFill>
+                  <a:srgbClr val="CF3338"/>
+                </a:solidFill>
+                <a:latin typeface="Pragmatica" pitchFamily="2" charset="0"/>
+              </a:rPr>
+              <a:t>What are the audition scores of candidates who did and did not participate in a mentoring program? </a:t>
+            </a:r>
+          </a:p>
+          <a:p>
+            <a:endParaRPr lang="en-US" sz="2600" b="1" dirty="0">
+              <a:solidFill>
+                <a:srgbClr val="CF3338"/>
+              </a:solidFill>
+              <a:latin typeface="Pragmatica" pitchFamily="2" charset="0"/>
+            </a:endParaRPr>
+          </a:p>
+          <a:p>
+            <a:pPr marL="514350" indent="-514350">
+              <a:buFont typeface="Arial" panose="020B0604020202020204" pitchFamily="34" charset="0"/>
+              <a:buChar char="•"/>
+            </a:pPr>
+            <a:r>
+              <a:rPr lang="en-US" sz="2600" b="1" dirty="0">
+                <a:solidFill>
+                  <a:srgbClr val="CF3338"/>
+                </a:solidFill>
+                <a:latin typeface="Pragmatica" pitchFamily="2" charset="0"/>
+              </a:rPr>
+              <a:t>Import data via R script</a:t>
+            </a:r>
+          </a:p>
+          <a:p>
+            <a:pPr marL="514350" indent="-514350">
+              <a:buFont typeface="Arial" panose="020B0604020202020204" pitchFamily="34" charset="0"/>
+              <a:buChar char="•"/>
+            </a:pPr>
+            <a:r>
+              <a:rPr lang="en-US" sz="2600" b="1" dirty="0">
+                <a:solidFill>
+                  <a:srgbClr val="CF3338"/>
+                </a:solidFill>
+                <a:latin typeface="Pragmatica" pitchFamily="2" charset="0"/>
+              </a:rPr>
+              <a:t>Identify invalid email addresses</a:t>
+            </a:r>
+          </a:p>
+          <a:p>
+            <a:pPr marL="514350" indent="-514350">
+              <a:buFont typeface="Arial" panose="020B0604020202020204" pitchFamily="34" charset="0"/>
+              <a:buChar char="•"/>
+            </a:pPr>
+            <a:r>
+              <a:rPr lang="en-US" sz="2600" b="1" dirty="0">
+                <a:solidFill>
+                  <a:srgbClr val="CF3338"/>
+                </a:solidFill>
+                <a:latin typeface="Pragmatica" pitchFamily="2" charset="0"/>
+              </a:rPr>
+              <a:t>Impute missing values</a:t>
+            </a:r>
+          </a:p>
+          <a:p>
+            <a:pPr marL="514350" indent="-514350">
+              <a:buFont typeface="Arial" panose="020B0604020202020204" pitchFamily="34" charset="0"/>
+              <a:buChar char="•"/>
+            </a:pPr>
+            <a:r>
+              <a:rPr lang="en-US" sz="2600" b="1" dirty="0">
+                <a:solidFill>
+                  <a:srgbClr val="CF3338"/>
+                </a:solidFill>
+                <a:latin typeface="Pragmatica" pitchFamily="2" charset="0"/>
+              </a:rPr>
+              <a:t>Visualize pairwise relationships</a:t>
+            </a:r>
+          </a:p>
+          <a:p>
+            <a:endParaRPr lang="en-US" sz="2600" b="1" dirty="0">
+              <a:solidFill>
+                <a:srgbClr val="CF3338"/>
+              </a:solidFill>
+              <a:latin typeface="Consolas" panose="020B0609020204030204" pitchFamily="49" charset="0"/>
+            </a:endParaRPr>
+          </a:p>
+          <a:p>
+            <a:r>
+              <a:rPr lang="en-US" sz="2600" b="1" dirty="0">
+                <a:solidFill>
+                  <a:srgbClr val="CF3338"/>
+                </a:solidFill>
+                <a:latin typeface="Pragmatica" panose="020B7200000000000000" pitchFamily="34" charset="0"/>
+              </a:rPr>
+              <a:t>Follow along: </a:t>
+            </a:r>
+            <a:r>
+              <a:rPr lang="en-US" sz="2600" b="1" dirty="0">
+                <a:solidFill>
+                  <a:srgbClr val="CF3338"/>
+                </a:solidFill>
+                <a:latin typeface="Consolas" panose="020B0609020204030204" pitchFamily="49" charset="0"/>
+              </a:rPr>
+              <a:t>demo-notes.pdf</a:t>
+            </a:r>
+          </a:p>
+        </p:txBody>
+      </p:sp>
+      <p:pic>
+        <p:nvPicPr>
+          <p:cNvPr id="11" name="Graphic 10" descr="Microphone with solid fill">
+            <a:extLst>
+              <a:ext uri="{FF2B5EF4-FFF2-40B4-BE49-F238E27FC236}">
+                <a16:creationId xmlns:a16="http://schemas.microsoft.com/office/drawing/2014/main" id="{B5FC4E04-397E-4989-AC34-16A495301450}"/>
+              </a:ext>
+            </a:extLst>
+          </p:cNvPr>
+          <p:cNvPicPr>
+            <a:picLocks noChangeAspect="1"/>
+          </p:cNvPicPr>
+          <p:nvPr/>
+        </p:nvPicPr>
+        <p:blipFill>
+          <a:blip r:embed="rId4">
+            <a:extLst>
+              <a:ext uri="{28A0092B-C50C-407E-A947-70E740481C1C}">
+                <a14:useLocalDpi xmlns:a14="http://schemas.microsoft.com/office/drawing/2010/main" val="0"/>
+              </a:ext>
+              <a:ext uri="{96DAC541-7B7A-43D3-8B79-37D633B846F1}">
+                <asvg:svgBlip xmlns:asvg="http://schemas.microsoft.com/office/drawing/2016/SVG/main" r:embed="rId5"/>
+              </a:ext>
+            </a:extLst>
+          </a:blip>
+          <a:stretch>
+            <a:fillRect/>
+          </a:stretch>
+        </p:blipFill>
+        <p:spPr>
+          <a:xfrm>
+            <a:off x="6774371" y="2446261"/>
+            <a:ext cx="3412027" cy="3412027"/>
+          </a:xfrm>
+          <a:prstGeom prst="rect">
+            <a:avLst/>
+          </a:prstGeom>
+        </p:spPr>
+      </p:pic>
+    </p:spTree>
+    <p:extLst>
+      <p:ext uri="{BB962C8B-B14F-4D97-AF65-F5344CB8AC3E}">
+        <p14:creationId xmlns:p14="http://schemas.microsoft.com/office/powerpoint/2010/main" val="167227427"/>
+      </p:ext>
+    </p:extLst>
+  </p:cSld>
+  <p:clrMapOvr>
+    <a:masterClrMapping/>
+  </p:clrMapOvr>
+</p:sld>
+</file>
+
+<file path=ppt/slides/slide7.xml><?xml version="1.0" encoding="utf-8"?>
+<p:sld xmlns:a="http://schemas.openxmlformats.org/drawingml/2006/main" xmlns:r="http://schemas.openxmlformats.org/officeDocument/2006/relationships" xmlns:p="http://schemas.openxmlformats.org/presentationml/2006/main">
+  <p:cSld>
+    <p:spTree>
+      <p:nvGrpSpPr>
+        <p:cNvPr id="1" name=""/>
+        <p:cNvGrpSpPr/>
+        <p:nvPr/>
+      </p:nvGrpSpPr>
+      <p:grpSpPr>
+        <a:xfrm>
+          <a:off x="0" y="0"/>
+          <a:ext cx="0" cy="0"/>
+          <a:chOff x="0" y="0"/>
+          <a:chExt cx="0" cy="0"/>
+        </a:xfrm>
+      </p:grpSpPr>
+      <p:pic>
+        <p:nvPicPr>
+          <p:cNvPr id="10" name="Picture 9"/>
+          <p:cNvPicPr>
+            <a:picLocks noChangeAspect="1"/>
+          </p:cNvPicPr>
+          <p:nvPr/>
+        </p:nvPicPr>
+        <p:blipFill rotWithShape="1">
+          <a:blip r:embed="rId2">
+            <a:extLst>
+              <a:ext uri="{28A0092B-C50C-407E-A947-70E740481C1C}">
+                <a14:useLocalDpi xmlns:a14="http://schemas.microsoft.com/office/drawing/2010/main" val="0"/>
+              </a:ext>
+            </a:extLst>
+          </a:blip>
+          <a:srcRect l="50728" t="56371"/>
+          <a:stretch/>
+        </p:blipFill>
+        <p:spPr>
+          <a:xfrm>
+            <a:off x="8136460" y="2210765"/>
+            <a:ext cx="4055539" cy="4647236"/>
+          </a:xfrm>
+          <a:prstGeom prst="rect">
+            <a:avLst/>
+          </a:prstGeom>
+        </p:spPr>
+      </p:pic>
+      <p:pic>
+        <p:nvPicPr>
+          <p:cNvPr id="4" name="Picture 3"/>
+          <p:cNvPicPr>
+            <a:picLocks noChangeAspect="1"/>
+          </p:cNvPicPr>
+          <p:nvPr/>
+        </p:nvPicPr>
+        <p:blipFill>
+          <a:blip r:embed="rId3">
+            <a:extLst>
+              <a:ext uri="{28A0092B-C50C-407E-A947-70E740481C1C}">
+                <a14:useLocalDpi xmlns:a14="http://schemas.microsoft.com/office/drawing/2010/main" val="0"/>
+              </a:ext>
+            </a:extLst>
+          </a:blip>
+          <a:stretch>
+            <a:fillRect/>
+          </a:stretch>
+        </p:blipFill>
+        <p:spPr>
+          <a:xfrm>
+            <a:off x="-538496" y="-2482770"/>
+            <a:ext cx="10171472" cy="7459883"/>
+          </a:xfrm>
+          <a:prstGeom prst="rect">
+            <a:avLst/>
+          </a:prstGeom>
+        </p:spPr>
+      </p:pic>
+      <p:sp>
+        <p:nvSpPr>
+          <p:cNvPr id="11" name="TextBox 10"/>
+          <p:cNvSpPr txBox="1"/>
+          <p:nvPr/>
+        </p:nvSpPr>
+        <p:spPr>
+          <a:xfrm>
+            <a:off x="324091" y="1687545"/>
+            <a:ext cx="7986531" cy="769441"/>
+          </a:xfrm>
+          <a:prstGeom prst="rect">
+            <a:avLst/>
+          </a:prstGeom>
+          <a:noFill/>
+        </p:spPr>
+        <p:txBody>
+          <a:bodyPr wrap="square" rtlCol="0">
+            <a:spAutoFit/>
+          </a:bodyPr>
+          <a:lstStyle/>
+          <a:p>
+            <a:r>
+              <a:rPr lang="en-US" sz="4400" b="1" dirty="0">
+                <a:solidFill>
+                  <a:srgbClr val="707070"/>
+                </a:solidFill>
+                <a:latin typeface="Pragmatica" panose="020B0403040502020204" pitchFamily="34" charset="0"/>
+              </a:rPr>
+              <a:t>Questions?</a:t>
+            </a:r>
+          </a:p>
+        </p:txBody>
+      </p:sp>
+    </p:spTree>
+    <p:extLst>
+      <p:ext uri="{BB962C8B-B14F-4D97-AF65-F5344CB8AC3E}">
+        <p14:creationId xmlns:p14="http://schemas.microsoft.com/office/powerpoint/2010/main" val="4081097533"/>
+      </p:ext>
+    </p:extLst>
+  </p:cSld>
+  <p:clrMapOvr>
+    <a:masterClrMapping/>
+  </p:clrMapOvr>
+</p:sld>
+</file>
+
+<file path=ppt/slides/slide8.xml><?xml version="1.0" encoding="utf-8"?>
+<p:sld xmlns:a="http://schemas.openxmlformats.org/drawingml/2006/main" xmlns:r="http://schemas.openxmlformats.org/officeDocument/2006/relationships" xmlns:p="http://schemas.openxmlformats.org/presentationml/2006/main">
+  <p:cSld>
+    <p:spTree>
+      <p:nvGrpSpPr>
+        <p:cNvPr id="1" name=""/>
+        <p:cNvGrpSpPr/>
+        <p:nvPr/>
+      </p:nvGrpSpPr>
+      <p:grpSpPr>
+        <a:xfrm>
+          <a:off x="0" y="0"/>
+          <a:ext cx="0" cy="0"/>
+          <a:chOff x="0" y="0"/>
+          <a:chExt cx="0" cy="0"/>
+        </a:xfrm>
+      </p:grpSpPr>
+      <p:pic>
+        <p:nvPicPr>
+          <p:cNvPr id="10" name="Picture 9"/>
+          <p:cNvPicPr>
+            <a:picLocks noChangeAspect="1"/>
+          </p:cNvPicPr>
+          <p:nvPr/>
+        </p:nvPicPr>
+        <p:blipFill rotWithShape="1">
+          <a:blip r:embed="rId3">
+            <a:extLst>
+              <a:ext uri="{28A0092B-C50C-407E-A947-70E740481C1C}">
+                <a14:useLocalDpi xmlns:a14="http://schemas.microsoft.com/office/drawing/2010/main" val="0"/>
+              </a:ext>
+            </a:extLst>
+          </a:blip>
+          <a:srcRect l="50728" t="56371"/>
+          <a:stretch/>
+        </p:blipFill>
+        <p:spPr>
+          <a:xfrm>
+            <a:off x="10894024" y="5370653"/>
+            <a:ext cx="1297975" cy="1487348"/>
+          </a:xfrm>
+          <a:prstGeom prst="rect">
+            <a:avLst/>
+          </a:prstGeom>
+        </p:spPr>
+      </p:pic>
+      <p:sp>
+        <p:nvSpPr>
+          <p:cNvPr id="11" name="TextBox 10"/>
+          <p:cNvSpPr txBox="1"/>
+          <p:nvPr/>
+        </p:nvSpPr>
+        <p:spPr>
+          <a:xfrm>
+            <a:off x="347240" y="113388"/>
+            <a:ext cx="9799937" cy="1015663"/>
+          </a:xfrm>
+          <a:prstGeom prst="rect">
+            <a:avLst/>
+          </a:prstGeom>
+          <a:noFill/>
+        </p:spPr>
+        <p:txBody>
+          <a:bodyPr wrap="square" rtlCol="0">
+            <a:spAutoFit/>
+          </a:bodyPr>
+          <a:lstStyle/>
+          <a:p>
+            <a:r>
+              <a:rPr lang="en-US" sz="6000" dirty="0">
+                <a:latin typeface="Aliens &amp; cows" panose="00000500000000000000" pitchFamily="2" charset="0"/>
+              </a:rPr>
+              <a:t>Closing thoughts</a:t>
+            </a:r>
+          </a:p>
+        </p:txBody>
+      </p:sp>
+      <p:sp>
+        <p:nvSpPr>
+          <p:cNvPr id="13" name="TextBox 12">
+            <a:extLst>
+              <a:ext uri="{FF2B5EF4-FFF2-40B4-BE49-F238E27FC236}">
+                <a16:creationId xmlns:a16="http://schemas.microsoft.com/office/drawing/2014/main" id="{BAD4CFA0-F6EE-4D9E-AA4F-AABFDE2E3205}"/>
+              </a:ext>
+            </a:extLst>
+          </p:cNvPr>
+          <p:cNvSpPr txBox="1"/>
+          <p:nvPr/>
+        </p:nvSpPr>
+        <p:spPr>
+          <a:xfrm>
+            <a:off x="462988" y="1365813"/>
+            <a:ext cx="6772002" cy="2246769"/>
+          </a:xfrm>
+          <a:prstGeom prst="rect">
+            <a:avLst/>
+          </a:prstGeom>
+          <a:noFill/>
+        </p:spPr>
+        <p:txBody>
+          <a:bodyPr wrap="square" rtlCol="0">
+            <a:spAutoFit/>
+          </a:bodyPr>
+          <a:lstStyle/>
+          <a:p>
+            <a:pPr marL="285750" indent="-285750">
+              <a:buFont typeface="Arial" panose="020B0604020202020204" pitchFamily="34" charset="0"/>
+              <a:buChar char="•"/>
+            </a:pPr>
+            <a:r>
+              <a:rPr lang="en-US" sz="2800" dirty="0">
+                <a:solidFill>
+                  <a:srgbClr val="707070"/>
+                </a:solidFill>
+                <a:latin typeface="Pragmatica" panose="020B0403040502020204" pitchFamily="34" charset="0"/>
+              </a:rPr>
+              <a:t>Use R only when Power BI just can’t</a:t>
+            </a:r>
+          </a:p>
+          <a:p>
+            <a:pPr marL="285750" indent="-285750">
+              <a:buFont typeface="Arial" panose="020B0604020202020204" pitchFamily="34" charset="0"/>
+              <a:buChar char="•"/>
+            </a:pPr>
+            <a:r>
+              <a:rPr lang="en-US" sz="2800" dirty="0">
+                <a:solidFill>
+                  <a:srgbClr val="707070"/>
+                </a:solidFill>
+                <a:latin typeface="Pragmatica" panose="020B0403040502020204" pitchFamily="34" charset="0"/>
+              </a:rPr>
+              <a:t>Start in RStudio</a:t>
+            </a:r>
+          </a:p>
+          <a:p>
+            <a:pPr marL="285750" indent="-285750">
+              <a:buFont typeface="Arial" panose="020B0604020202020204" pitchFamily="34" charset="0"/>
+              <a:buChar char="•"/>
+            </a:pPr>
+            <a:r>
+              <a:rPr lang="en-US" sz="2800" dirty="0">
+                <a:solidFill>
+                  <a:srgbClr val="707070"/>
+                </a:solidFill>
+                <a:latin typeface="Pragmatica" panose="020B0403040502020204" pitchFamily="34" charset="0"/>
+              </a:rPr>
+              <a:t>Get a </a:t>
+            </a:r>
+            <a:r>
+              <a:rPr lang="en-US" sz="2800" dirty="0">
+                <a:solidFill>
+                  <a:srgbClr val="707070"/>
+                </a:solidFill>
+                <a:latin typeface="Pragmatica" panose="020B0403040502020204" pitchFamily="34" charset="0"/>
+                <a:hlinkClick r:id="rId4"/>
+              </a:rPr>
+              <a:t>text expander</a:t>
+            </a:r>
+            <a:r>
+              <a:rPr lang="en-US" sz="2800" dirty="0">
+                <a:solidFill>
+                  <a:srgbClr val="707070"/>
+                </a:solidFill>
+                <a:latin typeface="Pragmatica" panose="020B0403040502020204" pitchFamily="34" charset="0"/>
+              </a:rPr>
+              <a:t> for your RStudio shortcuts</a:t>
+            </a:r>
+          </a:p>
+        </p:txBody>
+      </p:sp>
+    </p:spTree>
+    <p:extLst>
+      <p:ext uri="{BB962C8B-B14F-4D97-AF65-F5344CB8AC3E}">
+        <p14:creationId xmlns:p14="http://schemas.microsoft.com/office/powerpoint/2010/main" val="3861039845"/>
+      </p:ext>
+    </p:extLst>
+  </p:cSld>
+  <p:clrMapOvr>
+    <a:masterClrMapping/>
+  </p:clrMapOvr>
+</p:sld>
+</file>
+
+<file path=ppt/slides/slide9.xml><?xml version="1.0" encoding="utf-8"?>
+<p:sld xmlns:a="http://schemas.openxmlformats.org/drawingml/2006/main" xmlns:r="http://schemas.openxmlformats.org/officeDocument/2006/relationships" xmlns:p="http://schemas.openxmlformats.org/presentationml/2006/main">
+  <p:cSld>
+    <p:spTree>
+      <p:nvGrpSpPr>
+        <p:cNvPr id="1" name=""/>
+        <p:cNvGrpSpPr/>
+        <p:nvPr/>
+      </p:nvGrpSpPr>
+      <p:grpSpPr>
+        <a:xfrm>
+          <a:off x="0" y="0"/>
+          <a:ext cx="0" cy="0"/>
+          <a:chOff x="0" y="0"/>
+          <a:chExt cx="0" cy="0"/>
+        </a:xfrm>
+      </p:grpSpPr>
+      <p:pic>
+        <p:nvPicPr>
+          <p:cNvPr id="10" name="Picture 9"/>
+          <p:cNvPicPr>
+            <a:picLocks noChangeAspect="1"/>
+          </p:cNvPicPr>
+          <p:nvPr/>
+        </p:nvPicPr>
+        <p:blipFill rotWithShape="1">
+          <a:blip r:embed="rId3">
+            <a:extLst>
+              <a:ext uri="{28A0092B-C50C-407E-A947-70E740481C1C}">
+                <a14:useLocalDpi xmlns:a14="http://schemas.microsoft.com/office/drawing/2010/main" val="0"/>
+              </a:ext>
+            </a:extLst>
+          </a:blip>
+          <a:srcRect l="50728" t="56371"/>
+          <a:stretch/>
+        </p:blipFill>
+        <p:spPr>
+          <a:xfrm>
+            <a:off x="10894024" y="5370653"/>
+            <a:ext cx="1297975" cy="1487348"/>
+          </a:xfrm>
+          <a:prstGeom prst="rect">
+            <a:avLst/>
+          </a:prstGeom>
+        </p:spPr>
+      </p:pic>
+      <p:sp>
+        <p:nvSpPr>
+          <p:cNvPr id="11" name="TextBox 10"/>
+          <p:cNvSpPr txBox="1"/>
+          <p:nvPr/>
+        </p:nvSpPr>
+        <p:spPr>
+          <a:xfrm>
+            <a:off x="347240" y="113388"/>
+            <a:ext cx="10861534" cy="1015663"/>
+          </a:xfrm>
+          <a:prstGeom prst="rect">
+            <a:avLst/>
+          </a:prstGeom>
+          <a:noFill/>
+        </p:spPr>
+        <p:txBody>
+          <a:bodyPr wrap="square" rtlCol="0">
+            <a:spAutoFit/>
+          </a:bodyPr>
+          <a:lstStyle/>
+          <a:p>
+            <a:r>
+              <a:rPr lang="en-US" sz="6000" dirty="0">
+                <a:latin typeface="Aliens &amp; cows" panose="00000500000000000000" pitchFamily="2" charset="0"/>
+              </a:rPr>
+              <a:t>Resources</a:t>
+            </a:r>
+          </a:p>
+        </p:txBody>
+      </p:sp>
+      <p:pic>
+        <p:nvPicPr>
+          <p:cNvPr id="1026" name="Picture 2" descr="Advanced Analytics in Power BI with R and Python af Ryan ...">
+            <a:extLst>
+              <a:ext uri="{FF2B5EF4-FFF2-40B4-BE49-F238E27FC236}">
+                <a16:creationId xmlns:a16="http://schemas.microsoft.com/office/drawing/2014/main" id="{8F0244C3-0161-4C32-80FF-D2431F69DEDF}"/>
+              </a:ext>
+            </a:extLst>
+          </p:cNvPr>
+          <p:cNvPicPr>
+            <a:picLocks noChangeAspect="1" noChangeArrowheads="1"/>
+          </p:cNvPicPr>
+          <p:nvPr/>
+        </p:nvPicPr>
+        <p:blipFill>
+          <a:blip r:embed="rId4">
+            <a:extLst>
+              <a:ext uri="{28A0092B-C50C-407E-A947-70E740481C1C}">
+                <a14:useLocalDpi xmlns:a14="http://schemas.microsoft.com/office/drawing/2010/main" val="0"/>
+              </a:ext>
+            </a:extLst>
+          </a:blip>
+          <a:srcRect/>
+          <a:stretch>
+            <a:fillRect/>
+          </a:stretch>
+        </p:blipFill>
+        <p:spPr bwMode="auto">
+          <a:xfrm>
+            <a:off x="655530" y="1576550"/>
+            <a:ext cx="3375135" cy="4821621"/>
+          </a:xfrm>
+          <a:prstGeom prst="rect">
+            <a:avLst/>
+          </a:prstGeom>
+          <a:noFill/>
+          <a:extLst>
+            <a:ext uri="{909E8E84-426E-40DD-AFC4-6F175D3DCCD1}">
+              <a14:hiddenFill xmlns:a14="http://schemas.microsoft.com/office/drawing/2010/main">
+                <a:solidFill>
+                  <a:srgbClr val="FFFFFF"/>
+                </a:solidFill>
+              </a14:hiddenFill>
+            </a:ext>
+          </a:extLst>
+        </p:spPr>
+      </p:pic>
+      <p:pic>
+        <p:nvPicPr>
+          <p:cNvPr id="1028" name="Picture 4" descr="Advancing into Analytics. Ebook. George Mount. Księgarnia ...">
+            <a:extLst>
+              <a:ext uri="{FF2B5EF4-FFF2-40B4-BE49-F238E27FC236}">
+                <a16:creationId xmlns:a16="http://schemas.microsoft.com/office/drawing/2014/main" id="{3EEC4A25-AEA4-4295-9DA4-1983C9D1418F}"/>
+              </a:ext>
+            </a:extLst>
+          </p:cNvPr>
+          <p:cNvPicPr>
+            <a:picLocks noChangeAspect="1" noChangeArrowheads="1"/>
+          </p:cNvPicPr>
+          <p:nvPr/>
+        </p:nvPicPr>
+        <p:blipFill>
+          <a:blip r:embed="rId5">
+            <a:extLst>
+              <a:ext uri="{28A0092B-C50C-407E-A947-70E740481C1C}">
+                <a14:useLocalDpi xmlns:a14="http://schemas.microsoft.com/office/drawing/2010/main" val="0"/>
+              </a:ext>
+            </a:extLst>
+          </a:blip>
+          <a:srcRect/>
+          <a:stretch>
+            <a:fillRect/>
+          </a:stretch>
+        </p:blipFill>
+        <p:spPr bwMode="auto">
+          <a:xfrm>
+            <a:off x="4918474" y="1576550"/>
+            <a:ext cx="3464284" cy="4952013"/>
+          </a:xfrm>
+          <a:prstGeom prst="rect">
+            <a:avLst/>
+          </a:prstGeom>
+          <a:noFill/>
+          <a:extLst>
+            <a:ext uri="{909E8E84-426E-40DD-AFC4-6F175D3DCCD1}">
+              <a14:hiddenFill xmlns:a14="http://schemas.microsoft.com/office/drawing/2010/main">
+                <a:solidFill>
+                  <a:srgbClr val="FFFFFF"/>
+                </a:solidFill>
+              </a14:hiddenFill>
+            </a:ext>
+          </a:extLst>
+        </p:spPr>
+      </p:pic>
+    </p:spTree>
+    <p:extLst>
+      <p:ext uri="{BB962C8B-B14F-4D97-AF65-F5344CB8AC3E}">
+        <p14:creationId xmlns:p14="http://schemas.microsoft.com/office/powerpoint/2010/main" val="2207467090"/>
       </p:ext>
     </p:extLst>
   </p:cSld>

--- a/satrday-r-power-bi.pptx
+++ b/satrday-r-power-bi.pptx
@@ -5,20 +5,21 @@
     <p:sldMasterId id="2147483648" r:id="rId1"/>
   </p:sldMasterIdLst>
   <p:notesMasterIdLst>
-    <p:notesMasterId r:id="rId13"/>
+    <p:notesMasterId r:id="rId14"/>
   </p:notesMasterIdLst>
   <p:sldIdLst>
     <p:sldId id="256" r:id="rId2"/>
-    <p:sldId id="436" r:id="rId3"/>
-    <p:sldId id="448" r:id="rId4"/>
-    <p:sldId id="442" r:id="rId5"/>
-    <p:sldId id="447" r:id="rId6"/>
-    <p:sldId id="445" r:id="rId7"/>
-    <p:sldId id="426" r:id="rId8"/>
-    <p:sldId id="451" r:id="rId9"/>
-    <p:sldId id="449" r:id="rId10"/>
-    <p:sldId id="450" r:id="rId11"/>
-    <p:sldId id="432" r:id="rId12"/>
+    <p:sldId id="452" r:id="rId3"/>
+    <p:sldId id="436" r:id="rId4"/>
+    <p:sldId id="448" r:id="rId5"/>
+    <p:sldId id="442" r:id="rId6"/>
+    <p:sldId id="447" r:id="rId7"/>
+    <p:sldId id="445" r:id="rId8"/>
+    <p:sldId id="426" r:id="rId9"/>
+    <p:sldId id="451" r:id="rId10"/>
+    <p:sldId id="449" r:id="rId11"/>
+    <p:sldId id="450" r:id="rId12"/>
+    <p:sldId id="432" r:id="rId13"/>
   </p:sldIdLst>
   <p:sldSz cx="12192000" cy="6858000"/>
   <p:notesSz cx="6858000" cy="9144000"/>
@@ -1837,7 +1838,7 @@
           <a:p>
             <a:fld id="{503F064B-41F2-4661-BDF0-BFD135E9A557}" type="datetimeFigureOut">
               <a:rPr lang="en-US" smtClean="0"/>
-              <a:t>9/17/2021</a:t>
+              <a:t>9/28/2021</a:t>
             </a:fld>
             <a:endParaRPr lang="en-US"/>
           </a:p>
@@ -2206,7 +2207,7 @@
           <a:p>
             <a:fld id="{F9DB3DAC-CD90-4DD2-80B1-E135CFB4F8DD}" type="slidenum">
               <a:rPr lang="en-US" smtClean="0"/>
-              <a:t>2</a:t>
+              <a:t>3</a:t>
             </a:fld>
             <a:endParaRPr lang="en-US"/>
           </a:p>
@@ -2299,7 +2300,7 @@
           <a:p>
             <a:fld id="{F9DB3DAC-CD90-4DD2-80B1-E135CFB4F8DD}" type="slidenum">
               <a:rPr lang="en-US" smtClean="0"/>
-              <a:t>3</a:t>
+              <a:t>4</a:t>
             </a:fld>
             <a:endParaRPr lang="en-US"/>
           </a:p>
@@ -2386,7 +2387,7 @@
           <a:p>
             <a:fld id="{F9DB3DAC-CD90-4DD2-80B1-E135CFB4F8DD}" type="slidenum">
               <a:rPr lang="en-US" smtClean="0"/>
-              <a:t>4</a:t>
+              <a:t>5</a:t>
             </a:fld>
             <a:endParaRPr lang="en-US"/>
           </a:p>
@@ -2473,7 +2474,7 @@
           <a:p>
             <a:fld id="{F9DB3DAC-CD90-4DD2-80B1-E135CFB4F8DD}" type="slidenum">
               <a:rPr lang="en-US" smtClean="0"/>
-              <a:t>5</a:t>
+              <a:t>6</a:t>
             </a:fld>
             <a:endParaRPr lang="en-US"/>
           </a:p>
@@ -2560,7 +2561,7 @@
           <a:p>
             <a:fld id="{3BB66621-ADCC-4EF8-8003-B9D3E881DCD2}" type="slidenum">
               <a:rPr lang="en-US" smtClean="0"/>
-              <a:t>6</a:t>
+              <a:t>7</a:t>
             </a:fld>
             <a:endParaRPr lang="en-US"/>
           </a:p>
@@ -2644,7 +2645,7 @@
           <a:p>
             <a:fld id="{F9DB3DAC-CD90-4DD2-80B1-E135CFB4F8DD}" type="slidenum">
               <a:rPr lang="en-US" smtClean="0"/>
-              <a:t>8</a:t>
+              <a:t>9</a:t>
             </a:fld>
             <a:endParaRPr lang="en-US"/>
           </a:p>
@@ -2728,7 +2729,7 @@
           <a:p>
             <a:fld id="{3BB66621-ADCC-4EF8-8003-B9D3E881DCD2}" type="slidenum">
               <a:rPr lang="en-US" smtClean="0"/>
-              <a:t>9</a:t>
+              <a:t>10</a:t>
             </a:fld>
             <a:endParaRPr lang="en-US"/>
           </a:p>
@@ -2812,7 +2813,7 @@
           <a:p>
             <a:fld id="{3BB66621-ADCC-4EF8-8003-B9D3E881DCD2}" type="slidenum">
               <a:rPr lang="en-US" smtClean="0"/>
-              <a:t>10</a:t>
+              <a:t>11</a:t>
             </a:fld>
             <a:endParaRPr lang="en-US"/>
           </a:p>
@@ -2960,7 +2961,7 @@
           <a:p>
             <a:fld id="{0138B082-EFC2-46C1-B47C-51736C670379}" type="datetimeFigureOut">
               <a:rPr lang="en-US" smtClean="0"/>
-              <a:t>9/17/2021</a:t>
+              <a:t>9/28/2021</a:t>
             </a:fld>
             <a:endParaRPr lang="en-US"/>
           </a:p>
@@ -3128,7 +3129,7 @@
           <a:p>
             <a:fld id="{0138B082-EFC2-46C1-B47C-51736C670379}" type="datetimeFigureOut">
               <a:rPr lang="en-US" smtClean="0"/>
-              <a:t>9/17/2021</a:t>
+              <a:t>9/28/2021</a:t>
             </a:fld>
             <a:endParaRPr lang="en-US"/>
           </a:p>
@@ -3306,7 +3307,7 @@
           <a:p>
             <a:fld id="{0138B082-EFC2-46C1-B47C-51736C670379}" type="datetimeFigureOut">
               <a:rPr lang="en-US" smtClean="0"/>
-              <a:t>9/17/2021</a:t>
+              <a:t>9/28/2021</a:t>
             </a:fld>
             <a:endParaRPr lang="en-US"/>
           </a:p>
@@ -3474,7 +3475,7 @@
           <a:p>
             <a:fld id="{0138B082-EFC2-46C1-B47C-51736C670379}" type="datetimeFigureOut">
               <a:rPr lang="en-US" smtClean="0"/>
-              <a:t>9/17/2021</a:t>
+              <a:t>9/28/2021</a:t>
             </a:fld>
             <a:endParaRPr lang="en-US"/>
           </a:p>
@@ -3719,7 +3720,7 @@
           <a:p>
             <a:fld id="{0138B082-EFC2-46C1-B47C-51736C670379}" type="datetimeFigureOut">
               <a:rPr lang="en-US" smtClean="0"/>
-              <a:t>9/17/2021</a:t>
+              <a:t>9/28/2021</a:t>
             </a:fld>
             <a:endParaRPr lang="en-US"/>
           </a:p>
@@ -3948,7 +3949,7 @@
           <a:p>
             <a:fld id="{0138B082-EFC2-46C1-B47C-51736C670379}" type="datetimeFigureOut">
               <a:rPr lang="en-US" smtClean="0"/>
-              <a:t>9/17/2021</a:t>
+              <a:t>9/28/2021</a:t>
             </a:fld>
             <a:endParaRPr lang="en-US"/>
           </a:p>
@@ -4312,7 +4313,7 @@
           <a:p>
             <a:fld id="{0138B082-EFC2-46C1-B47C-51736C670379}" type="datetimeFigureOut">
               <a:rPr lang="en-US" smtClean="0"/>
-              <a:t>9/17/2021</a:t>
+              <a:t>9/28/2021</a:t>
             </a:fld>
             <a:endParaRPr lang="en-US"/>
           </a:p>
@@ -4429,7 +4430,7 @@
           <a:p>
             <a:fld id="{0138B082-EFC2-46C1-B47C-51736C670379}" type="datetimeFigureOut">
               <a:rPr lang="en-US" smtClean="0"/>
-              <a:t>9/17/2021</a:t>
+              <a:t>9/28/2021</a:t>
             </a:fld>
             <a:endParaRPr lang="en-US"/>
           </a:p>
@@ -4524,7 +4525,7 @@
           <a:p>
             <a:fld id="{0138B082-EFC2-46C1-B47C-51736C670379}" type="datetimeFigureOut">
               <a:rPr lang="en-US" smtClean="0"/>
-              <a:t>9/17/2021</a:t>
+              <a:t>9/28/2021</a:t>
             </a:fld>
             <a:endParaRPr lang="en-US"/>
           </a:p>
@@ -4799,7 +4800,7 @@
           <a:p>
             <a:fld id="{0138B082-EFC2-46C1-B47C-51736C670379}" type="datetimeFigureOut">
               <a:rPr lang="en-US" smtClean="0"/>
-              <a:t>9/17/2021</a:t>
+              <a:t>9/28/2021</a:t>
             </a:fld>
             <a:endParaRPr lang="en-US"/>
           </a:p>
@@ -5051,7 +5052,7 @@
           <a:p>
             <a:fld id="{0138B082-EFC2-46C1-B47C-51736C670379}" type="datetimeFigureOut">
               <a:rPr lang="en-US" smtClean="0"/>
-              <a:t>9/17/2021</a:t>
+              <a:t>9/28/2021</a:t>
             </a:fld>
             <a:endParaRPr lang="en-US"/>
           </a:p>
@@ -5262,7 +5263,7 @@
           <a:p>
             <a:fld id="{0138B082-EFC2-46C1-B47C-51736C670379}" type="datetimeFigureOut">
               <a:rPr lang="en-US" smtClean="0"/>
-              <a:t>9/17/2021</a:t>
+              <a:t>9/28/2021</a:t>
             </a:fld>
             <a:endParaRPr lang="en-US"/>
           </a:p>
@@ -5959,86 +5960,10 @@
           </a:extLst>
         </p:spPr>
       </p:pic>
-      <p:cxnSp>
-        <p:nvCxnSpPr>
-          <p:cNvPr id="3" name="Straight Arrow Connector 2">
-            <a:extLst>
-              <a:ext uri="{FF2B5EF4-FFF2-40B4-BE49-F238E27FC236}">
-                <a16:creationId xmlns:a16="http://schemas.microsoft.com/office/drawing/2014/main" id="{8FF82CCC-14C6-4AD6-8FFE-1C66FF184B11}"/>
-              </a:ext>
-            </a:extLst>
-          </p:cNvPr>
-          <p:cNvCxnSpPr/>
-          <p:nvPr/>
-        </p:nvCxnSpPr>
-        <p:spPr>
-          <a:xfrm flipV="1">
-            <a:off x="8505496" y="2646497"/>
-            <a:ext cx="804041" cy="630621"/>
-          </a:xfrm>
-          <a:prstGeom prst="straightConnector1">
-            <a:avLst/>
-          </a:prstGeom>
-          <a:ln w="38100">
-            <a:tailEnd type="triangle"/>
-          </a:ln>
-        </p:spPr>
-        <p:style>
-          <a:lnRef idx="1">
-            <a:schemeClr val="accent1"/>
-          </a:lnRef>
-          <a:fillRef idx="0">
-            <a:schemeClr val="accent1"/>
-          </a:fillRef>
-          <a:effectRef idx="0">
-            <a:schemeClr val="accent1"/>
-          </a:effectRef>
-          <a:fontRef idx="minor">
-            <a:schemeClr val="tx1"/>
-          </a:fontRef>
-        </p:style>
-      </p:cxnSp>
-      <p:sp>
-        <p:nvSpPr>
-          <p:cNvPr id="4" name="TextBox 3">
-            <a:extLst>
-              <a:ext uri="{FF2B5EF4-FFF2-40B4-BE49-F238E27FC236}">
-                <a16:creationId xmlns:a16="http://schemas.microsoft.com/office/drawing/2014/main" id="{58CE0CB2-C8EF-4177-932A-72F38BC44C56}"/>
-              </a:ext>
-            </a:extLst>
-          </p:cNvPr>
-          <p:cNvSpPr txBox="1"/>
-          <p:nvPr/>
-        </p:nvSpPr>
-        <p:spPr>
-          <a:xfrm>
-            <a:off x="9309537" y="1726031"/>
-            <a:ext cx="2632842" cy="954107"/>
-          </a:xfrm>
-          <a:prstGeom prst="rect">
-            <a:avLst/>
-          </a:prstGeom>
-          <a:noFill/>
-        </p:spPr>
-        <p:txBody>
-          <a:bodyPr wrap="square" rtlCol="0">
-            <a:spAutoFit/>
-          </a:bodyPr>
-          <a:lstStyle/>
-          <a:p>
-            <a:r>
-              <a:rPr lang="en-US" sz="2800" dirty="0">
-                <a:latin typeface="Pragmatica" panose="020B7200000000000000" pitchFamily="34" charset="0"/>
-              </a:rPr>
-              <a:t>Time for a giveaway!</a:t>
-            </a:r>
-          </a:p>
-        </p:txBody>
-      </p:sp>
     </p:spTree>
     <p:extLst>
       <p:ext uri="{BB962C8B-B14F-4D97-AF65-F5344CB8AC3E}">
-        <p14:creationId xmlns:p14="http://schemas.microsoft.com/office/powerpoint/2010/main" val="3784472516"/>
+        <p14:creationId xmlns:p14="http://schemas.microsoft.com/office/powerpoint/2010/main" val="2207467090"/>
       </p:ext>
     </p:extLst>
   </p:cSld>
@@ -6049,1992 +5974,6 @@
 </file>
 
 <file path=ppt/slides/slide11.xml><?xml version="1.0" encoding="utf-8"?>
-<p:sld xmlns:a="http://schemas.openxmlformats.org/drawingml/2006/main" xmlns:r="http://schemas.openxmlformats.org/officeDocument/2006/relationships" xmlns:p="http://schemas.openxmlformats.org/presentationml/2006/main">
-  <p:cSld>
-    <p:spTree>
-      <p:nvGrpSpPr>
-        <p:cNvPr id="1" name=""/>
-        <p:cNvGrpSpPr/>
-        <p:nvPr/>
-      </p:nvGrpSpPr>
-      <p:grpSpPr>
-        <a:xfrm>
-          <a:off x="0" y="0"/>
-          <a:ext cx="0" cy="0"/>
-          <a:chOff x="0" y="0"/>
-          <a:chExt cx="0" cy="0"/>
-        </a:xfrm>
-      </p:grpSpPr>
-      <p:pic>
-        <p:nvPicPr>
-          <p:cNvPr id="10" name="Picture 9"/>
-          <p:cNvPicPr>
-            <a:picLocks noChangeAspect="1"/>
-          </p:cNvPicPr>
-          <p:nvPr/>
-        </p:nvPicPr>
-        <p:blipFill rotWithShape="1">
-          <a:blip r:embed="rId2">
-            <a:extLst>
-              <a:ext uri="{28A0092B-C50C-407E-A947-70E740481C1C}">
-                <a14:useLocalDpi xmlns:a14="http://schemas.microsoft.com/office/drawing/2010/main" val="0"/>
-              </a:ext>
-            </a:extLst>
-          </a:blip>
-          <a:srcRect l="50728" t="56371"/>
-          <a:stretch/>
-        </p:blipFill>
-        <p:spPr>
-          <a:xfrm>
-            <a:off x="8136460" y="2210765"/>
-            <a:ext cx="4055539" cy="4647236"/>
-          </a:xfrm>
-          <a:prstGeom prst="rect">
-            <a:avLst/>
-          </a:prstGeom>
-        </p:spPr>
-      </p:pic>
-      <p:pic>
-        <p:nvPicPr>
-          <p:cNvPr id="4" name="Picture 3"/>
-          <p:cNvPicPr>
-            <a:picLocks noChangeAspect="1"/>
-          </p:cNvPicPr>
-          <p:nvPr/>
-        </p:nvPicPr>
-        <p:blipFill>
-          <a:blip r:embed="rId3">
-            <a:extLst>
-              <a:ext uri="{28A0092B-C50C-407E-A947-70E740481C1C}">
-                <a14:useLocalDpi xmlns:a14="http://schemas.microsoft.com/office/drawing/2010/main" val="0"/>
-              </a:ext>
-            </a:extLst>
-          </a:blip>
-          <a:stretch>
-            <a:fillRect/>
-          </a:stretch>
-        </p:blipFill>
-        <p:spPr>
-          <a:xfrm>
-            <a:off x="-538496" y="-2482770"/>
-            <a:ext cx="10171472" cy="7459883"/>
-          </a:xfrm>
-          <a:prstGeom prst="rect">
-            <a:avLst/>
-          </a:prstGeom>
-        </p:spPr>
-      </p:pic>
-      <p:sp>
-        <p:nvSpPr>
-          <p:cNvPr id="11" name="TextBox 10"/>
-          <p:cNvSpPr txBox="1"/>
-          <p:nvPr/>
-        </p:nvSpPr>
-        <p:spPr>
-          <a:xfrm>
-            <a:off x="324091" y="1687545"/>
-            <a:ext cx="7986531" cy="2369880"/>
-          </a:xfrm>
-          <a:prstGeom prst="rect">
-            <a:avLst/>
-          </a:prstGeom>
-          <a:noFill/>
-        </p:spPr>
-        <p:txBody>
-          <a:bodyPr wrap="square" rtlCol="0">
-            <a:spAutoFit/>
-          </a:bodyPr>
-          <a:lstStyle/>
-          <a:p>
-            <a:r>
-              <a:rPr lang="en-US" sz="3600" b="1" dirty="0">
-                <a:solidFill>
-                  <a:srgbClr val="707070"/>
-                </a:solidFill>
-                <a:latin typeface="Pragmatica" panose="020B0403040502020204" pitchFamily="34" charset="0"/>
-              </a:rPr>
-              <a:t>THANK YOU</a:t>
-            </a:r>
-          </a:p>
-          <a:p>
-            <a:endParaRPr lang="en-US" sz="2800" b="1" dirty="0">
-              <a:solidFill>
-                <a:srgbClr val="707070"/>
-              </a:solidFill>
-              <a:latin typeface="Pragmatica" panose="020B0403040502020204" pitchFamily="34" charset="0"/>
-            </a:endParaRPr>
-          </a:p>
-          <a:p>
-            <a:r>
-              <a:rPr lang="en-US" sz="2800" b="1" dirty="0">
-                <a:solidFill>
-                  <a:srgbClr val="707070"/>
-                </a:solidFill>
-                <a:latin typeface="Pragmatica" panose="020B0403040502020204" pitchFamily="34" charset="0"/>
-                <a:hlinkClick r:id="rId4"/>
-              </a:rPr>
-              <a:t>george@stringfestanalytics.com</a:t>
-            </a:r>
-            <a:endParaRPr lang="en-US" sz="2800" b="1" dirty="0">
-              <a:solidFill>
-                <a:srgbClr val="707070"/>
-              </a:solidFill>
-              <a:latin typeface="Pragmatica" panose="020B0403040502020204" pitchFamily="34" charset="0"/>
-            </a:endParaRPr>
-          </a:p>
-          <a:p>
-            <a:r>
-              <a:rPr lang="en-US" sz="2800" b="1" dirty="0">
-                <a:solidFill>
-                  <a:srgbClr val="707070"/>
-                </a:solidFill>
-                <a:latin typeface="Pragmatica" panose="020B0403040502020204" pitchFamily="34" charset="0"/>
-                <a:hlinkClick r:id="rId5"/>
-              </a:rPr>
-              <a:t>linkedin.com/in/gjmount</a:t>
-            </a:r>
-            <a:endParaRPr lang="en-US" sz="2800" b="1" dirty="0">
-              <a:solidFill>
-                <a:srgbClr val="707070"/>
-              </a:solidFill>
-              <a:latin typeface="Pragmatica" panose="020B0403040502020204" pitchFamily="34" charset="0"/>
-            </a:endParaRPr>
-          </a:p>
-          <a:p>
-            <a:r>
-              <a:rPr lang="en-US" sz="2800" b="1" dirty="0">
-                <a:solidFill>
-                  <a:srgbClr val="707070"/>
-                </a:solidFill>
-                <a:latin typeface="Pragmatica" panose="020B0403040502020204" pitchFamily="34" charset="0"/>
-                <a:hlinkClick r:id="rId6"/>
-              </a:rPr>
-              <a:t>stringfestanalytics.com/contact  </a:t>
-            </a:r>
-            <a:endParaRPr lang="en-US" sz="2800" b="1" dirty="0">
-              <a:solidFill>
-                <a:srgbClr val="707070"/>
-              </a:solidFill>
-              <a:latin typeface="Pragmatica" panose="020B0403040502020204" pitchFamily="34" charset="0"/>
-            </a:endParaRPr>
-          </a:p>
-        </p:txBody>
-      </p:sp>
-    </p:spTree>
-    <p:extLst>
-      <p:ext uri="{BB962C8B-B14F-4D97-AF65-F5344CB8AC3E}">
-        <p14:creationId xmlns:p14="http://schemas.microsoft.com/office/powerpoint/2010/main" val="3712320391"/>
-      </p:ext>
-    </p:extLst>
-  </p:cSld>
-  <p:clrMapOvr>
-    <a:masterClrMapping/>
-  </p:clrMapOvr>
-</p:sld>
-</file>
-
-<file path=ppt/slides/slide2.xml><?xml version="1.0" encoding="utf-8"?>
-<p:sld xmlns:a="http://schemas.openxmlformats.org/drawingml/2006/main" xmlns:r="http://schemas.openxmlformats.org/officeDocument/2006/relationships" xmlns:p="http://schemas.openxmlformats.org/presentationml/2006/main">
-  <p:cSld>
-    <p:spTree>
-      <p:nvGrpSpPr>
-        <p:cNvPr id="1" name=""/>
-        <p:cNvGrpSpPr/>
-        <p:nvPr/>
-      </p:nvGrpSpPr>
-      <p:grpSpPr>
-        <a:xfrm>
-          <a:off x="0" y="0"/>
-          <a:ext cx="0" cy="0"/>
-          <a:chOff x="0" y="0"/>
-          <a:chExt cx="0" cy="0"/>
-        </a:xfrm>
-      </p:grpSpPr>
-      <p:pic>
-        <p:nvPicPr>
-          <p:cNvPr id="10" name="Picture 9"/>
-          <p:cNvPicPr>
-            <a:picLocks noChangeAspect="1"/>
-          </p:cNvPicPr>
-          <p:nvPr/>
-        </p:nvPicPr>
-        <p:blipFill rotWithShape="1">
-          <a:blip r:embed="rId3">
-            <a:extLst>
-              <a:ext uri="{28A0092B-C50C-407E-A947-70E740481C1C}">
-                <a14:useLocalDpi xmlns:a14="http://schemas.microsoft.com/office/drawing/2010/main" val="0"/>
-              </a:ext>
-            </a:extLst>
-          </a:blip>
-          <a:srcRect l="50728" t="56371"/>
-          <a:stretch/>
-        </p:blipFill>
-        <p:spPr>
-          <a:xfrm>
-            <a:off x="10894024" y="5370653"/>
-            <a:ext cx="1297975" cy="1487348"/>
-          </a:xfrm>
-          <a:prstGeom prst="rect">
-            <a:avLst/>
-          </a:prstGeom>
-        </p:spPr>
-      </p:pic>
-      <p:sp>
-        <p:nvSpPr>
-          <p:cNvPr id="11" name="TextBox 10"/>
-          <p:cNvSpPr txBox="1"/>
-          <p:nvPr/>
-        </p:nvSpPr>
-        <p:spPr>
-          <a:xfrm>
-            <a:off x="347240" y="113388"/>
-            <a:ext cx="9799937" cy="1015663"/>
-          </a:xfrm>
-          <a:prstGeom prst="rect">
-            <a:avLst/>
-          </a:prstGeom>
-          <a:noFill/>
-        </p:spPr>
-        <p:txBody>
-          <a:bodyPr wrap="square" rtlCol="0">
-            <a:spAutoFit/>
-          </a:bodyPr>
-          <a:lstStyle/>
-          <a:p>
-            <a:r>
-              <a:rPr lang="en-US" sz="6000" dirty="0">
-                <a:latin typeface="Aliens &amp; cows" panose="00000500000000000000" pitchFamily="2" charset="0"/>
-              </a:rPr>
-              <a:t>Learning objectives</a:t>
-            </a:r>
-          </a:p>
-        </p:txBody>
-      </p:sp>
-      <p:sp>
-        <p:nvSpPr>
-          <p:cNvPr id="3" name="TextBox 2"/>
-          <p:cNvSpPr txBox="1"/>
-          <p:nvPr/>
-        </p:nvSpPr>
-        <p:spPr>
-          <a:xfrm>
-            <a:off x="462987" y="1365813"/>
-            <a:ext cx="10263233" cy="6124754"/>
-          </a:xfrm>
-          <a:prstGeom prst="rect">
-            <a:avLst/>
-          </a:prstGeom>
-          <a:noFill/>
-        </p:spPr>
-        <p:txBody>
-          <a:bodyPr wrap="square" rtlCol="0">
-            <a:spAutoFit/>
-          </a:bodyPr>
-          <a:lstStyle/>
-          <a:p>
-            <a:pPr marL="285750" indent="-285750">
-              <a:buFont typeface="Arial" panose="020B0604020202020204" pitchFamily="34" charset="0"/>
-              <a:buChar char="•"/>
-            </a:pPr>
-            <a:r>
-              <a:rPr lang="en-US" sz="2800" dirty="0">
-                <a:solidFill>
-                  <a:srgbClr val="707070"/>
-                </a:solidFill>
-                <a:latin typeface="Pragmatica" panose="020B0403040502020204" pitchFamily="34" charset="0"/>
-              </a:rPr>
-              <a:t>R in Power BI: when and why? </a:t>
-            </a:r>
-          </a:p>
-          <a:p>
-            <a:pPr marL="285750" indent="-285750">
-              <a:buFont typeface="Arial" panose="020B0604020202020204" pitchFamily="34" charset="0"/>
-              <a:buChar char="•"/>
-            </a:pPr>
-            <a:r>
-              <a:rPr lang="en-US" sz="2800" dirty="0">
-                <a:solidFill>
-                  <a:srgbClr val="707070"/>
-                </a:solidFill>
-                <a:latin typeface="Pragmatica" panose="020B0403040502020204" pitchFamily="34" charset="0"/>
-              </a:rPr>
-              <a:t>Setup</a:t>
-            </a:r>
-          </a:p>
-          <a:p>
-            <a:pPr marL="285750" indent="-285750">
-              <a:buFont typeface="Arial" panose="020B0604020202020204" pitchFamily="34" charset="0"/>
-              <a:buChar char="•"/>
-            </a:pPr>
-            <a:r>
-              <a:rPr lang="en-US" sz="2800" dirty="0">
-                <a:solidFill>
-                  <a:srgbClr val="707070"/>
-                </a:solidFill>
-                <a:latin typeface="Pragmatica" panose="020B0403040502020204" pitchFamily="34" charset="0"/>
-              </a:rPr>
-              <a:t>Use cases</a:t>
-            </a:r>
-          </a:p>
-          <a:p>
-            <a:pPr marL="285750" indent="-285750">
-              <a:buFont typeface="Arial" panose="020B0604020202020204" pitchFamily="34" charset="0"/>
-              <a:buChar char="•"/>
-            </a:pPr>
-            <a:r>
-              <a:rPr lang="en-US" sz="2800" dirty="0">
-                <a:solidFill>
-                  <a:srgbClr val="707070"/>
-                </a:solidFill>
-                <a:latin typeface="Pragmatica" panose="020B0403040502020204" pitchFamily="34" charset="0"/>
-              </a:rPr>
-              <a:t>Giveaway…</a:t>
-            </a:r>
-          </a:p>
-          <a:p>
-            <a:pPr marL="285750" indent="-285750">
-              <a:buFont typeface="Arial" panose="020B0604020202020204" pitchFamily="34" charset="0"/>
-              <a:buChar char="•"/>
-            </a:pPr>
-            <a:endParaRPr lang="en-US" sz="2800" dirty="0">
-              <a:solidFill>
-                <a:srgbClr val="707070"/>
-              </a:solidFill>
-              <a:latin typeface="Pragmatica" panose="020B0403040502020204" pitchFamily="34" charset="0"/>
-            </a:endParaRPr>
-          </a:p>
-          <a:p>
-            <a:pPr marL="285750" indent="-285750">
-              <a:buFont typeface="Arial" panose="020B0604020202020204" pitchFamily="34" charset="0"/>
-              <a:buChar char="•"/>
-            </a:pPr>
-            <a:r>
-              <a:rPr lang="en-US" sz="2800" dirty="0">
-                <a:solidFill>
-                  <a:srgbClr val="707070"/>
-                </a:solidFill>
-                <a:latin typeface="Pragmatica" panose="020B0403040502020204" pitchFamily="34" charset="0"/>
-              </a:rPr>
-              <a:t>Follow along: </a:t>
-            </a:r>
-            <a:r>
-              <a:rPr lang="en-US" sz="2800" dirty="0">
-                <a:solidFill>
-                  <a:srgbClr val="707070"/>
-                </a:solidFill>
-                <a:latin typeface="Pragmatica" panose="020B0403040502020204" pitchFamily="34" charset="0"/>
-                <a:hlinkClick r:id="rId4"/>
-              </a:rPr>
-              <a:t>https://github.com/stringfestdata/satrday-r-power-bi</a:t>
-            </a:r>
-            <a:endParaRPr lang="en-US" sz="2800" dirty="0">
-              <a:solidFill>
-                <a:srgbClr val="707070"/>
-              </a:solidFill>
-              <a:latin typeface="Pragmatica" panose="020B0403040502020204" pitchFamily="34" charset="0"/>
-            </a:endParaRPr>
-          </a:p>
-          <a:p>
-            <a:pPr marL="742950" lvl="1" indent="-285750">
-              <a:buFont typeface="Arial" panose="020B0604020202020204" pitchFamily="34" charset="0"/>
-              <a:buChar char="•"/>
-            </a:pPr>
-            <a:r>
-              <a:rPr lang="en-US" sz="2800" dirty="0">
-                <a:solidFill>
-                  <a:srgbClr val="707070"/>
-                </a:solidFill>
-                <a:latin typeface="Consolas" panose="020B0609020204030204" pitchFamily="49" charset="0"/>
-              </a:rPr>
-              <a:t>r-</a:t>
-            </a:r>
-            <a:r>
-              <a:rPr lang="en-US" sz="2800" dirty="0" err="1">
-                <a:solidFill>
-                  <a:srgbClr val="707070"/>
-                </a:solidFill>
-                <a:latin typeface="Consolas" panose="020B0609020204030204" pitchFamily="49" charset="0"/>
-              </a:rPr>
-              <a:t>pbi</a:t>
-            </a:r>
-            <a:r>
-              <a:rPr lang="en-US" sz="2800" dirty="0">
-                <a:solidFill>
-                  <a:srgbClr val="707070"/>
-                </a:solidFill>
-                <a:latin typeface="Consolas" panose="020B0609020204030204" pitchFamily="49" charset="0"/>
-              </a:rPr>
-              <a:t>-</a:t>
-            </a:r>
-            <a:r>
-              <a:rPr lang="en-US" sz="2800" dirty="0" err="1">
-                <a:solidFill>
-                  <a:srgbClr val="707070"/>
-                </a:solidFill>
-                <a:latin typeface="Consolas" panose="020B0609020204030204" pitchFamily="49" charset="0"/>
-              </a:rPr>
-              <a:t>scripts.r</a:t>
-            </a:r>
-            <a:r>
-              <a:rPr lang="en-US" sz="2800" dirty="0">
-                <a:solidFill>
-                  <a:srgbClr val="707070"/>
-                </a:solidFill>
-                <a:latin typeface="Pragmatica" panose="020B7200000000000000" pitchFamily="34" charset="0"/>
-              </a:rPr>
-              <a:t>: scripts used</a:t>
-            </a:r>
-          </a:p>
-          <a:p>
-            <a:pPr marL="742950" lvl="1" indent="-285750">
-              <a:buFont typeface="Arial" panose="020B0604020202020204" pitchFamily="34" charset="0"/>
-              <a:buChar char="•"/>
-            </a:pPr>
-            <a:r>
-              <a:rPr lang="en-US" sz="2800" dirty="0">
-                <a:solidFill>
-                  <a:srgbClr val="707070"/>
-                </a:solidFill>
-                <a:latin typeface="Consolas" panose="020B0609020204030204" pitchFamily="49" charset="0"/>
-              </a:rPr>
-              <a:t>r-</a:t>
-            </a:r>
-            <a:r>
-              <a:rPr lang="en-US" sz="2800" dirty="0" err="1">
-                <a:solidFill>
-                  <a:srgbClr val="707070"/>
-                </a:solidFill>
-                <a:latin typeface="Consolas" panose="020B0609020204030204" pitchFamily="49" charset="0"/>
-              </a:rPr>
-              <a:t>pbi.pbix</a:t>
-            </a:r>
-            <a:r>
-              <a:rPr lang="en-US" sz="2800" dirty="0">
-                <a:solidFill>
-                  <a:srgbClr val="707070"/>
-                </a:solidFill>
-                <a:latin typeface="Consolas" panose="020B0609020204030204" pitchFamily="49" charset="0"/>
-              </a:rPr>
-              <a:t>:</a:t>
-            </a:r>
-            <a:r>
-              <a:rPr lang="en-US" sz="2800" dirty="0">
-                <a:solidFill>
-                  <a:srgbClr val="707070"/>
-                </a:solidFill>
-                <a:latin typeface="Pragmatica" panose="020B7200000000000000" pitchFamily="34" charset="0"/>
-              </a:rPr>
-              <a:t> completed PBI file</a:t>
-            </a:r>
-          </a:p>
-          <a:p>
-            <a:pPr marL="742950" lvl="1" indent="-285750">
-              <a:buFont typeface="Arial" panose="020B0604020202020204" pitchFamily="34" charset="0"/>
-              <a:buChar char="•"/>
-            </a:pPr>
-            <a:endParaRPr lang="en-US" sz="2800" dirty="0">
-              <a:solidFill>
-                <a:srgbClr val="707070"/>
-              </a:solidFill>
-              <a:latin typeface="Pragmatica" panose="020B7200000000000000" pitchFamily="34" charset="0"/>
-            </a:endParaRPr>
-          </a:p>
-          <a:p>
-            <a:pPr marL="742950" lvl="1" indent="-285750">
-              <a:buFont typeface="Arial" panose="020B0604020202020204" pitchFamily="34" charset="0"/>
-              <a:buChar char="•"/>
-            </a:pPr>
-            <a:endParaRPr lang="en-US" sz="2800" dirty="0">
-              <a:solidFill>
-                <a:srgbClr val="707070"/>
-              </a:solidFill>
-              <a:latin typeface="Pragmatica" panose="020B7200000000000000" pitchFamily="34" charset="0"/>
-            </a:endParaRPr>
-          </a:p>
-          <a:p>
-            <a:pPr marL="742950" lvl="1" indent="-285750">
-              <a:buFont typeface="Arial" panose="020B0604020202020204" pitchFamily="34" charset="0"/>
-              <a:buChar char="•"/>
-            </a:pPr>
-            <a:endParaRPr lang="en-US" sz="2800" dirty="0">
-              <a:solidFill>
-                <a:srgbClr val="707070"/>
-              </a:solidFill>
-              <a:latin typeface="Pragmatica" panose="020B7200000000000000" pitchFamily="34" charset="0"/>
-            </a:endParaRPr>
-          </a:p>
-          <a:p>
-            <a:pPr marL="285750" indent="-285750">
-              <a:buFont typeface="Arial" panose="020B0604020202020204" pitchFamily="34" charset="0"/>
-              <a:buChar char="•"/>
-            </a:pPr>
-            <a:endParaRPr lang="en-US" sz="2800" dirty="0">
-              <a:solidFill>
-                <a:srgbClr val="707070"/>
-              </a:solidFill>
-              <a:latin typeface="Pragmatica" panose="020B0403040502020204" pitchFamily="34" charset="0"/>
-            </a:endParaRPr>
-          </a:p>
-          <a:p>
-            <a:endParaRPr lang="en-US" sz="2800" dirty="0">
-              <a:solidFill>
-                <a:srgbClr val="707070"/>
-              </a:solidFill>
-              <a:latin typeface="Pragmatica" panose="020B0403040502020204" pitchFamily="34" charset="0"/>
-            </a:endParaRPr>
-          </a:p>
-        </p:txBody>
-      </p:sp>
-    </p:spTree>
-    <p:extLst>
-      <p:ext uri="{BB962C8B-B14F-4D97-AF65-F5344CB8AC3E}">
-        <p14:creationId xmlns:p14="http://schemas.microsoft.com/office/powerpoint/2010/main" val="2948647643"/>
-      </p:ext>
-    </p:extLst>
-  </p:cSld>
-  <p:clrMapOvr>
-    <a:masterClrMapping/>
-  </p:clrMapOvr>
-</p:sld>
-</file>
-
-<file path=ppt/slides/slide3.xml><?xml version="1.0" encoding="utf-8"?>
-<p:sld xmlns:a="http://schemas.openxmlformats.org/drawingml/2006/main" xmlns:r="http://schemas.openxmlformats.org/officeDocument/2006/relationships" xmlns:p="http://schemas.openxmlformats.org/presentationml/2006/main">
-  <p:cSld>
-    <p:spTree>
-      <p:nvGrpSpPr>
-        <p:cNvPr id="1" name=""/>
-        <p:cNvGrpSpPr/>
-        <p:nvPr/>
-      </p:nvGrpSpPr>
-      <p:grpSpPr>
-        <a:xfrm>
-          <a:off x="0" y="0"/>
-          <a:ext cx="0" cy="0"/>
-          <a:chOff x="0" y="0"/>
-          <a:chExt cx="0" cy="0"/>
-        </a:xfrm>
-      </p:grpSpPr>
-      <p:pic>
-        <p:nvPicPr>
-          <p:cNvPr id="10" name="Picture 9"/>
-          <p:cNvPicPr>
-            <a:picLocks noChangeAspect="1"/>
-          </p:cNvPicPr>
-          <p:nvPr/>
-        </p:nvPicPr>
-        <p:blipFill rotWithShape="1">
-          <a:blip r:embed="rId3">
-            <a:extLst>
-              <a:ext uri="{28A0092B-C50C-407E-A947-70E740481C1C}">
-                <a14:useLocalDpi xmlns:a14="http://schemas.microsoft.com/office/drawing/2010/main" val="0"/>
-              </a:ext>
-            </a:extLst>
-          </a:blip>
-          <a:srcRect l="50728" t="56371"/>
-          <a:stretch/>
-        </p:blipFill>
-        <p:spPr>
-          <a:xfrm>
-            <a:off x="10894024" y="5370653"/>
-            <a:ext cx="1297975" cy="1487348"/>
-          </a:xfrm>
-          <a:prstGeom prst="rect">
-            <a:avLst/>
-          </a:prstGeom>
-        </p:spPr>
-      </p:pic>
-      <p:sp>
-        <p:nvSpPr>
-          <p:cNvPr id="11" name="TextBox 10"/>
-          <p:cNvSpPr txBox="1"/>
-          <p:nvPr/>
-        </p:nvSpPr>
-        <p:spPr>
-          <a:xfrm>
-            <a:off x="347240" y="113388"/>
-            <a:ext cx="9799937" cy="1015663"/>
-          </a:xfrm>
-          <a:prstGeom prst="rect">
-            <a:avLst/>
-          </a:prstGeom>
-          <a:noFill/>
-        </p:spPr>
-        <p:txBody>
-          <a:bodyPr wrap="square" rtlCol="0">
-            <a:spAutoFit/>
-          </a:bodyPr>
-          <a:lstStyle/>
-          <a:p>
-            <a:r>
-              <a:rPr lang="en-US" sz="6000" dirty="0">
-                <a:latin typeface="Aliens &amp; cows" panose="00000500000000000000" pitchFamily="2" charset="0"/>
-              </a:rPr>
-              <a:t>Chat me up</a:t>
-            </a:r>
-          </a:p>
-        </p:txBody>
-      </p:sp>
-      <p:sp>
-        <p:nvSpPr>
-          <p:cNvPr id="13" name="TextBox 12">
-            <a:extLst>
-              <a:ext uri="{FF2B5EF4-FFF2-40B4-BE49-F238E27FC236}">
-                <a16:creationId xmlns:a16="http://schemas.microsoft.com/office/drawing/2014/main" id="{BAD4CFA0-F6EE-4D9E-AA4F-AABFDE2E3205}"/>
-              </a:ext>
-            </a:extLst>
-          </p:cNvPr>
-          <p:cNvSpPr txBox="1"/>
-          <p:nvPr/>
-        </p:nvSpPr>
-        <p:spPr>
-          <a:xfrm>
-            <a:off x="462988" y="1365813"/>
-            <a:ext cx="6772002" cy="3539430"/>
-          </a:xfrm>
-          <a:prstGeom prst="rect">
-            <a:avLst/>
-          </a:prstGeom>
-          <a:noFill/>
-        </p:spPr>
-        <p:txBody>
-          <a:bodyPr wrap="square" rtlCol="0">
-            <a:spAutoFit/>
-          </a:bodyPr>
-          <a:lstStyle/>
-          <a:p>
-            <a:pPr marL="285750" indent="-285750">
-              <a:buFont typeface="Arial" panose="020B0604020202020204" pitchFamily="34" charset="0"/>
-              <a:buChar char="•"/>
-            </a:pPr>
-            <a:r>
-              <a:rPr lang="en-US" sz="2800" dirty="0">
-                <a:solidFill>
-                  <a:srgbClr val="707070"/>
-                </a:solidFill>
-                <a:latin typeface="Pragmatica" panose="020B0403040502020204" pitchFamily="34" charset="0"/>
-              </a:rPr>
-              <a:t>Do you use Power BI? How/when/why?</a:t>
-            </a:r>
-          </a:p>
-          <a:p>
-            <a:pPr marL="285750" indent="-285750">
-              <a:buFont typeface="Arial" panose="020B0604020202020204" pitchFamily="34" charset="0"/>
-              <a:buChar char="•"/>
-            </a:pPr>
-            <a:r>
-              <a:rPr lang="en-US" sz="2800" dirty="0">
-                <a:solidFill>
-                  <a:srgbClr val="707070"/>
-                </a:solidFill>
-                <a:latin typeface="Pragmatica" panose="020B0403040502020204" pitchFamily="34" charset="0"/>
-              </a:rPr>
-              <a:t>Do you use R in Power BI? How/when/why?</a:t>
-            </a:r>
-          </a:p>
-          <a:p>
-            <a:pPr marL="285750" indent="-285750">
-              <a:buFont typeface="Arial" panose="020B0604020202020204" pitchFamily="34" charset="0"/>
-              <a:buChar char="•"/>
-            </a:pPr>
-            <a:r>
-              <a:rPr lang="en-US" sz="2800" dirty="0">
-                <a:solidFill>
-                  <a:srgbClr val="707070"/>
-                </a:solidFill>
-                <a:latin typeface="Pragmatica" panose="020B0403040502020204" pitchFamily="34" charset="0"/>
-              </a:rPr>
-              <a:t>Pros/cons to Power BI vs Shiny?</a:t>
-            </a:r>
-          </a:p>
-          <a:p>
-            <a:pPr marL="285750" indent="-285750">
-              <a:buFont typeface="Arial" panose="020B0604020202020204" pitchFamily="34" charset="0"/>
-              <a:buChar char="•"/>
-            </a:pPr>
-            <a:endParaRPr lang="en-US" sz="2800" dirty="0">
-              <a:solidFill>
-                <a:srgbClr val="707070"/>
-              </a:solidFill>
-              <a:latin typeface="Pragmatica" panose="020B0403040502020204" pitchFamily="34" charset="0"/>
-            </a:endParaRPr>
-          </a:p>
-          <a:p>
-            <a:pPr marL="285750" indent="-285750">
-              <a:buFont typeface="Arial" panose="020B0604020202020204" pitchFamily="34" charset="0"/>
-              <a:buChar char="•"/>
-            </a:pPr>
-            <a:r>
-              <a:rPr lang="en-US" sz="2800" dirty="0">
-                <a:solidFill>
-                  <a:srgbClr val="707070"/>
-                </a:solidFill>
-                <a:latin typeface="Pragmatica" panose="020B0403040502020204" pitchFamily="34" charset="0"/>
-              </a:rPr>
-              <a:t> Brainstorm it! </a:t>
-            </a:r>
-            <a:r>
-              <a:rPr lang="en-US" sz="2800" dirty="0">
-                <a:solidFill>
-                  <a:srgbClr val="707070"/>
-                </a:solidFill>
-                <a:latin typeface="Pragmatica" panose="020B0403040502020204" pitchFamily="34" charset="0"/>
-                <a:hlinkClick r:id="rId4"/>
-              </a:rPr>
-              <a:t>https://bit.ly/3nos6Yb</a:t>
-            </a:r>
-            <a:r>
-              <a:rPr lang="en-US" sz="2800" dirty="0">
-                <a:solidFill>
-                  <a:srgbClr val="707070"/>
-                </a:solidFill>
-                <a:latin typeface="Pragmatica" panose="020B0403040502020204" pitchFamily="34" charset="0"/>
-              </a:rPr>
-              <a:t>  </a:t>
-            </a:r>
-          </a:p>
-        </p:txBody>
-      </p:sp>
-    </p:spTree>
-    <p:extLst>
-      <p:ext uri="{BB962C8B-B14F-4D97-AF65-F5344CB8AC3E}">
-        <p14:creationId xmlns:p14="http://schemas.microsoft.com/office/powerpoint/2010/main" val="821058036"/>
-      </p:ext>
-    </p:extLst>
-  </p:cSld>
-  <p:clrMapOvr>
-    <a:masterClrMapping/>
-  </p:clrMapOvr>
-</p:sld>
-</file>
-
-<file path=ppt/slides/slide4.xml><?xml version="1.0" encoding="utf-8"?>
-<p:sld xmlns:a="http://schemas.openxmlformats.org/drawingml/2006/main" xmlns:r="http://schemas.openxmlformats.org/officeDocument/2006/relationships" xmlns:p="http://schemas.openxmlformats.org/presentationml/2006/main">
-  <p:cSld>
-    <p:spTree>
-      <p:nvGrpSpPr>
-        <p:cNvPr id="1" name=""/>
-        <p:cNvGrpSpPr/>
-        <p:nvPr/>
-      </p:nvGrpSpPr>
-      <p:grpSpPr>
-        <a:xfrm>
-          <a:off x="0" y="0"/>
-          <a:ext cx="0" cy="0"/>
-          <a:chOff x="0" y="0"/>
-          <a:chExt cx="0" cy="0"/>
-        </a:xfrm>
-      </p:grpSpPr>
-      <p:pic>
-        <p:nvPicPr>
-          <p:cNvPr id="10" name="Picture 9"/>
-          <p:cNvPicPr>
-            <a:picLocks noChangeAspect="1"/>
-          </p:cNvPicPr>
-          <p:nvPr/>
-        </p:nvPicPr>
-        <p:blipFill rotWithShape="1">
-          <a:blip r:embed="rId3">
-            <a:extLst>
-              <a:ext uri="{28A0092B-C50C-407E-A947-70E740481C1C}">
-                <a14:useLocalDpi xmlns:a14="http://schemas.microsoft.com/office/drawing/2010/main" val="0"/>
-              </a:ext>
-            </a:extLst>
-          </a:blip>
-          <a:srcRect l="50728" t="56371"/>
-          <a:stretch/>
-        </p:blipFill>
-        <p:spPr>
-          <a:xfrm>
-            <a:off x="10894024" y="5370653"/>
-            <a:ext cx="1297975" cy="1487348"/>
-          </a:xfrm>
-          <a:prstGeom prst="rect">
-            <a:avLst/>
-          </a:prstGeom>
-        </p:spPr>
-      </p:pic>
-      <p:sp>
-        <p:nvSpPr>
-          <p:cNvPr id="11" name="TextBox 10"/>
-          <p:cNvSpPr txBox="1"/>
-          <p:nvPr/>
-        </p:nvSpPr>
-        <p:spPr>
-          <a:xfrm>
-            <a:off x="347240" y="113388"/>
-            <a:ext cx="9799937" cy="1015663"/>
-          </a:xfrm>
-          <a:prstGeom prst="rect">
-            <a:avLst/>
-          </a:prstGeom>
-          <a:noFill/>
-        </p:spPr>
-        <p:txBody>
-          <a:bodyPr wrap="square" rtlCol="0">
-            <a:spAutoFit/>
-          </a:bodyPr>
-          <a:lstStyle/>
-          <a:p>
-            <a:r>
-              <a:rPr lang="en-US" sz="6000" dirty="0">
-                <a:latin typeface="Aliens &amp; cows" panose="00000500000000000000" pitchFamily="2" charset="0"/>
-              </a:rPr>
-              <a:t>When and why</a:t>
-            </a:r>
-          </a:p>
-        </p:txBody>
-      </p:sp>
-      <p:sp>
-        <p:nvSpPr>
-          <p:cNvPr id="8" name="TextBox 7">
-            <a:extLst>
-              <a:ext uri="{FF2B5EF4-FFF2-40B4-BE49-F238E27FC236}">
-                <a16:creationId xmlns:a16="http://schemas.microsoft.com/office/drawing/2014/main" id="{42A7C85F-0A10-4F88-8567-526BD39FA98C}"/>
-              </a:ext>
-            </a:extLst>
-          </p:cNvPr>
-          <p:cNvSpPr txBox="1"/>
-          <p:nvPr/>
-        </p:nvSpPr>
-        <p:spPr>
-          <a:xfrm>
-            <a:off x="462987" y="1365813"/>
-            <a:ext cx="5511093" cy="5262979"/>
-          </a:xfrm>
-          <a:prstGeom prst="rect">
-            <a:avLst/>
-          </a:prstGeom>
-          <a:noFill/>
-        </p:spPr>
-        <p:txBody>
-          <a:bodyPr wrap="square" rtlCol="0">
-            <a:spAutoFit/>
-          </a:bodyPr>
-          <a:lstStyle/>
-          <a:p>
-            <a:pPr marL="285750" indent="-285750">
-              <a:buFont typeface="Arial" panose="020B0604020202020204" pitchFamily="34" charset="0"/>
-              <a:buChar char="•"/>
-            </a:pPr>
-            <a:r>
-              <a:rPr lang="en-US" sz="2800" dirty="0">
-                <a:solidFill>
-                  <a:srgbClr val="707070"/>
-                </a:solidFill>
-                <a:latin typeface="Pragmatica" panose="020B0403040502020204" pitchFamily="34" charset="0"/>
-              </a:rPr>
-              <a:t>Remote or unstructured data sources</a:t>
-            </a:r>
-            <a:br>
-              <a:rPr lang="en-US" sz="2800" dirty="0">
-                <a:solidFill>
-                  <a:srgbClr val="707070"/>
-                </a:solidFill>
-                <a:latin typeface="Pragmatica" panose="020B0403040502020204" pitchFamily="34" charset="0"/>
-              </a:rPr>
-            </a:br>
-            <a:endParaRPr lang="en-US" sz="2800" dirty="0">
-              <a:solidFill>
-                <a:srgbClr val="707070"/>
-              </a:solidFill>
-              <a:latin typeface="Pragmatica" panose="020B0403040502020204" pitchFamily="34" charset="0"/>
-            </a:endParaRPr>
-          </a:p>
-          <a:p>
-            <a:pPr marL="285750" indent="-285750">
-              <a:buFont typeface="Arial" panose="020B0604020202020204" pitchFamily="34" charset="0"/>
-              <a:buChar char="•"/>
-            </a:pPr>
-            <a:r>
-              <a:rPr lang="en-US" sz="2800" dirty="0">
-                <a:solidFill>
-                  <a:srgbClr val="707070"/>
-                </a:solidFill>
-                <a:latin typeface="Pragmatica" panose="020B0403040502020204" pitchFamily="34" charset="0"/>
-              </a:rPr>
-              <a:t>Feature engineering (missing values, PCA)</a:t>
-            </a:r>
-            <a:br>
-              <a:rPr lang="en-US" sz="2800" dirty="0">
-                <a:solidFill>
-                  <a:srgbClr val="707070"/>
-                </a:solidFill>
-                <a:latin typeface="Pragmatica" panose="020B0403040502020204" pitchFamily="34" charset="0"/>
-              </a:rPr>
-            </a:br>
-            <a:endParaRPr lang="en-US" sz="2800" dirty="0">
-              <a:solidFill>
-                <a:srgbClr val="707070"/>
-              </a:solidFill>
-              <a:latin typeface="Pragmatica" panose="020B0403040502020204" pitchFamily="34" charset="0"/>
-            </a:endParaRPr>
-          </a:p>
-          <a:p>
-            <a:pPr marL="285750" indent="-285750">
-              <a:buFont typeface="Arial" panose="020B0604020202020204" pitchFamily="34" charset="0"/>
-              <a:buChar char="•"/>
-            </a:pPr>
-            <a:r>
-              <a:rPr lang="en-US" sz="2800" dirty="0">
-                <a:solidFill>
-                  <a:srgbClr val="707070"/>
-                </a:solidFill>
-                <a:latin typeface="Pragmatica" panose="020B0403040502020204" pitchFamily="34" charset="0"/>
-              </a:rPr>
-              <a:t>Machine learning</a:t>
-            </a:r>
-            <a:br>
-              <a:rPr lang="en-US" sz="2800" dirty="0">
-                <a:solidFill>
-                  <a:srgbClr val="707070"/>
-                </a:solidFill>
-                <a:latin typeface="Pragmatica" panose="020B0403040502020204" pitchFamily="34" charset="0"/>
-              </a:rPr>
-            </a:br>
-            <a:endParaRPr lang="en-US" sz="2800" dirty="0">
-              <a:solidFill>
-                <a:srgbClr val="707070"/>
-              </a:solidFill>
-              <a:latin typeface="Pragmatica" panose="020B0403040502020204" pitchFamily="34" charset="0"/>
-            </a:endParaRPr>
-          </a:p>
-          <a:p>
-            <a:pPr marL="285750" indent="-285750">
-              <a:buFont typeface="Arial" panose="020B0604020202020204" pitchFamily="34" charset="0"/>
-              <a:buChar char="•"/>
-            </a:pPr>
-            <a:r>
-              <a:rPr lang="en-US" sz="2800" dirty="0">
-                <a:solidFill>
-                  <a:srgbClr val="707070"/>
-                </a:solidFill>
-                <a:latin typeface="Pragmatica" panose="020B0403040502020204" pitchFamily="34" charset="0"/>
-              </a:rPr>
-              <a:t>Regular expressions</a:t>
-            </a:r>
-            <a:br>
-              <a:rPr lang="en-US" sz="2800" dirty="0">
-                <a:solidFill>
-                  <a:srgbClr val="707070"/>
-                </a:solidFill>
-                <a:latin typeface="Pragmatica" panose="020B0403040502020204" pitchFamily="34" charset="0"/>
-              </a:rPr>
-            </a:br>
-            <a:endParaRPr lang="en-US" sz="2800" dirty="0">
-              <a:solidFill>
-                <a:srgbClr val="707070"/>
-              </a:solidFill>
-              <a:latin typeface="Pragmatica" panose="020B0403040502020204" pitchFamily="34" charset="0"/>
-            </a:endParaRPr>
-          </a:p>
-          <a:p>
-            <a:pPr marL="285750" indent="-285750">
-              <a:buFont typeface="Arial" panose="020B0604020202020204" pitchFamily="34" charset="0"/>
-              <a:buChar char="•"/>
-            </a:pPr>
-            <a:r>
-              <a:rPr lang="en-US" sz="2800" dirty="0">
-                <a:solidFill>
-                  <a:srgbClr val="707070"/>
-                </a:solidFill>
-                <a:latin typeface="Pragmatica" panose="020B0403040502020204" pitchFamily="34" charset="0"/>
-              </a:rPr>
-              <a:t>Advanced, custom visualizations</a:t>
-            </a:r>
-          </a:p>
-        </p:txBody>
-      </p:sp>
-      <p:sp>
-        <p:nvSpPr>
-          <p:cNvPr id="12" name="TextBox 11">
-            <a:extLst>
-              <a:ext uri="{FF2B5EF4-FFF2-40B4-BE49-F238E27FC236}">
-                <a16:creationId xmlns:a16="http://schemas.microsoft.com/office/drawing/2014/main" id="{6DD6493B-1F9B-4D5B-BF8B-B1367EE5DCCA}"/>
-              </a:ext>
-            </a:extLst>
-          </p:cNvPr>
-          <p:cNvSpPr txBox="1"/>
-          <p:nvPr/>
-        </p:nvSpPr>
-        <p:spPr>
-          <a:xfrm>
-            <a:off x="5773856" y="4975620"/>
-            <a:ext cx="5753748" cy="646331"/>
-          </a:xfrm>
-          <a:prstGeom prst="rect">
-            <a:avLst/>
-          </a:prstGeom>
-          <a:noFill/>
-        </p:spPr>
-        <p:txBody>
-          <a:bodyPr wrap="square">
-            <a:spAutoFit/>
-          </a:bodyPr>
-          <a:lstStyle/>
-          <a:p>
-            <a:r>
-              <a:rPr lang="en-US" dirty="0"/>
-              <a:t>https://www.windowsblogitalia.com/2019/02/microsoft-migliore-futuro-inner-source/</a:t>
-            </a:r>
-          </a:p>
-        </p:txBody>
-      </p:sp>
-      <p:pic>
-        <p:nvPicPr>
-          <p:cNvPr id="1026" name="Picture 2" descr="Microsoft loves Open Source">
-            <a:extLst>
-              <a:ext uri="{FF2B5EF4-FFF2-40B4-BE49-F238E27FC236}">
-                <a16:creationId xmlns:a16="http://schemas.microsoft.com/office/drawing/2014/main" id="{FEA8D45A-D5EA-477A-A7E1-CB8D265DDFC3}"/>
-              </a:ext>
-            </a:extLst>
-          </p:cNvPr>
-          <p:cNvPicPr>
-            <a:picLocks noChangeAspect="1" noChangeArrowheads="1"/>
-          </p:cNvPicPr>
-          <p:nvPr/>
-        </p:nvPicPr>
-        <p:blipFill>
-          <a:blip r:embed="rId4">
-            <a:extLst>
-              <a:ext uri="{28A0092B-C50C-407E-A947-70E740481C1C}">
-                <a14:useLocalDpi xmlns:a14="http://schemas.microsoft.com/office/drawing/2010/main" val="0"/>
-              </a:ext>
-            </a:extLst>
-          </a:blip>
-          <a:srcRect/>
-          <a:stretch>
-            <a:fillRect/>
-          </a:stretch>
-        </p:blipFill>
-        <p:spPr bwMode="auto">
-          <a:xfrm>
-            <a:off x="5773856" y="1192418"/>
-            <a:ext cx="5678104" cy="3783202"/>
-          </a:xfrm>
-          <a:prstGeom prst="rect">
-            <a:avLst/>
-          </a:prstGeom>
-          <a:noFill/>
-          <a:extLst>
-            <a:ext uri="{909E8E84-426E-40DD-AFC4-6F175D3DCCD1}">
-              <a14:hiddenFill xmlns:a14="http://schemas.microsoft.com/office/drawing/2010/main">
-                <a:solidFill>
-                  <a:srgbClr val="FFFFFF"/>
-                </a:solidFill>
-              </a14:hiddenFill>
-            </a:ext>
-          </a:extLst>
-        </p:spPr>
-      </p:pic>
-    </p:spTree>
-    <p:extLst>
-      <p:ext uri="{BB962C8B-B14F-4D97-AF65-F5344CB8AC3E}">
-        <p14:creationId xmlns:p14="http://schemas.microsoft.com/office/powerpoint/2010/main" val="2480351462"/>
-      </p:ext>
-    </p:extLst>
-  </p:cSld>
-  <p:clrMapOvr>
-    <a:masterClrMapping/>
-  </p:clrMapOvr>
-</p:sld>
-</file>
-
-<file path=ppt/slides/slide5.xml><?xml version="1.0" encoding="utf-8"?>
-<p:sld xmlns:a="http://schemas.openxmlformats.org/drawingml/2006/main" xmlns:r="http://schemas.openxmlformats.org/officeDocument/2006/relationships" xmlns:p="http://schemas.openxmlformats.org/presentationml/2006/main">
-  <p:cSld>
-    <p:spTree>
-      <p:nvGrpSpPr>
-        <p:cNvPr id="1" name=""/>
-        <p:cNvGrpSpPr/>
-        <p:nvPr/>
-      </p:nvGrpSpPr>
-      <p:grpSpPr>
-        <a:xfrm>
-          <a:off x="0" y="0"/>
-          <a:ext cx="0" cy="0"/>
-          <a:chOff x="0" y="0"/>
-          <a:chExt cx="0" cy="0"/>
-        </a:xfrm>
-      </p:grpSpPr>
-      <p:pic>
-        <p:nvPicPr>
-          <p:cNvPr id="10" name="Picture 9"/>
-          <p:cNvPicPr>
-            <a:picLocks noChangeAspect="1"/>
-          </p:cNvPicPr>
-          <p:nvPr/>
-        </p:nvPicPr>
-        <p:blipFill rotWithShape="1">
-          <a:blip r:embed="rId3">
-            <a:extLst>
-              <a:ext uri="{28A0092B-C50C-407E-A947-70E740481C1C}">
-                <a14:useLocalDpi xmlns:a14="http://schemas.microsoft.com/office/drawing/2010/main" val="0"/>
-              </a:ext>
-            </a:extLst>
-          </a:blip>
-          <a:srcRect l="50728" t="56371"/>
-          <a:stretch/>
-        </p:blipFill>
-        <p:spPr>
-          <a:xfrm>
-            <a:off x="10894024" y="5370653"/>
-            <a:ext cx="1297975" cy="1487348"/>
-          </a:xfrm>
-          <a:prstGeom prst="rect">
-            <a:avLst/>
-          </a:prstGeom>
-        </p:spPr>
-      </p:pic>
-      <p:sp>
-        <p:nvSpPr>
-          <p:cNvPr id="11" name="TextBox 10"/>
-          <p:cNvSpPr txBox="1"/>
-          <p:nvPr/>
-        </p:nvSpPr>
-        <p:spPr>
-          <a:xfrm>
-            <a:off x="347240" y="113388"/>
-            <a:ext cx="9799937" cy="1015663"/>
-          </a:xfrm>
-          <a:prstGeom prst="rect">
-            <a:avLst/>
-          </a:prstGeom>
-          <a:noFill/>
-        </p:spPr>
-        <p:txBody>
-          <a:bodyPr wrap="square" rtlCol="0">
-            <a:spAutoFit/>
-          </a:bodyPr>
-          <a:lstStyle/>
-          <a:p>
-            <a:r>
-              <a:rPr lang="en-US" sz="6000" dirty="0">
-                <a:latin typeface="Aliens &amp; cows" panose="00000500000000000000" pitchFamily="2" charset="0"/>
-              </a:rPr>
-              <a:t>Set up</a:t>
-            </a:r>
-          </a:p>
-        </p:txBody>
-      </p:sp>
-      <p:sp>
-        <p:nvSpPr>
-          <p:cNvPr id="13" name="TextBox 12">
-            <a:extLst>
-              <a:ext uri="{FF2B5EF4-FFF2-40B4-BE49-F238E27FC236}">
-                <a16:creationId xmlns:a16="http://schemas.microsoft.com/office/drawing/2014/main" id="{BAD4CFA0-F6EE-4D9E-AA4F-AABFDE2E3205}"/>
-              </a:ext>
-            </a:extLst>
-          </p:cNvPr>
-          <p:cNvSpPr txBox="1"/>
-          <p:nvPr/>
-        </p:nvSpPr>
-        <p:spPr>
-          <a:xfrm>
-            <a:off x="462987" y="1365813"/>
-            <a:ext cx="5511093" cy="4401205"/>
-          </a:xfrm>
-          <a:prstGeom prst="rect">
-            <a:avLst/>
-          </a:prstGeom>
-          <a:noFill/>
-        </p:spPr>
-        <p:txBody>
-          <a:bodyPr wrap="square" rtlCol="0">
-            <a:spAutoFit/>
-          </a:bodyPr>
-          <a:lstStyle/>
-          <a:p>
-            <a:pPr marL="285750" indent="-285750">
-              <a:buFont typeface="Arial" panose="020B0604020202020204" pitchFamily="34" charset="0"/>
-              <a:buChar char="•"/>
-            </a:pPr>
-            <a:r>
-              <a:rPr lang="en-US" sz="2800" dirty="0">
-                <a:solidFill>
-                  <a:srgbClr val="707070"/>
-                </a:solidFill>
-                <a:latin typeface="Pragmatica" panose="020B0403040502020204" pitchFamily="34" charset="0"/>
-              </a:rPr>
-              <a:t>Freemium, Windows only</a:t>
-            </a:r>
-          </a:p>
-          <a:p>
-            <a:pPr marL="742950" lvl="1" indent="-285750">
-              <a:buFont typeface="Arial" panose="020B0604020202020204" pitchFamily="34" charset="0"/>
-              <a:buChar char="•"/>
-            </a:pPr>
-            <a:r>
-              <a:rPr lang="en-US" sz="2800" dirty="0">
-                <a:solidFill>
-                  <a:srgbClr val="707070"/>
-                </a:solidFill>
-                <a:latin typeface="Pragmatica" panose="020B0403040502020204" pitchFamily="34" charset="0"/>
-              </a:rPr>
-              <a:t>Free account can run R scripts</a:t>
-            </a:r>
-          </a:p>
-          <a:p>
-            <a:pPr marL="742950" lvl="1" indent="-285750">
-              <a:buFont typeface="Arial" panose="020B0604020202020204" pitchFamily="34" charset="0"/>
-              <a:buChar char="•"/>
-            </a:pPr>
-            <a:r>
-              <a:rPr lang="en-US" sz="2800" dirty="0">
-                <a:solidFill>
-                  <a:srgbClr val="707070"/>
-                </a:solidFill>
-                <a:latin typeface="Pragmatica" panose="020B0403040502020204" pitchFamily="34" charset="0"/>
-              </a:rPr>
-              <a:t>Paid, </a:t>
-            </a:r>
-            <a:r>
-              <a:rPr lang="en-US" sz="2800" dirty="0">
-                <a:solidFill>
-                  <a:srgbClr val="707070"/>
-                </a:solidFill>
-                <a:latin typeface="Pragmatica" panose="020B0403040502020204" pitchFamily="34" charset="0"/>
-                <a:hlinkClick r:id="rId4"/>
-              </a:rPr>
-              <a:t>Pro account</a:t>
-            </a:r>
-            <a:r>
-              <a:rPr lang="en-US" sz="2800" dirty="0">
-                <a:solidFill>
-                  <a:srgbClr val="707070"/>
-                </a:solidFill>
-                <a:latin typeface="Pragmatica" panose="020B0403040502020204" pitchFamily="34" charset="0"/>
-              </a:rPr>
-              <a:t> is needed to publish R visuals</a:t>
-            </a:r>
-          </a:p>
-          <a:p>
-            <a:pPr marL="742950" lvl="1" indent="-285750">
-              <a:buFont typeface="Arial" panose="020B0604020202020204" pitchFamily="34" charset="0"/>
-              <a:buChar char="•"/>
-            </a:pPr>
-            <a:endParaRPr lang="en-US" sz="2800" dirty="0">
-              <a:solidFill>
-                <a:srgbClr val="707070"/>
-              </a:solidFill>
-              <a:latin typeface="Pragmatica" panose="020B0403040502020204" pitchFamily="34" charset="0"/>
-            </a:endParaRPr>
-          </a:p>
-          <a:p>
-            <a:pPr marL="285750" indent="-285750">
-              <a:buFont typeface="Arial" panose="020B0604020202020204" pitchFamily="34" charset="0"/>
-              <a:buChar char="•"/>
-            </a:pPr>
-            <a:endParaRPr lang="en-US" sz="2800" dirty="0">
-              <a:solidFill>
-                <a:srgbClr val="707070"/>
-              </a:solidFill>
-              <a:latin typeface="Pragmatica" panose="020B0403040502020204" pitchFamily="34" charset="0"/>
-            </a:endParaRPr>
-          </a:p>
-          <a:p>
-            <a:pPr marL="285750" indent="-285750">
-              <a:buFont typeface="Arial" panose="020B0604020202020204" pitchFamily="34" charset="0"/>
-              <a:buChar char="•"/>
-            </a:pPr>
-            <a:r>
-              <a:rPr lang="en-US" sz="2800" dirty="0">
-                <a:solidFill>
-                  <a:srgbClr val="707070"/>
-                </a:solidFill>
-                <a:latin typeface="Pragmatica" panose="020B0403040502020204" pitchFamily="34" charset="0"/>
-              </a:rPr>
-              <a:t>File &gt; Options &amp; settings &gt; Options &gt; R scripting</a:t>
-            </a:r>
-          </a:p>
-        </p:txBody>
-      </p:sp>
-      <p:pic>
-        <p:nvPicPr>
-          <p:cNvPr id="3" name="Picture 2">
-            <a:extLst>
-              <a:ext uri="{FF2B5EF4-FFF2-40B4-BE49-F238E27FC236}">
-                <a16:creationId xmlns:a16="http://schemas.microsoft.com/office/drawing/2014/main" id="{81BD8738-D3E2-472F-B98B-1A7B3A2E062F}"/>
-              </a:ext>
-            </a:extLst>
-          </p:cNvPr>
-          <p:cNvPicPr>
-            <a:picLocks noChangeAspect="1"/>
-          </p:cNvPicPr>
-          <p:nvPr/>
-        </p:nvPicPr>
-        <p:blipFill>
-          <a:blip r:embed="rId5"/>
-          <a:stretch>
-            <a:fillRect/>
-          </a:stretch>
-        </p:blipFill>
-        <p:spPr>
-          <a:xfrm>
-            <a:off x="6020490" y="915088"/>
-            <a:ext cx="5779659" cy="5566303"/>
-          </a:xfrm>
-          <a:prstGeom prst="rect">
-            <a:avLst/>
-          </a:prstGeom>
-        </p:spPr>
-      </p:pic>
-    </p:spTree>
-    <p:extLst>
-      <p:ext uri="{BB962C8B-B14F-4D97-AF65-F5344CB8AC3E}">
-        <p14:creationId xmlns:p14="http://schemas.microsoft.com/office/powerpoint/2010/main" val="2684353158"/>
-      </p:ext>
-    </p:extLst>
-  </p:cSld>
-  <p:clrMapOvr>
-    <a:masterClrMapping/>
-  </p:clrMapOvr>
-</p:sld>
-</file>
-
-<file path=ppt/slides/slide6.xml><?xml version="1.0" encoding="utf-8"?>
-<p:sld xmlns:a="http://schemas.openxmlformats.org/drawingml/2006/main" xmlns:r="http://schemas.openxmlformats.org/officeDocument/2006/relationships" xmlns:p="http://schemas.openxmlformats.org/presentationml/2006/main">
-  <p:cSld>
-    <p:spTree>
-      <p:nvGrpSpPr>
-        <p:cNvPr id="1" name=""/>
-        <p:cNvGrpSpPr/>
-        <p:nvPr/>
-      </p:nvGrpSpPr>
-      <p:grpSpPr>
-        <a:xfrm>
-          <a:off x="0" y="0"/>
-          <a:ext cx="0" cy="0"/>
-          <a:chOff x="0" y="0"/>
-          <a:chExt cx="0" cy="0"/>
-        </a:xfrm>
-      </p:grpSpPr>
-      <p:sp>
-        <p:nvSpPr>
-          <p:cNvPr id="4" name="Rectangle 3"/>
-          <p:cNvSpPr/>
-          <p:nvPr/>
-        </p:nvSpPr>
-        <p:spPr>
-          <a:xfrm>
-            <a:off x="6574420" y="0"/>
-            <a:ext cx="5617580" cy="6858000"/>
-          </a:xfrm>
-          <a:prstGeom prst="rect">
-            <a:avLst/>
-          </a:prstGeom>
-          <a:solidFill>
-            <a:srgbClr val="CF3338"/>
-          </a:solidFill>
-          <a:ln>
-            <a:noFill/>
-          </a:ln>
-        </p:spPr>
-        <p:style>
-          <a:lnRef idx="2">
-            <a:schemeClr val="accent1">
-              <a:shade val="50000"/>
-            </a:schemeClr>
-          </a:lnRef>
-          <a:fillRef idx="1">
-            <a:schemeClr val="accent1"/>
-          </a:fillRef>
-          <a:effectRef idx="0">
-            <a:schemeClr val="accent1"/>
-          </a:effectRef>
-          <a:fontRef idx="minor">
-            <a:schemeClr val="lt1"/>
-          </a:fontRef>
-        </p:style>
-        <p:txBody>
-          <a:bodyPr rtlCol="0" anchor="ctr"/>
-          <a:lstStyle/>
-          <a:p>
-            <a:pPr algn="ctr"/>
-            <a:endParaRPr lang="en-US"/>
-          </a:p>
-        </p:txBody>
-      </p:sp>
-      <p:sp>
-        <p:nvSpPr>
-          <p:cNvPr id="5" name="TextBox 4"/>
-          <p:cNvSpPr txBox="1"/>
-          <p:nvPr/>
-        </p:nvSpPr>
-        <p:spPr>
-          <a:xfrm>
-            <a:off x="6817489" y="0"/>
-            <a:ext cx="4120587" cy="1446550"/>
-          </a:xfrm>
-          <a:prstGeom prst="rect">
-            <a:avLst/>
-          </a:prstGeom>
-          <a:noFill/>
-        </p:spPr>
-        <p:txBody>
-          <a:bodyPr wrap="square" rtlCol="0">
-            <a:spAutoFit/>
-          </a:bodyPr>
-          <a:lstStyle/>
-          <a:p>
-            <a:r>
-              <a:rPr lang="en-US" sz="8800" dirty="0">
-                <a:solidFill>
-                  <a:schemeClr val="bg1"/>
-                </a:solidFill>
-                <a:latin typeface="Aliens &amp; cows" panose="00000500000000000000" pitchFamily="2" charset="0"/>
-              </a:rPr>
-              <a:t>Demo</a:t>
-            </a:r>
-          </a:p>
-        </p:txBody>
-      </p:sp>
-      <p:pic>
-        <p:nvPicPr>
-          <p:cNvPr id="2" name="Picture 1"/>
-          <p:cNvPicPr>
-            <a:picLocks noChangeAspect="1"/>
-          </p:cNvPicPr>
-          <p:nvPr/>
-        </p:nvPicPr>
-        <p:blipFill rotWithShape="1">
-          <a:blip r:embed="rId3">
-            <a:extLst>
-              <a:ext uri="{28A0092B-C50C-407E-A947-70E740481C1C}">
-                <a14:useLocalDpi xmlns:a14="http://schemas.microsoft.com/office/drawing/2010/main" val="0"/>
-              </a:ext>
-            </a:extLst>
-          </a:blip>
-          <a:srcRect l="69227" t="33418" r="20112" b="50548"/>
-          <a:stretch/>
-        </p:blipFill>
-        <p:spPr>
-          <a:xfrm>
-            <a:off x="10386349" y="5029795"/>
-            <a:ext cx="1805651" cy="1991719"/>
-          </a:xfrm>
-          <a:prstGeom prst="rect">
-            <a:avLst/>
-          </a:prstGeom>
-        </p:spPr>
-      </p:pic>
-      <p:sp>
-        <p:nvSpPr>
-          <p:cNvPr id="3" name="TextBox 2"/>
-          <p:cNvSpPr txBox="1"/>
-          <p:nvPr/>
-        </p:nvSpPr>
-        <p:spPr>
-          <a:xfrm>
-            <a:off x="173620" y="219919"/>
-            <a:ext cx="5937813" cy="5293757"/>
-          </a:xfrm>
-          <a:prstGeom prst="rect">
-            <a:avLst/>
-          </a:prstGeom>
-          <a:noFill/>
-        </p:spPr>
-        <p:txBody>
-          <a:bodyPr wrap="square" rtlCol="0">
-            <a:spAutoFit/>
-          </a:bodyPr>
-          <a:lstStyle/>
-          <a:p>
-            <a:r>
-              <a:rPr lang="en-US" sz="2600" b="1" dirty="0">
-                <a:solidFill>
-                  <a:srgbClr val="CF3338"/>
-                </a:solidFill>
-                <a:latin typeface="Pragmatica" pitchFamily="2" charset="0"/>
-              </a:rPr>
-              <a:t>Data: </a:t>
-            </a:r>
-            <a:r>
-              <a:rPr lang="en-US" sz="2600" b="1" dirty="0">
-                <a:solidFill>
-                  <a:srgbClr val="CF3338"/>
-                </a:solidFill>
-                <a:latin typeface="Consolas" panose="020B0609020204030204" pitchFamily="49" charset="0"/>
-              </a:rPr>
-              <a:t>data/contestants.csv, data/personal_info.csv</a:t>
-            </a:r>
-          </a:p>
-          <a:p>
-            <a:endParaRPr lang="en-US" sz="2600" b="1" dirty="0">
-              <a:solidFill>
-                <a:srgbClr val="CF3338"/>
-              </a:solidFill>
-              <a:latin typeface="Pragmatica" pitchFamily="2" charset="0"/>
-            </a:endParaRPr>
-          </a:p>
-          <a:p>
-            <a:r>
-              <a:rPr lang="en-US" sz="2600" b="1" dirty="0">
-                <a:solidFill>
-                  <a:srgbClr val="CF3338"/>
-                </a:solidFill>
-                <a:latin typeface="Pragmatica" pitchFamily="2" charset="0"/>
-              </a:rPr>
-              <a:t>What are the audition scores of candidates who did and did not participate in a mentoring program? </a:t>
-            </a:r>
-          </a:p>
-          <a:p>
-            <a:endParaRPr lang="en-US" sz="2600" b="1" dirty="0">
-              <a:solidFill>
-                <a:srgbClr val="CF3338"/>
-              </a:solidFill>
-              <a:latin typeface="Pragmatica" pitchFamily="2" charset="0"/>
-            </a:endParaRPr>
-          </a:p>
-          <a:p>
-            <a:pPr marL="514350" indent="-514350">
-              <a:buFont typeface="Arial" panose="020B0604020202020204" pitchFamily="34" charset="0"/>
-              <a:buChar char="•"/>
-            </a:pPr>
-            <a:r>
-              <a:rPr lang="en-US" sz="2600" b="1" dirty="0">
-                <a:solidFill>
-                  <a:srgbClr val="CF3338"/>
-                </a:solidFill>
-                <a:latin typeface="Pragmatica" pitchFamily="2" charset="0"/>
-              </a:rPr>
-              <a:t>Import data via R script</a:t>
-            </a:r>
-          </a:p>
-          <a:p>
-            <a:pPr marL="514350" indent="-514350">
-              <a:buFont typeface="Arial" panose="020B0604020202020204" pitchFamily="34" charset="0"/>
-              <a:buChar char="•"/>
-            </a:pPr>
-            <a:r>
-              <a:rPr lang="en-US" sz="2600" b="1" dirty="0">
-                <a:solidFill>
-                  <a:srgbClr val="CF3338"/>
-                </a:solidFill>
-                <a:latin typeface="Pragmatica" pitchFamily="2" charset="0"/>
-              </a:rPr>
-              <a:t>Identify invalid email addresses</a:t>
-            </a:r>
-          </a:p>
-          <a:p>
-            <a:pPr marL="514350" indent="-514350">
-              <a:buFont typeface="Arial" panose="020B0604020202020204" pitchFamily="34" charset="0"/>
-              <a:buChar char="•"/>
-            </a:pPr>
-            <a:r>
-              <a:rPr lang="en-US" sz="2600" b="1" dirty="0">
-                <a:solidFill>
-                  <a:srgbClr val="CF3338"/>
-                </a:solidFill>
-                <a:latin typeface="Pragmatica" pitchFamily="2" charset="0"/>
-              </a:rPr>
-              <a:t>Impute missing values</a:t>
-            </a:r>
-          </a:p>
-          <a:p>
-            <a:pPr marL="514350" indent="-514350">
-              <a:buFont typeface="Arial" panose="020B0604020202020204" pitchFamily="34" charset="0"/>
-              <a:buChar char="•"/>
-            </a:pPr>
-            <a:r>
-              <a:rPr lang="en-US" sz="2600" b="1" dirty="0">
-                <a:solidFill>
-                  <a:srgbClr val="CF3338"/>
-                </a:solidFill>
-                <a:latin typeface="Pragmatica" pitchFamily="2" charset="0"/>
-              </a:rPr>
-              <a:t>Visualize pairwise relationships</a:t>
-            </a:r>
-          </a:p>
-          <a:p>
-            <a:endParaRPr lang="en-US" sz="2600" b="1" dirty="0">
-              <a:solidFill>
-                <a:srgbClr val="CF3338"/>
-              </a:solidFill>
-              <a:latin typeface="Consolas" panose="020B0609020204030204" pitchFamily="49" charset="0"/>
-            </a:endParaRPr>
-          </a:p>
-          <a:p>
-            <a:r>
-              <a:rPr lang="en-US" sz="2600" b="1" dirty="0">
-                <a:solidFill>
-                  <a:srgbClr val="CF3338"/>
-                </a:solidFill>
-                <a:latin typeface="Pragmatica" panose="020B7200000000000000" pitchFamily="34" charset="0"/>
-              </a:rPr>
-              <a:t>Follow along: </a:t>
-            </a:r>
-            <a:r>
-              <a:rPr lang="en-US" sz="2600" b="1" dirty="0">
-                <a:solidFill>
-                  <a:srgbClr val="CF3338"/>
-                </a:solidFill>
-                <a:latin typeface="Consolas" panose="020B0609020204030204" pitchFamily="49" charset="0"/>
-              </a:rPr>
-              <a:t>demo-notes.pdf</a:t>
-            </a:r>
-          </a:p>
-        </p:txBody>
-      </p:sp>
-      <p:pic>
-        <p:nvPicPr>
-          <p:cNvPr id="11" name="Graphic 10" descr="Microphone with solid fill">
-            <a:extLst>
-              <a:ext uri="{FF2B5EF4-FFF2-40B4-BE49-F238E27FC236}">
-                <a16:creationId xmlns:a16="http://schemas.microsoft.com/office/drawing/2014/main" id="{B5FC4E04-397E-4989-AC34-16A495301450}"/>
-              </a:ext>
-            </a:extLst>
-          </p:cNvPr>
-          <p:cNvPicPr>
-            <a:picLocks noChangeAspect="1"/>
-          </p:cNvPicPr>
-          <p:nvPr/>
-        </p:nvPicPr>
-        <p:blipFill>
-          <a:blip r:embed="rId4">
-            <a:extLst>
-              <a:ext uri="{28A0092B-C50C-407E-A947-70E740481C1C}">
-                <a14:useLocalDpi xmlns:a14="http://schemas.microsoft.com/office/drawing/2010/main" val="0"/>
-              </a:ext>
-              <a:ext uri="{96DAC541-7B7A-43D3-8B79-37D633B846F1}">
-                <asvg:svgBlip xmlns:asvg="http://schemas.microsoft.com/office/drawing/2016/SVG/main" r:embed="rId5"/>
-              </a:ext>
-            </a:extLst>
-          </a:blip>
-          <a:stretch>
-            <a:fillRect/>
-          </a:stretch>
-        </p:blipFill>
-        <p:spPr>
-          <a:xfrm>
-            <a:off x="6774371" y="2446261"/>
-            <a:ext cx="3412027" cy="3412027"/>
-          </a:xfrm>
-          <a:prstGeom prst="rect">
-            <a:avLst/>
-          </a:prstGeom>
-        </p:spPr>
-      </p:pic>
-    </p:spTree>
-    <p:extLst>
-      <p:ext uri="{BB962C8B-B14F-4D97-AF65-F5344CB8AC3E}">
-        <p14:creationId xmlns:p14="http://schemas.microsoft.com/office/powerpoint/2010/main" val="167227427"/>
-      </p:ext>
-    </p:extLst>
-  </p:cSld>
-  <p:clrMapOvr>
-    <a:masterClrMapping/>
-  </p:clrMapOvr>
-</p:sld>
-</file>
-
-<file path=ppt/slides/slide7.xml><?xml version="1.0" encoding="utf-8"?>
-<p:sld xmlns:a="http://schemas.openxmlformats.org/drawingml/2006/main" xmlns:r="http://schemas.openxmlformats.org/officeDocument/2006/relationships" xmlns:p="http://schemas.openxmlformats.org/presentationml/2006/main">
-  <p:cSld>
-    <p:spTree>
-      <p:nvGrpSpPr>
-        <p:cNvPr id="1" name=""/>
-        <p:cNvGrpSpPr/>
-        <p:nvPr/>
-      </p:nvGrpSpPr>
-      <p:grpSpPr>
-        <a:xfrm>
-          <a:off x="0" y="0"/>
-          <a:ext cx="0" cy="0"/>
-          <a:chOff x="0" y="0"/>
-          <a:chExt cx="0" cy="0"/>
-        </a:xfrm>
-      </p:grpSpPr>
-      <p:pic>
-        <p:nvPicPr>
-          <p:cNvPr id="10" name="Picture 9"/>
-          <p:cNvPicPr>
-            <a:picLocks noChangeAspect="1"/>
-          </p:cNvPicPr>
-          <p:nvPr/>
-        </p:nvPicPr>
-        <p:blipFill rotWithShape="1">
-          <a:blip r:embed="rId2">
-            <a:extLst>
-              <a:ext uri="{28A0092B-C50C-407E-A947-70E740481C1C}">
-                <a14:useLocalDpi xmlns:a14="http://schemas.microsoft.com/office/drawing/2010/main" val="0"/>
-              </a:ext>
-            </a:extLst>
-          </a:blip>
-          <a:srcRect l="50728" t="56371"/>
-          <a:stretch/>
-        </p:blipFill>
-        <p:spPr>
-          <a:xfrm>
-            <a:off x="8136460" y="2210765"/>
-            <a:ext cx="4055539" cy="4647236"/>
-          </a:xfrm>
-          <a:prstGeom prst="rect">
-            <a:avLst/>
-          </a:prstGeom>
-        </p:spPr>
-      </p:pic>
-      <p:pic>
-        <p:nvPicPr>
-          <p:cNvPr id="4" name="Picture 3"/>
-          <p:cNvPicPr>
-            <a:picLocks noChangeAspect="1"/>
-          </p:cNvPicPr>
-          <p:nvPr/>
-        </p:nvPicPr>
-        <p:blipFill>
-          <a:blip r:embed="rId3">
-            <a:extLst>
-              <a:ext uri="{28A0092B-C50C-407E-A947-70E740481C1C}">
-                <a14:useLocalDpi xmlns:a14="http://schemas.microsoft.com/office/drawing/2010/main" val="0"/>
-              </a:ext>
-            </a:extLst>
-          </a:blip>
-          <a:stretch>
-            <a:fillRect/>
-          </a:stretch>
-        </p:blipFill>
-        <p:spPr>
-          <a:xfrm>
-            <a:off x="-538496" y="-2482770"/>
-            <a:ext cx="10171472" cy="7459883"/>
-          </a:xfrm>
-          <a:prstGeom prst="rect">
-            <a:avLst/>
-          </a:prstGeom>
-        </p:spPr>
-      </p:pic>
-      <p:sp>
-        <p:nvSpPr>
-          <p:cNvPr id="11" name="TextBox 10"/>
-          <p:cNvSpPr txBox="1"/>
-          <p:nvPr/>
-        </p:nvSpPr>
-        <p:spPr>
-          <a:xfrm>
-            <a:off x="324091" y="1687545"/>
-            <a:ext cx="7986531" cy="769441"/>
-          </a:xfrm>
-          <a:prstGeom prst="rect">
-            <a:avLst/>
-          </a:prstGeom>
-          <a:noFill/>
-        </p:spPr>
-        <p:txBody>
-          <a:bodyPr wrap="square" rtlCol="0">
-            <a:spAutoFit/>
-          </a:bodyPr>
-          <a:lstStyle/>
-          <a:p>
-            <a:r>
-              <a:rPr lang="en-US" sz="4400" b="1" dirty="0">
-                <a:solidFill>
-                  <a:srgbClr val="707070"/>
-                </a:solidFill>
-                <a:latin typeface="Pragmatica" panose="020B0403040502020204" pitchFamily="34" charset="0"/>
-              </a:rPr>
-              <a:t>Questions?</a:t>
-            </a:r>
-          </a:p>
-        </p:txBody>
-      </p:sp>
-    </p:spTree>
-    <p:extLst>
-      <p:ext uri="{BB962C8B-B14F-4D97-AF65-F5344CB8AC3E}">
-        <p14:creationId xmlns:p14="http://schemas.microsoft.com/office/powerpoint/2010/main" val="4081097533"/>
-      </p:ext>
-    </p:extLst>
-  </p:cSld>
-  <p:clrMapOvr>
-    <a:masterClrMapping/>
-  </p:clrMapOvr>
-</p:sld>
-</file>
-
-<file path=ppt/slides/slide8.xml><?xml version="1.0" encoding="utf-8"?>
-<p:sld xmlns:a="http://schemas.openxmlformats.org/drawingml/2006/main" xmlns:r="http://schemas.openxmlformats.org/officeDocument/2006/relationships" xmlns:p="http://schemas.openxmlformats.org/presentationml/2006/main">
-  <p:cSld>
-    <p:spTree>
-      <p:nvGrpSpPr>
-        <p:cNvPr id="1" name=""/>
-        <p:cNvGrpSpPr/>
-        <p:nvPr/>
-      </p:nvGrpSpPr>
-      <p:grpSpPr>
-        <a:xfrm>
-          <a:off x="0" y="0"/>
-          <a:ext cx="0" cy="0"/>
-          <a:chOff x="0" y="0"/>
-          <a:chExt cx="0" cy="0"/>
-        </a:xfrm>
-      </p:grpSpPr>
-      <p:pic>
-        <p:nvPicPr>
-          <p:cNvPr id="10" name="Picture 9"/>
-          <p:cNvPicPr>
-            <a:picLocks noChangeAspect="1"/>
-          </p:cNvPicPr>
-          <p:nvPr/>
-        </p:nvPicPr>
-        <p:blipFill rotWithShape="1">
-          <a:blip r:embed="rId3">
-            <a:extLst>
-              <a:ext uri="{28A0092B-C50C-407E-A947-70E740481C1C}">
-                <a14:useLocalDpi xmlns:a14="http://schemas.microsoft.com/office/drawing/2010/main" val="0"/>
-              </a:ext>
-            </a:extLst>
-          </a:blip>
-          <a:srcRect l="50728" t="56371"/>
-          <a:stretch/>
-        </p:blipFill>
-        <p:spPr>
-          <a:xfrm>
-            <a:off x="10894024" y="5370653"/>
-            <a:ext cx="1297975" cy="1487348"/>
-          </a:xfrm>
-          <a:prstGeom prst="rect">
-            <a:avLst/>
-          </a:prstGeom>
-        </p:spPr>
-      </p:pic>
-      <p:sp>
-        <p:nvSpPr>
-          <p:cNvPr id="11" name="TextBox 10"/>
-          <p:cNvSpPr txBox="1"/>
-          <p:nvPr/>
-        </p:nvSpPr>
-        <p:spPr>
-          <a:xfrm>
-            <a:off x="347240" y="113388"/>
-            <a:ext cx="9799937" cy="1015663"/>
-          </a:xfrm>
-          <a:prstGeom prst="rect">
-            <a:avLst/>
-          </a:prstGeom>
-          <a:noFill/>
-        </p:spPr>
-        <p:txBody>
-          <a:bodyPr wrap="square" rtlCol="0">
-            <a:spAutoFit/>
-          </a:bodyPr>
-          <a:lstStyle/>
-          <a:p>
-            <a:r>
-              <a:rPr lang="en-US" sz="6000" dirty="0">
-                <a:latin typeface="Aliens &amp; cows" panose="00000500000000000000" pitchFamily="2" charset="0"/>
-              </a:rPr>
-              <a:t>Closing thoughts</a:t>
-            </a:r>
-          </a:p>
-        </p:txBody>
-      </p:sp>
-      <p:sp>
-        <p:nvSpPr>
-          <p:cNvPr id="13" name="TextBox 12">
-            <a:extLst>
-              <a:ext uri="{FF2B5EF4-FFF2-40B4-BE49-F238E27FC236}">
-                <a16:creationId xmlns:a16="http://schemas.microsoft.com/office/drawing/2014/main" id="{BAD4CFA0-F6EE-4D9E-AA4F-AABFDE2E3205}"/>
-              </a:ext>
-            </a:extLst>
-          </p:cNvPr>
-          <p:cNvSpPr txBox="1"/>
-          <p:nvPr/>
-        </p:nvSpPr>
-        <p:spPr>
-          <a:xfrm>
-            <a:off x="462988" y="1365813"/>
-            <a:ext cx="6772002" cy="2246769"/>
-          </a:xfrm>
-          <a:prstGeom prst="rect">
-            <a:avLst/>
-          </a:prstGeom>
-          <a:noFill/>
-        </p:spPr>
-        <p:txBody>
-          <a:bodyPr wrap="square" rtlCol="0">
-            <a:spAutoFit/>
-          </a:bodyPr>
-          <a:lstStyle/>
-          <a:p>
-            <a:pPr marL="285750" indent="-285750">
-              <a:buFont typeface="Arial" panose="020B0604020202020204" pitchFamily="34" charset="0"/>
-              <a:buChar char="•"/>
-            </a:pPr>
-            <a:r>
-              <a:rPr lang="en-US" sz="2800" dirty="0">
-                <a:solidFill>
-                  <a:srgbClr val="707070"/>
-                </a:solidFill>
-                <a:latin typeface="Pragmatica" panose="020B0403040502020204" pitchFamily="34" charset="0"/>
-              </a:rPr>
-              <a:t>Use R only when Power BI just can’t</a:t>
-            </a:r>
-          </a:p>
-          <a:p>
-            <a:pPr marL="285750" indent="-285750">
-              <a:buFont typeface="Arial" panose="020B0604020202020204" pitchFamily="34" charset="0"/>
-              <a:buChar char="•"/>
-            </a:pPr>
-            <a:r>
-              <a:rPr lang="en-US" sz="2800" dirty="0">
-                <a:solidFill>
-                  <a:srgbClr val="707070"/>
-                </a:solidFill>
-                <a:latin typeface="Pragmatica" panose="020B0403040502020204" pitchFamily="34" charset="0"/>
-              </a:rPr>
-              <a:t>Start in RStudio</a:t>
-            </a:r>
-          </a:p>
-          <a:p>
-            <a:pPr marL="285750" indent="-285750">
-              <a:buFont typeface="Arial" panose="020B0604020202020204" pitchFamily="34" charset="0"/>
-              <a:buChar char="•"/>
-            </a:pPr>
-            <a:r>
-              <a:rPr lang="en-US" sz="2800" dirty="0">
-                <a:solidFill>
-                  <a:srgbClr val="707070"/>
-                </a:solidFill>
-                <a:latin typeface="Pragmatica" panose="020B0403040502020204" pitchFamily="34" charset="0"/>
-              </a:rPr>
-              <a:t>Get a </a:t>
-            </a:r>
-            <a:r>
-              <a:rPr lang="en-US" sz="2800" dirty="0">
-                <a:solidFill>
-                  <a:srgbClr val="707070"/>
-                </a:solidFill>
-                <a:latin typeface="Pragmatica" panose="020B0403040502020204" pitchFamily="34" charset="0"/>
-                <a:hlinkClick r:id="rId4"/>
-              </a:rPr>
-              <a:t>text expander</a:t>
-            </a:r>
-            <a:r>
-              <a:rPr lang="en-US" sz="2800" dirty="0">
-                <a:solidFill>
-                  <a:srgbClr val="707070"/>
-                </a:solidFill>
-                <a:latin typeface="Pragmatica" panose="020B0403040502020204" pitchFamily="34" charset="0"/>
-              </a:rPr>
-              <a:t> for your RStudio shortcuts</a:t>
-            </a:r>
-          </a:p>
-        </p:txBody>
-      </p:sp>
-    </p:spTree>
-    <p:extLst>
-      <p:ext uri="{BB962C8B-B14F-4D97-AF65-F5344CB8AC3E}">
-        <p14:creationId xmlns:p14="http://schemas.microsoft.com/office/powerpoint/2010/main" val="3861039845"/>
-      </p:ext>
-    </p:extLst>
-  </p:cSld>
-  <p:clrMapOvr>
-    <a:masterClrMapping/>
-  </p:clrMapOvr>
-</p:sld>
-</file>
-
-<file path=ppt/slides/slide9.xml><?xml version="1.0" encoding="utf-8"?>
 <p:sld xmlns:a="http://schemas.openxmlformats.org/drawingml/2006/main" xmlns:r="http://schemas.openxmlformats.org/officeDocument/2006/relationships" xmlns:p="http://schemas.openxmlformats.org/presentationml/2006/main">
   <p:cSld>
     <p:spTree>
@@ -8205,10 +6144,2189 @@
           </a:extLst>
         </p:spPr>
       </p:pic>
+      <p:cxnSp>
+        <p:nvCxnSpPr>
+          <p:cNvPr id="3" name="Straight Arrow Connector 2">
+            <a:extLst>
+              <a:ext uri="{FF2B5EF4-FFF2-40B4-BE49-F238E27FC236}">
+                <a16:creationId xmlns:a16="http://schemas.microsoft.com/office/drawing/2014/main" id="{8FF82CCC-14C6-4AD6-8FFE-1C66FF184B11}"/>
+              </a:ext>
+            </a:extLst>
+          </p:cNvPr>
+          <p:cNvCxnSpPr/>
+          <p:nvPr/>
+        </p:nvCxnSpPr>
+        <p:spPr>
+          <a:xfrm flipV="1">
+            <a:off x="8505496" y="2646497"/>
+            <a:ext cx="804041" cy="630621"/>
+          </a:xfrm>
+          <a:prstGeom prst="straightConnector1">
+            <a:avLst/>
+          </a:prstGeom>
+          <a:ln w="38100">
+            <a:tailEnd type="triangle"/>
+          </a:ln>
+        </p:spPr>
+        <p:style>
+          <a:lnRef idx="1">
+            <a:schemeClr val="accent1"/>
+          </a:lnRef>
+          <a:fillRef idx="0">
+            <a:schemeClr val="accent1"/>
+          </a:fillRef>
+          <a:effectRef idx="0">
+            <a:schemeClr val="accent1"/>
+          </a:effectRef>
+          <a:fontRef idx="minor">
+            <a:schemeClr val="tx1"/>
+          </a:fontRef>
+        </p:style>
+      </p:cxnSp>
+      <p:sp>
+        <p:nvSpPr>
+          <p:cNvPr id="4" name="TextBox 3">
+            <a:extLst>
+              <a:ext uri="{FF2B5EF4-FFF2-40B4-BE49-F238E27FC236}">
+                <a16:creationId xmlns:a16="http://schemas.microsoft.com/office/drawing/2014/main" id="{58CE0CB2-C8EF-4177-932A-72F38BC44C56}"/>
+              </a:ext>
+            </a:extLst>
+          </p:cNvPr>
+          <p:cNvSpPr txBox="1"/>
+          <p:nvPr/>
+        </p:nvSpPr>
+        <p:spPr>
+          <a:xfrm>
+            <a:off x="9309537" y="1726031"/>
+            <a:ext cx="2632842" cy="954107"/>
+          </a:xfrm>
+          <a:prstGeom prst="rect">
+            <a:avLst/>
+          </a:prstGeom>
+          <a:noFill/>
+        </p:spPr>
+        <p:txBody>
+          <a:bodyPr wrap="square" rtlCol="0">
+            <a:spAutoFit/>
+          </a:bodyPr>
+          <a:lstStyle/>
+          <a:p>
+            <a:r>
+              <a:rPr lang="en-US" sz="2800" dirty="0">
+                <a:latin typeface="Pragmatica" panose="020B7200000000000000" pitchFamily="34" charset="0"/>
+              </a:rPr>
+              <a:t>Time for a giveaway!</a:t>
+            </a:r>
+          </a:p>
+        </p:txBody>
+      </p:sp>
     </p:spTree>
     <p:extLst>
       <p:ext uri="{BB962C8B-B14F-4D97-AF65-F5344CB8AC3E}">
-        <p14:creationId xmlns:p14="http://schemas.microsoft.com/office/powerpoint/2010/main" val="2207467090"/>
+        <p14:creationId xmlns:p14="http://schemas.microsoft.com/office/powerpoint/2010/main" val="3784472516"/>
+      </p:ext>
+    </p:extLst>
+  </p:cSld>
+  <p:clrMapOvr>
+    <a:masterClrMapping/>
+  </p:clrMapOvr>
+</p:sld>
+</file>
+
+<file path=ppt/slides/slide12.xml><?xml version="1.0" encoding="utf-8"?>
+<p:sld xmlns:a="http://schemas.openxmlformats.org/drawingml/2006/main" xmlns:r="http://schemas.openxmlformats.org/officeDocument/2006/relationships" xmlns:p="http://schemas.openxmlformats.org/presentationml/2006/main">
+  <p:cSld>
+    <p:spTree>
+      <p:nvGrpSpPr>
+        <p:cNvPr id="1" name=""/>
+        <p:cNvGrpSpPr/>
+        <p:nvPr/>
+      </p:nvGrpSpPr>
+      <p:grpSpPr>
+        <a:xfrm>
+          <a:off x="0" y="0"/>
+          <a:ext cx="0" cy="0"/>
+          <a:chOff x="0" y="0"/>
+          <a:chExt cx="0" cy="0"/>
+        </a:xfrm>
+      </p:grpSpPr>
+      <p:pic>
+        <p:nvPicPr>
+          <p:cNvPr id="10" name="Picture 9"/>
+          <p:cNvPicPr>
+            <a:picLocks noChangeAspect="1"/>
+          </p:cNvPicPr>
+          <p:nvPr/>
+        </p:nvPicPr>
+        <p:blipFill rotWithShape="1">
+          <a:blip r:embed="rId2">
+            <a:extLst>
+              <a:ext uri="{28A0092B-C50C-407E-A947-70E740481C1C}">
+                <a14:useLocalDpi xmlns:a14="http://schemas.microsoft.com/office/drawing/2010/main" val="0"/>
+              </a:ext>
+            </a:extLst>
+          </a:blip>
+          <a:srcRect l="50728" t="56371"/>
+          <a:stretch/>
+        </p:blipFill>
+        <p:spPr>
+          <a:xfrm>
+            <a:off x="8136460" y="2210765"/>
+            <a:ext cx="4055539" cy="4647236"/>
+          </a:xfrm>
+          <a:prstGeom prst="rect">
+            <a:avLst/>
+          </a:prstGeom>
+        </p:spPr>
+      </p:pic>
+      <p:pic>
+        <p:nvPicPr>
+          <p:cNvPr id="4" name="Picture 3"/>
+          <p:cNvPicPr>
+            <a:picLocks noChangeAspect="1"/>
+          </p:cNvPicPr>
+          <p:nvPr/>
+        </p:nvPicPr>
+        <p:blipFill>
+          <a:blip r:embed="rId3">
+            <a:extLst>
+              <a:ext uri="{28A0092B-C50C-407E-A947-70E740481C1C}">
+                <a14:useLocalDpi xmlns:a14="http://schemas.microsoft.com/office/drawing/2010/main" val="0"/>
+              </a:ext>
+            </a:extLst>
+          </a:blip>
+          <a:stretch>
+            <a:fillRect/>
+          </a:stretch>
+        </p:blipFill>
+        <p:spPr>
+          <a:xfrm>
+            <a:off x="-538496" y="-2482770"/>
+            <a:ext cx="10171472" cy="7459883"/>
+          </a:xfrm>
+          <a:prstGeom prst="rect">
+            <a:avLst/>
+          </a:prstGeom>
+        </p:spPr>
+      </p:pic>
+      <p:sp>
+        <p:nvSpPr>
+          <p:cNvPr id="11" name="TextBox 10"/>
+          <p:cNvSpPr txBox="1"/>
+          <p:nvPr/>
+        </p:nvSpPr>
+        <p:spPr>
+          <a:xfrm>
+            <a:off x="324091" y="1687545"/>
+            <a:ext cx="7986531" cy="2369880"/>
+          </a:xfrm>
+          <a:prstGeom prst="rect">
+            <a:avLst/>
+          </a:prstGeom>
+          <a:noFill/>
+        </p:spPr>
+        <p:txBody>
+          <a:bodyPr wrap="square" rtlCol="0">
+            <a:spAutoFit/>
+          </a:bodyPr>
+          <a:lstStyle/>
+          <a:p>
+            <a:r>
+              <a:rPr lang="en-US" sz="3600" b="1" dirty="0">
+                <a:solidFill>
+                  <a:srgbClr val="707070"/>
+                </a:solidFill>
+                <a:latin typeface="Pragmatica" panose="020B0403040502020204" pitchFamily="34" charset="0"/>
+              </a:rPr>
+              <a:t>THANK YOU</a:t>
+            </a:r>
+          </a:p>
+          <a:p>
+            <a:endParaRPr lang="en-US" sz="2800" b="1" dirty="0">
+              <a:solidFill>
+                <a:srgbClr val="707070"/>
+              </a:solidFill>
+              <a:latin typeface="Pragmatica" panose="020B0403040502020204" pitchFamily="34" charset="0"/>
+            </a:endParaRPr>
+          </a:p>
+          <a:p>
+            <a:r>
+              <a:rPr lang="en-US" sz="2800" b="1" dirty="0">
+                <a:solidFill>
+                  <a:srgbClr val="707070"/>
+                </a:solidFill>
+                <a:latin typeface="Pragmatica" panose="020B0403040502020204" pitchFamily="34" charset="0"/>
+                <a:hlinkClick r:id="rId4"/>
+              </a:rPr>
+              <a:t>george@stringfestanalytics.com</a:t>
+            </a:r>
+            <a:endParaRPr lang="en-US" sz="2800" b="1" dirty="0">
+              <a:solidFill>
+                <a:srgbClr val="707070"/>
+              </a:solidFill>
+              <a:latin typeface="Pragmatica" panose="020B0403040502020204" pitchFamily="34" charset="0"/>
+            </a:endParaRPr>
+          </a:p>
+          <a:p>
+            <a:r>
+              <a:rPr lang="en-US" sz="2800" b="1" dirty="0">
+                <a:solidFill>
+                  <a:srgbClr val="707070"/>
+                </a:solidFill>
+                <a:latin typeface="Pragmatica" panose="020B0403040502020204" pitchFamily="34" charset="0"/>
+                <a:hlinkClick r:id="rId5"/>
+              </a:rPr>
+              <a:t>linkedin.com/in/gjmount</a:t>
+            </a:r>
+            <a:endParaRPr lang="en-US" sz="2800" b="1" dirty="0">
+              <a:solidFill>
+                <a:srgbClr val="707070"/>
+              </a:solidFill>
+              <a:latin typeface="Pragmatica" panose="020B0403040502020204" pitchFamily="34" charset="0"/>
+            </a:endParaRPr>
+          </a:p>
+          <a:p>
+            <a:r>
+              <a:rPr lang="en-US" sz="2800" b="1" dirty="0">
+                <a:solidFill>
+                  <a:srgbClr val="707070"/>
+                </a:solidFill>
+                <a:latin typeface="Pragmatica" panose="020B0403040502020204" pitchFamily="34" charset="0"/>
+                <a:hlinkClick r:id="rId6"/>
+              </a:rPr>
+              <a:t>stringfestanalytics.com/contact  </a:t>
+            </a:r>
+            <a:endParaRPr lang="en-US" sz="2800" b="1" dirty="0">
+              <a:solidFill>
+                <a:srgbClr val="707070"/>
+              </a:solidFill>
+              <a:latin typeface="Pragmatica" panose="020B0403040502020204" pitchFamily="34" charset="0"/>
+            </a:endParaRPr>
+          </a:p>
+        </p:txBody>
+      </p:sp>
+    </p:spTree>
+    <p:extLst>
+      <p:ext uri="{BB962C8B-B14F-4D97-AF65-F5344CB8AC3E}">
+        <p14:creationId xmlns:p14="http://schemas.microsoft.com/office/powerpoint/2010/main" val="3712320391"/>
+      </p:ext>
+    </p:extLst>
+  </p:cSld>
+  <p:clrMapOvr>
+    <a:masterClrMapping/>
+  </p:clrMapOvr>
+</p:sld>
+</file>
+
+<file path=ppt/slides/slide2.xml><?xml version="1.0" encoding="utf-8"?>
+<p:sld xmlns:a="http://schemas.openxmlformats.org/drawingml/2006/main" xmlns:r="http://schemas.openxmlformats.org/officeDocument/2006/relationships" xmlns:p="http://schemas.openxmlformats.org/presentationml/2006/main">
+  <p:cSld>
+    <p:spTree>
+      <p:nvGrpSpPr>
+        <p:cNvPr id="1" name=""/>
+        <p:cNvGrpSpPr/>
+        <p:nvPr/>
+      </p:nvGrpSpPr>
+      <p:grpSpPr>
+        <a:xfrm>
+          <a:off x="0" y="0"/>
+          <a:ext cx="0" cy="0"/>
+          <a:chOff x="0" y="0"/>
+          <a:chExt cx="0" cy="0"/>
+        </a:xfrm>
+      </p:grpSpPr>
+      <p:pic>
+        <p:nvPicPr>
+          <p:cNvPr id="4" name="Picture 3"/>
+          <p:cNvPicPr>
+            <a:picLocks noChangeAspect="1"/>
+          </p:cNvPicPr>
+          <p:nvPr/>
+        </p:nvPicPr>
+        <p:blipFill>
+          <a:blip r:embed="rId2">
+            <a:extLst>
+              <a:ext uri="{28A0092B-C50C-407E-A947-70E740481C1C}">
+                <a14:useLocalDpi xmlns:a14="http://schemas.microsoft.com/office/drawing/2010/main" val="0"/>
+              </a:ext>
+            </a:extLst>
+          </a:blip>
+          <a:stretch>
+            <a:fillRect/>
+          </a:stretch>
+        </p:blipFill>
+        <p:spPr>
+          <a:xfrm>
+            <a:off x="-538496" y="-2482770"/>
+            <a:ext cx="10171472" cy="7459883"/>
+          </a:xfrm>
+          <a:prstGeom prst="rect">
+            <a:avLst/>
+          </a:prstGeom>
+        </p:spPr>
+      </p:pic>
+      <p:sp>
+        <p:nvSpPr>
+          <p:cNvPr id="11" name="TextBox 10"/>
+          <p:cNvSpPr txBox="1"/>
+          <p:nvPr/>
+        </p:nvSpPr>
+        <p:spPr>
+          <a:xfrm>
+            <a:off x="733607" y="2276576"/>
+            <a:ext cx="10009190" cy="1446550"/>
+          </a:xfrm>
+          <a:prstGeom prst="rect">
+            <a:avLst/>
+          </a:prstGeom>
+          <a:noFill/>
+        </p:spPr>
+        <p:txBody>
+          <a:bodyPr wrap="square" rtlCol="0">
+            <a:spAutoFit/>
+          </a:bodyPr>
+          <a:lstStyle/>
+          <a:p>
+            <a:r>
+              <a:rPr lang="en-US" sz="8800" b="1" dirty="0">
+                <a:solidFill>
+                  <a:srgbClr val="707070"/>
+                </a:solidFill>
+                <a:latin typeface="Pragmatica" panose="020B0403040502020204" pitchFamily="34" charset="0"/>
+              </a:rPr>
+              <a:t>Or… </a:t>
+            </a:r>
+            <a:r>
+              <a:rPr lang="en-US" sz="8800" b="1" i="1" dirty="0" err="1">
+                <a:solidFill>
+                  <a:srgbClr val="707070"/>
+                </a:solidFill>
+                <a:latin typeface="Pragmatica" panose="020B0403040502020204" pitchFamily="34" charset="0"/>
+              </a:rPr>
+              <a:t>PoweR</a:t>
+            </a:r>
+            <a:r>
+              <a:rPr lang="en-US" sz="8800" b="1" i="1" dirty="0">
+                <a:solidFill>
+                  <a:srgbClr val="707070"/>
+                </a:solidFill>
+                <a:latin typeface="Pragmatica" panose="020B0403040502020204" pitchFamily="34" charset="0"/>
+              </a:rPr>
+              <a:t> BI </a:t>
+            </a:r>
+            <a:r>
+              <a:rPr lang="en-US" sz="8800" b="1" dirty="0">
+                <a:solidFill>
+                  <a:srgbClr val="707070"/>
+                </a:solidFill>
+                <a:latin typeface="Pragmatica" panose="020B0403040502020204" pitchFamily="34" charset="0"/>
+              </a:rPr>
+              <a:t>🤦‍♂️</a:t>
+            </a:r>
+          </a:p>
+        </p:txBody>
+      </p:sp>
+    </p:spTree>
+    <p:extLst>
+      <p:ext uri="{BB962C8B-B14F-4D97-AF65-F5344CB8AC3E}">
+        <p14:creationId xmlns:p14="http://schemas.microsoft.com/office/powerpoint/2010/main" val="3202321778"/>
+      </p:ext>
+    </p:extLst>
+  </p:cSld>
+  <p:clrMapOvr>
+    <a:masterClrMapping/>
+  </p:clrMapOvr>
+</p:sld>
+</file>
+
+<file path=ppt/slides/slide3.xml><?xml version="1.0" encoding="utf-8"?>
+<p:sld xmlns:a="http://schemas.openxmlformats.org/drawingml/2006/main" xmlns:r="http://schemas.openxmlformats.org/officeDocument/2006/relationships" xmlns:p="http://schemas.openxmlformats.org/presentationml/2006/main">
+  <p:cSld>
+    <p:spTree>
+      <p:nvGrpSpPr>
+        <p:cNvPr id="1" name=""/>
+        <p:cNvGrpSpPr/>
+        <p:nvPr/>
+      </p:nvGrpSpPr>
+      <p:grpSpPr>
+        <a:xfrm>
+          <a:off x="0" y="0"/>
+          <a:ext cx="0" cy="0"/>
+          <a:chOff x="0" y="0"/>
+          <a:chExt cx="0" cy="0"/>
+        </a:xfrm>
+      </p:grpSpPr>
+      <p:pic>
+        <p:nvPicPr>
+          <p:cNvPr id="10" name="Picture 9"/>
+          <p:cNvPicPr>
+            <a:picLocks noChangeAspect="1"/>
+          </p:cNvPicPr>
+          <p:nvPr/>
+        </p:nvPicPr>
+        <p:blipFill rotWithShape="1">
+          <a:blip r:embed="rId3">
+            <a:extLst>
+              <a:ext uri="{28A0092B-C50C-407E-A947-70E740481C1C}">
+                <a14:useLocalDpi xmlns:a14="http://schemas.microsoft.com/office/drawing/2010/main" val="0"/>
+              </a:ext>
+            </a:extLst>
+          </a:blip>
+          <a:srcRect l="50728" t="56371"/>
+          <a:stretch/>
+        </p:blipFill>
+        <p:spPr>
+          <a:xfrm>
+            <a:off x="10894024" y="5370653"/>
+            <a:ext cx="1297975" cy="1487348"/>
+          </a:xfrm>
+          <a:prstGeom prst="rect">
+            <a:avLst/>
+          </a:prstGeom>
+        </p:spPr>
+      </p:pic>
+      <p:sp>
+        <p:nvSpPr>
+          <p:cNvPr id="11" name="TextBox 10"/>
+          <p:cNvSpPr txBox="1"/>
+          <p:nvPr/>
+        </p:nvSpPr>
+        <p:spPr>
+          <a:xfrm>
+            <a:off x="347240" y="113388"/>
+            <a:ext cx="9799937" cy="1015663"/>
+          </a:xfrm>
+          <a:prstGeom prst="rect">
+            <a:avLst/>
+          </a:prstGeom>
+          <a:noFill/>
+        </p:spPr>
+        <p:txBody>
+          <a:bodyPr wrap="square" rtlCol="0">
+            <a:spAutoFit/>
+          </a:bodyPr>
+          <a:lstStyle/>
+          <a:p>
+            <a:r>
+              <a:rPr lang="en-US" sz="6000" dirty="0">
+                <a:latin typeface="Aliens &amp; cows" panose="00000500000000000000" pitchFamily="2" charset="0"/>
+              </a:rPr>
+              <a:t>Learning objectives</a:t>
+            </a:r>
+          </a:p>
+        </p:txBody>
+      </p:sp>
+      <p:sp>
+        <p:nvSpPr>
+          <p:cNvPr id="3" name="TextBox 2"/>
+          <p:cNvSpPr txBox="1"/>
+          <p:nvPr/>
+        </p:nvSpPr>
+        <p:spPr>
+          <a:xfrm>
+            <a:off x="462987" y="1365813"/>
+            <a:ext cx="10263233" cy="5262979"/>
+          </a:xfrm>
+          <a:prstGeom prst="rect">
+            <a:avLst/>
+          </a:prstGeom>
+          <a:noFill/>
+        </p:spPr>
+        <p:txBody>
+          <a:bodyPr wrap="square" rtlCol="0">
+            <a:spAutoFit/>
+          </a:bodyPr>
+          <a:lstStyle/>
+          <a:p>
+            <a:pPr marL="285750" indent="-285750">
+              <a:buFont typeface="Arial" panose="020B0604020202020204" pitchFamily="34" charset="0"/>
+              <a:buChar char="•"/>
+            </a:pPr>
+            <a:r>
+              <a:rPr lang="en-US" sz="2800" dirty="0">
+                <a:solidFill>
+                  <a:srgbClr val="707070"/>
+                </a:solidFill>
+                <a:latin typeface="Pragmatica" panose="020B0403040502020204" pitchFamily="34" charset="0"/>
+              </a:rPr>
+              <a:t>R in Power BI: when and why? </a:t>
+            </a:r>
+          </a:p>
+          <a:p>
+            <a:pPr marL="285750" indent="-285750">
+              <a:buFont typeface="Arial" panose="020B0604020202020204" pitchFamily="34" charset="0"/>
+              <a:buChar char="•"/>
+            </a:pPr>
+            <a:r>
+              <a:rPr lang="en-US" sz="2800" dirty="0">
+                <a:solidFill>
+                  <a:srgbClr val="707070"/>
+                </a:solidFill>
+                <a:latin typeface="Pragmatica" panose="020B0403040502020204" pitchFamily="34" charset="0"/>
+              </a:rPr>
+              <a:t>Setup</a:t>
+            </a:r>
+          </a:p>
+          <a:p>
+            <a:pPr marL="285750" indent="-285750">
+              <a:buFont typeface="Arial" panose="020B0604020202020204" pitchFamily="34" charset="0"/>
+              <a:buChar char="•"/>
+            </a:pPr>
+            <a:r>
+              <a:rPr lang="en-US" sz="2800" dirty="0">
+                <a:solidFill>
+                  <a:srgbClr val="707070"/>
+                </a:solidFill>
+                <a:latin typeface="Pragmatica" panose="020B0403040502020204" pitchFamily="34" charset="0"/>
+              </a:rPr>
+              <a:t>Use cases</a:t>
+            </a:r>
+          </a:p>
+          <a:p>
+            <a:endParaRPr lang="en-US" sz="2800" dirty="0">
+              <a:solidFill>
+                <a:srgbClr val="707070"/>
+              </a:solidFill>
+              <a:latin typeface="Pragmatica" panose="020B0403040502020204" pitchFamily="34" charset="0"/>
+            </a:endParaRPr>
+          </a:p>
+          <a:p>
+            <a:pPr marL="285750" indent="-285750">
+              <a:buFont typeface="Arial" panose="020B0604020202020204" pitchFamily="34" charset="0"/>
+              <a:buChar char="•"/>
+            </a:pPr>
+            <a:r>
+              <a:rPr lang="en-US" sz="2800" dirty="0">
+                <a:solidFill>
+                  <a:srgbClr val="707070"/>
+                </a:solidFill>
+                <a:latin typeface="Pragmatica" panose="020B0403040502020204" pitchFamily="34" charset="0"/>
+              </a:rPr>
+              <a:t>Follow along: </a:t>
+            </a:r>
+            <a:r>
+              <a:rPr lang="en-US" sz="2800" dirty="0">
+                <a:solidFill>
+                  <a:srgbClr val="707070"/>
+                </a:solidFill>
+                <a:latin typeface="Pragmatica" panose="020B0403040502020204" pitchFamily="34" charset="0"/>
+                <a:hlinkClick r:id="rId4"/>
+              </a:rPr>
+              <a:t>https://github.com/stringfestdata/satrday-r-power-bi</a:t>
+            </a:r>
+            <a:endParaRPr lang="en-US" sz="2800" dirty="0">
+              <a:solidFill>
+                <a:srgbClr val="707070"/>
+              </a:solidFill>
+              <a:latin typeface="Pragmatica" panose="020B0403040502020204" pitchFamily="34" charset="0"/>
+            </a:endParaRPr>
+          </a:p>
+          <a:p>
+            <a:pPr marL="742950" lvl="1" indent="-285750">
+              <a:buFont typeface="Arial" panose="020B0604020202020204" pitchFamily="34" charset="0"/>
+              <a:buChar char="•"/>
+            </a:pPr>
+            <a:r>
+              <a:rPr lang="en-US" sz="2800" dirty="0">
+                <a:solidFill>
+                  <a:srgbClr val="707070"/>
+                </a:solidFill>
+                <a:latin typeface="Consolas" panose="020B0609020204030204" pitchFamily="49" charset="0"/>
+              </a:rPr>
+              <a:t>r-</a:t>
+            </a:r>
+            <a:r>
+              <a:rPr lang="en-US" sz="2800" dirty="0" err="1">
+                <a:solidFill>
+                  <a:srgbClr val="707070"/>
+                </a:solidFill>
+                <a:latin typeface="Consolas" panose="020B0609020204030204" pitchFamily="49" charset="0"/>
+              </a:rPr>
+              <a:t>pbi</a:t>
+            </a:r>
+            <a:r>
+              <a:rPr lang="en-US" sz="2800" dirty="0">
+                <a:solidFill>
+                  <a:srgbClr val="707070"/>
+                </a:solidFill>
+                <a:latin typeface="Consolas" panose="020B0609020204030204" pitchFamily="49" charset="0"/>
+              </a:rPr>
+              <a:t>-</a:t>
+            </a:r>
+            <a:r>
+              <a:rPr lang="en-US" sz="2800" dirty="0" err="1">
+                <a:solidFill>
+                  <a:srgbClr val="707070"/>
+                </a:solidFill>
+                <a:latin typeface="Consolas" panose="020B0609020204030204" pitchFamily="49" charset="0"/>
+              </a:rPr>
+              <a:t>scripts.r</a:t>
+            </a:r>
+            <a:r>
+              <a:rPr lang="en-US" sz="2800" dirty="0">
+                <a:solidFill>
+                  <a:srgbClr val="707070"/>
+                </a:solidFill>
+                <a:latin typeface="Pragmatica" panose="020B7200000000000000" pitchFamily="34" charset="0"/>
+              </a:rPr>
+              <a:t>: scripts used</a:t>
+            </a:r>
+          </a:p>
+          <a:p>
+            <a:pPr marL="742950" lvl="1" indent="-285750">
+              <a:buFont typeface="Arial" panose="020B0604020202020204" pitchFamily="34" charset="0"/>
+              <a:buChar char="•"/>
+            </a:pPr>
+            <a:r>
+              <a:rPr lang="en-US" sz="2800" dirty="0">
+                <a:solidFill>
+                  <a:srgbClr val="707070"/>
+                </a:solidFill>
+                <a:latin typeface="Consolas" panose="020B0609020204030204" pitchFamily="49" charset="0"/>
+              </a:rPr>
+              <a:t>r-</a:t>
+            </a:r>
+            <a:r>
+              <a:rPr lang="en-US" sz="2800" dirty="0" err="1">
+                <a:solidFill>
+                  <a:srgbClr val="707070"/>
+                </a:solidFill>
+                <a:latin typeface="Consolas" panose="020B0609020204030204" pitchFamily="49" charset="0"/>
+              </a:rPr>
+              <a:t>pbi.pbix</a:t>
+            </a:r>
+            <a:r>
+              <a:rPr lang="en-US" sz="2800" dirty="0">
+                <a:solidFill>
+                  <a:srgbClr val="707070"/>
+                </a:solidFill>
+                <a:latin typeface="Consolas" panose="020B0609020204030204" pitchFamily="49" charset="0"/>
+              </a:rPr>
+              <a:t>:</a:t>
+            </a:r>
+            <a:r>
+              <a:rPr lang="en-US" sz="2800" dirty="0">
+                <a:solidFill>
+                  <a:srgbClr val="707070"/>
+                </a:solidFill>
+                <a:latin typeface="Pragmatica" panose="020B7200000000000000" pitchFamily="34" charset="0"/>
+              </a:rPr>
+              <a:t> completed PBI file</a:t>
+            </a:r>
+          </a:p>
+          <a:p>
+            <a:pPr marL="742950" lvl="1" indent="-285750">
+              <a:buFont typeface="Arial" panose="020B0604020202020204" pitchFamily="34" charset="0"/>
+              <a:buChar char="•"/>
+            </a:pPr>
+            <a:endParaRPr lang="en-US" sz="2800" dirty="0">
+              <a:solidFill>
+                <a:srgbClr val="707070"/>
+              </a:solidFill>
+              <a:latin typeface="Pragmatica" panose="020B7200000000000000" pitchFamily="34" charset="0"/>
+            </a:endParaRPr>
+          </a:p>
+          <a:p>
+            <a:pPr marL="742950" lvl="1" indent="-285750">
+              <a:buFont typeface="Arial" panose="020B0604020202020204" pitchFamily="34" charset="0"/>
+              <a:buChar char="•"/>
+            </a:pPr>
+            <a:endParaRPr lang="en-US" sz="2800" dirty="0">
+              <a:solidFill>
+                <a:srgbClr val="707070"/>
+              </a:solidFill>
+              <a:latin typeface="Pragmatica" panose="020B7200000000000000" pitchFamily="34" charset="0"/>
+            </a:endParaRPr>
+          </a:p>
+          <a:p>
+            <a:pPr marL="742950" lvl="1" indent="-285750">
+              <a:buFont typeface="Arial" panose="020B0604020202020204" pitchFamily="34" charset="0"/>
+              <a:buChar char="•"/>
+            </a:pPr>
+            <a:endParaRPr lang="en-US" sz="2800" dirty="0">
+              <a:solidFill>
+                <a:srgbClr val="707070"/>
+              </a:solidFill>
+              <a:latin typeface="Pragmatica" panose="020B7200000000000000" pitchFamily="34" charset="0"/>
+            </a:endParaRPr>
+          </a:p>
+          <a:p>
+            <a:pPr marL="285750" indent="-285750">
+              <a:buFont typeface="Arial" panose="020B0604020202020204" pitchFamily="34" charset="0"/>
+              <a:buChar char="•"/>
+            </a:pPr>
+            <a:endParaRPr lang="en-US" sz="2800" dirty="0">
+              <a:solidFill>
+                <a:srgbClr val="707070"/>
+              </a:solidFill>
+              <a:latin typeface="Pragmatica" panose="020B0403040502020204" pitchFamily="34" charset="0"/>
+            </a:endParaRPr>
+          </a:p>
+          <a:p>
+            <a:endParaRPr lang="en-US" sz="2800" dirty="0">
+              <a:solidFill>
+                <a:srgbClr val="707070"/>
+              </a:solidFill>
+              <a:latin typeface="Pragmatica" panose="020B0403040502020204" pitchFamily="34" charset="0"/>
+            </a:endParaRPr>
+          </a:p>
+        </p:txBody>
+      </p:sp>
+    </p:spTree>
+    <p:extLst>
+      <p:ext uri="{BB962C8B-B14F-4D97-AF65-F5344CB8AC3E}">
+        <p14:creationId xmlns:p14="http://schemas.microsoft.com/office/powerpoint/2010/main" val="2948647643"/>
+      </p:ext>
+    </p:extLst>
+  </p:cSld>
+  <p:clrMapOvr>
+    <a:masterClrMapping/>
+  </p:clrMapOvr>
+</p:sld>
+</file>
+
+<file path=ppt/slides/slide4.xml><?xml version="1.0" encoding="utf-8"?>
+<p:sld xmlns:a="http://schemas.openxmlformats.org/drawingml/2006/main" xmlns:r="http://schemas.openxmlformats.org/officeDocument/2006/relationships" xmlns:p="http://schemas.openxmlformats.org/presentationml/2006/main">
+  <p:cSld>
+    <p:spTree>
+      <p:nvGrpSpPr>
+        <p:cNvPr id="1" name=""/>
+        <p:cNvGrpSpPr/>
+        <p:nvPr/>
+      </p:nvGrpSpPr>
+      <p:grpSpPr>
+        <a:xfrm>
+          <a:off x="0" y="0"/>
+          <a:ext cx="0" cy="0"/>
+          <a:chOff x="0" y="0"/>
+          <a:chExt cx="0" cy="0"/>
+        </a:xfrm>
+      </p:grpSpPr>
+      <p:pic>
+        <p:nvPicPr>
+          <p:cNvPr id="10" name="Picture 9"/>
+          <p:cNvPicPr>
+            <a:picLocks noChangeAspect="1"/>
+          </p:cNvPicPr>
+          <p:nvPr/>
+        </p:nvPicPr>
+        <p:blipFill rotWithShape="1">
+          <a:blip r:embed="rId3">
+            <a:extLst>
+              <a:ext uri="{28A0092B-C50C-407E-A947-70E740481C1C}">
+                <a14:useLocalDpi xmlns:a14="http://schemas.microsoft.com/office/drawing/2010/main" val="0"/>
+              </a:ext>
+            </a:extLst>
+          </a:blip>
+          <a:srcRect l="50728" t="56371"/>
+          <a:stretch/>
+        </p:blipFill>
+        <p:spPr>
+          <a:xfrm>
+            <a:off x="10894024" y="5370653"/>
+            <a:ext cx="1297975" cy="1487348"/>
+          </a:xfrm>
+          <a:prstGeom prst="rect">
+            <a:avLst/>
+          </a:prstGeom>
+        </p:spPr>
+      </p:pic>
+      <p:sp>
+        <p:nvSpPr>
+          <p:cNvPr id="11" name="TextBox 10"/>
+          <p:cNvSpPr txBox="1"/>
+          <p:nvPr/>
+        </p:nvSpPr>
+        <p:spPr>
+          <a:xfrm>
+            <a:off x="347240" y="113388"/>
+            <a:ext cx="9799937" cy="1015663"/>
+          </a:xfrm>
+          <a:prstGeom prst="rect">
+            <a:avLst/>
+          </a:prstGeom>
+          <a:noFill/>
+        </p:spPr>
+        <p:txBody>
+          <a:bodyPr wrap="square" rtlCol="0">
+            <a:spAutoFit/>
+          </a:bodyPr>
+          <a:lstStyle/>
+          <a:p>
+            <a:r>
+              <a:rPr lang="en-US" sz="6000" dirty="0">
+                <a:latin typeface="Aliens &amp; cows" panose="00000500000000000000" pitchFamily="2" charset="0"/>
+              </a:rPr>
+              <a:t>Chat me up</a:t>
+            </a:r>
+          </a:p>
+        </p:txBody>
+      </p:sp>
+      <p:sp>
+        <p:nvSpPr>
+          <p:cNvPr id="13" name="TextBox 12">
+            <a:extLst>
+              <a:ext uri="{FF2B5EF4-FFF2-40B4-BE49-F238E27FC236}">
+                <a16:creationId xmlns:a16="http://schemas.microsoft.com/office/drawing/2014/main" id="{BAD4CFA0-F6EE-4D9E-AA4F-AABFDE2E3205}"/>
+              </a:ext>
+            </a:extLst>
+          </p:cNvPr>
+          <p:cNvSpPr txBox="1"/>
+          <p:nvPr/>
+        </p:nvSpPr>
+        <p:spPr>
+          <a:xfrm>
+            <a:off x="462988" y="1365813"/>
+            <a:ext cx="6772002" cy="3108543"/>
+          </a:xfrm>
+          <a:prstGeom prst="rect">
+            <a:avLst/>
+          </a:prstGeom>
+          <a:noFill/>
+        </p:spPr>
+        <p:txBody>
+          <a:bodyPr wrap="square" rtlCol="0">
+            <a:spAutoFit/>
+          </a:bodyPr>
+          <a:lstStyle/>
+          <a:p>
+            <a:pPr marL="285750" indent="-285750">
+              <a:buFont typeface="Arial" panose="020B0604020202020204" pitchFamily="34" charset="0"/>
+              <a:buChar char="•"/>
+            </a:pPr>
+            <a:r>
+              <a:rPr lang="en-US" sz="2800" dirty="0">
+                <a:solidFill>
+                  <a:srgbClr val="707070"/>
+                </a:solidFill>
+                <a:latin typeface="Pragmatica" panose="020B0403040502020204" pitchFamily="34" charset="0"/>
+              </a:rPr>
+              <a:t>Do you use Power BI? How/when/why?</a:t>
+            </a:r>
+          </a:p>
+          <a:p>
+            <a:pPr marL="285750" indent="-285750">
+              <a:buFont typeface="Arial" panose="020B0604020202020204" pitchFamily="34" charset="0"/>
+              <a:buChar char="•"/>
+            </a:pPr>
+            <a:r>
+              <a:rPr lang="en-US" sz="2800" dirty="0">
+                <a:solidFill>
+                  <a:srgbClr val="707070"/>
+                </a:solidFill>
+                <a:latin typeface="Pragmatica" panose="020B0403040502020204" pitchFamily="34" charset="0"/>
+              </a:rPr>
+              <a:t>Do you use R in Power BI? How/when/why?</a:t>
+            </a:r>
+          </a:p>
+          <a:p>
+            <a:pPr marL="285750" indent="-285750">
+              <a:buFont typeface="Arial" panose="020B0604020202020204" pitchFamily="34" charset="0"/>
+              <a:buChar char="•"/>
+            </a:pPr>
+            <a:r>
+              <a:rPr lang="en-US" sz="2800" dirty="0">
+                <a:solidFill>
+                  <a:srgbClr val="707070"/>
+                </a:solidFill>
+                <a:latin typeface="Pragmatica" panose="020B0403040502020204" pitchFamily="34" charset="0"/>
+              </a:rPr>
+              <a:t>Pros/cons to Power BI vs Shiny?</a:t>
+            </a:r>
+          </a:p>
+          <a:p>
+            <a:pPr marL="285750" indent="-285750">
+              <a:buFont typeface="Arial" panose="020B0604020202020204" pitchFamily="34" charset="0"/>
+              <a:buChar char="•"/>
+            </a:pPr>
+            <a:endParaRPr lang="en-US" sz="2800" dirty="0">
+              <a:solidFill>
+                <a:srgbClr val="707070"/>
+              </a:solidFill>
+              <a:latin typeface="Pragmatica" panose="020B0403040502020204" pitchFamily="34" charset="0"/>
+            </a:endParaRPr>
+          </a:p>
+          <a:p>
+            <a:pPr marL="285750" indent="-285750">
+              <a:buFont typeface="Arial" panose="020B0604020202020204" pitchFamily="34" charset="0"/>
+              <a:buChar char="•"/>
+            </a:pPr>
+            <a:r>
+              <a:rPr lang="en-US" sz="2800" dirty="0">
+                <a:solidFill>
+                  <a:srgbClr val="707070"/>
+                </a:solidFill>
+                <a:latin typeface="Pragmatica" panose="020B0403040502020204" pitchFamily="34" charset="0"/>
+              </a:rPr>
+              <a:t> Brainstorm it! </a:t>
+            </a:r>
+            <a:r>
+              <a:rPr lang="en-US" sz="2800" dirty="0">
+                <a:solidFill>
+                  <a:srgbClr val="707070"/>
+                </a:solidFill>
+                <a:latin typeface="Pragmatica" panose="020B0403040502020204" pitchFamily="34" charset="0"/>
+                <a:hlinkClick r:id="rId4"/>
+              </a:rPr>
+              <a:t>https://tinyurl.com/59hzc4ca</a:t>
+            </a:r>
+            <a:r>
+              <a:rPr lang="en-US" sz="2800" dirty="0">
+                <a:solidFill>
+                  <a:srgbClr val="707070"/>
+                </a:solidFill>
+                <a:latin typeface="Pragmatica" panose="020B0403040502020204" pitchFamily="34" charset="0"/>
+              </a:rPr>
+              <a:t> </a:t>
+            </a:r>
+          </a:p>
+        </p:txBody>
+      </p:sp>
+    </p:spTree>
+    <p:extLst>
+      <p:ext uri="{BB962C8B-B14F-4D97-AF65-F5344CB8AC3E}">
+        <p14:creationId xmlns:p14="http://schemas.microsoft.com/office/powerpoint/2010/main" val="821058036"/>
+      </p:ext>
+    </p:extLst>
+  </p:cSld>
+  <p:clrMapOvr>
+    <a:masterClrMapping/>
+  </p:clrMapOvr>
+</p:sld>
+</file>
+
+<file path=ppt/slides/slide5.xml><?xml version="1.0" encoding="utf-8"?>
+<p:sld xmlns:a="http://schemas.openxmlformats.org/drawingml/2006/main" xmlns:r="http://schemas.openxmlformats.org/officeDocument/2006/relationships" xmlns:p="http://schemas.openxmlformats.org/presentationml/2006/main">
+  <p:cSld>
+    <p:spTree>
+      <p:nvGrpSpPr>
+        <p:cNvPr id="1" name=""/>
+        <p:cNvGrpSpPr/>
+        <p:nvPr/>
+      </p:nvGrpSpPr>
+      <p:grpSpPr>
+        <a:xfrm>
+          <a:off x="0" y="0"/>
+          <a:ext cx="0" cy="0"/>
+          <a:chOff x="0" y="0"/>
+          <a:chExt cx="0" cy="0"/>
+        </a:xfrm>
+      </p:grpSpPr>
+      <p:pic>
+        <p:nvPicPr>
+          <p:cNvPr id="10" name="Picture 9"/>
+          <p:cNvPicPr>
+            <a:picLocks noChangeAspect="1"/>
+          </p:cNvPicPr>
+          <p:nvPr/>
+        </p:nvPicPr>
+        <p:blipFill rotWithShape="1">
+          <a:blip r:embed="rId3">
+            <a:extLst>
+              <a:ext uri="{28A0092B-C50C-407E-A947-70E740481C1C}">
+                <a14:useLocalDpi xmlns:a14="http://schemas.microsoft.com/office/drawing/2010/main" val="0"/>
+              </a:ext>
+            </a:extLst>
+          </a:blip>
+          <a:srcRect l="50728" t="56371"/>
+          <a:stretch/>
+        </p:blipFill>
+        <p:spPr>
+          <a:xfrm>
+            <a:off x="10894024" y="5370653"/>
+            <a:ext cx="1297975" cy="1487348"/>
+          </a:xfrm>
+          <a:prstGeom prst="rect">
+            <a:avLst/>
+          </a:prstGeom>
+        </p:spPr>
+      </p:pic>
+      <p:sp>
+        <p:nvSpPr>
+          <p:cNvPr id="11" name="TextBox 10"/>
+          <p:cNvSpPr txBox="1"/>
+          <p:nvPr/>
+        </p:nvSpPr>
+        <p:spPr>
+          <a:xfrm>
+            <a:off x="347240" y="113388"/>
+            <a:ext cx="9799937" cy="1015663"/>
+          </a:xfrm>
+          <a:prstGeom prst="rect">
+            <a:avLst/>
+          </a:prstGeom>
+          <a:noFill/>
+        </p:spPr>
+        <p:txBody>
+          <a:bodyPr wrap="square" rtlCol="0">
+            <a:spAutoFit/>
+          </a:bodyPr>
+          <a:lstStyle/>
+          <a:p>
+            <a:r>
+              <a:rPr lang="en-US" sz="6000" dirty="0">
+                <a:latin typeface="Aliens &amp; cows" panose="00000500000000000000" pitchFamily="2" charset="0"/>
+              </a:rPr>
+              <a:t>When and why</a:t>
+            </a:r>
+          </a:p>
+        </p:txBody>
+      </p:sp>
+      <p:sp>
+        <p:nvSpPr>
+          <p:cNvPr id="8" name="TextBox 7">
+            <a:extLst>
+              <a:ext uri="{FF2B5EF4-FFF2-40B4-BE49-F238E27FC236}">
+                <a16:creationId xmlns:a16="http://schemas.microsoft.com/office/drawing/2014/main" id="{42A7C85F-0A10-4F88-8567-526BD39FA98C}"/>
+              </a:ext>
+            </a:extLst>
+          </p:cNvPr>
+          <p:cNvSpPr txBox="1"/>
+          <p:nvPr/>
+        </p:nvSpPr>
+        <p:spPr>
+          <a:xfrm>
+            <a:off x="462987" y="1365813"/>
+            <a:ext cx="5511093" cy="4832092"/>
+          </a:xfrm>
+          <a:prstGeom prst="rect">
+            <a:avLst/>
+          </a:prstGeom>
+          <a:noFill/>
+        </p:spPr>
+        <p:txBody>
+          <a:bodyPr wrap="square" rtlCol="0">
+            <a:spAutoFit/>
+          </a:bodyPr>
+          <a:lstStyle/>
+          <a:p>
+            <a:pPr marL="285750" indent="-285750">
+              <a:buFont typeface="Arial" panose="020B0604020202020204" pitchFamily="34" charset="0"/>
+              <a:buChar char="•"/>
+            </a:pPr>
+            <a:r>
+              <a:rPr lang="en-US" sz="2800" dirty="0">
+                <a:solidFill>
+                  <a:srgbClr val="707070"/>
+                </a:solidFill>
+                <a:latin typeface="Pragmatica" panose="020B0403040502020204" pitchFamily="34" charset="0"/>
+              </a:rPr>
+              <a:t>Remote or unstructured data sources (APIs, images, audio)</a:t>
+            </a:r>
+            <a:br>
+              <a:rPr lang="en-US" sz="2800" dirty="0">
+                <a:solidFill>
+                  <a:srgbClr val="707070"/>
+                </a:solidFill>
+                <a:latin typeface="Pragmatica" panose="020B0403040502020204" pitchFamily="34" charset="0"/>
+              </a:rPr>
+            </a:br>
+            <a:endParaRPr lang="en-US" sz="2800" dirty="0">
+              <a:solidFill>
+                <a:srgbClr val="707070"/>
+              </a:solidFill>
+              <a:latin typeface="Pragmatica" panose="020B0403040502020204" pitchFamily="34" charset="0"/>
+            </a:endParaRPr>
+          </a:p>
+          <a:p>
+            <a:pPr marL="285750" indent="-285750">
+              <a:buFont typeface="Arial" panose="020B0604020202020204" pitchFamily="34" charset="0"/>
+              <a:buChar char="•"/>
+            </a:pPr>
+            <a:r>
+              <a:rPr lang="en-US" sz="2800" dirty="0">
+                <a:solidFill>
+                  <a:srgbClr val="707070"/>
+                </a:solidFill>
+                <a:latin typeface="Pragmatica" panose="020B0403040502020204" pitchFamily="34" charset="0"/>
+              </a:rPr>
+              <a:t>Feature engineering (missing values, PCA)</a:t>
+            </a:r>
+            <a:br>
+              <a:rPr lang="en-US" sz="2800" dirty="0">
+                <a:solidFill>
+                  <a:srgbClr val="707070"/>
+                </a:solidFill>
+                <a:latin typeface="Pragmatica" panose="020B0403040502020204" pitchFamily="34" charset="0"/>
+              </a:rPr>
+            </a:br>
+            <a:endParaRPr lang="en-US" sz="2800" dirty="0">
+              <a:solidFill>
+                <a:srgbClr val="707070"/>
+              </a:solidFill>
+              <a:latin typeface="Pragmatica" panose="020B0403040502020204" pitchFamily="34" charset="0"/>
+            </a:endParaRPr>
+          </a:p>
+          <a:p>
+            <a:pPr marL="285750" indent="-285750">
+              <a:buFont typeface="Arial" panose="020B0604020202020204" pitchFamily="34" charset="0"/>
+              <a:buChar char="•"/>
+            </a:pPr>
+            <a:r>
+              <a:rPr lang="en-US" sz="2800" dirty="0">
+                <a:solidFill>
+                  <a:srgbClr val="707070"/>
+                </a:solidFill>
+                <a:latin typeface="Pragmatica" panose="020B0403040502020204" pitchFamily="34" charset="0"/>
+              </a:rPr>
+              <a:t>Machine learning</a:t>
+            </a:r>
+            <a:br>
+              <a:rPr lang="en-US" sz="2800" dirty="0">
+                <a:solidFill>
+                  <a:srgbClr val="707070"/>
+                </a:solidFill>
+                <a:latin typeface="Pragmatica" panose="020B0403040502020204" pitchFamily="34" charset="0"/>
+              </a:rPr>
+            </a:br>
+            <a:endParaRPr lang="en-US" sz="2800" dirty="0">
+              <a:solidFill>
+                <a:srgbClr val="707070"/>
+              </a:solidFill>
+              <a:latin typeface="Pragmatica" panose="020B0403040502020204" pitchFamily="34" charset="0"/>
+            </a:endParaRPr>
+          </a:p>
+          <a:p>
+            <a:pPr marL="285750" indent="-285750">
+              <a:buFont typeface="Arial" panose="020B0604020202020204" pitchFamily="34" charset="0"/>
+              <a:buChar char="•"/>
+            </a:pPr>
+            <a:r>
+              <a:rPr lang="en-US" sz="2800" dirty="0">
+                <a:solidFill>
+                  <a:srgbClr val="707070"/>
+                </a:solidFill>
+                <a:latin typeface="Pragmatica" panose="020B0403040502020204" pitchFamily="34" charset="0"/>
+              </a:rPr>
+              <a:t>Regular expressions</a:t>
+            </a:r>
+            <a:br>
+              <a:rPr lang="en-US" sz="2800" dirty="0">
+                <a:solidFill>
+                  <a:srgbClr val="707070"/>
+                </a:solidFill>
+                <a:latin typeface="Pragmatica" panose="020B0403040502020204" pitchFamily="34" charset="0"/>
+              </a:rPr>
+            </a:br>
+            <a:endParaRPr lang="en-US" sz="2800" dirty="0">
+              <a:solidFill>
+                <a:srgbClr val="707070"/>
+              </a:solidFill>
+              <a:latin typeface="Pragmatica" panose="020B0403040502020204" pitchFamily="34" charset="0"/>
+            </a:endParaRPr>
+          </a:p>
+          <a:p>
+            <a:pPr marL="285750" indent="-285750">
+              <a:buFont typeface="Arial" panose="020B0604020202020204" pitchFamily="34" charset="0"/>
+              <a:buChar char="•"/>
+            </a:pPr>
+            <a:r>
+              <a:rPr lang="en-US" sz="2800" dirty="0">
+                <a:solidFill>
+                  <a:srgbClr val="707070"/>
+                </a:solidFill>
+                <a:latin typeface="Pragmatica" panose="020B0403040502020204" pitchFamily="34" charset="0"/>
+              </a:rPr>
+              <a:t>Advanced, custom visualizations</a:t>
+            </a:r>
+          </a:p>
+        </p:txBody>
+      </p:sp>
+      <p:sp>
+        <p:nvSpPr>
+          <p:cNvPr id="12" name="TextBox 11">
+            <a:extLst>
+              <a:ext uri="{FF2B5EF4-FFF2-40B4-BE49-F238E27FC236}">
+                <a16:creationId xmlns:a16="http://schemas.microsoft.com/office/drawing/2014/main" id="{6DD6493B-1F9B-4D5B-BF8B-B1367EE5DCCA}"/>
+              </a:ext>
+            </a:extLst>
+          </p:cNvPr>
+          <p:cNvSpPr txBox="1"/>
+          <p:nvPr/>
+        </p:nvSpPr>
+        <p:spPr>
+          <a:xfrm>
+            <a:off x="5773856" y="4975620"/>
+            <a:ext cx="5753748" cy="646331"/>
+          </a:xfrm>
+          <a:prstGeom prst="rect">
+            <a:avLst/>
+          </a:prstGeom>
+          <a:noFill/>
+        </p:spPr>
+        <p:txBody>
+          <a:bodyPr wrap="square">
+            <a:spAutoFit/>
+          </a:bodyPr>
+          <a:lstStyle/>
+          <a:p>
+            <a:r>
+              <a:rPr lang="en-US" dirty="0"/>
+              <a:t>https://www.windowsblogitalia.com/2019/02/microsoft-migliore-futuro-inner-source/</a:t>
+            </a:r>
+          </a:p>
+        </p:txBody>
+      </p:sp>
+      <p:pic>
+        <p:nvPicPr>
+          <p:cNvPr id="1026" name="Picture 2" descr="Microsoft loves Open Source">
+            <a:extLst>
+              <a:ext uri="{FF2B5EF4-FFF2-40B4-BE49-F238E27FC236}">
+                <a16:creationId xmlns:a16="http://schemas.microsoft.com/office/drawing/2014/main" id="{FEA8D45A-D5EA-477A-A7E1-CB8D265DDFC3}"/>
+              </a:ext>
+            </a:extLst>
+          </p:cNvPr>
+          <p:cNvPicPr>
+            <a:picLocks noChangeAspect="1" noChangeArrowheads="1"/>
+          </p:cNvPicPr>
+          <p:nvPr/>
+        </p:nvPicPr>
+        <p:blipFill>
+          <a:blip r:embed="rId4">
+            <a:extLst>
+              <a:ext uri="{28A0092B-C50C-407E-A947-70E740481C1C}">
+                <a14:useLocalDpi xmlns:a14="http://schemas.microsoft.com/office/drawing/2010/main" val="0"/>
+              </a:ext>
+            </a:extLst>
+          </a:blip>
+          <a:srcRect/>
+          <a:stretch>
+            <a:fillRect/>
+          </a:stretch>
+        </p:blipFill>
+        <p:spPr bwMode="auto">
+          <a:xfrm>
+            <a:off x="5773856" y="1192418"/>
+            <a:ext cx="5678104" cy="3783202"/>
+          </a:xfrm>
+          <a:prstGeom prst="rect">
+            <a:avLst/>
+          </a:prstGeom>
+          <a:noFill/>
+          <a:extLst>
+            <a:ext uri="{909E8E84-426E-40DD-AFC4-6F175D3DCCD1}">
+              <a14:hiddenFill xmlns:a14="http://schemas.microsoft.com/office/drawing/2010/main">
+                <a:solidFill>
+                  <a:srgbClr val="FFFFFF"/>
+                </a:solidFill>
+              </a14:hiddenFill>
+            </a:ext>
+          </a:extLst>
+        </p:spPr>
+      </p:pic>
+    </p:spTree>
+    <p:extLst>
+      <p:ext uri="{BB962C8B-B14F-4D97-AF65-F5344CB8AC3E}">
+        <p14:creationId xmlns:p14="http://schemas.microsoft.com/office/powerpoint/2010/main" val="2480351462"/>
+      </p:ext>
+    </p:extLst>
+  </p:cSld>
+  <p:clrMapOvr>
+    <a:masterClrMapping/>
+  </p:clrMapOvr>
+</p:sld>
+</file>
+
+<file path=ppt/slides/slide6.xml><?xml version="1.0" encoding="utf-8"?>
+<p:sld xmlns:a="http://schemas.openxmlformats.org/drawingml/2006/main" xmlns:r="http://schemas.openxmlformats.org/officeDocument/2006/relationships" xmlns:p="http://schemas.openxmlformats.org/presentationml/2006/main">
+  <p:cSld>
+    <p:spTree>
+      <p:nvGrpSpPr>
+        <p:cNvPr id="1" name=""/>
+        <p:cNvGrpSpPr/>
+        <p:nvPr/>
+      </p:nvGrpSpPr>
+      <p:grpSpPr>
+        <a:xfrm>
+          <a:off x="0" y="0"/>
+          <a:ext cx="0" cy="0"/>
+          <a:chOff x="0" y="0"/>
+          <a:chExt cx="0" cy="0"/>
+        </a:xfrm>
+      </p:grpSpPr>
+      <p:pic>
+        <p:nvPicPr>
+          <p:cNvPr id="10" name="Picture 9"/>
+          <p:cNvPicPr>
+            <a:picLocks noChangeAspect="1"/>
+          </p:cNvPicPr>
+          <p:nvPr/>
+        </p:nvPicPr>
+        <p:blipFill rotWithShape="1">
+          <a:blip r:embed="rId3">
+            <a:extLst>
+              <a:ext uri="{28A0092B-C50C-407E-A947-70E740481C1C}">
+                <a14:useLocalDpi xmlns:a14="http://schemas.microsoft.com/office/drawing/2010/main" val="0"/>
+              </a:ext>
+            </a:extLst>
+          </a:blip>
+          <a:srcRect l="50728" t="56371"/>
+          <a:stretch/>
+        </p:blipFill>
+        <p:spPr>
+          <a:xfrm>
+            <a:off x="10894024" y="5370653"/>
+            <a:ext cx="1297975" cy="1487348"/>
+          </a:xfrm>
+          <a:prstGeom prst="rect">
+            <a:avLst/>
+          </a:prstGeom>
+        </p:spPr>
+      </p:pic>
+      <p:sp>
+        <p:nvSpPr>
+          <p:cNvPr id="11" name="TextBox 10"/>
+          <p:cNvSpPr txBox="1"/>
+          <p:nvPr/>
+        </p:nvSpPr>
+        <p:spPr>
+          <a:xfrm>
+            <a:off x="347240" y="113388"/>
+            <a:ext cx="9799937" cy="1015663"/>
+          </a:xfrm>
+          <a:prstGeom prst="rect">
+            <a:avLst/>
+          </a:prstGeom>
+          <a:noFill/>
+        </p:spPr>
+        <p:txBody>
+          <a:bodyPr wrap="square" rtlCol="0">
+            <a:spAutoFit/>
+          </a:bodyPr>
+          <a:lstStyle/>
+          <a:p>
+            <a:r>
+              <a:rPr lang="en-US" sz="6000" dirty="0">
+                <a:latin typeface="Aliens &amp; cows" panose="00000500000000000000" pitchFamily="2" charset="0"/>
+              </a:rPr>
+              <a:t>Set up</a:t>
+            </a:r>
+          </a:p>
+        </p:txBody>
+      </p:sp>
+      <p:sp>
+        <p:nvSpPr>
+          <p:cNvPr id="13" name="TextBox 12">
+            <a:extLst>
+              <a:ext uri="{FF2B5EF4-FFF2-40B4-BE49-F238E27FC236}">
+                <a16:creationId xmlns:a16="http://schemas.microsoft.com/office/drawing/2014/main" id="{BAD4CFA0-F6EE-4D9E-AA4F-AABFDE2E3205}"/>
+              </a:ext>
+            </a:extLst>
+          </p:cNvPr>
+          <p:cNvSpPr txBox="1"/>
+          <p:nvPr/>
+        </p:nvSpPr>
+        <p:spPr>
+          <a:xfrm>
+            <a:off x="462987" y="1365813"/>
+            <a:ext cx="5511093" cy="4401205"/>
+          </a:xfrm>
+          <a:prstGeom prst="rect">
+            <a:avLst/>
+          </a:prstGeom>
+          <a:noFill/>
+        </p:spPr>
+        <p:txBody>
+          <a:bodyPr wrap="square" rtlCol="0">
+            <a:spAutoFit/>
+          </a:bodyPr>
+          <a:lstStyle/>
+          <a:p>
+            <a:pPr marL="285750" indent="-285750">
+              <a:buFont typeface="Arial" panose="020B0604020202020204" pitchFamily="34" charset="0"/>
+              <a:buChar char="•"/>
+            </a:pPr>
+            <a:r>
+              <a:rPr lang="en-US" sz="2800" dirty="0">
+                <a:solidFill>
+                  <a:srgbClr val="707070"/>
+                </a:solidFill>
+                <a:latin typeface="Pragmatica" panose="020B0403040502020204" pitchFamily="34" charset="0"/>
+              </a:rPr>
+              <a:t>Freemium, Windows only</a:t>
+            </a:r>
+          </a:p>
+          <a:p>
+            <a:pPr marL="742950" lvl="1" indent="-285750">
+              <a:buFont typeface="Arial" panose="020B0604020202020204" pitchFamily="34" charset="0"/>
+              <a:buChar char="•"/>
+            </a:pPr>
+            <a:r>
+              <a:rPr lang="en-US" sz="2800" dirty="0">
+                <a:solidFill>
+                  <a:srgbClr val="707070"/>
+                </a:solidFill>
+                <a:latin typeface="Pragmatica" panose="020B0403040502020204" pitchFamily="34" charset="0"/>
+              </a:rPr>
+              <a:t>Free account can run R scripts</a:t>
+            </a:r>
+          </a:p>
+          <a:p>
+            <a:pPr marL="742950" lvl="1" indent="-285750">
+              <a:buFont typeface="Arial" panose="020B0604020202020204" pitchFamily="34" charset="0"/>
+              <a:buChar char="•"/>
+            </a:pPr>
+            <a:r>
+              <a:rPr lang="en-US" sz="2800" dirty="0">
+                <a:solidFill>
+                  <a:srgbClr val="707070"/>
+                </a:solidFill>
+                <a:latin typeface="Pragmatica" panose="020B0403040502020204" pitchFamily="34" charset="0"/>
+              </a:rPr>
+              <a:t>Paid, </a:t>
+            </a:r>
+            <a:r>
+              <a:rPr lang="en-US" sz="2800" dirty="0">
+                <a:solidFill>
+                  <a:srgbClr val="707070"/>
+                </a:solidFill>
+                <a:latin typeface="Pragmatica" panose="020B0403040502020204" pitchFamily="34" charset="0"/>
+                <a:hlinkClick r:id="rId4"/>
+              </a:rPr>
+              <a:t>Pro account</a:t>
+            </a:r>
+            <a:r>
+              <a:rPr lang="en-US" sz="2800" dirty="0">
+                <a:solidFill>
+                  <a:srgbClr val="707070"/>
+                </a:solidFill>
+                <a:latin typeface="Pragmatica" panose="020B0403040502020204" pitchFamily="34" charset="0"/>
+              </a:rPr>
+              <a:t> is needed to publish R visuals</a:t>
+            </a:r>
+          </a:p>
+          <a:p>
+            <a:pPr marL="742950" lvl="1" indent="-285750">
+              <a:buFont typeface="Arial" panose="020B0604020202020204" pitchFamily="34" charset="0"/>
+              <a:buChar char="•"/>
+            </a:pPr>
+            <a:endParaRPr lang="en-US" sz="2800" dirty="0">
+              <a:solidFill>
+                <a:srgbClr val="707070"/>
+              </a:solidFill>
+              <a:latin typeface="Pragmatica" panose="020B0403040502020204" pitchFamily="34" charset="0"/>
+            </a:endParaRPr>
+          </a:p>
+          <a:p>
+            <a:pPr marL="285750" indent="-285750">
+              <a:buFont typeface="Arial" panose="020B0604020202020204" pitchFamily="34" charset="0"/>
+              <a:buChar char="•"/>
+            </a:pPr>
+            <a:endParaRPr lang="en-US" sz="2800" dirty="0">
+              <a:solidFill>
+                <a:srgbClr val="707070"/>
+              </a:solidFill>
+              <a:latin typeface="Pragmatica" panose="020B0403040502020204" pitchFamily="34" charset="0"/>
+            </a:endParaRPr>
+          </a:p>
+          <a:p>
+            <a:pPr marL="285750" indent="-285750">
+              <a:buFont typeface="Arial" panose="020B0604020202020204" pitchFamily="34" charset="0"/>
+              <a:buChar char="•"/>
+            </a:pPr>
+            <a:r>
+              <a:rPr lang="en-US" sz="2800" dirty="0">
+                <a:solidFill>
+                  <a:srgbClr val="707070"/>
+                </a:solidFill>
+                <a:latin typeface="Pragmatica" panose="020B0403040502020204" pitchFamily="34" charset="0"/>
+              </a:rPr>
+              <a:t>File &gt; Options &amp; settings &gt; Options &gt; R scripting</a:t>
+            </a:r>
+          </a:p>
+        </p:txBody>
+      </p:sp>
+      <p:pic>
+        <p:nvPicPr>
+          <p:cNvPr id="3" name="Picture 2">
+            <a:extLst>
+              <a:ext uri="{FF2B5EF4-FFF2-40B4-BE49-F238E27FC236}">
+                <a16:creationId xmlns:a16="http://schemas.microsoft.com/office/drawing/2014/main" id="{81BD8738-D3E2-472F-B98B-1A7B3A2E062F}"/>
+              </a:ext>
+            </a:extLst>
+          </p:cNvPr>
+          <p:cNvPicPr>
+            <a:picLocks noChangeAspect="1"/>
+          </p:cNvPicPr>
+          <p:nvPr/>
+        </p:nvPicPr>
+        <p:blipFill>
+          <a:blip r:embed="rId5"/>
+          <a:stretch>
+            <a:fillRect/>
+          </a:stretch>
+        </p:blipFill>
+        <p:spPr>
+          <a:xfrm>
+            <a:off x="6020490" y="915088"/>
+            <a:ext cx="5779659" cy="5566303"/>
+          </a:xfrm>
+          <a:prstGeom prst="rect">
+            <a:avLst/>
+          </a:prstGeom>
+        </p:spPr>
+      </p:pic>
+    </p:spTree>
+    <p:extLst>
+      <p:ext uri="{BB962C8B-B14F-4D97-AF65-F5344CB8AC3E}">
+        <p14:creationId xmlns:p14="http://schemas.microsoft.com/office/powerpoint/2010/main" val="2684353158"/>
+      </p:ext>
+    </p:extLst>
+  </p:cSld>
+  <p:clrMapOvr>
+    <a:masterClrMapping/>
+  </p:clrMapOvr>
+</p:sld>
+</file>
+
+<file path=ppt/slides/slide7.xml><?xml version="1.0" encoding="utf-8"?>
+<p:sld xmlns:a="http://schemas.openxmlformats.org/drawingml/2006/main" xmlns:r="http://schemas.openxmlformats.org/officeDocument/2006/relationships" xmlns:p="http://schemas.openxmlformats.org/presentationml/2006/main">
+  <p:cSld>
+    <p:spTree>
+      <p:nvGrpSpPr>
+        <p:cNvPr id="1" name=""/>
+        <p:cNvGrpSpPr/>
+        <p:nvPr/>
+      </p:nvGrpSpPr>
+      <p:grpSpPr>
+        <a:xfrm>
+          <a:off x="0" y="0"/>
+          <a:ext cx="0" cy="0"/>
+          <a:chOff x="0" y="0"/>
+          <a:chExt cx="0" cy="0"/>
+        </a:xfrm>
+      </p:grpSpPr>
+      <p:sp>
+        <p:nvSpPr>
+          <p:cNvPr id="4" name="Rectangle 3"/>
+          <p:cNvSpPr/>
+          <p:nvPr/>
+        </p:nvSpPr>
+        <p:spPr>
+          <a:xfrm>
+            <a:off x="6574420" y="0"/>
+            <a:ext cx="5617580" cy="6858000"/>
+          </a:xfrm>
+          <a:prstGeom prst="rect">
+            <a:avLst/>
+          </a:prstGeom>
+          <a:solidFill>
+            <a:srgbClr val="CF3338"/>
+          </a:solidFill>
+          <a:ln>
+            <a:noFill/>
+          </a:ln>
+        </p:spPr>
+        <p:style>
+          <a:lnRef idx="2">
+            <a:schemeClr val="accent1">
+              <a:shade val="50000"/>
+            </a:schemeClr>
+          </a:lnRef>
+          <a:fillRef idx="1">
+            <a:schemeClr val="accent1"/>
+          </a:fillRef>
+          <a:effectRef idx="0">
+            <a:schemeClr val="accent1"/>
+          </a:effectRef>
+          <a:fontRef idx="minor">
+            <a:schemeClr val="lt1"/>
+          </a:fontRef>
+        </p:style>
+        <p:txBody>
+          <a:bodyPr rtlCol="0" anchor="ctr"/>
+          <a:lstStyle/>
+          <a:p>
+            <a:pPr algn="ctr"/>
+            <a:endParaRPr lang="en-US"/>
+          </a:p>
+        </p:txBody>
+      </p:sp>
+      <p:sp>
+        <p:nvSpPr>
+          <p:cNvPr id="5" name="TextBox 4"/>
+          <p:cNvSpPr txBox="1"/>
+          <p:nvPr/>
+        </p:nvSpPr>
+        <p:spPr>
+          <a:xfrm>
+            <a:off x="6817489" y="0"/>
+            <a:ext cx="4120587" cy="1446550"/>
+          </a:xfrm>
+          <a:prstGeom prst="rect">
+            <a:avLst/>
+          </a:prstGeom>
+          <a:noFill/>
+        </p:spPr>
+        <p:txBody>
+          <a:bodyPr wrap="square" rtlCol="0">
+            <a:spAutoFit/>
+          </a:bodyPr>
+          <a:lstStyle/>
+          <a:p>
+            <a:r>
+              <a:rPr lang="en-US" sz="8800" dirty="0">
+                <a:solidFill>
+                  <a:schemeClr val="bg1"/>
+                </a:solidFill>
+                <a:latin typeface="Aliens &amp; cows" panose="00000500000000000000" pitchFamily="2" charset="0"/>
+              </a:rPr>
+              <a:t>Demo</a:t>
+            </a:r>
+          </a:p>
+        </p:txBody>
+      </p:sp>
+      <p:pic>
+        <p:nvPicPr>
+          <p:cNvPr id="2" name="Picture 1"/>
+          <p:cNvPicPr>
+            <a:picLocks noChangeAspect="1"/>
+          </p:cNvPicPr>
+          <p:nvPr/>
+        </p:nvPicPr>
+        <p:blipFill rotWithShape="1">
+          <a:blip r:embed="rId3">
+            <a:extLst>
+              <a:ext uri="{28A0092B-C50C-407E-A947-70E740481C1C}">
+                <a14:useLocalDpi xmlns:a14="http://schemas.microsoft.com/office/drawing/2010/main" val="0"/>
+              </a:ext>
+            </a:extLst>
+          </a:blip>
+          <a:srcRect l="69227" t="33418" r="20112" b="50548"/>
+          <a:stretch/>
+        </p:blipFill>
+        <p:spPr>
+          <a:xfrm>
+            <a:off x="10386349" y="5029795"/>
+            <a:ext cx="1805651" cy="1991719"/>
+          </a:xfrm>
+          <a:prstGeom prst="rect">
+            <a:avLst/>
+          </a:prstGeom>
+        </p:spPr>
+      </p:pic>
+      <p:sp>
+        <p:nvSpPr>
+          <p:cNvPr id="3" name="TextBox 2"/>
+          <p:cNvSpPr txBox="1"/>
+          <p:nvPr/>
+        </p:nvSpPr>
+        <p:spPr>
+          <a:xfrm>
+            <a:off x="173620" y="219919"/>
+            <a:ext cx="5937813" cy="5693866"/>
+          </a:xfrm>
+          <a:prstGeom prst="rect">
+            <a:avLst/>
+          </a:prstGeom>
+          <a:noFill/>
+        </p:spPr>
+        <p:txBody>
+          <a:bodyPr wrap="square" rtlCol="0">
+            <a:spAutoFit/>
+          </a:bodyPr>
+          <a:lstStyle/>
+          <a:p>
+            <a:r>
+              <a:rPr lang="en-US" sz="2600" b="1" dirty="0">
+                <a:solidFill>
+                  <a:srgbClr val="CF3338"/>
+                </a:solidFill>
+                <a:latin typeface="Pragmatica" pitchFamily="2" charset="0"/>
+              </a:rPr>
+              <a:t>Data: </a:t>
+            </a:r>
+            <a:r>
+              <a:rPr lang="en-US" sz="2600" b="1" dirty="0">
+                <a:solidFill>
+                  <a:srgbClr val="CF3338"/>
+                </a:solidFill>
+                <a:latin typeface="Consolas" panose="020B0609020204030204" pitchFamily="49" charset="0"/>
+              </a:rPr>
+              <a:t>data/contestants.csv, data/personal_info.csv</a:t>
+            </a:r>
+          </a:p>
+          <a:p>
+            <a:endParaRPr lang="en-US" sz="2600" b="1" dirty="0">
+              <a:solidFill>
+                <a:srgbClr val="CF3338"/>
+              </a:solidFill>
+              <a:latin typeface="Pragmatica" pitchFamily="2" charset="0"/>
+            </a:endParaRPr>
+          </a:p>
+          <a:p>
+            <a:r>
+              <a:rPr lang="en-US" sz="2600" b="1" dirty="0">
+                <a:solidFill>
+                  <a:srgbClr val="CF3338"/>
+                </a:solidFill>
+                <a:latin typeface="Pragmatica" pitchFamily="2" charset="0"/>
+              </a:rPr>
+              <a:t>What are the pre- and post-intervention scores among each cohort of a study group? </a:t>
+            </a:r>
+          </a:p>
+          <a:p>
+            <a:endParaRPr lang="en-US" sz="2600" b="1" dirty="0">
+              <a:solidFill>
+                <a:srgbClr val="CF3338"/>
+              </a:solidFill>
+              <a:latin typeface="Pragmatica" pitchFamily="2" charset="0"/>
+            </a:endParaRPr>
+          </a:p>
+          <a:p>
+            <a:pPr marL="514350" indent="-514350">
+              <a:buFont typeface="Arial" panose="020B0604020202020204" pitchFamily="34" charset="0"/>
+              <a:buChar char="•"/>
+            </a:pPr>
+            <a:r>
+              <a:rPr lang="en-US" sz="2600" b="1" dirty="0">
+                <a:solidFill>
+                  <a:srgbClr val="CF3338"/>
+                </a:solidFill>
+                <a:latin typeface="Pragmatica" pitchFamily="2" charset="0"/>
+              </a:rPr>
+              <a:t>Import data via R script</a:t>
+            </a:r>
+          </a:p>
+          <a:p>
+            <a:pPr marL="514350" indent="-514350">
+              <a:buFont typeface="Arial" panose="020B0604020202020204" pitchFamily="34" charset="0"/>
+              <a:buChar char="•"/>
+            </a:pPr>
+            <a:r>
+              <a:rPr lang="en-US" sz="2600" b="1" dirty="0">
+                <a:solidFill>
+                  <a:srgbClr val="CF3338"/>
+                </a:solidFill>
+                <a:latin typeface="Pragmatica" pitchFamily="2" charset="0"/>
+              </a:rPr>
+              <a:t>Identify invalid email addresses</a:t>
+            </a:r>
+          </a:p>
+          <a:p>
+            <a:pPr marL="514350" indent="-514350">
+              <a:buFont typeface="Arial" panose="020B0604020202020204" pitchFamily="34" charset="0"/>
+              <a:buChar char="•"/>
+            </a:pPr>
+            <a:endParaRPr lang="en-US" sz="2600" b="1" dirty="0">
+              <a:solidFill>
+                <a:srgbClr val="CF3338"/>
+              </a:solidFill>
+              <a:latin typeface="Pragmatica" pitchFamily="2" charset="0"/>
+            </a:endParaRPr>
+          </a:p>
+          <a:p>
+            <a:pPr marL="514350" indent="-514350">
+              <a:buFont typeface="Arial" panose="020B0604020202020204" pitchFamily="34" charset="0"/>
+              <a:buChar char="•"/>
+            </a:pPr>
+            <a:r>
+              <a:rPr lang="en-US" sz="2600" b="1" dirty="0">
+                <a:solidFill>
+                  <a:srgbClr val="CF3338"/>
+                </a:solidFill>
+                <a:latin typeface="Pragmatica" pitchFamily="2" charset="0"/>
+              </a:rPr>
+              <a:t>Visualize pre/post by group (</a:t>
+            </a:r>
+            <a:r>
+              <a:rPr lang="en-US" sz="2600" b="1" dirty="0" err="1">
+                <a:solidFill>
+                  <a:srgbClr val="CF3338"/>
+                </a:solidFill>
+                <a:latin typeface="Pragmatica" pitchFamily="2" charset="0"/>
+              </a:rPr>
+              <a:t>slopeplot</a:t>
+            </a:r>
+            <a:r>
+              <a:rPr lang="en-US" sz="2600" b="1" dirty="0">
+                <a:solidFill>
+                  <a:srgbClr val="CF3338"/>
+                </a:solidFill>
+                <a:latin typeface="Pragmatica" pitchFamily="2" charset="0"/>
+              </a:rPr>
+              <a:t>)</a:t>
+            </a:r>
+          </a:p>
+          <a:p>
+            <a:endParaRPr lang="en-US" sz="2600" b="1" dirty="0">
+              <a:solidFill>
+                <a:srgbClr val="CF3338"/>
+              </a:solidFill>
+              <a:latin typeface="Consolas" panose="020B0609020204030204" pitchFamily="49" charset="0"/>
+            </a:endParaRPr>
+          </a:p>
+          <a:p>
+            <a:r>
+              <a:rPr lang="en-US" sz="2600" b="1" dirty="0">
+                <a:solidFill>
+                  <a:srgbClr val="CF3338"/>
+                </a:solidFill>
+                <a:latin typeface="Pragmatica" panose="020B7200000000000000" pitchFamily="34" charset="0"/>
+              </a:rPr>
+              <a:t>Follow along: </a:t>
+            </a:r>
+            <a:r>
+              <a:rPr lang="en-US" sz="2600" b="1" dirty="0">
+                <a:solidFill>
+                  <a:srgbClr val="CF3338"/>
+                </a:solidFill>
+                <a:latin typeface="Consolas" panose="020B0609020204030204" pitchFamily="49" charset="0"/>
+              </a:rPr>
+              <a:t>demo-notes.pdf</a:t>
+            </a:r>
+          </a:p>
+        </p:txBody>
+      </p:sp>
+      <p:pic>
+        <p:nvPicPr>
+          <p:cNvPr id="11" name="Graphic 10" descr="Microphone with solid fill">
+            <a:extLst>
+              <a:ext uri="{FF2B5EF4-FFF2-40B4-BE49-F238E27FC236}">
+                <a16:creationId xmlns:a16="http://schemas.microsoft.com/office/drawing/2014/main" id="{B5FC4E04-397E-4989-AC34-16A495301450}"/>
+              </a:ext>
+            </a:extLst>
+          </p:cNvPr>
+          <p:cNvPicPr>
+            <a:picLocks noChangeAspect="1"/>
+          </p:cNvPicPr>
+          <p:nvPr/>
+        </p:nvPicPr>
+        <p:blipFill>
+          <a:blip r:embed="rId4">
+            <a:extLst>
+              <a:ext uri="{28A0092B-C50C-407E-A947-70E740481C1C}">
+                <a14:useLocalDpi xmlns:a14="http://schemas.microsoft.com/office/drawing/2010/main" val="0"/>
+              </a:ext>
+              <a:ext uri="{96DAC541-7B7A-43D3-8B79-37D633B846F1}">
+                <asvg:svgBlip xmlns:asvg="http://schemas.microsoft.com/office/drawing/2016/SVG/main" r:embed="rId5"/>
+              </a:ext>
+            </a:extLst>
+          </a:blip>
+          <a:stretch>
+            <a:fillRect/>
+          </a:stretch>
+        </p:blipFill>
+        <p:spPr>
+          <a:xfrm>
+            <a:off x="6774371" y="2446261"/>
+            <a:ext cx="3412027" cy="3412027"/>
+          </a:xfrm>
+          <a:prstGeom prst="rect">
+            <a:avLst/>
+          </a:prstGeom>
+        </p:spPr>
+      </p:pic>
+    </p:spTree>
+    <p:extLst>
+      <p:ext uri="{BB962C8B-B14F-4D97-AF65-F5344CB8AC3E}">
+        <p14:creationId xmlns:p14="http://schemas.microsoft.com/office/powerpoint/2010/main" val="167227427"/>
+      </p:ext>
+    </p:extLst>
+  </p:cSld>
+  <p:clrMapOvr>
+    <a:masterClrMapping/>
+  </p:clrMapOvr>
+</p:sld>
+</file>
+
+<file path=ppt/slides/slide8.xml><?xml version="1.0" encoding="utf-8"?>
+<p:sld xmlns:a="http://schemas.openxmlformats.org/drawingml/2006/main" xmlns:r="http://schemas.openxmlformats.org/officeDocument/2006/relationships" xmlns:p="http://schemas.openxmlformats.org/presentationml/2006/main">
+  <p:cSld>
+    <p:spTree>
+      <p:nvGrpSpPr>
+        <p:cNvPr id="1" name=""/>
+        <p:cNvGrpSpPr/>
+        <p:nvPr/>
+      </p:nvGrpSpPr>
+      <p:grpSpPr>
+        <a:xfrm>
+          <a:off x="0" y="0"/>
+          <a:ext cx="0" cy="0"/>
+          <a:chOff x="0" y="0"/>
+          <a:chExt cx="0" cy="0"/>
+        </a:xfrm>
+      </p:grpSpPr>
+      <p:pic>
+        <p:nvPicPr>
+          <p:cNvPr id="10" name="Picture 9"/>
+          <p:cNvPicPr>
+            <a:picLocks noChangeAspect="1"/>
+          </p:cNvPicPr>
+          <p:nvPr/>
+        </p:nvPicPr>
+        <p:blipFill rotWithShape="1">
+          <a:blip r:embed="rId2">
+            <a:extLst>
+              <a:ext uri="{28A0092B-C50C-407E-A947-70E740481C1C}">
+                <a14:useLocalDpi xmlns:a14="http://schemas.microsoft.com/office/drawing/2010/main" val="0"/>
+              </a:ext>
+            </a:extLst>
+          </a:blip>
+          <a:srcRect l="50728" t="56371"/>
+          <a:stretch/>
+        </p:blipFill>
+        <p:spPr>
+          <a:xfrm>
+            <a:off x="8136460" y="2210765"/>
+            <a:ext cx="4055539" cy="4647236"/>
+          </a:xfrm>
+          <a:prstGeom prst="rect">
+            <a:avLst/>
+          </a:prstGeom>
+        </p:spPr>
+      </p:pic>
+      <p:pic>
+        <p:nvPicPr>
+          <p:cNvPr id="4" name="Picture 3"/>
+          <p:cNvPicPr>
+            <a:picLocks noChangeAspect="1"/>
+          </p:cNvPicPr>
+          <p:nvPr/>
+        </p:nvPicPr>
+        <p:blipFill>
+          <a:blip r:embed="rId3">
+            <a:extLst>
+              <a:ext uri="{28A0092B-C50C-407E-A947-70E740481C1C}">
+                <a14:useLocalDpi xmlns:a14="http://schemas.microsoft.com/office/drawing/2010/main" val="0"/>
+              </a:ext>
+            </a:extLst>
+          </a:blip>
+          <a:stretch>
+            <a:fillRect/>
+          </a:stretch>
+        </p:blipFill>
+        <p:spPr>
+          <a:xfrm>
+            <a:off x="-538496" y="-2482770"/>
+            <a:ext cx="10171472" cy="7459883"/>
+          </a:xfrm>
+          <a:prstGeom prst="rect">
+            <a:avLst/>
+          </a:prstGeom>
+        </p:spPr>
+      </p:pic>
+      <p:sp>
+        <p:nvSpPr>
+          <p:cNvPr id="11" name="TextBox 10"/>
+          <p:cNvSpPr txBox="1"/>
+          <p:nvPr/>
+        </p:nvSpPr>
+        <p:spPr>
+          <a:xfrm>
+            <a:off x="324091" y="1687545"/>
+            <a:ext cx="7986531" cy="769441"/>
+          </a:xfrm>
+          <a:prstGeom prst="rect">
+            <a:avLst/>
+          </a:prstGeom>
+          <a:noFill/>
+        </p:spPr>
+        <p:txBody>
+          <a:bodyPr wrap="square" rtlCol="0">
+            <a:spAutoFit/>
+          </a:bodyPr>
+          <a:lstStyle/>
+          <a:p>
+            <a:r>
+              <a:rPr lang="en-US" sz="4400" b="1" dirty="0">
+                <a:solidFill>
+                  <a:srgbClr val="707070"/>
+                </a:solidFill>
+                <a:latin typeface="Pragmatica" panose="020B0403040502020204" pitchFamily="34" charset="0"/>
+              </a:rPr>
+              <a:t>Questions?</a:t>
+            </a:r>
+          </a:p>
+        </p:txBody>
+      </p:sp>
+    </p:spTree>
+    <p:extLst>
+      <p:ext uri="{BB962C8B-B14F-4D97-AF65-F5344CB8AC3E}">
+        <p14:creationId xmlns:p14="http://schemas.microsoft.com/office/powerpoint/2010/main" val="4081097533"/>
+      </p:ext>
+    </p:extLst>
+  </p:cSld>
+  <p:clrMapOvr>
+    <a:masterClrMapping/>
+  </p:clrMapOvr>
+</p:sld>
+</file>
+
+<file path=ppt/slides/slide9.xml><?xml version="1.0" encoding="utf-8"?>
+<p:sld xmlns:a="http://schemas.openxmlformats.org/drawingml/2006/main" xmlns:r="http://schemas.openxmlformats.org/officeDocument/2006/relationships" xmlns:p="http://schemas.openxmlformats.org/presentationml/2006/main">
+  <p:cSld>
+    <p:spTree>
+      <p:nvGrpSpPr>
+        <p:cNvPr id="1" name=""/>
+        <p:cNvGrpSpPr/>
+        <p:nvPr/>
+      </p:nvGrpSpPr>
+      <p:grpSpPr>
+        <a:xfrm>
+          <a:off x="0" y="0"/>
+          <a:ext cx="0" cy="0"/>
+          <a:chOff x="0" y="0"/>
+          <a:chExt cx="0" cy="0"/>
+        </a:xfrm>
+      </p:grpSpPr>
+      <p:pic>
+        <p:nvPicPr>
+          <p:cNvPr id="10" name="Picture 9"/>
+          <p:cNvPicPr>
+            <a:picLocks noChangeAspect="1"/>
+          </p:cNvPicPr>
+          <p:nvPr/>
+        </p:nvPicPr>
+        <p:blipFill rotWithShape="1">
+          <a:blip r:embed="rId3">
+            <a:extLst>
+              <a:ext uri="{28A0092B-C50C-407E-A947-70E740481C1C}">
+                <a14:useLocalDpi xmlns:a14="http://schemas.microsoft.com/office/drawing/2010/main" val="0"/>
+              </a:ext>
+            </a:extLst>
+          </a:blip>
+          <a:srcRect l="50728" t="56371"/>
+          <a:stretch/>
+        </p:blipFill>
+        <p:spPr>
+          <a:xfrm>
+            <a:off x="10894024" y="5370653"/>
+            <a:ext cx="1297975" cy="1487348"/>
+          </a:xfrm>
+          <a:prstGeom prst="rect">
+            <a:avLst/>
+          </a:prstGeom>
+        </p:spPr>
+      </p:pic>
+      <p:sp>
+        <p:nvSpPr>
+          <p:cNvPr id="11" name="TextBox 10"/>
+          <p:cNvSpPr txBox="1"/>
+          <p:nvPr/>
+        </p:nvSpPr>
+        <p:spPr>
+          <a:xfrm>
+            <a:off x="347240" y="113388"/>
+            <a:ext cx="9799937" cy="1015663"/>
+          </a:xfrm>
+          <a:prstGeom prst="rect">
+            <a:avLst/>
+          </a:prstGeom>
+          <a:noFill/>
+        </p:spPr>
+        <p:txBody>
+          <a:bodyPr wrap="square" rtlCol="0">
+            <a:spAutoFit/>
+          </a:bodyPr>
+          <a:lstStyle/>
+          <a:p>
+            <a:r>
+              <a:rPr lang="en-US" sz="6000" dirty="0">
+                <a:latin typeface="Aliens &amp; cows" panose="00000500000000000000" pitchFamily="2" charset="0"/>
+              </a:rPr>
+              <a:t>Closing thoughts</a:t>
+            </a:r>
+          </a:p>
+        </p:txBody>
+      </p:sp>
+      <p:sp>
+        <p:nvSpPr>
+          <p:cNvPr id="13" name="TextBox 12">
+            <a:extLst>
+              <a:ext uri="{FF2B5EF4-FFF2-40B4-BE49-F238E27FC236}">
+                <a16:creationId xmlns:a16="http://schemas.microsoft.com/office/drawing/2014/main" id="{BAD4CFA0-F6EE-4D9E-AA4F-AABFDE2E3205}"/>
+              </a:ext>
+            </a:extLst>
+          </p:cNvPr>
+          <p:cNvSpPr txBox="1"/>
+          <p:nvPr/>
+        </p:nvSpPr>
+        <p:spPr>
+          <a:xfrm>
+            <a:off x="462988" y="1365813"/>
+            <a:ext cx="6772002" cy="2246769"/>
+          </a:xfrm>
+          <a:prstGeom prst="rect">
+            <a:avLst/>
+          </a:prstGeom>
+          <a:noFill/>
+        </p:spPr>
+        <p:txBody>
+          <a:bodyPr wrap="square" rtlCol="0">
+            <a:spAutoFit/>
+          </a:bodyPr>
+          <a:lstStyle/>
+          <a:p>
+            <a:pPr marL="285750" indent="-285750">
+              <a:buFont typeface="Arial" panose="020B0604020202020204" pitchFamily="34" charset="0"/>
+              <a:buChar char="•"/>
+            </a:pPr>
+            <a:r>
+              <a:rPr lang="en-US" sz="2800" dirty="0">
+                <a:solidFill>
+                  <a:srgbClr val="707070"/>
+                </a:solidFill>
+                <a:latin typeface="Pragmatica" panose="020B0403040502020204" pitchFamily="34" charset="0"/>
+              </a:rPr>
+              <a:t>Use R only when Power BI just can’t</a:t>
+            </a:r>
+          </a:p>
+          <a:p>
+            <a:pPr marL="285750" indent="-285750">
+              <a:buFont typeface="Arial" panose="020B0604020202020204" pitchFamily="34" charset="0"/>
+              <a:buChar char="•"/>
+            </a:pPr>
+            <a:r>
+              <a:rPr lang="en-US" sz="2800" dirty="0">
+                <a:solidFill>
+                  <a:srgbClr val="707070"/>
+                </a:solidFill>
+                <a:latin typeface="Pragmatica" panose="020B0403040502020204" pitchFamily="34" charset="0"/>
+              </a:rPr>
+              <a:t>Start in RStudio</a:t>
+            </a:r>
+          </a:p>
+          <a:p>
+            <a:pPr marL="285750" indent="-285750">
+              <a:buFont typeface="Arial" panose="020B0604020202020204" pitchFamily="34" charset="0"/>
+              <a:buChar char="•"/>
+            </a:pPr>
+            <a:r>
+              <a:rPr lang="en-US" sz="2800" dirty="0">
+                <a:solidFill>
+                  <a:srgbClr val="707070"/>
+                </a:solidFill>
+                <a:latin typeface="Pragmatica" panose="020B0403040502020204" pitchFamily="34" charset="0"/>
+              </a:rPr>
+              <a:t>Get a </a:t>
+            </a:r>
+            <a:r>
+              <a:rPr lang="en-US" sz="2800" dirty="0">
+                <a:solidFill>
+                  <a:srgbClr val="707070"/>
+                </a:solidFill>
+                <a:latin typeface="Pragmatica" panose="020B0403040502020204" pitchFamily="34" charset="0"/>
+                <a:hlinkClick r:id="rId4"/>
+              </a:rPr>
+              <a:t>text expander</a:t>
+            </a:r>
+            <a:r>
+              <a:rPr lang="en-US" sz="2800" dirty="0">
+                <a:solidFill>
+                  <a:srgbClr val="707070"/>
+                </a:solidFill>
+                <a:latin typeface="Pragmatica" panose="020B0403040502020204" pitchFamily="34" charset="0"/>
+              </a:rPr>
+              <a:t> for your RStudio shortcuts</a:t>
+            </a:r>
+          </a:p>
+        </p:txBody>
+      </p:sp>
+    </p:spTree>
+    <p:extLst>
+      <p:ext uri="{BB962C8B-B14F-4D97-AF65-F5344CB8AC3E}">
+        <p14:creationId xmlns:p14="http://schemas.microsoft.com/office/powerpoint/2010/main" val="3861039845"/>
       </p:ext>
     </p:extLst>
   </p:cSld>

--- a/satrday-r-power-bi.pptx
+++ b/satrday-r-power-bi.pptx
@@ -5,7 +5,7 @@
     <p:sldMasterId id="2147483648" r:id="rId1"/>
   </p:sldMasterIdLst>
   <p:notesMasterIdLst>
-    <p:notesMasterId r:id="rId14"/>
+    <p:notesMasterId r:id="rId13"/>
   </p:notesMasterIdLst>
   <p:sldIdLst>
     <p:sldId id="256" r:id="rId2"/>
@@ -18,8 +18,7 @@
     <p:sldId id="426" r:id="rId9"/>
     <p:sldId id="451" r:id="rId10"/>
     <p:sldId id="449" r:id="rId11"/>
-    <p:sldId id="450" r:id="rId12"/>
-    <p:sldId id="432" r:id="rId13"/>
+    <p:sldId id="432" r:id="rId12"/>
   </p:sldIdLst>
   <p:sldSz cx="12192000" cy="6858000"/>
   <p:notesSz cx="6858000" cy="9144000"/>
@@ -1838,7 +1837,7 @@
           <a:p>
             <a:fld id="{503F064B-41F2-4661-BDF0-BFD135E9A557}" type="datetimeFigureOut">
               <a:rPr lang="en-US" smtClean="0"/>
-              <a:t>9/28/2021</a:t>
+              <a:t>10/2/2021</a:t>
             </a:fld>
             <a:endParaRPr lang="en-US"/>
           </a:p>
@@ -2748,90 +2747,6 @@
 </p:notes>
 </file>
 
-<file path=ppt/notesSlides/notesSlide8.xml><?xml version="1.0" encoding="utf-8"?>
-<p:notes xmlns:a="http://schemas.openxmlformats.org/drawingml/2006/main" xmlns:r="http://schemas.openxmlformats.org/officeDocument/2006/relationships" xmlns:p="http://schemas.openxmlformats.org/presentationml/2006/main">
-  <p:cSld>
-    <p:spTree>
-      <p:nvGrpSpPr>
-        <p:cNvPr id="1" name=""/>
-        <p:cNvGrpSpPr/>
-        <p:nvPr/>
-      </p:nvGrpSpPr>
-      <p:grpSpPr>
-        <a:xfrm>
-          <a:off x="0" y="0"/>
-          <a:ext cx="0" cy="0"/>
-          <a:chOff x="0" y="0"/>
-          <a:chExt cx="0" cy="0"/>
-        </a:xfrm>
-      </p:grpSpPr>
-      <p:sp>
-        <p:nvSpPr>
-          <p:cNvPr id="2" name="Slide Image Placeholder 1"/>
-          <p:cNvSpPr>
-            <a:spLocks noGrp="1" noRot="1" noChangeAspect="1"/>
-          </p:cNvSpPr>
-          <p:nvPr>
-            <p:ph type="sldImg"/>
-          </p:nvPr>
-        </p:nvSpPr>
-        <p:spPr/>
-      </p:sp>
-      <p:sp>
-        <p:nvSpPr>
-          <p:cNvPr id="3" name="Notes Placeholder 2"/>
-          <p:cNvSpPr>
-            <a:spLocks noGrp="1"/>
-          </p:cNvSpPr>
-          <p:nvPr>
-            <p:ph type="body" idx="1"/>
-          </p:nvPr>
-        </p:nvSpPr>
-        <p:spPr/>
-        <p:txBody>
-          <a:bodyPr/>
-          <a:lstStyle/>
-          <a:p>
-            <a:endParaRPr lang="en-US" dirty="0"/>
-          </a:p>
-        </p:txBody>
-      </p:sp>
-      <p:sp>
-        <p:nvSpPr>
-          <p:cNvPr id="4" name="Slide Number Placeholder 3"/>
-          <p:cNvSpPr>
-            <a:spLocks noGrp="1"/>
-          </p:cNvSpPr>
-          <p:nvPr>
-            <p:ph type="sldNum" sz="quarter" idx="5"/>
-          </p:nvPr>
-        </p:nvSpPr>
-        <p:spPr/>
-        <p:txBody>
-          <a:bodyPr/>
-          <a:lstStyle/>
-          <a:p>
-            <a:fld id="{3BB66621-ADCC-4EF8-8003-B9D3E881DCD2}" type="slidenum">
-              <a:rPr lang="en-US" smtClean="0"/>
-              <a:t>11</a:t>
-            </a:fld>
-            <a:endParaRPr lang="en-US"/>
-          </a:p>
-        </p:txBody>
-      </p:sp>
-    </p:spTree>
-    <p:extLst>
-      <p:ext uri="{BB962C8B-B14F-4D97-AF65-F5344CB8AC3E}">
-        <p14:creationId xmlns:p14="http://schemas.microsoft.com/office/powerpoint/2010/main" val="2195087531"/>
-      </p:ext>
-    </p:extLst>
-  </p:cSld>
-  <p:clrMapOvr>
-    <a:masterClrMapping/>
-  </p:clrMapOvr>
-</p:notes>
-</file>
-
 <file path=ppt/slideLayouts/slideLayout1.xml><?xml version="1.0" encoding="utf-8"?>
 <p:sldLayout xmlns:a="http://schemas.openxmlformats.org/drawingml/2006/main" xmlns:r="http://schemas.openxmlformats.org/officeDocument/2006/relationships" xmlns:p="http://schemas.openxmlformats.org/presentationml/2006/main" type="title" preserve="1">
   <p:cSld name="Title Slide">
@@ -2961,7 +2876,7 @@
           <a:p>
             <a:fld id="{0138B082-EFC2-46C1-B47C-51736C670379}" type="datetimeFigureOut">
               <a:rPr lang="en-US" smtClean="0"/>
-              <a:t>9/28/2021</a:t>
+              <a:t>10/2/2021</a:t>
             </a:fld>
             <a:endParaRPr lang="en-US"/>
           </a:p>
@@ -3129,7 +3044,7 @@
           <a:p>
             <a:fld id="{0138B082-EFC2-46C1-B47C-51736C670379}" type="datetimeFigureOut">
               <a:rPr lang="en-US" smtClean="0"/>
-              <a:t>9/28/2021</a:t>
+              <a:t>10/2/2021</a:t>
             </a:fld>
             <a:endParaRPr lang="en-US"/>
           </a:p>
@@ -3307,7 +3222,7 @@
           <a:p>
             <a:fld id="{0138B082-EFC2-46C1-B47C-51736C670379}" type="datetimeFigureOut">
               <a:rPr lang="en-US" smtClean="0"/>
-              <a:t>9/28/2021</a:t>
+              <a:t>10/2/2021</a:t>
             </a:fld>
             <a:endParaRPr lang="en-US"/>
           </a:p>
@@ -3475,7 +3390,7 @@
           <a:p>
             <a:fld id="{0138B082-EFC2-46C1-B47C-51736C670379}" type="datetimeFigureOut">
               <a:rPr lang="en-US" smtClean="0"/>
-              <a:t>9/28/2021</a:t>
+              <a:t>10/2/2021</a:t>
             </a:fld>
             <a:endParaRPr lang="en-US"/>
           </a:p>
@@ -3720,7 +3635,7 @@
           <a:p>
             <a:fld id="{0138B082-EFC2-46C1-B47C-51736C670379}" type="datetimeFigureOut">
               <a:rPr lang="en-US" smtClean="0"/>
-              <a:t>9/28/2021</a:t>
+              <a:t>10/2/2021</a:t>
             </a:fld>
             <a:endParaRPr lang="en-US"/>
           </a:p>
@@ -3949,7 +3864,7 @@
           <a:p>
             <a:fld id="{0138B082-EFC2-46C1-B47C-51736C670379}" type="datetimeFigureOut">
               <a:rPr lang="en-US" smtClean="0"/>
-              <a:t>9/28/2021</a:t>
+              <a:t>10/2/2021</a:t>
             </a:fld>
             <a:endParaRPr lang="en-US"/>
           </a:p>
@@ -4313,7 +4228,7 @@
           <a:p>
             <a:fld id="{0138B082-EFC2-46C1-B47C-51736C670379}" type="datetimeFigureOut">
               <a:rPr lang="en-US" smtClean="0"/>
-              <a:t>9/28/2021</a:t>
+              <a:t>10/2/2021</a:t>
             </a:fld>
             <a:endParaRPr lang="en-US"/>
           </a:p>
@@ -4430,7 +4345,7 @@
           <a:p>
             <a:fld id="{0138B082-EFC2-46C1-B47C-51736C670379}" type="datetimeFigureOut">
               <a:rPr lang="en-US" smtClean="0"/>
-              <a:t>9/28/2021</a:t>
+              <a:t>10/2/2021</a:t>
             </a:fld>
             <a:endParaRPr lang="en-US"/>
           </a:p>
@@ -4525,7 +4440,7 @@
           <a:p>
             <a:fld id="{0138B082-EFC2-46C1-B47C-51736C670379}" type="datetimeFigureOut">
               <a:rPr lang="en-US" smtClean="0"/>
-              <a:t>9/28/2021</a:t>
+              <a:t>10/2/2021</a:t>
             </a:fld>
             <a:endParaRPr lang="en-US"/>
           </a:p>
@@ -4800,7 +4715,7 @@
           <a:p>
             <a:fld id="{0138B082-EFC2-46C1-B47C-51736C670379}" type="datetimeFigureOut">
               <a:rPr lang="en-US" smtClean="0"/>
-              <a:t>9/28/2021</a:t>
+              <a:t>10/2/2021</a:t>
             </a:fld>
             <a:endParaRPr lang="en-US"/>
           </a:p>
@@ -5052,7 +4967,7 @@
           <a:p>
             <a:fld id="{0138B082-EFC2-46C1-B47C-51736C670379}" type="datetimeFigureOut">
               <a:rPr lang="en-US" smtClean="0"/>
-              <a:t>9/28/2021</a:t>
+              <a:t>10/2/2021</a:t>
             </a:fld>
             <a:endParaRPr lang="en-US"/>
           </a:p>
@@ -5263,7 +5178,7 @@
           <a:p>
             <a:fld id="{0138B082-EFC2-46C1-B47C-51736C670379}" type="datetimeFigureOut">
               <a:rPr lang="en-US" smtClean="0"/>
-              <a:t>9/28/2021</a:t>
+              <a:t>10/2/2021</a:t>
             </a:fld>
             <a:endParaRPr lang="en-US"/>
           </a:p>
@@ -5866,100 +5781,157 @@
           </a:p>
         </p:txBody>
       </p:sp>
-      <p:pic>
-        <p:nvPicPr>
-          <p:cNvPr id="1026" name="Picture 2" descr="Advanced Analytics in Power BI with R and Python af Ryan ...">
+      <p:sp>
+        <p:nvSpPr>
+          <p:cNvPr id="6" name="TextBox 5">
             <a:extLst>
               <a:ext uri="{FF2B5EF4-FFF2-40B4-BE49-F238E27FC236}">
-                <a16:creationId xmlns:a16="http://schemas.microsoft.com/office/drawing/2014/main" id="{8F0244C3-0161-4C32-80FF-D2431F69DEDF}"/>
+                <a16:creationId xmlns:a16="http://schemas.microsoft.com/office/drawing/2014/main" id="{A1693907-2134-4CBD-AFE1-55D583EA425A}"/>
               </a:ext>
             </a:extLst>
           </p:cNvPr>
-          <p:cNvPicPr>
-            <a:picLocks noChangeAspect="1" noChangeArrowheads="1"/>
-          </p:cNvPicPr>
+          <p:cNvSpPr txBox="1"/>
           <p:nvPr/>
-        </p:nvPicPr>
-        <p:blipFill>
-          <a:blip r:embed="rId4">
-            <a:extLst>
-              <a:ext uri="{28A0092B-C50C-407E-A947-70E740481C1C}">
-                <a14:useLocalDpi xmlns:a14="http://schemas.microsoft.com/office/drawing/2010/main" val="0"/>
-              </a:ext>
-            </a:extLst>
-          </a:blip>
-          <a:srcRect/>
-          <a:stretch>
-            <a:fillRect/>
-          </a:stretch>
-        </p:blipFill>
-        <p:spPr bwMode="auto">
+        </p:nvSpPr>
+        <p:spPr>
           <a:xfrm>
-            <a:off x="655530" y="1576550"/>
-            <a:ext cx="3375135" cy="4821621"/>
+            <a:off x="462987" y="1365813"/>
+            <a:ext cx="9266640" cy="2677656"/>
           </a:xfrm>
           <a:prstGeom prst="rect">
             <a:avLst/>
           </a:prstGeom>
           <a:noFill/>
-          <a:extLst>
-            <a:ext uri="{909E8E84-426E-40DD-AFC4-6F175D3DCCD1}">
-              <a14:hiddenFill xmlns:a14="http://schemas.microsoft.com/office/drawing/2010/main">
+        </p:spPr>
+        <p:txBody>
+          <a:bodyPr wrap="square" rtlCol="0">
+            <a:spAutoFit/>
+          </a:bodyPr>
+          <a:lstStyle/>
+          <a:p>
+            <a:pPr marL="285750" indent="-285750">
+              <a:buFont typeface="Arial" panose="020B0604020202020204" pitchFamily="34" charset="0"/>
+              <a:buChar char="•"/>
+            </a:pPr>
+            <a:r>
+              <a:rPr lang="en-US" sz="2800" dirty="0">
                 <a:solidFill>
-                  <a:srgbClr val="FFFFFF"/>
+                  <a:srgbClr val="707070"/>
                 </a:solidFill>
-              </a14:hiddenFill>
-            </a:ext>
-          </a:extLst>
-        </p:spPr>
-      </p:pic>
-      <p:pic>
-        <p:nvPicPr>
-          <p:cNvPr id="1028" name="Picture 4" descr="Advancing into Analytics. Ebook. George Mount. Księgarnia ...">
-            <a:extLst>
-              <a:ext uri="{FF2B5EF4-FFF2-40B4-BE49-F238E27FC236}">
-                <a16:creationId xmlns:a16="http://schemas.microsoft.com/office/drawing/2014/main" id="{3EEC4A25-AEA4-4295-9DA4-1983C9D1418F}"/>
-              </a:ext>
-            </a:extLst>
-          </p:cNvPr>
-          <p:cNvPicPr>
-            <a:picLocks noChangeAspect="1" noChangeArrowheads="1"/>
-          </p:cNvPicPr>
-          <p:nvPr/>
-        </p:nvPicPr>
-        <p:blipFill>
-          <a:blip r:embed="rId5">
-            <a:extLst>
-              <a:ext uri="{28A0092B-C50C-407E-A947-70E740481C1C}">
-                <a14:useLocalDpi xmlns:a14="http://schemas.microsoft.com/office/drawing/2010/main" val="0"/>
-              </a:ext>
-            </a:extLst>
-          </a:blip>
-          <a:srcRect/>
-          <a:stretch>
-            <a:fillRect/>
-          </a:stretch>
-        </p:blipFill>
-        <p:spPr bwMode="auto">
-          <a:xfrm>
-            <a:off x="4918474" y="1576550"/>
-            <a:ext cx="3464284" cy="4952013"/>
-          </a:xfrm>
-          <a:prstGeom prst="rect">
-            <a:avLst/>
-          </a:prstGeom>
-          <a:noFill/>
-          <a:extLst>
-            <a:ext uri="{909E8E84-426E-40DD-AFC4-6F175D3DCCD1}">
-              <a14:hiddenFill xmlns:a14="http://schemas.microsoft.com/office/drawing/2010/main">
+                <a:latin typeface="Pragmatica" panose="020B0403040502020204" pitchFamily="34" charset="0"/>
+              </a:rPr>
+              <a:t>Wade, Ryan. </a:t>
+            </a:r>
+            <a:r>
+              <a:rPr lang="en-US" sz="2800" i="1" dirty="0">
                 <a:solidFill>
-                  <a:srgbClr val="FFFFFF"/>
+                  <a:srgbClr val="707070"/>
                 </a:solidFill>
-              </a14:hiddenFill>
-            </a:ext>
-          </a:extLst>
-        </p:spPr>
-      </p:pic>
+                <a:latin typeface="Pragmatica" panose="020B0403040502020204" pitchFamily="34" charset="0"/>
+              </a:rPr>
+              <a:t>Advanced Analytics in Power BI with R and Python. </a:t>
+            </a:r>
+            <a:r>
+              <a:rPr lang="en-US" sz="2800" dirty="0" err="1">
+                <a:solidFill>
+                  <a:srgbClr val="707070"/>
+                </a:solidFill>
+                <a:latin typeface="Pragmatica" panose="020B0403040502020204" pitchFamily="34" charset="0"/>
+              </a:rPr>
+              <a:t>Apress</a:t>
+            </a:r>
+            <a:r>
+              <a:rPr lang="en-US" sz="2800" dirty="0">
+                <a:solidFill>
+                  <a:srgbClr val="707070"/>
+                </a:solidFill>
+                <a:latin typeface="Pragmatica" panose="020B0403040502020204" pitchFamily="34" charset="0"/>
+              </a:rPr>
+              <a:t>, 2020.</a:t>
+            </a:r>
+          </a:p>
+          <a:p>
+            <a:endParaRPr lang="en-US" sz="2800" dirty="0">
+              <a:solidFill>
+                <a:srgbClr val="707070"/>
+              </a:solidFill>
+              <a:latin typeface="Pragmatica" panose="020B0403040502020204" pitchFamily="34" charset="0"/>
+            </a:endParaRPr>
+          </a:p>
+          <a:p>
+            <a:pPr marL="285750" indent="-285750">
+              <a:buFont typeface="Arial" panose="020B0604020202020204" pitchFamily="34" charset="0"/>
+              <a:buChar char="•"/>
+            </a:pPr>
+            <a:r>
+              <a:rPr lang="en-US" sz="2800" dirty="0" err="1">
+                <a:solidFill>
+                  <a:srgbClr val="707070"/>
+                </a:solidFill>
+                <a:latin typeface="Pragmatica" panose="020B0403040502020204" pitchFamily="34" charset="0"/>
+              </a:rPr>
+              <a:t>Zavarella</a:t>
+            </a:r>
+            <a:r>
+              <a:rPr lang="en-US" sz="2800" dirty="0">
+                <a:solidFill>
+                  <a:srgbClr val="707070"/>
+                </a:solidFill>
+                <a:latin typeface="Pragmatica" panose="020B0403040502020204" pitchFamily="34" charset="0"/>
+              </a:rPr>
+              <a:t>, Luca. </a:t>
+            </a:r>
+            <a:r>
+              <a:rPr lang="en-US" sz="2800" i="1" dirty="0">
+                <a:solidFill>
+                  <a:srgbClr val="707070"/>
+                </a:solidFill>
+                <a:latin typeface="Pragmatica" panose="020B0403040502020204" pitchFamily="34" charset="0"/>
+              </a:rPr>
+              <a:t>Extending Power BI with Python and R.</a:t>
+            </a:r>
+            <a:r>
+              <a:rPr lang="en-US" sz="2800" dirty="0">
+                <a:solidFill>
+                  <a:srgbClr val="707070"/>
+                </a:solidFill>
+                <a:latin typeface="Pragmatica" panose="020B0403040502020204" pitchFamily="34" charset="0"/>
+              </a:rPr>
+              <a:t> </a:t>
+            </a:r>
+            <a:r>
+              <a:rPr lang="en-US" sz="2800" dirty="0" err="1">
+                <a:solidFill>
+                  <a:srgbClr val="707070"/>
+                </a:solidFill>
+                <a:latin typeface="Pragmatica" panose="020B0403040502020204" pitchFamily="34" charset="0"/>
+              </a:rPr>
+              <a:t>Packt</a:t>
+            </a:r>
+            <a:r>
+              <a:rPr lang="en-US" sz="2800" dirty="0">
+                <a:solidFill>
+                  <a:srgbClr val="707070"/>
+                </a:solidFill>
+                <a:latin typeface="Pragmatica" panose="020B0403040502020204" pitchFamily="34" charset="0"/>
+              </a:rPr>
+              <a:t>, 2021 forthcoming.</a:t>
+            </a:r>
+          </a:p>
+          <a:p>
+            <a:pPr marL="285750" indent="-285750">
+              <a:buFont typeface="Arial" panose="020B0604020202020204" pitchFamily="34" charset="0"/>
+              <a:buChar char="•"/>
+            </a:pPr>
+            <a:endParaRPr lang="en-US" sz="2800" dirty="0">
+              <a:solidFill>
+                <a:srgbClr val="707070"/>
+              </a:solidFill>
+              <a:latin typeface="Pragmatica" panose="020B0403040502020204" pitchFamily="34" charset="0"/>
+            </a:endParaRPr>
+          </a:p>
+        </p:txBody>
+      </p:sp>
     </p:spTree>
     <p:extLst>
       <p:ext uri="{BB962C8B-B14F-4D97-AF65-F5344CB8AC3E}">
@@ -5974,266 +5946,6 @@
 </file>
 
 <file path=ppt/slides/slide11.xml><?xml version="1.0" encoding="utf-8"?>
-<p:sld xmlns:a="http://schemas.openxmlformats.org/drawingml/2006/main" xmlns:r="http://schemas.openxmlformats.org/officeDocument/2006/relationships" xmlns:p="http://schemas.openxmlformats.org/presentationml/2006/main">
-  <p:cSld>
-    <p:spTree>
-      <p:nvGrpSpPr>
-        <p:cNvPr id="1" name=""/>
-        <p:cNvGrpSpPr/>
-        <p:nvPr/>
-      </p:nvGrpSpPr>
-      <p:grpSpPr>
-        <a:xfrm>
-          <a:off x="0" y="0"/>
-          <a:ext cx="0" cy="0"/>
-          <a:chOff x="0" y="0"/>
-          <a:chExt cx="0" cy="0"/>
-        </a:xfrm>
-      </p:grpSpPr>
-      <p:pic>
-        <p:nvPicPr>
-          <p:cNvPr id="10" name="Picture 9"/>
-          <p:cNvPicPr>
-            <a:picLocks noChangeAspect="1"/>
-          </p:cNvPicPr>
-          <p:nvPr/>
-        </p:nvPicPr>
-        <p:blipFill rotWithShape="1">
-          <a:blip r:embed="rId3">
-            <a:extLst>
-              <a:ext uri="{28A0092B-C50C-407E-A947-70E740481C1C}">
-                <a14:useLocalDpi xmlns:a14="http://schemas.microsoft.com/office/drawing/2010/main" val="0"/>
-              </a:ext>
-            </a:extLst>
-          </a:blip>
-          <a:srcRect l="50728" t="56371"/>
-          <a:stretch/>
-        </p:blipFill>
-        <p:spPr>
-          <a:xfrm>
-            <a:off x="10894024" y="5370653"/>
-            <a:ext cx="1297975" cy="1487348"/>
-          </a:xfrm>
-          <a:prstGeom prst="rect">
-            <a:avLst/>
-          </a:prstGeom>
-        </p:spPr>
-      </p:pic>
-      <p:sp>
-        <p:nvSpPr>
-          <p:cNvPr id="11" name="TextBox 10"/>
-          <p:cNvSpPr txBox="1"/>
-          <p:nvPr/>
-        </p:nvSpPr>
-        <p:spPr>
-          <a:xfrm>
-            <a:off x="347240" y="113388"/>
-            <a:ext cx="10861534" cy="1015663"/>
-          </a:xfrm>
-          <a:prstGeom prst="rect">
-            <a:avLst/>
-          </a:prstGeom>
-          <a:noFill/>
-        </p:spPr>
-        <p:txBody>
-          <a:bodyPr wrap="square" rtlCol="0">
-            <a:spAutoFit/>
-          </a:bodyPr>
-          <a:lstStyle/>
-          <a:p>
-            <a:r>
-              <a:rPr lang="en-US" sz="6000" dirty="0">
-                <a:latin typeface="Aliens &amp; cows" panose="00000500000000000000" pitchFamily="2" charset="0"/>
-              </a:rPr>
-              <a:t>Resources</a:t>
-            </a:r>
-          </a:p>
-        </p:txBody>
-      </p:sp>
-      <p:pic>
-        <p:nvPicPr>
-          <p:cNvPr id="1026" name="Picture 2" descr="Advanced Analytics in Power BI with R and Python af Ryan ...">
-            <a:extLst>
-              <a:ext uri="{FF2B5EF4-FFF2-40B4-BE49-F238E27FC236}">
-                <a16:creationId xmlns:a16="http://schemas.microsoft.com/office/drawing/2014/main" id="{8F0244C3-0161-4C32-80FF-D2431F69DEDF}"/>
-              </a:ext>
-            </a:extLst>
-          </p:cNvPr>
-          <p:cNvPicPr>
-            <a:picLocks noChangeAspect="1" noChangeArrowheads="1"/>
-          </p:cNvPicPr>
-          <p:nvPr/>
-        </p:nvPicPr>
-        <p:blipFill>
-          <a:blip r:embed="rId4">
-            <a:extLst>
-              <a:ext uri="{28A0092B-C50C-407E-A947-70E740481C1C}">
-                <a14:useLocalDpi xmlns:a14="http://schemas.microsoft.com/office/drawing/2010/main" val="0"/>
-              </a:ext>
-            </a:extLst>
-          </a:blip>
-          <a:srcRect/>
-          <a:stretch>
-            <a:fillRect/>
-          </a:stretch>
-        </p:blipFill>
-        <p:spPr bwMode="auto">
-          <a:xfrm>
-            <a:off x="655530" y="1576550"/>
-            <a:ext cx="3375135" cy="4821621"/>
-          </a:xfrm>
-          <a:prstGeom prst="rect">
-            <a:avLst/>
-          </a:prstGeom>
-          <a:noFill/>
-          <a:extLst>
-            <a:ext uri="{909E8E84-426E-40DD-AFC4-6F175D3DCCD1}">
-              <a14:hiddenFill xmlns:a14="http://schemas.microsoft.com/office/drawing/2010/main">
-                <a:solidFill>
-                  <a:srgbClr val="FFFFFF"/>
-                </a:solidFill>
-              </a14:hiddenFill>
-            </a:ext>
-          </a:extLst>
-        </p:spPr>
-      </p:pic>
-      <p:pic>
-        <p:nvPicPr>
-          <p:cNvPr id="1028" name="Picture 4" descr="Advancing into Analytics. Ebook. George Mount. Księgarnia ...">
-            <a:extLst>
-              <a:ext uri="{FF2B5EF4-FFF2-40B4-BE49-F238E27FC236}">
-                <a16:creationId xmlns:a16="http://schemas.microsoft.com/office/drawing/2014/main" id="{3EEC4A25-AEA4-4295-9DA4-1983C9D1418F}"/>
-              </a:ext>
-            </a:extLst>
-          </p:cNvPr>
-          <p:cNvPicPr>
-            <a:picLocks noChangeAspect="1" noChangeArrowheads="1"/>
-          </p:cNvPicPr>
-          <p:nvPr/>
-        </p:nvPicPr>
-        <p:blipFill>
-          <a:blip r:embed="rId5">
-            <a:extLst>
-              <a:ext uri="{28A0092B-C50C-407E-A947-70E740481C1C}">
-                <a14:useLocalDpi xmlns:a14="http://schemas.microsoft.com/office/drawing/2010/main" val="0"/>
-              </a:ext>
-            </a:extLst>
-          </a:blip>
-          <a:srcRect/>
-          <a:stretch>
-            <a:fillRect/>
-          </a:stretch>
-        </p:blipFill>
-        <p:spPr bwMode="auto">
-          <a:xfrm>
-            <a:off x="4918474" y="1576550"/>
-            <a:ext cx="3464284" cy="4952013"/>
-          </a:xfrm>
-          <a:prstGeom prst="rect">
-            <a:avLst/>
-          </a:prstGeom>
-          <a:noFill/>
-          <a:extLst>
-            <a:ext uri="{909E8E84-426E-40DD-AFC4-6F175D3DCCD1}">
-              <a14:hiddenFill xmlns:a14="http://schemas.microsoft.com/office/drawing/2010/main">
-                <a:solidFill>
-                  <a:srgbClr val="FFFFFF"/>
-                </a:solidFill>
-              </a14:hiddenFill>
-            </a:ext>
-          </a:extLst>
-        </p:spPr>
-      </p:pic>
-      <p:cxnSp>
-        <p:nvCxnSpPr>
-          <p:cNvPr id="3" name="Straight Arrow Connector 2">
-            <a:extLst>
-              <a:ext uri="{FF2B5EF4-FFF2-40B4-BE49-F238E27FC236}">
-                <a16:creationId xmlns:a16="http://schemas.microsoft.com/office/drawing/2014/main" id="{8FF82CCC-14C6-4AD6-8FFE-1C66FF184B11}"/>
-              </a:ext>
-            </a:extLst>
-          </p:cNvPr>
-          <p:cNvCxnSpPr/>
-          <p:nvPr/>
-        </p:nvCxnSpPr>
-        <p:spPr>
-          <a:xfrm flipV="1">
-            <a:off x="8505496" y="2646497"/>
-            <a:ext cx="804041" cy="630621"/>
-          </a:xfrm>
-          <a:prstGeom prst="straightConnector1">
-            <a:avLst/>
-          </a:prstGeom>
-          <a:ln w="38100">
-            <a:tailEnd type="triangle"/>
-          </a:ln>
-        </p:spPr>
-        <p:style>
-          <a:lnRef idx="1">
-            <a:schemeClr val="accent1"/>
-          </a:lnRef>
-          <a:fillRef idx="0">
-            <a:schemeClr val="accent1"/>
-          </a:fillRef>
-          <a:effectRef idx="0">
-            <a:schemeClr val="accent1"/>
-          </a:effectRef>
-          <a:fontRef idx="minor">
-            <a:schemeClr val="tx1"/>
-          </a:fontRef>
-        </p:style>
-      </p:cxnSp>
-      <p:sp>
-        <p:nvSpPr>
-          <p:cNvPr id="4" name="TextBox 3">
-            <a:extLst>
-              <a:ext uri="{FF2B5EF4-FFF2-40B4-BE49-F238E27FC236}">
-                <a16:creationId xmlns:a16="http://schemas.microsoft.com/office/drawing/2014/main" id="{58CE0CB2-C8EF-4177-932A-72F38BC44C56}"/>
-              </a:ext>
-            </a:extLst>
-          </p:cNvPr>
-          <p:cNvSpPr txBox="1"/>
-          <p:nvPr/>
-        </p:nvSpPr>
-        <p:spPr>
-          <a:xfrm>
-            <a:off x="9309537" y="1726031"/>
-            <a:ext cx="2632842" cy="954107"/>
-          </a:xfrm>
-          <a:prstGeom prst="rect">
-            <a:avLst/>
-          </a:prstGeom>
-          <a:noFill/>
-        </p:spPr>
-        <p:txBody>
-          <a:bodyPr wrap="square" rtlCol="0">
-            <a:spAutoFit/>
-          </a:bodyPr>
-          <a:lstStyle/>
-          <a:p>
-            <a:r>
-              <a:rPr lang="en-US" sz="2800" dirty="0">
-                <a:latin typeface="Pragmatica" panose="020B7200000000000000" pitchFamily="34" charset="0"/>
-              </a:rPr>
-              <a:t>Time for a giveaway!</a:t>
-            </a:r>
-          </a:p>
-        </p:txBody>
-      </p:sp>
-    </p:spTree>
-    <p:extLst>
-      <p:ext uri="{BB962C8B-B14F-4D97-AF65-F5344CB8AC3E}">
-        <p14:creationId xmlns:p14="http://schemas.microsoft.com/office/powerpoint/2010/main" val="3784472516"/>
-      </p:ext>
-    </p:extLst>
-  </p:cSld>
-  <p:clrMapOvr>
-    <a:masterClrMapping/>
-  </p:clrMapOvr>
-</p:sld>
-</file>
-
-<file path=ppt/slides/slide12.xml><?xml version="1.0" encoding="utf-8"?>
 <p:sld xmlns:a="http://schemas.openxmlformats.org/drawingml/2006/main" xmlns:r="http://schemas.openxmlformats.org/officeDocument/2006/relationships" xmlns:p="http://schemas.openxmlformats.org/presentationml/2006/main">
   <p:cSld>
     <p:spTree>
@@ -7814,7 +7526,7 @@
         <p:spPr>
           <a:xfrm>
             <a:off x="173620" y="219919"/>
-            <a:ext cx="5937813" cy="5693866"/>
+            <a:ext cx="5937813" cy="5293757"/>
           </a:xfrm>
           <a:prstGeom prst="rect">
             <a:avLst/>
@@ -7902,18 +7614,6 @@
               </a:rPr>
               <a:t>Identify invalid email addresses</a:t>
             </a:r>
-          </a:p>
-          <a:p>
-            <a:pPr marL="514350" indent="-514350">
-              <a:buFont typeface="Arial" panose="020B0604020202020204" pitchFamily="34" charset="0"/>
-              <a:buChar char="•"/>
-            </a:pPr>
-            <a:endParaRPr lang="en-US" sz="2600" b="1" dirty="0">
-              <a:solidFill>
-                <a:srgbClr val="CF3338"/>
-              </a:solidFill>
-              <a:latin typeface="Pragmatica" pitchFamily="2" charset="0"/>
-            </a:endParaRPr>
           </a:p>
           <a:p>
             <a:pPr marL="514350" indent="-514350">
@@ -8244,8 +7944,8 @@
         </p:nvSpPr>
         <p:spPr>
           <a:xfrm>
-            <a:off x="462988" y="1365813"/>
-            <a:ext cx="6772002" cy="2246769"/>
+            <a:off x="462987" y="1365813"/>
+            <a:ext cx="7694693" cy="1815882"/>
           </a:xfrm>
           <a:prstGeom prst="rect">
             <a:avLst/>
